--- a/Praesentation/command.pptx
+++ b/Praesentation/command.pptx
@@ -4,9 +4,18 @@
   <p:sldMasterIdLst>
     <p:sldMasterId id="2147483660" r:id="rId1"/>
   </p:sldMasterIdLst>
+  <p:notesMasterIdLst>
+    <p:notesMasterId r:id="rId10"/>
+  </p:notesMasterIdLst>
   <p:sldIdLst>
     <p:sldId id="256" r:id="rId2"/>
     <p:sldId id="257" r:id="rId3"/>
+    <p:sldId id="261" r:id="rId4"/>
+    <p:sldId id="258" r:id="rId5"/>
+    <p:sldId id="262" r:id="rId6"/>
+    <p:sldId id="259" r:id="rId7"/>
+    <p:sldId id="260" r:id="rId8"/>
+    <p:sldId id="264" r:id="rId9"/>
   </p:sldIdLst>
   <p:sldSz cx="12192000" cy="6858000"/>
   <p:notesSz cx="6858000" cy="9144000"/>
@@ -105,7 +114,1098 @@
       </a:defRPr>
     </a:lvl9pPr>
   </p:defaultTextStyle>
+  <p:extLst>
+    <p:ext uri="{EFAFB233-063F-42B5-8137-9DF3F51BA10A}">
+      <p15:sldGuideLst xmlns:p15="http://schemas.microsoft.com/office/powerpoint/2012/main"/>
+    </p:ext>
+  </p:extLst>
 </p:presentation>
+</file>
+
+<file path=ppt/notesMasters/notesMaster1.xml><?xml version="1.0" encoding="utf-8"?>
+<p:notesMaster xmlns:a="http://schemas.openxmlformats.org/drawingml/2006/main" xmlns:r="http://schemas.openxmlformats.org/officeDocument/2006/relationships" xmlns:p="http://schemas.openxmlformats.org/presentationml/2006/main">
+  <p:cSld>
+    <p:bg>
+      <p:bgRef idx="1001">
+        <a:schemeClr val="bg1"/>
+      </p:bgRef>
+    </p:bg>
+    <p:spTree>
+      <p:nvGrpSpPr>
+        <p:cNvPr id="1" name=""/>
+        <p:cNvGrpSpPr/>
+        <p:nvPr/>
+      </p:nvGrpSpPr>
+      <p:grpSpPr>
+        <a:xfrm>
+          <a:off x="0" y="0"/>
+          <a:ext cx="0" cy="0"/>
+          <a:chOff x="0" y="0"/>
+          <a:chExt cx="0" cy="0"/>
+        </a:xfrm>
+      </p:grpSpPr>
+      <p:sp>
+        <p:nvSpPr>
+          <p:cNvPr id="2" name="Kopfzeilenplatzhalter 1"/>
+          <p:cNvSpPr>
+            <a:spLocks noGrp="1"/>
+          </p:cNvSpPr>
+          <p:nvPr>
+            <p:ph type="hdr" sz="quarter"/>
+          </p:nvPr>
+        </p:nvSpPr>
+        <p:spPr>
+          <a:xfrm>
+            <a:off x="0" y="0"/>
+            <a:ext cx="2971800" cy="458788"/>
+          </a:xfrm>
+          <a:prstGeom prst="rect">
+            <a:avLst/>
+          </a:prstGeom>
+        </p:spPr>
+        <p:txBody>
+          <a:bodyPr vert="horz" lIns="91440" tIns="45720" rIns="91440" bIns="45720" rtlCol="0"/>
+          <a:lstStyle>
+            <a:lvl1pPr algn="l">
+              <a:defRPr sz="1200"/>
+            </a:lvl1pPr>
+          </a:lstStyle>
+          <a:p>
+            <a:endParaRPr lang="de-AT"/>
+          </a:p>
+        </p:txBody>
+      </p:sp>
+      <p:sp>
+        <p:nvSpPr>
+          <p:cNvPr id="3" name="Datumsplatzhalter 2"/>
+          <p:cNvSpPr>
+            <a:spLocks noGrp="1"/>
+          </p:cNvSpPr>
+          <p:nvPr>
+            <p:ph type="dt" idx="1"/>
+          </p:nvPr>
+        </p:nvSpPr>
+        <p:spPr>
+          <a:xfrm>
+            <a:off x="3884613" y="0"/>
+            <a:ext cx="2971800" cy="458788"/>
+          </a:xfrm>
+          <a:prstGeom prst="rect">
+            <a:avLst/>
+          </a:prstGeom>
+        </p:spPr>
+        <p:txBody>
+          <a:bodyPr vert="horz" lIns="91440" tIns="45720" rIns="91440" bIns="45720" rtlCol="0"/>
+          <a:lstStyle>
+            <a:lvl1pPr algn="r">
+              <a:defRPr sz="1200"/>
+            </a:lvl1pPr>
+          </a:lstStyle>
+          <a:p>
+            <a:fld id="{30FEE3E6-266F-4FA1-BD04-D777CA3A4F06}" type="datetimeFigureOut">
+              <a:rPr lang="de-AT" smtClean="0"/>
+              <a:t>06.11.2018</a:t>
+            </a:fld>
+            <a:endParaRPr lang="de-AT"/>
+          </a:p>
+        </p:txBody>
+      </p:sp>
+      <p:sp>
+        <p:nvSpPr>
+          <p:cNvPr id="4" name="Folienbildplatzhalter 3"/>
+          <p:cNvSpPr>
+            <a:spLocks noGrp="1" noRot="1" noChangeAspect="1"/>
+          </p:cNvSpPr>
+          <p:nvPr>
+            <p:ph type="sldImg" idx="2"/>
+          </p:nvPr>
+        </p:nvSpPr>
+        <p:spPr>
+          <a:xfrm>
+            <a:off x="685800" y="1143000"/>
+            <a:ext cx="5486400" cy="3086100"/>
+          </a:xfrm>
+          <a:prstGeom prst="rect">
+            <a:avLst/>
+          </a:prstGeom>
+          <a:noFill/>
+          <a:ln w="12700">
+            <a:solidFill>
+              <a:prstClr val="black"/>
+            </a:solidFill>
+          </a:ln>
+        </p:spPr>
+        <p:txBody>
+          <a:bodyPr vert="horz" lIns="91440" tIns="45720" rIns="91440" bIns="45720" rtlCol="0" anchor="ctr"/>
+          <a:lstStyle/>
+          <a:p>
+            <a:endParaRPr lang="de-AT"/>
+          </a:p>
+        </p:txBody>
+      </p:sp>
+      <p:sp>
+        <p:nvSpPr>
+          <p:cNvPr id="5" name="Notizenplatzhalter 4"/>
+          <p:cNvSpPr>
+            <a:spLocks noGrp="1"/>
+          </p:cNvSpPr>
+          <p:nvPr>
+            <p:ph type="body" sz="quarter" idx="3"/>
+          </p:nvPr>
+        </p:nvSpPr>
+        <p:spPr>
+          <a:xfrm>
+            <a:off x="685800" y="4400550"/>
+            <a:ext cx="5486400" cy="3600450"/>
+          </a:xfrm>
+          <a:prstGeom prst="rect">
+            <a:avLst/>
+          </a:prstGeom>
+        </p:spPr>
+        <p:txBody>
+          <a:bodyPr vert="horz" lIns="91440" tIns="45720" rIns="91440" bIns="45720" rtlCol="0"/>
+          <a:lstStyle/>
+          <a:p>
+            <a:pPr lvl="0"/>
+            <a:r>
+              <a:rPr lang="de-DE"/>
+              <a:t>Mastertextformat bearbeiten</a:t>
+            </a:r>
+          </a:p>
+          <a:p>
+            <a:pPr lvl="1"/>
+            <a:r>
+              <a:rPr lang="de-DE"/>
+              <a:t>Zweite Ebene</a:t>
+            </a:r>
+          </a:p>
+          <a:p>
+            <a:pPr lvl="2"/>
+            <a:r>
+              <a:rPr lang="de-DE"/>
+              <a:t>Dritte Ebene</a:t>
+            </a:r>
+          </a:p>
+          <a:p>
+            <a:pPr lvl="3"/>
+            <a:r>
+              <a:rPr lang="de-DE"/>
+              <a:t>Vierte Ebene</a:t>
+            </a:r>
+          </a:p>
+          <a:p>
+            <a:pPr lvl="4"/>
+            <a:r>
+              <a:rPr lang="de-DE"/>
+              <a:t>Fünfte Ebene</a:t>
+            </a:r>
+            <a:endParaRPr lang="de-AT"/>
+          </a:p>
+        </p:txBody>
+      </p:sp>
+      <p:sp>
+        <p:nvSpPr>
+          <p:cNvPr id="6" name="Fußzeilenplatzhalter 5"/>
+          <p:cNvSpPr>
+            <a:spLocks noGrp="1"/>
+          </p:cNvSpPr>
+          <p:nvPr>
+            <p:ph type="ftr" sz="quarter" idx="4"/>
+          </p:nvPr>
+        </p:nvSpPr>
+        <p:spPr>
+          <a:xfrm>
+            <a:off x="0" y="8685213"/>
+            <a:ext cx="2971800" cy="458787"/>
+          </a:xfrm>
+          <a:prstGeom prst="rect">
+            <a:avLst/>
+          </a:prstGeom>
+        </p:spPr>
+        <p:txBody>
+          <a:bodyPr vert="horz" lIns="91440" tIns="45720" rIns="91440" bIns="45720" rtlCol="0" anchor="b"/>
+          <a:lstStyle>
+            <a:lvl1pPr algn="l">
+              <a:defRPr sz="1200"/>
+            </a:lvl1pPr>
+          </a:lstStyle>
+          <a:p>
+            <a:endParaRPr lang="de-AT"/>
+          </a:p>
+        </p:txBody>
+      </p:sp>
+      <p:sp>
+        <p:nvSpPr>
+          <p:cNvPr id="7" name="Foliennummernplatzhalter 6"/>
+          <p:cNvSpPr>
+            <a:spLocks noGrp="1"/>
+          </p:cNvSpPr>
+          <p:nvPr>
+            <p:ph type="sldNum" sz="quarter" idx="5"/>
+          </p:nvPr>
+        </p:nvSpPr>
+        <p:spPr>
+          <a:xfrm>
+            <a:off x="3884613" y="8685213"/>
+            <a:ext cx="2971800" cy="458787"/>
+          </a:xfrm>
+          <a:prstGeom prst="rect">
+            <a:avLst/>
+          </a:prstGeom>
+        </p:spPr>
+        <p:txBody>
+          <a:bodyPr vert="horz" lIns="91440" tIns="45720" rIns="91440" bIns="45720" rtlCol="0" anchor="b"/>
+          <a:lstStyle>
+            <a:lvl1pPr algn="r">
+              <a:defRPr sz="1200"/>
+            </a:lvl1pPr>
+          </a:lstStyle>
+          <a:p>
+            <a:fld id="{3E71053D-E0BB-48A3-A693-A35E6FB12952}" type="slidenum">
+              <a:rPr lang="de-AT" smtClean="0"/>
+              <a:t>‹Nr.›</a:t>
+            </a:fld>
+            <a:endParaRPr lang="de-AT"/>
+          </a:p>
+        </p:txBody>
+      </p:sp>
+    </p:spTree>
+    <p:extLst>
+      <p:ext uri="{BB962C8B-B14F-4D97-AF65-F5344CB8AC3E}">
+        <p14:creationId xmlns:p14="http://schemas.microsoft.com/office/powerpoint/2010/main" val="1540287392"/>
+      </p:ext>
+    </p:extLst>
+  </p:cSld>
+  <p:clrMap bg1="lt1" tx1="dk1" bg2="lt2" tx2="dk2" accent1="accent1" accent2="accent2" accent3="accent3" accent4="accent4" accent5="accent5" accent6="accent6" hlink="hlink" folHlink="folHlink"/>
+  <p:notesStyle>
+    <a:lvl1pPr marL="0" algn="l" defTabSz="914400" rtl="0" eaLnBrk="1" latinLnBrk="0" hangingPunct="1">
+      <a:defRPr sz="1200" kern="1200">
+        <a:solidFill>
+          <a:schemeClr val="tx1"/>
+        </a:solidFill>
+        <a:latin typeface="+mn-lt"/>
+        <a:ea typeface="+mn-ea"/>
+        <a:cs typeface="+mn-cs"/>
+      </a:defRPr>
+    </a:lvl1pPr>
+    <a:lvl2pPr marL="457200" algn="l" defTabSz="914400" rtl="0" eaLnBrk="1" latinLnBrk="0" hangingPunct="1">
+      <a:defRPr sz="1200" kern="1200">
+        <a:solidFill>
+          <a:schemeClr val="tx1"/>
+        </a:solidFill>
+        <a:latin typeface="+mn-lt"/>
+        <a:ea typeface="+mn-ea"/>
+        <a:cs typeface="+mn-cs"/>
+      </a:defRPr>
+    </a:lvl2pPr>
+    <a:lvl3pPr marL="914400" algn="l" defTabSz="914400" rtl="0" eaLnBrk="1" latinLnBrk="0" hangingPunct="1">
+      <a:defRPr sz="1200" kern="1200">
+        <a:solidFill>
+          <a:schemeClr val="tx1"/>
+        </a:solidFill>
+        <a:latin typeface="+mn-lt"/>
+        <a:ea typeface="+mn-ea"/>
+        <a:cs typeface="+mn-cs"/>
+      </a:defRPr>
+    </a:lvl3pPr>
+    <a:lvl4pPr marL="1371600" algn="l" defTabSz="914400" rtl="0" eaLnBrk="1" latinLnBrk="0" hangingPunct="1">
+      <a:defRPr sz="1200" kern="1200">
+        <a:solidFill>
+          <a:schemeClr val="tx1"/>
+        </a:solidFill>
+        <a:latin typeface="+mn-lt"/>
+        <a:ea typeface="+mn-ea"/>
+        <a:cs typeface="+mn-cs"/>
+      </a:defRPr>
+    </a:lvl4pPr>
+    <a:lvl5pPr marL="1828800" algn="l" defTabSz="914400" rtl="0" eaLnBrk="1" latinLnBrk="0" hangingPunct="1">
+      <a:defRPr sz="1200" kern="1200">
+        <a:solidFill>
+          <a:schemeClr val="tx1"/>
+        </a:solidFill>
+        <a:latin typeface="+mn-lt"/>
+        <a:ea typeface="+mn-ea"/>
+        <a:cs typeface="+mn-cs"/>
+      </a:defRPr>
+    </a:lvl5pPr>
+    <a:lvl6pPr marL="2286000" algn="l" defTabSz="914400" rtl="0" eaLnBrk="1" latinLnBrk="0" hangingPunct="1">
+      <a:defRPr sz="1200" kern="1200">
+        <a:solidFill>
+          <a:schemeClr val="tx1"/>
+        </a:solidFill>
+        <a:latin typeface="+mn-lt"/>
+        <a:ea typeface="+mn-ea"/>
+        <a:cs typeface="+mn-cs"/>
+      </a:defRPr>
+    </a:lvl6pPr>
+    <a:lvl7pPr marL="2743200" algn="l" defTabSz="914400" rtl="0" eaLnBrk="1" latinLnBrk="0" hangingPunct="1">
+      <a:defRPr sz="1200" kern="1200">
+        <a:solidFill>
+          <a:schemeClr val="tx1"/>
+        </a:solidFill>
+        <a:latin typeface="+mn-lt"/>
+        <a:ea typeface="+mn-ea"/>
+        <a:cs typeface="+mn-cs"/>
+      </a:defRPr>
+    </a:lvl7pPr>
+    <a:lvl8pPr marL="3200400" algn="l" defTabSz="914400" rtl="0" eaLnBrk="1" latinLnBrk="0" hangingPunct="1">
+      <a:defRPr sz="1200" kern="1200">
+        <a:solidFill>
+          <a:schemeClr val="tx1"/>
+        </a:solidFill>
+        <a:latin typeface="+mn-lt"/>
+        <a:ea typeface="+mn-ea"/>
+        <a:cs typeface="+mn-cs"/>
+      </a:defRPr>
+    </a:lvl8pPr>
+    <a:lvl9pPr marL="3657600" algn="l" defTabSz="914400" rtl="0" eaLnBrk="1" latinLnBrk="0" hangingPunct="1">
+      <a:defRPr sz="1200" kern="1200">
+        <a:solidFill>
+          <a:schemeClr val="tx1"/>
+        </a:solidFill>
+        <a:latin typeface="+mn-lt"/>
+        <a:ea typeface="+mn-ea"/>
+        <a:cs typeface="+mn-cs"/>
+      </a:defRPr>
+    </a:lvl9pPr>
+  </p:notesStyle>
+</p:notesMaster>
+</file>
+
+<file path=ppt/notesSlides/notesSlide1.xml><?xml version="1.0" encoding="utf-8"?>
+<p:notes xmlns:a="http://schemas.openxmlformats.org/drawingml/2006/main" xmlns:r="http://schemas.openxmlformats.org/officeDocument/2006/relationships" xmlns:p="http://schemas.openxmlformats.org/presentationml/2006/main">
+  <p:cSld>
+    <p:spTree>
+      <p:nvGrpSpPr>
+        <p:cNvPr id="1" name=""/>
+        <p:cNvGrpSpPr/>
+        <p:nvPr/>
+      </p:nvGrpSpPr>
+      <p:grpSpPr>
+        <a:xfrm>
+          <a:off x="0" y="0"/>
+          <a:ext cx="0" cy="0"/>
+          <a:chOff x="0" y="0"/>
+          <a:chExt cx="0" cy="0"/>
+        </a:xfrm>
+      </p:grpSpPr>
+      <p:sp>
+        <p:nvSpPr>
+          <p:cNvPr id="2" name="Folienbildplatzhalter 1"/>
+          <p:cNvSpPr>
+            <a:spLocks noGrp="1" noRot="1" noChangeAspect="1"/>
+          </p:cNvSpPr>
+          <p:nvPr>
+            <p:ph type="sldImg"/>
+          </p:nvPr>
+        </p:nvSpPr>
+        <p:spPr/>
+      </p:sp>
+      <p:sp>
+        <p:nvSpPr>
+          <p:cNvPr id="3" name="Notizenplatzhalter 2"/>
+          <p:cNvSpPr>
+            <a:spLocks noGrp="1"/>
+          </p:cNvSpPr>
+          <p:nvPr>
+            <p:ph type="body" idx="1"/>
+          </p:nvPr>
+        </p:nvSpPr>
+        <p:spPr/>
+        <p:txBody>
+          <a:bodyPr/>
+          <a:lstStyle/>
+          <a:p>
+            <a:r>
+              <a:rPr lang="de-DE" sz="1200" b="0" i="0" kern="1200" dirty="0">
+                <a:solidFill>
+                  <a:schemeClr val="tx1"/>
+                </a:solidFill>
+                <a:effectLst/>
+                <a:latin typeface="+mn-lt"/>
+                <a:ea typeface="+mn-ea"/>
+                <a:cs typeface="+mn-cs"/>
+              </a:rPr>
+              <a:t>Der </a:t>
+            </a:r>
+            <a:r>
+              <a:rPr lang="de-DE" sz="1200" b="0" i="1" kern="1200" dirty="0">
+                <a:solidFill>
+                  <a:schemeClr val="tx1"/>
+                </a:solidFill>
+                <a:effectLst/>
+                <a:latin typeface="+mn-lt"/>
+                <a:ea typeface="+mn-ea"/>
+                <a:cs typeface="+mn-cs"/>
+              </a:rPr>
+              <a:t>Befehl</a:t>
+            </a:r>
+            <a:r>
+              <a:rPr lang="de-DE" sz="1200" b="0" i="0" kern="1200" dirty="0">
+                <a:solidFill>
+                  <a:schemeClr val="tx1"/>
+                </a:solidFill>
+                <a:effectLst/>
+                <a:latin typeface="+mn-lt"/>
+                <a:ea typeface="+mn-ea"/>
+                <a:cs typeface="+mn-cs"/>
+              </a:rPr>
+              <a:t> ist die </a:t>
+            </a:r>
+            <a:r>
+              <a:rPr lang="de-DE" sz="1200" b="0" i="0" u="none" strike="noStrike" kern="1200" dirty="0">
+                <a:solidFill>
+                  <a:schemeClr val="tx1"/>
+                </a:solidFill>
+                <a:effectLst/>
+                <a:latin typeface="+mn-lt"/>
+                <a:ea typeface="+mn-ea"/>
+                <a:cs typeface="+mn-cs"/>
+                <a:hlinkClick r:id="rId3" tooltip="Vererbung (Programmierung)"/>
+              </a:rPr>
+              <a:t>Basisklasse</a:t>
+            </a:r>
+            <a:r>
+              <a:rPr lang="de-DE" sz="1200" b="0" i="0" kern="1200" dirty="0">
+                <a:solidFill>
+                  <a:schemeClr val="tx1"/>
+                </a:solidFill>
+                <a:effectLst/>
+                <a:latin typeface="+mn-lt"/>
+                <a:ea typeface="+mn-ea"/>
+                <a:cs typeface="+mn-cs"/>
+              </a:rPr>
+              <a:t> aller Kommandos.</a:t>
+            </a:r>
+          </a:p>
+          <a:p>
+            <a:r>
+              <a:rPr lang="de-DE" sz="1200" b="0" i="0" kern="1200" dirty="0">
+                <a:solidFill>
+                  <a:schemeClr val="tx1"/>
+                </a:solidFill>
+                <a:effectLst/>
+                <a:latin typeface="+mn-lt"/>
+                <a:ea typeface="+mn-ea"/>
+                <a:cs typeface="+mn-cs"/>
+              </a:rPr>
+              <a:t>Ein </a:t>
+            </a:r>
+            <a:r>
+              <a:rPr lang="de-DE" sz="1200" b="1" i="1" u="sng" kern="1200" dirty="0">
+                <a:solidFill>
+                  <a:schemeClr val="tx1"/>
+                </a:solidFill>
+                <a:effectLst/>
+                <a:latin typeface="+mn-lt"/>
+                <a:ea typeface="+mn-ea"/>
+                <a:cs typeface="+mn-cs"/>
+              </a:rPr>
+              <a:t>k</a:t>
+            </a:r>
+            <a:r>
+              <a:rPr lang="de-DE" sz="1200" b="1" i="1" u="sng" kern="1200" dirty="0">
+                <a:solidFill>
+                  <a:schemeClr val="tx1"/>
+                </a:solidFill>
+                <a:effectLst/>
+                <a:highlight>
+                  <a:srgbClr val="FFFF00"/>
+                </a:highlight>
+                <a:latin typeface="+mn-lt"/>
+                <a:ea typeface="+mn-ea"/>
+                <a:cs typeface="+mn-cs"/>
+              </a:rPr>
+              <a:t>onkrete</a:t>
+            </a:r>
+            <a:r>
+              <a:rPr lang="de-DE" sz="1200" b="1" i="1" u="sng" kern="1200" dirty="0">
+                <a:solidFill>
+                  <a:schemeClr val="tx1"/>
+                </a:solidFill>
+                <a:effectLst/>
+                <a:latin typeface="+mn-lt"/>
+                <a:ea typeface="+mn-ea"/>
+                <a:cs typeface="+mn-cs"/>
+              </a:rPr>
+              <a:t>r</a:t>
+            </a:r>
+            <a:r>
+              <a:rPr lang="de-DE" sz="1200" b="0" i="1" kern="1200" dirty="0">
+                <a:solidFill>
+                  <a:schemeClr val="tx1"/>
+                </a:solidFill>
+                <a:effectLst/>
+                <a:latin typeface="+mn-lt"/>
+                <a:ea typeface="+mn-ea"/>
+                <a:cs typeface="+mn-cs"/>
+              </a:rPr>
+              <a:t> Befehl</a:t>
+            </a:r>
+            <a:r>
+              <a:rPr lang="de-DE" sz="1200" b="0" i="0" kern="1200" dirty="0">
+                <a:solidFill>
+                  <a:schemeClr val="tx1"/>
+                </a:solidFill>
+                <a:effectLst/>
+                <a:latin typeface="+mn-lt"/>
+                <a:ea typeface="+mn-ea"/>
+                <a:cs typeface="+mn-cs"/>
+              </a:rPr>
+              <a:t> speichert den zum Ausführen nötigen Zustand, darunter typischerweise auch einen </a:t>
+            </a:r>
+            <a:r>
+              <a:rPr lang="de-DE" sz="1200" b="1" i="0" u="sng" kern="1200" dirty="0">
+                <a:solidFill>
+                  <a:schemeClr val="tx1"/>
+                </a:solidFill>
+                <a:effectLst/>
+                <a:latin typeface="+mn-lt"/>
+                <a:ea typeface="+mn-ea"/>
+                <a:cs typeface="+mn-cs"/>
+              </a:rPr>
+              <a:t>Verweis</a:t>
+            </a:r>
+            <a:r>
+              <a:rPr lang="de-DE" sz="1200" b="0" i="0" kern="1200" dirty="0">
+                <a:solidFill>
+                  <a:schemeClr val="tx1"/>
+                </a:solidFill>
+                <a:effectLst/>
+                <a:latin typeface="+mn-lt"/>
+                <a:ea typeface="+mn-ea"/>
+                <a:cs typeface="+mn-cs"/>
+              </a:rPr>
+              <a:t> auf den </a:t>
+            </a:r>
+            <a:r>
+              <a:rPr lang="de-DE" sz="1200" b="1" i="1" u="sng" kern="1200" dirty="0">
+                <a:solidFill>
+                  <a:schemeClr val="tx1"/>
+                </a:solidFill>
+                <a:effectLst/>
+                <a:latin typeface="+mn-lt"/>
+                <a:ea typeface="+mn-ea"/>
+                <a:cs typeface="+mn-cs"/>
+              </a:rPr>
+              <a:t>Empfänger</a:t>
+            </a:r>
+            <a:r>
+              <a:rPr lang="de-DE" sz="1200" b="0" i="0" kern="1200" dirty="0">
+                <a:solidFill>
+                  <a:schemeClr val="tx1"/>
+                </a:solidFill>
+                <a:effectLst/>
+                <a:latin typeface="+mn-lt"/>
+                <a:ea typeface="+mn-ea"/>
+                <a:cs typeface="+mn-cs"/>
+              </a:rPr>
+              <a:t> und implementiert die Befehlsschnittstelle.</a:t>
+            </a:r>
+          </a:p>
+          <a:p>
+            <a:endParaRPr lang="de-DE" sz="1200" b="0" i="0" kern="1200" dirty="0">
+              <a:solidFill>
+                <a:schemeClr val="tx1"/>
+              </a:solidFill>
+              <a:effectLst/>
+              <a:latin typeface="+mn-lt"/>
+              <a:ea typeface="+mn-ea"/>
+              <a:cs typeface="+mn-cs"/>
+            </a:endParaRPr>
+          </a:p>
+          <a:p>
+            <a:r>
+              <a:rPr lang="de-DE" sz="1200" b="0" i="0" kern="1200" dirty="0">
+                <a:solidFill>
+                  <a:schemeClr val="tx1"/>
+                </a:solidFill>
+                <a:effectLst/>
+                <a:latin typeface="+mn-lt"/>
+                <a:ea typeface="+mn-ea"/>
+                <a:cs typeface="+mn-cs"/>
+              </a:rPr>
+              <a:t>Der </a:t>
+            </a:r>
+            <a:r>
+              <a:rPr lang="de-DE" sz="1200" b="0" i="1" kern="1200" dirty="0">
+                <a:solidFill>
+                  <a:schemeClr val="tx1"/>
+                </a:solidFill>
+                <a:effectLst/>
+                <a:latin typeface="+mn-lt"/>
+                <a:ea typeface="+mn-ea"/>
+                <a:cs typeface="+mn-cs"/>
+              </a:rPr>
+              <a:t>Klient</a:t>
+            </a:r>
+            <a:r>
+              <a:rPr lang="de-DE" sz="1200" b="0" i="0" kern="1200" dirty="0">
+                <a:solidFill>
+                  <a:schemeClr val="tx1"/>
+                </a:solidFill>
+                <a:effectLst/>
+                <a:latin typeface="+mn-lt"/>
+                <a:ea typeface="+mn-ea"/>
+                <a:cs typeface="+mn-cs"/>
+              </a:rPr>
+              <a:t> erzeugt einen </a:t>
+            </a:r>
+            <a:r>
+              <a:rPr lang="de-DE" sz="1200" b="0" i="1" kern="1200" dirty="0">
+                <a:solidFill>
+                  <a:schemeClr val="tx1"/>
+                </a:solidFill>
+                <a:effectLst/>
+                <a:latin typeface="+mn-lt"/>
+                <a:ea typeface="+mn-ea"/>
+                <a:cs typeface="+mn-cs"/>
+              </a:rPr>
+              <a:t>konkreten Befehl</a:t>
+            </a:r>
+            <a:r>
+              <a:rPr lang="de-DE" sz="1200" b="0" i="0" kern="1200" dirty="0">
+                <a:solidFill>
+                  <a:schemeClr val="tx1"/>
+                </a:solidFill>
+                <a:effectLst/>
+                <a:latin typeface="+mn-lt"/>
+                <a:ea typeface="+mn-ea"/>
+                <a:cs typeface="+mn-cs"/>
+              </a:rPr>
+              <a:t> und versieht ihn mit einem Verweis auf den </a:t>
+            </a:r>
+            <a:r>
+              <a:rPr lang="de-DE" sz="1200" b="0" i="1" kern="1200" dirty="0">
+                <a:solidFill>
+                  <a:schemeClr val="tx1"/>
+                </a:solidFill>
+                <a:effectLst/>
+                <a:latin typeface="+mn-lt"/>
+                <a:ea typeface="+mn-ea"/>
+                <a:cs typeface="+mn-cs"/>
+              </a:rPr>
+              <a:t>Empfänger</a:t>
+            </a:r>
+            <a:r>
+              <a:rPr lang="de-DE" sz="1200" b="0" i="0" kern="1200" dirty="0">
+                <a:solidFill>
+                  <a:schemeClr val="tx1"/>
+                </a:solidFill>
+                <a:effectLst/>
+                <a:latin typeface="+mn-lt"/>
+                <a:ea typeface="+mn-ea"/>
+                <a:cs typeface="+mn-cs"/>
+              </a:rPr>
+              <a:t> und allen anderen nötigen Informationen. Er gibt dem </a:t>
+            </a:r>
+            <a:r>
+              <a:rPr lang="de-DE" sz="1200" b="0" i="1" kern="1200" dirty="0">
+                <a:solidFill>
+                  <a:schemeClr val="tx1"/>
+                </a:solidFill>
+                <a:effectLst/>
+                <a:latin typeface="+mn-lt"/>
+                <a:ea typeface="+mn-ea"/>
+                <a:cs typeface="+mn-cs"/>
+              </a:rPr>
+              <a:t>Aufrufer</a:t>
+            </a:r>
+            <a:r>
+              <a:rPr lang="de-DE" sz="1200" b="0" i="0" kern="1200" dirty="0">
+                <a:solidFill>
+                  <a:schemeClr val="tx1"/>
+                </a:solidFill>
+                <a:effectLst/>
+                <a:latin typeface="+mn-lt"/>
+                <a:ea typeface="+mn-ea"/>
+                <a:cs typeface="+mn-cs"/>
+              </a:rPr>
+              <a:t> eine Referenz auf den </a:t>
+            </a:r>
+            <a:r>
+              <a:rPr lang="de-DE" sz="1200" b="0" i="1" kern="1200" dirty="0">
+                <a:solidFill>
+                  <a:schemeClr val="tx1"/>
+                </a:solidFill>
+                <a:effectLst/>
+                <a:latin typeface="+mn-lt"/>
+                <a:ea typeface="+mn-ea"/>
+                <a:cs typeface="+mn-cs"/>
+              </a:rPr>
+              <a:t>konkreten Befehl</a:t>
+            </a:r>
+            <a:r>
+              <a:rPr lang="de-DE" sz="1200" b="0" i="0" kern="1200" dirty="0">
+                <a:solidFill>
+                  <a:schemeClr val="tx1"/>
+                </a:solidFill>
+                <a:effectLst/>
+                <a:latin typeface="+mn-lt"/>
+                <a:ea typeface="+mn-ea"/>
+                <a:cs typeface="+mn-cs"/>
+              </a:rPr>
+              <a:t>.</a:t>
+            </a:r>
+          </a:p>
+          <a:p>
+            <a:endParaRPr lang="de-DE" sz="1200" b="0" i="0" kern="1200" dirty="0">
+              <a:solidFill>
+                <a:schemeClr val="tx1"/>
+              </a:solidFill>
+              <a:effectLst/>
+              <a:latin typeface="+mn-lt"/>
+              <a:ea typeface="+mn-ea"/>
+              <a:cs typeface="+mn-cs"/>
+            </a:endParaRPr>
+          </a:p>
+          <a:p>
+            <a:r>
+              <a:rPr lang="de-DE" sz="1200" b="0" i="0" kern="1200" dirty="0">
+                <a:solidFill>
+                  <a:schemeClr val="tx1"/>
+                </a:solidFill>
+                <a:effectLst/>
+                <a:latin typeface="+mn-lt"/>
+                <a:ea typeface="+mn-ea"/>
+                <a:cs typeface="+mn-cs"/>
+              </a:rPr>
+              <a:t>Der </a:t>
+            </a:r>
+            <a:r>
+              <a:rPr lang="de-DE" sz="1200" b="1" i="1" u="sng" kern="1200" dirty="0">
+                <a:solidFill>
+                  <a:srgbClr val="FFC000"/>
+                </a:solidFill>
+                <a:effectLst/>
+                <a:highlight>
+                  <a:srgbClr val="FFFF00"/>
+                </a:highlight>
+                <a:latin typeface="+mn-lt"/>
+                <a:ea typeface="+mn-ea"/>
+                <a:cs typeface="+mn-cs"/>
+              </a:rPr>
+              <a:t>Aufrufer</a:t>
+            </a:r>
+            <a:r>
+              <a:rPr lang="de-DE" sz="1200" b="0" i="0" kern="1200" dirty="0">
+                <a:solidFill>
+                  <a:schemeClr val="tx1"/>
+                </a:solidFill>
+                <a:effectLst/>
+                <a:latin typeface="+mn-lt"/>
+                <a:ea typeface="+mn-ea"/>
+                <a:cs typeface="+mn-cs"/>
+              </a:rPr>
+              <a:t> besitzt einen oder </a:t>
+            </a:r>
+            <a:r>
+              <a:rPr lang="de-DE" sz="1200" b="1" i="0" u="sng" kern="1200" dirty="0">
+                <a:solidFill>
+                  <a:schemeClr val="tx1"/>
+                </a:solidFill>
+                <a:effectLst/>
+                <a:latin typeface="+mn-lt"/>
+                <a:ea typeface="+mn-ea"/>
+                <a:cs typeface="+mn-cs"/>
+              </a:rPr>
+              <a:t>mehrere</a:t>
+            </a:r>
+            <a:r>
+              <a:rPr lang="de-DE" sz="1200" b="0" i="0" kern="1200" dirty="0">
+                <a:solidFill>
+                  <a:schemeClr val="tx1"/>
+                </a:solidFill>
+                <a:effectLst/>
+                <a:latin typeface="+mn-lt"/>
+                <a:ea typeface="+mn-ea"/>
+                <a:cs typeface="+mn-cs"/>
+              </a:rPr>
+              <a:t> Verweise auf </a:t>
+            </a:r>
+            <a:r>
+              <a:rPr lang="de-DE" sz="1200" b="0" i="1" kern="1200" dirty="0">
+                <a:solidFill>
+                  <a:schemeClr val="tx1"/>
+                </a:solidFill>
+                <a:effectLst/>
+                <a:latin typeface="+mn-lt"/>
+                <a:ea typeface="+mn-ea"/>
+                <a:cs typeface="+mn-cs"/>
+              </a:rPr>
+              <a:t>Befehle</a:t>
+            </a:r>
+            <a:r>
+              <a:rPr lang="de-DE" sz="1200" b="0" i="0" kern="1200" dirty="0">
+                <a:solidFill>
+                  <a:schemeClr val="tx1"/>
+                </a:solidFill>
+                <a:effectLst/>
+                <a:latin typeface="+mn-lt"/>
+                <a:ea typeface="+mn-ea"/>
+                <a:cs typeface="+mn-cs"/>
+              </a:rPr>
+              <a:t> und fordert diese bei Bedarf auf, ihre Aktion auszuführen. An den </a:t>
+            </a:r>
+            <a:r>
+              <a:rPr lang="de-DE" sz="1200" b="0" i="1" kern="1200" dirty="0">
+                <a:solidFill>
+                  <a:schemeClr val="tx1"/>
+                </a:solidFill>
+                <a:effectLst/>
+                <a:latin typeface="+mn-lt"/>
+                <a:ea typeface="+mn-ea"/>
+                <a:cs typeface="+mn-cs"/>
+              </a:rPr>
+              <a:t>Empfänger</a:t>
+            </a:r>
+            <a:r>
+              <a:rPr lang="de-DE" sz="1200" b="0" i="0" kern="1200" dirty="0">
+                <a:solidFill>
+                  <a:schemeClr val="tx1"/>
+                </a:solidFill>
+                <a:effectLst/>
+                <a:latin typeface="+mn-lt"/>
+                <a:ea typeface="+mn-ea"/>
+                <a:cs typeface="+mn-cs"/>
+              </a:rPr>
+              <a:t> werden keine besonderen Anforderungen gestellt. </a:t>
+            </a:r>
+          </a:p>
+          <a:p>
+            <a:r>
+              <a:rPr lang="de-DE" sz="1200" b="0" i="0" kern="1200" dirty="0">
+                <a:solidFill>
+                  <a:schemeClr val="tx1"/>
+                </a:solidFill>
+                <a:effectLst/>
+                <a:latin typeface="+mn-lt"/>
+                <a:ea typeface="+mn-ea"/>
+                <a:cs typeface="+mn-cs"/>
+              </a:rPr>
+              <a:t>Er muss nichts über die anderen Akteure wissen. </a:t>
+            </a:r>
+          </a:p>
+          <a:p>
+            <a:endParaRPr lang="de-DE" sz="1200" b="0" i="0" kern="1200" dirty="0">
+              <a:solidFill>
+                <a:schemeClr val="tx1"/>
+              </a:solidFill>
+              <a:effectLst/>
+              <a:latin typeface="+mn-lt"/>
+              <a:ea typeface="+mn-ea"/>
+              <a:cs typeface="+mn-cs"/>
+            </a:endParaRPr>
+          </a:p>
+          <a:p>
+            <a:r>
+              <a:rPr lang="de-DE" sz="1200" b="0" i="0" kern="1200" dirty="0">
+                <a:solidFill>
+                  <a:schemeClr val="tx1"/>
+                </a:solidFill>
+                <a:effectLst/>
+                <a:latin typeface="+mn-lt"/>
+                <a:ea typeface="+mn-ea"/>
+                <a:cs typeface="+mn-cs"/>
+              </a:rPr>
+              <a:t>Somit kann jede Klasse als </a:t>
+            </a:r>
+            <a:r>
+              <a:rPr lang="de-DE" sz="1200" b="0" i="1" kern="1200" dirty="0">
+                <a:solidFill>
+                  <a:schemeClr val="tx1"/>
+                </a:solidFill>
+                <a:effectLst/>
+                <a:latin typeface="+mn-lt"/>
+                <a:ea typeface="+mn-ea"/>
+                <a:cs typeface="+mn-cs"/>
+              </a:rPr>
+              <a:t>Empfänger</a:t>
+            </a:r>
+            <a:r>
+              <a:rPr lang="de-DE" sz="1200" b="0" i="0" kern="1200" dirty="0">
+                <a:solidFill>
+                  <a:schemeClr val="tx1"/>
+                </a:solidFill>
+                <a:effectLst/>
+                <a:latin typeface="+mn-lt"/>
+                <a:ea typeface="+mn-ea"/>
+                <a:cs typeface="+mn-cs"/>
+              </a:rPr>
+              <a:t> dienen. Der </a:t>
+            </a:r>
+            <a:r>
+              <a:rPr lang="de-DE" sz="1200" b="0" i="1" kern="1200" dirty="0">
+                <a:solidFill>
+                  <a:schemeClr val="tx1"/>
+                </a:solidFill>
+                <a:effectLst/>
+                <a:latin typeface="+mn-lt"/>
+                <a:ea typeface="+mn-ea"/>
+                <a:cs typeface="+mn-cs"/>
+              </a:rPr>
+              <a:t>konkrete Befehl</a:t>
+            </a:r>
+            <a:r>
+              <a:rPr lang="de-DE" sz="1200" b="0" i="0" kern="1200" dirty="0">
+                <a:solidFill>
+                  <a:schemeClr val="tx1"/>
+                </a:solidFill>
+                <a:effectLst/>
+                <a:latin typeface="+mn-lt"/>
+                <a:ea typeface="+mn-ea"/>
+                <a:cs typeface="+mn-cs"/>
+              </a:rPr>
+              <a:t> ruft Methoden des </a:t>
+            </a:r>
+            <a:r>
+              <a:rPr lang="de-DE" sz="1200" b="0" i="1" kern="1200" dirty="0">
+                <a:solidFill>
+                  <a:schemeClr val="tx1"/>
+                </a:solidFill>
+                <a:effectLst/>
+                <a:latin typeface="+mn-lt"/>
+                <a:ea typeface="+mn-ea"/>
+                <a:cs typeface="+mn-cs"/>
+              </a:rPr>
+              <a:t>Empfängerobjektes</a:t>
+            </a:r>
+            <a:r>
+              <a:rPr lang="de-DE" sz="1200" b="0" i="0" kern="1200" dirty="0">
+                <a:solidFill>
+                  <a:schemeClr val="tx1"/>
+                </a:solidFill>
+                <a:effectLst/>
+                <a:latin typeface="+mn-lt"/>
+                <a:ea typeface="+mn-ea"/>
+                <a:cs typeface="+mn-cs"/>
+              </a:rPr>
+              <a:t> auf, um seine Aktion auszuführen.</a:t>
+            </a:r>
+          </a:p>
+          <a:p>
+            <a:endParaRPr lang="de-AT" dirty="0"/>
+          </a:p>
+        </p:txBody>
+      </p:sp>
+      <p:sp>
+        <p:nvSpPr>
+          <p:cNvPr id="4" name="Foliennummernplatzhalter 3"/>
+          <p:cNvSpPr>
+            <a:spLocks noGrp="1"/>
+          </p:cNvSpPr>
+          <p:nvPr>
+            <p:ph type="sldNum" sz="quarter" idx="5"/>
+          </p:nvPr>
+        </p:nvSpPr>
+        <p:spPr/>
+        <p:txBody>
+          <a:bodyPr/>
+          <a:lstStyle/>
+          <a:p>
+            <a:fld id="{3E71053D-E0BB-48A3-A693-A35E6FB12952}" type="slidenum">
+              <a:rPr lang="de-AT" smtClean="0"/>
+              <a:t>4</a:t>
+            </a:fld>
+            <a:endParaRPr lang="de-AT"/>
+          </a:p>
+        </p:txBody>
+      </p:sp>
+    </p:spTree>
+    <p:extLst>
+      <p:ext uri="{BB962C8B-B14F-4D97-AF65-F5344CB8AC3E}">
+        <p14:creationId xmlns:p14="http://schemas.microsoft.com/office/powerpoint/2010/main" val="3113844684"/>
+      </p:ext>
+    </p:extLst>
+  </p:cSld>
+  <p:clrMapOvr>
+    <a:masterClrMapping/>
+  </p:clrMapOvr>
+</p:notes>
+</file>
+
+<file path=ppt/notesSlides/notesSlide2.xml><?xml version="1.0" encoding="utf-8"?>
+<p:notes xmlns:a="http://schemas.openxmlformats.org/drawingml/2006/main" xmlns:r="http://schemas.openxmlformats.org/officeDocument/2006/relationships" xmlns:p="http://schemas.openxmlformats.org/presentationml/2006/main">
+  <p:cSld>
+    <p:spTree>
+      <p:nvGrpSpPr>
+        <p:cNvPr id="1" name=""/>
+        <p:cNvGrpSpPr/>
+        <p:nvPr/>
+      </p:nvGrpSpPr>
+      <p:grpSpPr>
+        <a:xfrm>
+          <a:off x="0" y="0"/>
+          <a:ext cx="0" cy="0"/>
+          <a:chOff x="0" y="0"/>
+          <a:chExt cx="0" cy="0"/>
+        </a:xfrm>
+      </p:grpSpPr>
+      <p:sp>
+        <p:nvSpPr>
+          <p:cNvPr id="2" name="Folienbildplatzhalter 1"/>
+          <p:cNvSpPr>
+            <a:spLocks noGrp="1" noRot="1" noChangeAspect="1"/>
+          </p:cNvSpPr>
+          <p:nvPr>
+            <p:ph type="sldImg"/>
+          </p:nvPr>
+        </p:nvSpPr>
+        <p:spPr/>
+      </p:sp>
+      <p:sp>
+        <p:nvSpPr>
+          <p:cNvPr id="3" name="Notizenplatzhalter 2"/>
+          <p:cNvSpPr>
+            <a:spLocks noGrp="1"/>
+          </p:cNvSpPr>
+          <p:nvPr>
+            <p:ph type="body" idx="1"/>
+          </p:nvPr>
+        </p:nvSpPr>
+        <p:spPr/>
+        <p:txBody>
+          <a:bodyPr/>
+          <a:lstStyle/>
+          <a:p>
+            <a:endParaRPr lang="de-AT" dirty="0"/>
+          </a:p>
+        </p:txBody>
+      </p:sp>
+      <p:sp>
+        <p:nvSpPr>
+          <p:cNvPr id="4" name="Foliennummernplatzhalter 3"/>
+          <p:cNvSpPr>
+            <a:spLocks noGrp="1"/>
+          </p:cNvSpPr>
+          <p:nvPr>
+            <p:ph type="sldNum" sz="quarter" idx="5"/>
+          </p:nvPr>
+        </p:nvSpPr>
+        <p:spPr/>
+        <p:txBody>
+          <a:bodyPr/>
+          <a:lstStyle/>
+          <a:p>
+            <a:fld id="{3E71053D-E0BB-48A3-A693-A35E6FB12952}" type="slidenum">
+              <a:rPr lang="de-AT" smtClean="0"/>
+              <a:t>5</a:t>
+            </a:fld>
+            <a:endParaRPr lang="de-AT"/>
+          </a:p>
+        </p:txBody>
+      </p:sp>
+    </p:spTree>
+    <p:extLst>
+      <p:ext uri="{BB962C8B-B14F-4D97-AF65-F5344CB8AC3E}">
+        <p14:creationId xmlns:p14="http://schemas.microsoft.com/office/powerpoint/2010/main" val="67023038"/>
+      </p:ext>
+    </p:extLst>
+  </p:cSld>
+  <p:clrMapOvr>
+    <a:masterClrMapping/>
+  </p:clrMapOvr>
+</p:notes>
 </file>
 
 <file path=ppt/slideLayouts/slideLayout1.xml><?xml version="1.0" encoding="utf-8"?>
@@ -158,7 +1258,7 @@
           <a:noFill/>
           <a:extLst>
             <a:ext uri="{909E8E84-426E-40dd-AFC4-6F175D3DCCD1}">
-              <a14:hiddenFill xmlns:a14="http://schemas.microsoft.com/office/drawing/2010/main" xmlns="">
+              <a14:hiddenFill xmlns="" xmlns:a14="http://schemas.microsoft.com/office/drawing/2010/main">
                 <a:solidFill>
                   <a:srgbClr val="FFFFFF"/>
                 </a:solidFill>
@@ -218,7 +1318,7 @@
             </a:ln>
             <a:extLst>
               <a:ext uri="{91240B29-F687-4f45-9708-019B960494DF}">
-                <a14:hiddenLine xmlns:a14="http://schemas.microsoft.com/office/drawing/2010/main" xmlns="" w="9525">
+                <a14:hiddenLine xmlns="" xmlns:a14="http://schemas.microsoft.com/office/drawing/2010/main" w="9525">
                   <a:solidFill>
                     <a:srgbClr val="000000"/>
                   </a:solidFill>
@@ -308,7 +1408,7 @@
             </a:ln>
             <a:extLst>
               <a:ext uri="{91240B29-F687-4f45-9708-019B960494DF}">
-                <a14:hiddenLine xmlns:a14="http://schemas.microsoft.com/office/drawing/2010/main" xmlns="" w="9525">
+                <a14:hiddenLine xmlns="" xmlns:a14="http://schemas.microsoft.com/office/drawing/2010/main" w="9525">
                   <a:solidFill>
                     <a:srgbClr val="000000"/>
                   </a:solidFill>
@@ -398,7 +1498,7 @@
             </a:ln>
             <a:extLst>
               <a:ext uri="{91240B29-F687-4f45-9708-019B960494DF}">
-                <a14:hiddenLine xmlns:a14="http://schemas.microsoft.com/office/drawing/2010/main" xmlns="" w="9525">
+                <a14:hiddenLine xmlns="" xmlns:a14="http://schemas.microsoft.com/office/drawing/2010/main" w="9525">
                   <a:solidFill>
                     <a:srgbClr val="000000"/>
                   </a:solidFill>
@@ -432,7 +1532,7 @@
             </a:ln>
             <a:extLst>
               <a:ext uri="{91240B29-F687-4f45-9708-019B960494DF}">
-                <a14:hiddenLine xmlns:a14="http://schemas.microsoft.com/office/drawing/2010/main" xmlns="" w="9525">
+                <a14:hiddenLine xmlns="" xmlns:a14="http://schemas.microsoft.com/office/drawing/2010/main" w="9525">
                   <a:solidFill>
                     <a:srgbClr val="000000"/>
                   </a:solidFill>
@@ -522,7 +1622,7 @@
             </a:ln>
             <a:extLst>
               <a:ext uri="{91240B29-F687-4f45-9708-019B960494DF}">
-                <a14:hiddenLine xmlns:a14="http://schemas.microsoft.com/office/drawing/2010/main" xmlns="" w="9525">
+                <a14:hiddenLine xmlns="" xmlns:a14="http://schemas.microsoft.com/office/drawing/2010/main" w="9525">
                   <a:solidFill>
                     <a:srgbClr val="000000"/>
                   </a:solidFill>
@@ -584,7 +1684,7 @@
             </a:ln>
             <a:extLst>
               <a:ext uri="{91240B29-F687-4f45-9708-019B960494DF}">
-                <a14:hiddenLine xmlns:a14="http://schemas.microsoft.com/office/drawing/2010/main" xmlns="" w="9525">
+                <a14:hiddenLine xmlns="" xmlns:a14="http://schemas.microsoft.com/office/drawing/2010/main" w="9525">
                   <a:solidFill>
                     <a:srgbClr val="000000"/>
                   </a:solidFill>
@@ -646,7 +1746,7 @@
             </a:ln>
             <a:extLst>
               <a:ext uri="{91240B29-F687-4f45-9708-019B960494DF}">
-                <a14:hiddenLine xmlns:a14="http://schemas.microsoft.com/office/drawing/2010/main" xmlns="" w="9525">
+                <a14:hiddenLine xmlns="" xmlns:a14="http://schemas.microsoft.com/office/drawing/2010/main" w="9525">
                   <a:solidFill>
                     <a:srgbClr val="000000"/>
                   </a:solidFill>
@@ -736,7 +1836,7 @@
             </a:ln>
             <a:extLst>
               <a:ext uri="{91240B29-F687-4f45-9708-019B960494DF}">
-                <a14:hiddenLine xmlns:a14="http://schemas.microsoft.com/office/drawing/2010/main" xmlns="" w="9525">
+                <a14:hiddenLine xmlns="" xmlns:a14="http://schemas.microsoft.com/office/drawing/2010/main" w="9525">
                   <a:solidFill>
                     <a:srgbClr val="000000"/>
                   </a:solidFill>
@@ -798,7 +1898,7 @@
             </a:ln>
             <a:extLst>
               <a:ext uri="{91240B29-F687-4f45-9708-019B960494DF}">
-                <a14:hiddenLine xmlns:a14="http://schemas.microsoft.com/office/drawing/2010/main" xmlns="" w="9525">
+                <a14:hiddenLine xmlns="" xmlns:a14="http://schemas.microsoft.com/office/drawing/2010/main" w="9525">
                   <a:solidFill>
                     <a:srgbClr val="000000"/>
                   </a:solidFill>
@@ -860,7 +1960,7 @@
             </a:ln>
             <a:extLst>
               <a:ext uri="{91240B29-F687-4f45-9708-019B960494DF}">
-                <a14:hiddenLine xmlns:a14="http://schemas.microsoft.com/office/drawing/2010/main" xmlns="" w="9525">
+                <a14:hiddenLine xmlns="" xmlns:a14="http://schemas.microsoft.com/office/drawing/2010/main" w="9525">
                   <a:solidFill>
                     <a:srgbClr val="000000"/>
                   </a:solidFill>
@@ -950,7 +2050,7 @@
             </a:ln>
             <a:extLst>
               <a:ext uri="{91240B29-F687-4f45-9708-019B960494DF}">
-                <a14:hiddenLine xmlns:a14="http://schemas.microsoft.com/office/drawing/2010/main" xmlns="" w="9525">
+                <a14:hiddenLine xmlns="" xmlns:a14="http://schemas.microsoft.com/office/drawing/2010/main" w="9525">
                   <a:solidFill>
                     <a:srgbClr val="000000"/>
                   </a:solidFill>
@@ -1040,7 +2140,7 @@
             </a:ln>
             <a:extLst>
               <a:ext uri="{91240B29-F687-4f45-9708-019B960494DF}">
-                <a14:hiddenLine xmlns:a14="http://schemas.microsoft.com/office/drawing/2010/main" xmlns="" w="9525">
+                <a14:hiddenLine xmlns="" xmlns:a14="http://schemas.microsoft.com/office/drawing/2010/main" w="9525">
                   <a:solidFill>
                     <a:srgbClr val="000000"/>
                   </a:solidFill>
@@ -1102,7 +2202,7 @@
             </a:ln>
             <a:extLst>
               <a:ext uri="{91240B29-F687-4f45-9708-019B960494DF}">
-                <a14:hiddenLine xmlns:a14="http://schemas.microsoft.com/office/drawing/2010/main" xmlns="" w="9525">
+                <a14:hiddenLine xmlns="" xmlns:a14="http://schemas.microsoft.com/office/drawing/2010/main" w="9525">
                   <a:solidFill>
                     <a:srgbClr val="000000"/>
                   </a:solidFill>
@@ -1212,7 +2312,7 @@
             </a:ln>
             <a:extLst>
               <a:ext uri="{91240B29-F687-4f45-9708-019B960494DF}">
-                <a14:hiddenLine xmlns:a14="http://schemas.microsoft.com/office/drawing/2010/main" xmlns="" w="9525">
+                <a14:hiddenLine xmlns="" xmlns:a14="http://schemas.microsoft.com/office/drawing/2010/main" w="9525">
                   <a:solidFill>
                     <a:srgbClr val="000000"/>
                   </a:solidFill>
@@ -1274,7 +2374,7 @@
             </a:ln>
             <a:extLst>
               <a:ext uri="{91240B29-F687-4f45-9708-019B960494DF}">
-                <a14:hiddenLine xmlns:a14="http://schemas.microsoft.com/office/drawing/2010/main" xmlns="" w="9525">
+                <a14:hiddenLine xmlns="" xmlns:a14="http://schemas.microsoft.com/office/drawing/2010/main" w="9525">
                   <a:solidFill>
                     <a:srgbClr val="000000"/>
                   </a:solidFill>
@@ -1364,7 +2464,7 @@
             </a:ln>
             <a:extLst>
               <a:ext uri="{91240B29-F687-4f45-9708-019B960494DF}">
-                <a14:hiddenLine xmlns:a14="http://schemas.microsoft.com/office/drawing/2010/main" xmlns="" w="9525">
+                <a14:hiddenLine xmlns="" xmlns:a14="http://schemas.microsoft.com/office/drawing/2010/main" w="9525">
                   <a:solidFill>
                     <a:srgbClr val="000000"/>
                   </a:solidFill>
@@ -1454,7 +2554,7 @@
             </a:ln>
             <a:extLst>
               <a:ext uri="{91240B29-F687-4f45-9708-019B960494DF}">
-                <a14:hiddenLine xmlns:a14="http://schemas.microsoft.com/office/drawing/2010/main" xmlns="" w="9525">
+                <a14:hiddenLine xmlns="" xmlns:a14="http://schemas.microsoft.com/office/drawing/2010/main" w="9525">
                   <a:solidFill>
                     <a:srgbClr val="000000"/>
                   </a:solidFill>
@@ -1516,7 +2616,7 @@
             </a:ln>
             <a:extLst>
               <a:ext uri="{91240B29-F687-4f45-9708-019B960494DF}">
-                <a14:hiddenLine xmlns:a14="http://schemas.microsoft.com/office/drawing/2010/main" xmlns="" w="9525">
+                <a14:hiddenLine xmlns="" xmlns:a14="http://schemas.microsoft.com/office/drawing/2010/main" w="9525">
                   <a:solidFill>
                     <a:srgbClr val="000000"/>
                   </a:solidFill>
@@ -1606,7 +2706,7 @@
             </a:ln>
             <a:extLst>
               <a:ext uri="{91240B29-F687-4f45-9708-019B960494DF}">
-                <a14:hiddenLine xmlns:a14="http://schemas.microsoft.com/office/drawing/2010/main" xmlns="" w="9525">
+                <a14:hiddenLine xmlns="" xmlns:a14="http://schemas.microsoft.com/office/drawing/2010/main" w="9525">
                   <a:solidFill>
                     <a:srgbClr val="000000"/>
                   </a:solidFill>
@@ -1696,7 +2796,7 @@
             </a:ln>
             <a:extLst>
               <a:ext uri="{91240B29-F687-4f45-9708-019B960494DF}">
-                <a14:hiddenLine xmlns:a14="http://schemas.microsoft.com/office/drawing/2010/main" xmlns="" w="9525">
+                <a14:hiddenLine xmlns="" xmlns:a14="http://schemas.microsoft.com/office/drawing/2010/main" w="9525">
                   <a:solidFill>
                     <a:srgbClr val="000000"/>
                   </a:solidFill>
@@ -1752,7 +2852,7 @@
             </a:ln>
             <a:extLst>
               <a:ext uri="{91240B29-F687-4f45-9708-019B960494DF}">
-                <a14:hiddenLine xmlns:a14="http://schemas.microsoft.com/office/drawing/2010/main" xmlns="" w="9525">
+                <a14:hiddenLine xmlns="" xmlns:a14="http://schemas.microsoft.com/office/drawing/2010/main" w="9525">
                   <a:solidFill>
                     <a:srgbClr val="000000"/>
                   </a:solidFill>
@@ -1842,7 +2942,7 @@
             </a:ln>
             <a:extLst>
               <a:ext uri="{91240B29-F687-4f45-9708-019B960494DF}">
-                <a14:hiddenLine xmlns:a14="http://schemas.microsoft.com/office/drawing/2010/main" xmlns="" w="9525">
+                <a14:hiddenLine xmlns="" xmlns:a14="http://schemas.microsoft.com/office/drawing/2010/main" w="9525">
                   <a:solidFill>
                     <a:srgbClr val="000000"/>
                   </a:solidFill>
@@ -1898,7 +2998,7 @@
             </a:ln>
             <a:extLst>
               <a:ext uri="{91240B29-F687-4f45-9708-019B960494DF}">
-                <a14:hiddenLine xmlns:a14="http://schemas.microsoft.com/office/drawing/2010/main" xmlns="" w="9525">
+                <a14:hiddenLine xmlns="" xmlns:a14="http://schemas.microsoft.com/office/drawing/2010/main" w="9525">
                   <a:solidFill>
                     <a:srgbClr val="000000"/>
                   </a:solidFill>
@@ -1988,7 +3088,7 @@
             </a:ln>
             <a:extLst>
               <a:ext uri="{91240B29-F687-4f45-9708-019B960494DF}">
-                <a14:hiddenLine xmlns:a14="http://schemas.microsoft.com/office/drawing/2010/main" xmlns="" w="9525">
+                <a14:hiddenLine xmlns="" xmlns:a14="http://schemas.microsoft.com/office/drawing/2010/main" w="9525">
                   <a:solidFill>
                     <a:srgbClr val="000000"/>
                   </a:solidFill>
@@ -2056,7 +3156,7 @@
             </a:ln>
             <a:extLst>
               <a:ext uri="{91240B29-F687-4f45-9708-019B960494DF}">
-                <a14:hiddenLine xmlns:a14="http://schemas.microsoft.com/office/drawing/2010/main" xmlns="" w="9525">
+                <a14:hiddenLine xmlns="" xmlns:a14="http://schemas.microsoft.com/office/drawing/2010/main" w="9525">
                   <a:solidFill>
                     <a:srgbClr val="000000"/>
                   </a:solidFill>
@@ -2146,7 +3246,7 @@
             </a:ln>
             <a:extLst>
               <a:ext uri="{91240B29-F687-4f45-9708-019B960494DF}">
-                <a14:hiddenLine xmlns:a14="http://schemas.microsoft.com/office/drawing/2010/main" xmlns="" w="9525">
+                <a14:hiddenLine xmlns="" xmlns:a14="http://schemas.microsoft.com/office/drawing/2010/main" w="9525">
                   <a:solidFill>
                     <a:srgbClr val="000000"/>
                   </a:solidFill>
@@ -2214,7 +3314,7 @@
             </a:ln>
             <a:extLst>
               <a:ext uri="{91240B29-F687-4f45-9708-019B960494DF}">
-                <a14:hiddenLine xmlns:a14="http://schemas.microsoft.com/office/drawing/2010/main" xmlns="" w="9525">
+                <a14:hiddenLine xmlns="" xmlns:a14="http://schemas.microsoft.com/office/drawing/2010/main" w="9525">
                   <a:solidFill>
                     <a:srgbClr val="000000"/>
                   </a:solidFill>
@@ -2304,7 +3404,7 @@
             </a:ln>
             <a:extLst>
               <a:ext uri="{91240B29-F687-4f45-9708-019B960494DF}">
-                <a14:hiddenLine xmlns:a14="http://schemas.microsoft.com/office/drawing/2010/main" xmlns="" w="9525">
+                <a14:hiddenLine xmlns="" xmlns:a14="http://schemas.microsoft.com/office/drawing/2010/main" w="9525">
                   <a:solidFill>
                     <a:srgbClr val="000000"/>
                   </a:solidFill>
@@ -2338,7 +3438,7 @@
             </a:ln>
             <a:extLst>
               <a:ext uri="{91240B29-F687-4f45-9708-019B960494DF}">
-                <a14:hiddenLine xmlns:a14="http://schemas.microsoft.com/office/drawing/2010/main" xmlns="" w="9525">
+                <a14:hiddenLine xmlns="" xmlns:a14="http://schemas.microsoft.com/office/drawing/2010/main" w="9525">
                   <a:solidFill>
                     <a:srgbClr val="000000"/>
                   </a:solidFill>
@@ -2428,7 +3528,7 @@
             </a:ln>
             <a:extLst>
               <a:ext uri="{91240B29-F687-4f45-9708-019B960494DF}">
-                <a14:hiddenLine xmlns:a14="http://schemas.microsoft.com/office/drawing/2010/main" xmlns="" w="9525">
+                <a14:hiddenLine xmlns="" xmlns:a14="http://schemas.microsoft.com/office/drawing/2010/main" w="9525">
                   <a:solidFill>
                     <a:srgbClr val="000000"/>
                   </a:solidFill>
@@ -2490,7 +3590,7 @@
             </a:ln>
             <a:extLst>
               <a:ext uri="{91240B29-F687-4f45-9708-019B960494DF}">
-                <a14:hiddenLine xmlns:a14="http://schemas.microsoft.com/office/drawing/2010/main" xmlns="" w="9525">
+                <a14:hiddenLine xmlns="" xmlns:a14="http://schemas.microsoft.com/office/drawing/2010/main" w="9525">
                   <a:solidFill>
                     <a:srgbClr val="000000"/>
                   </a:solidFill>
@@ -2552,7 +3652,7 @@
             </a:ln>
             <a:extLst>
               <a:ext uri="{91240B29-F687-4f45-9708-019B960494DF}">
-                <a14:hiddenLine xmlns:a14="http://schemas.microsoft.com/office/drawing/2010/main" xmlns="" w="9525">
+                <a14:hiddenLine xmlns="" xmlns:a14="http://schemas.microsoft.com/office/drawing/2010/main" w="9525">
                   <a:solidFill>
                     <a:srgbClr val="000000"/>
                   </a:solidFill>
@@ -2642,7 +3742,7 @@
             </a:ln>
             <a:extLst>
               <a:ext uri="{91240B29-F687-4f45-9708-019B960494DF}">
-                <a14:hiddenLine xmlns:a14="http://schemas.microsoft.com/office/drawing/2010/main" xmlns="" w="9525">
+                <a14:hiddenLine xmlns="" xmlns:a14="http://schemas.microsoft.com/office/drawing/2010/main" w="9525">
                   <a:solidFill>
                     <a:srgbClr val="000000"/>
                   </a:solidFill>
@@ -2710,7 +3810,7 @@
             </a:ln>
             <a:extLst>
               <a:ext uri="{91240B29-F687-4f45-9708-019B960494DF}">
-                <a14:hiddenLine xmlns:a14="http://schemas.microsoft.com/office/drawing/2010/main" xmlns="" w="9525">
+                <a14:hiddenLine xmlns="" xmlns:a14="http://schemas.microsoft.com/office/drawing/2010/main" w="9525">
                   <a:solidFill>
                     <a:srgbClr val="000000"/>
                   </a:solidFill>
@@ -2772,7 +3872,7 @@
             </a:ln>
             <a:extLst>
               <a:ext uri="{91240B29-F687-4f45-9708-019B960494DF}">
-                <a14:hiddenLine xmlns:a14="http://schemas.microsoft.com/office/drawing/2010/main" xmlns="" w="9525">
+                <a14:hiddenLine xmlns="" xmlns:a14="http://schemas.microsoft.com/office/drawing/2010/main" w="9525">
                   <a:solidFill>
                     <a:srgbClr val="000000"/>
                   </a:solidFill>
@@ -2862,7 +3962,7 @@
             </a:ln>
             <a:extLst>
               <a:ext uri="{91240B29-F687-4f45-9708-019B960494DF}">
-                <a14:hiddenLine xmlns:a14="http://schemas.microsoft.com/office/drawing/2010/main" xmlns="" w="9525">
+                <a14:hiddenLine xmlns="" xmlns:a14="http://schemas.microsoft.com/office/drawing/2010/main" w="9525">
                   <a:solidFill>
                     <a:srgbClr val="000000"/>
                   </a:solidFill>
@@ -2924,7 +4024,7 @@
             </a:ln>
             <a:extLst>
               <a:ext uri="{91240B29-F687-4f45-9708-019B960494DF}">
-                <a14:hiddenLine xmlns:a14="http://schemas.microsoft.com/office/drawing/2010/main" xmlns="" w="9525">
+                <a14:hiddenLine xmlns="" xmlns:a14="http://schemas.microsoft.com/office/drawing/2010/main" w="9525">
                   <a:solidFill>
                     <a:srgbClr val="000000"/>
                   </a:solidFill>
@@ -3014,7 +4114,7 @@
             </a:ln>
             <a:extLst>
               <a:ext uri="{91240B29-F687-4f45-9708-019B960494DF}">
-                <a14:hiddenLine xmlns:a14="http://schemas.microsoft.com/office/drawing/2010/main" xmlns="" w="9525">
+                <a14:hiddenLine xmlns="" xmlns:a14="http://schemas.microsoft.com/office/drawing/2010/main" w="9525">
                   <a:solidFill>
                     <a:srgbClr val="000000"/>
                   </a:solidFill>
@@ -3076,7 +4176,7 @@
             </a:ln>
             <a:extLst>
               <a:ext uri="{91240B29-F687-4f45-9708-019B960494DF}">
-                <a14:hiddenLine xmlns:a14="http://schemas.microsoft.com/office/drawing/2010/main" xmlns="" w="9525">
+                <a14:hiddenLine xmlns="" xmlns:a14="http://schemas.microsoft.com/office/drawing/2010/main" w="9525">
                   <a:solidFill>
                     <a:srgbClr val="000000"/>
                   </a:solidFill>
@@ -3166,7 +4266,7 @@
             </a:ln>
             <a:extLst>
               <a:ext uri="{91240B29-F687-4f45-9708-019B960494DF}">
-                <a14:hiddenLine xmlns:a14="http://schemas.microsoft.com/office/drawing/2010/main" xmlns="" w="9525">
+                <a14:hiddenLine xmlns="" xmlns:a14="http://schemas.microsoft.com/office/drawing/2010/main" w="9525">
                   <a:solidFill>
                     <a:srgbClr val="000000"/>
                   </a:solidFill>
@@ -3200,7 +4300,7 @@
             </a:ln>
             <a:extLst>
               <a:ext uri="{91240B29-F687-4f45-9708-019B960494DF}">
-                <a14:hiddenLine xmlns:a14="http://schemas.microsoft.com/office/drawing/2010/main" xmlns="" w="9525">
+                <a14:hiddenLine xmlns="" xmlns:a14="http://schemas.microsoft.com/office/drawing/2010/main" w="9525">
                   <a:solidFill>
                     <a:srgbClr val="000000"/>
                   </a:solidFill>
@@ -3265,7 +4365,7 @@
             </a:ln>
             <a:extLst>
               <a:ext uri="{91240B29-F687-4f45-9708-019B960494DF}">
-                <a14:hiddenLine xmlns:a14="http://schemas.microsoft.com/office/drawing/2010/main" xmlns="" w="9525">
+                <a14:hiddenLine xmlns="" xmlns:a14="http://schemas.microsoft.com/office/drawing/2010/main" w="9525">
                   <a:solidFill>
                     <a:srgbClr val="000000"/>
                   </a:solidFill>
@@ -3355,7 +4455,7 @@
             </a:ln>
             <a:extLst>
               <a:ext uri="{91240B29-F687-4f45-9708-019B960494DF}">
-                <a14:hiddenLine xmlns:a14="http://schemas.microsoft.com/office/drawing/2010/main" xmlns="" w="9525">
+                <a14:hiddenLine xmlns="" xmlns:a14="http://schemas.microsoft.com/office/drawing/2010/main" w="9525">
                   <a:solidFill>
                     <a:srgbClr val="000000"/>
                   </a:solidFill>
@@ -3417,7 +4517,7 @@
             </a:ln>
             <a:extLst>
               <a:ext uri="{91240B29-F687-4f45-9708-019B960494DF}">
-                <a14:hiddenLine xmlns:a14="http://schemas.microsoft.com/office/drawing/2010/main" xmlns="" w="9525">
+                <a14:hiddenLine xmlns="" xmlns:a14="http://schemas.microsoft.com/office/drawing/2010/main" w="9525">
                   <a:solidFill>
                     <a:srgbClr val="000000"/>
                   </a:solidFill>
@@ -3507,7 +4607,7 @@
             </a:ln>
             <a:extLst>
               <a:ext uri="{91240B29-F687-4f45-9708-019B960494DF}">
-                <a14:hiddenLine xmlns:a14="http://schemas.microsoft.com/office/drawing/2010/main" xmlns="" w="9525">
+                <a14:hiddenLine xmlns="" xmlns:a14="http://schemas.microsoft.com/office/drawing/2010/main" w="9525">
                   <a:solidFill>
                     <a:srgbClr val="000000"/>
                   </a:solidFill>
@@ -3597,7 +4697,7 @@
             </a:ln>
             <a:extLst>
               <a:ext uri="{91240B29-F687-4f45-9708-019B960494DF}">
-                <a14:hiddenLine xmlns:a14="http://schemas.microsoft.com/office/drawing/2010/main" xmlns="" w="9525">
+                <a14:hiddenLine xmlns="" xmlns:a14="http://schemas.microsoft.com/office/drawing/2010/main" w="9525">
                   <a:solidFill>
                     <a:srgbClr val="000000"/>
                   </a:solidFill>
@@ -3662,7 +4762,7 @@
             </a:ln>
             <a:extLst>
               <a:ext uri="{91240B29-F687-4f45-9708-019B960494DF}">
-                <a14:hiddenLine xmlns:a14="http://schemas.microsoft.com/office/drawing/2010/main" xmlns="" w="9525">
+                <a14:hiddenLine xmlns="" xmlns:a14="http://schemas.microsoft.com/office/drawing/2010/main" w="9525">
                   <a:solidFill>
                     <a:srgbClr val="000000"/>
                   </a:solidFill>
@@ -3724,7 +4824,7 @@
             </a:ln>
             <a:extLst>
               <a:ext uri="{91240B29-F687-4f45-9708-019B960494DF}">
-                <a14:hiddenLine xmlns:a14="http://schemas.microsoft.com/office/drawing/2010/main" xmlns="" w="9525">
+                <a14:hiddenLine xmlns="" xmlns:a14="http://schemas.microsoft.com/office/drawing/2010/main" w="9525">
                   <a:solidFill>
                     <a:srgbClr val="000000"/>
                   </a:solidFill>
@@ -3814,7 +4914,7 @@
             </a:ln>
             <a:extLst>
               <a:ext uri="{91240B29-F687-4f45-9708-019B960494DF}">
-                <a14:hiddenLine xmlns:a14="http://schemas.microsoft.com/office/drawing/2010/main" xmlns="" w="9525">
+                <a14:hiddenLine xmlns="" xmlns:a14="http://schemas.microsoft.com/office/drawing/2010/main" w="9525">
                   <a:solidFill>
                     <a:srgbClr val="000000"/>
                   </a:solidFill>
@@ -3904,7 +5004,7 @@
             </a:ln>
             <a:extLst>
               <a:ext uri="{91240B29-F687-4f45-9708-019B960494DF}">
-                <a14:hiddenLine xmlns:a14="http://schemas.microsoft.com/office/drawing/2010/main" xmlns="" w="9525">
+                <a14:hiddenLine xmlns="" xmlns:a14="http://schemas.microsoft.com/office/drawing/2010/main" w="9525">
                   <a:solidFill>
                     <a:srgbClr val="000000"/>
                   </a:solidFill>
@@ -3966,7 +5066,7 @@
             </a:ln>
             <a:extLst>
               <a:ext uri="{91240B29-F687-4f45-9708-019B960494DF}">
-                <a14:hiddenLine xmlns:a14="http://schemas.microsoft.com/office/drawing/2010/main" xmlns="" w="9525">
+                <a14:hiddenLine xmlns="" xmlns:a14="http://schemas.microsoft.com/office/drawing/2010/main" w="9525">
                   <a:solidFill>
                     <a:srgbClr val="000000"/>
                   </a:solidFill>
@@ -4086,7 +5186,7 @@
             </a:ln>
             <a:extLst>
               <a:ext uri="{91240B29-F687-4f45-9708-019B960494DF}">
-                <a14:hiddenLine xmlns:a14="http://schemas.microsoft.com/office/drawing/2010/main" xmlns="" w="9525">
+                <a14:hiddenLine xmlns="" xmlns:a14="http://schemas.microsoft.com/office/drawing/2010/main" w="9525">
                   <a:solidFill>
                     <a:srgbClr val="000000"/>
                   </a:solidFill>
@@ -4154,7 +5254,7 @@
             </a:ln>
             <a:extLst>
               <a:ext uri="{91240B29-F687-4f45-9708-019B960494DF}">
-                <a14:hiddenLine xmlns:a14="http://schemas.microsoft.com/office/drawing/2010/main" xmlns="" w="9525">
+                <a14:hiddenLine xmlns="" xmlns:a14="http://schemas.microsoft.com/office/drawing/2010/main" w="9525">
                   <a:solidFill>
                     <a:srgbClr val="000000"/>
                   </a:solidFill>
@@ -4244,7 +5344,7 @@
             </a:ln>
             <a:extLst>
               <a:ext uri="{91240B29-F687-4f45-9708-019B960494DF}">
-                <a14:hiddenLine xmlns:a14="http://schemas.microsoft.com/office/drawing/2010/main" xmlns="" w="9525">
+                <a14:hiddenLine xmlns="" xmlns:a14="http://schemas.microsoft.com/office/drawing/2010/main" w="9525">
                   <a:solidFill>
                     <a:srgbClr val="000000"/>
                   </a:solidFill>
@@ -4384,7 +5484,7 @@
           <a:p>
             <a:fld id="{35330BE0-FB1A-4096-8BD0-5EA84602E5DD}" type="datetimeFigureOut">
               <a:rPr lang="de-AT" smtClean="0"/>
-              <a:t>05.11.2018</a:t>
+              <a:t>06.11.2018</a:t>
             </a:fld>
             <a:endParaRPr lang="de-AT"/>
           </a:p>
@@ -4651,7 +5751,7 @@
           <a:p>
             <a:fld id="{35330BE0-FB1A-4096-8BD0-5EA84602E5DD}" type="datetimeFigureOut">
               <a:rPr lang="de-AT" smtClean="0"/>
-              <a:t>05.11.2018</a:t>
+              <a:t>06.11.2018</a:t>
             </a:fld>
             <a:endParaRPr lang="de-AT"/>
           </a:p>
@@ -4847,7 +5947,7 @@
           <a:p>
             <a:fld id="{35330BE0-FB1A-4096-8BD0-5EA84602E5DD}" type="datetimeFigureOut">
               <a:rPr lang="de-AT" smtClean="0"/>
-              <a:t>05.11.2018</a:t>
+              <a:t>06.11.2018</a:t>
             </a:fld>
             <a:endParaRPr lang="de-AT"/>
           </a:p>
@@ -5110,7 +6210,7 @@
           <a:p>
             <a:fld id="{35330BE0-FB1A-4096-8BD0-5EA84602E5DD}" type="datetimeFigureOut">
               <a:rPr lang="de-AT" smtClean="0"/>
-              <a:t>05.11.2018</a:t>
+              <a:t>06.11.2018</a:t>
             </a:fld>
             <a:endParaRPr lang="de-AT"/>
           </a:p>
@@ -5544,7 +6644,7 @@
           <a:p>
             <a:fld id="{35330BE0-FB1A-4096-8BD0-5EA84602E5DD}" type="datetimeFigureOut">
               <a:rPr lang="de-AT" smtClean="0"/>
-              <a:t>05.11.2018</a:t>
+              <a:t>06.11.2018</a:t>
             </a:fld>
             <a:endParaRPr lang="de-AT"/>
           </a:p>
@@ -6090,7 +7190,7 @@
           <a:p>
             <a:fld id="{35330BE0-FB1A-4096-8BD0-5EA84602E5DD}" type="datetimeFigureOut">
               <a:rPr lang="de-AT" smtClean="0"/>
-              <a:t>05.11.2018</a:t>
+              <a:t>06.11.2018</a:t>
             </a:fld>
             <a:endParaRPr lang="de-AT"/>
           </a:p>
@@ -6810,7 +7910,7 @@
           <a:p>
             <a:fld id="{35330BE0-FB1A-4096-8BD0-5EA84602E5DD}" type="datetimeFigureOut">
               <a:rPr lang="de-AT" smtClean="0"/>
-              <a:t>05.11.2018</a:t>
+              <a:t>06.11.2018</a:t>
             </a:fld>
             <a:endParaRPr lang="de-AT"/>
           </a:p>
@@ -6980,7 +8080,7 @@
           <a:p>
             <a:fld id="{35330BE0-FB1A-4096-8BD0-5EA84602E5DD}" type="datetimeFigureOut">
               <a:rPr lang="de-AT" smtClean="0"/>
-              <a:t>05.11.2018</a:t>
+              <a:t>06.11.2018</a:t>
             </a:fld>
             <a:endParaRPr lang="de-AT"/>
           </a:p>
@@ -7160,7 +8260,7 @@
           <a:p>
             <a:fld id="{35330BE0-FB1A-4096-8BD0-5EA84602E5DD}" type="datetimeFigureOut">
               <a:rPr lang="de-AT" smtClean="0"/>
-              <a:t>05.11.2018</a:t>
+              <a:t>06.11.2018</a:t>
             </a:fld>
             <a:endParaRPr lang="de-AT"/>
           </a:p>
@@ -7330,7 +8430,7 @@
           <a:p>
             <a:fld id="{35330BE0-FB1A-4096-8BD0-5EA84602E5DD}" type="datetimeFigureOut">
               <a:rPr lang="de-AT" smtClean="0"/>
-              <a:t>05.11.2018</a:t>
+              <a:t>06.11.2018</a:t>
             </a:fld>
             <a:endParaRPr lang="de-AT"/>
           </a:p>
@@ -7580,7 +8680,7 @@
           <a:p>
             <a:fld id="{35330BE0-FB1A-4096-8BD0-5EA84602E5DD}" type="datetimeFigureOut">
               <a:rPr lang="de-AT" smtClean="0"/>
-              <a:t>05.11.2018</a:t>
+              <a:t>06.11.2018</a:t>
             </a:fld>
             <a:endParaRPr lang="de-AT"/>
           </a:p>
@@ -7812,7 +8912,7 @@
           <a:p>
             <a:fld id="{35330BE0-FB1A-4096-8BD0-5EA84602E5DD}" type="datetimeFigureOut">
               <a:rPr lang="de-AT" smtClean="0"/>
-              <a:t>05.11.2018</a:t>
+              <a:t>06.11.2018</a:t>
             </a:fld>
             <a:endParaRPr lang="de-AT"/>
           </a:p>
@@ -8193,7 +9293,7 @@
           <a:p>
             <a:fld id="{35330BE0-FB1A-4096-8BD0-5EA84602E5DD}" type="datetimeFigureOut">
               <a:rPr lang="de-AT" smtClean="0"/>
-              <a:t>05.11.2018</a:t>
+              <a:t>06.11.2018</a:t>
             </a:fld>
             <a:endParaRPr lang="de-AT"/>
           </a:p>
@@ -8311,7 +9411,7 @@
           <a:p>
             <a:fld id="{35330BE0-FB1A-4096-8BD0-5EA84602E5DD}" type="datetimeFigureOut">
               <a:rPr lang="de-AT" smtClean="0"/>
-              <a:t>05.11.2018</a:t>
+              <a:t>06.11.2018</a:t>
             </a:fld>
             <a:endParaRPr lang="de-AT"/>
           </a:p>
@@ -8406,7 +9506,7 @@
           <a:p>
             <a:fld id="{35330BE0-FB1A-4096-8BD0-5EA84602E5DD}" type="datetimeFigureOut">
               <a:rPr lang="de-AT" smtClean="0"/>
-              <a:t>05.11.2018</a:t>
+              <a:t>06.11.2018</a:t>
             </a:fld>
             <a:endParaRPr lang="de-AT"/>
           </a:p>
@@ -8655,7 +9755,7 @@
           <a:p>
             <a:fld id="{35330BE0-FB1A-4096-8BD0-5EA84602E5DD}" type="datetimeFigureOut">
               <a:rPr lang="de-AT" smtClean="0"/>
-              <a:t>05.11.2018</a:t>
+              <a:t>06.11.2018</a:t>
             </a:fld>
             <a:endParaRPr lang="de-AT"/>
           </a:p>
@@ -8935,7 +10035,7 @@
           <a:p>
             <a:fld id="{35330BE0-FB1A-4096-8BD0-5EA84602E5DD}" type="datetimeFigureOut">
               <a:rPr lang="de-AT" smtClean="0"/>
-              <a:t>05.11.2018</a:t>
+              <a:t>06.11.2018</a:t>
             </a:fld>
             <a:endParaRPr lang="de-AT"/>
           </a:p>
@@ -9051,7 +10151,7 @@
           <a:noFill/>
           <a:extLst>
             <a:ext uri="{909E8E84-426E-40dd-AFC4-6F175D3DCCD1}">
-              <a14:hiddenFill xmlns:a14="http://schemas.microsoft.com/office/drawing/2010/main" xmlns="">
+              <a14:hiddenFill xmlns="" xmlns:a14="http://schemas.microsoft.com/office/drawing/2010/main">
                 <a:solidFill>
                   <a:srgbClr val="FFFFFF"/>
                 </a:solidFill>
@@ -9125,7 +10225,7 @@
               </a:ln>
               <a:extLst>
                 <a:ext uri="{91240B29-F687-4f45-9708-019B960494DF}">
-                  <a14:hiddenLine xmlns:a14="http://schemas.microsoft.com/office/drawing/2010/main" xmlns="" w="9525">
+                  <a14:hiddenLine xmlns="" xmlns:a14="http://schemas.microsoft.com/office/drawing/2010/main" w="9525">
                     <a:solidFill>
                       <a:srgbClr val="000000"/>
                     </a:solidFill>
@@ -9215,7 +10315,7 @@
               </a:ln>
               <a:extLst>
                 <a:ext uri="{91240B29-F687-4f45-9708-019B960494DF}">
-                  <a14:hiddenLine xmlns:a14="http://schemas.microsoft.com/office/drawing/2010/main" xmlns="" w="9525">
+                  <a14:hiddenLine xmlns="" xmlns:a14="http://schemas.microsoft.com/office/drawing/2010/main" w="9525">
                     <a:solidFill>
                       <a:srgbClr val="000000"/>
                     </a:solidFill>
@@ -9305,7 +10405,7 @@
               </a:ln>
               <a:extLst>
                 <a:ext uri="{91240B29-F687-4f45-9708-019B960494DF}">
-                  <a14:hiddenLine xmlns:a14="http://schemas.microsoft.com/office/drawing/2010/main" xmlns="" w="9525">
+                  <a14:hiddenLine xmlns="" xmlns:a14="http://schemas.microsoft.com/office/drawing/2010/main" w="9525">
                     <a:solidFill>
                       <a:srgbClr val="000000"/>
                     </a:solidFill>
@@ -9367,7 +10467,7 @@
               </a:ln>
               <a:extLst>
                 <a:ext uri="{91240B29-F687-4f45-9708-019B960494DF}">
-                  <a14:hiddenLine xmlns:a14="http://schemas.microsoft.com/office/drawing/2010/main" xmlns="" w="9525">
+                  <a14:hiddenLine xmlns="" xmlns:a14="http://schemas.microsoft.com/office/drawing/2010/main" w="9525">
                     <a:solidFill>
                       <a:srgbClr val="000000"/>
                     </a:solidFill>
@@ -9457,7 +10557,7 @@
               </a:ln>
               <a:extLst>
                 <a:ext uri="{91240B29-F687-4f45-9708-019B960494DF}">
-                  <a14:hiddenLine xmlns:a14="http://schemas.microsoft.com/office/drawing/2010/main" xmlns="" w="9525">
+                  <a14:hiddenLine xmlns="" xmlns:a14="http://schemas.microsoft.com/office/drawing/2010/main" w="9525">
                     <a:solidFill>
                       <a:srgbClr val="000000"/>
                     </a:solidFill>
@@ -9519,7 +10619,7 @@
               </a:ln>
               <a:extLst>
                 <a:ext uri="{91240B29-F687-4f45-9708-019B960494DF}">
-                  <a14:hiddenLine xmlns:a14="http://schemas.microsoft.com/office/drawing/2010/main" xmlns="" w="9525">
+                  <a14:hiddenLine xmlns="" xmlns:a14="http://schemas.microsoft.com/office/drawing/2010/main" w="9525">
                     <a:solidFill>
                       <a:srgbClr val="000000"/>
                     </a:solidFill>
@@ -9581,7 +10681,7 @@
               </a:ln>
               <a:extLst>
                 <a:ext uri="{91240B29-F687-4f45-9708-019B960494DF}">
-                  <a14:hiddenLine xmlns:a14="http://schemas.microsoft.com/office/drawing/2010/main" xmlns="" w="9525">
+                  <a14:hiddenLine xmlns="" xmlns:a14="http://schemas.microsoft.com/office/drawing/2010/main" w="9525">
                     <a:solidFill>
                       <a:srgbClr val="000000"/>
                     </a:solidFill>
@@ -9671,7 +10771,7 @@
               </a:ln>
               <a:extLst>
                 <a:ext uri="{91240B29-F687-4f45-9708-019B960494DF}">
-                  <a14:hiddenLine xmlns:a14="http://schemas.microsoft.com/office/drawing/2010/main" xmlns="" w="9525">
+                  <a14:hiddenLine xmlns="" xmlns:a14="http://schemas.microsoft.com/office/drawing/2010/main" w="9525">
                     <a:solidFill>
                       <a:srgbClr val="000000"/>
                     </a:solidFill>
@@ -9761,7 +10861,7 @@
               </a:ln>
               <a:extLst>
                 <a:ext uri="{91240B29-F687-4f45-9708-019B960494DF}">
-                  <a14:hiddenLine xmlns:a14="http://schemas.microsoft.com/office/drawing/2010/main" xmlns="" w="9525">
+                  <a14:hiddenLine xmlns="" xmlns:a14="http://schemas.microsoft.com/office/drawing/2010/main" w="9525">
                     <a:solidFill>
                       <a:srgbClr val="000000"/>
                     </a:solidFill>
@@ -9823,7 +10923,7 @@
               </a:ln>
               <a:extLst>
                 <a:ext uri="{91240B29-F687-4f45-9708-019B960494DF}">
-                  <a14:hiddenLine xmlns:a14="http://schemas.microsoft.com/office/drawing/2010/main" xmlns="" w="9525">
+                  <a14:hiddenLine xmlns="" xmlns:a14="http://schemas.microsoft.com/office/drawing/2010/main" w="9525">
                     <a:solidFill>
                       <a:srgbClr val="000000"/>
                     </a:solidFill>
@@ -9933,7 +11033,7 @@
               </a:ln>
               <a:extLst>
                 <a:ext uri="{91240B29-F687-4f45-9708-019B960494DF}">
-                  <a14:hiddenLine xmlns:a14="http://schemas.microsoft.com/office/drawing/2010/main" xmlns="" w="9525">
+                  <a14:hiddenLine xmlns="" xmlns:a14="http://schemas.microsoft.com/office/drawing/2010/main" w="9525">
                     <a:solidFill>
                       <a:srgbClr val="000000"/>
                     </a:solidFill>
@@ -10017,7 +11117,7 @@
               </a:ln>
               <a:extLst>
                 <a:ext uri="{91240B29-F687-4f45-9708-019B960494DF}">
-                  <a14:hiddenLine xmlns:a14="http://schemas.microsoft.com/office/drawing/2010/main" xmlns="" w="9525">
+                  <a14:hiddenLine xmlns="" xmlns:a14="http://schemas.microsoft.com/office/drawing/2010/main" w="9525">
                     <a:solidFill>
                       <a:srgbClr val="000000"/>
                     </a:solidFill>
@@ -10079,7 +11179,7 @@
               </a:ln>
               <a:extLst>
                 <a:ext uri="{91240B29-F687-4f45-9708-019B960494DF}">
-                  <a14:hiddenLine xmlns:a14="http://schemas.microsoft.com/office/drawing/2010/main" xmlns="" w="9525">
+                  <a14:hiddenLine xmlns="" xmlns:a14="http://schemas.microsoft.com/office/drawing/2010/main" w="9525">
                     <a:solidFill>
                       <a:srgbClr val="000000"/>
                     </a:solidFill>
@@ -10141,7 +11241,7 @@
               </a:ln>
               <a:extLst>
                 <a:ext uri="{91240B29-F687-4f45-9708-019B960494DF}">
-                  <a14:hiddenLine xmlns:a14="http://schemas.microsoft.com/office/drawing/2010/main" xmlns="" w="9525">
+                  <a14:hiddenLine xmlns="" xmlns:a14="http://schemas.microsoft.com/office/drawing/2010/main" w="9525">
                     <a:solidFill>
                       <a:srgbClr val="000000"/>
                     </a:solidFill>
@@ -10231,7 +11331,7 @@
               </a:ln>
               <a:extLst>
                 <a:ext uri="{91240B29-F687-4f45-9708-019B960494DF}">
-                  <a14:hiddenLine xmlns:a14="http://schemas.microsoft.com/office/drawing/2010/main" xmlns="" w="9525">
+                  <a14:hiddenLine xmlns="" xmlns:a14="http://schemas.microsoft.com/office/drawing/2010/main" w="9525">
                     <a:solidFill>
                       <a:srgbClr val="000000"/>
                     </a:solidFill>
@@ -10265,7 +11365,7 @@
               </a:ln>
               <a:extLst>
                 <a:ext uri="{91240B29-F687-4f45-9708-019B960494DF}">
-                  <a14:hiddenLine xmlns:a14="http://schemas.microsoft.com/office/drawing/2010/main" xmlns="" w="9525">
+                  <a14:hiddenLine xmlns="" xmlns:a14="http://schemas.microsoft.com/office/drawing/2010/main" w="9525">
                     <a:solidFill>
                       <a:srgbClr val="000000"/>
                     </a:solidFill>
@@ -10330,7 +11430,7 @@
               </a:ln>
               <a:extLst>
                 <a:ext uri="{91240B29-F687-4f45-9708-019B960494DF}">
-                  <a14:hiddenLine xmlns:a14="http://schemas.microsoft.com/office/drawing/2010/main" xmlns="" w="9525">
+                  <a14:hiddenLine xmlns="" xmlns:a14="http://schemas.microsoft.com/office/drawing/2010/main" w="9525">
                     <a:solidFill>
                       <a:srgbClr val="000000"/>
                     </a:solidFill>
@@ -10420,7 +11520,7 @@
               </a:ln>
               <a:extLst>
                 <a:ext uri="{91240B29-F687-4f45-9708-019B960494DF}">
-                  <a14:hiddenLine xmlns:a14="http://schemas.microsoft.com/office/drawing/2010/main" xmlns="" w="9525">
+                  <a14:hiddenLine xmlns="" xmlns:a14="http://schemas.microsoft.com/office/drawing/2010/main" w="9525">
                     <a:solidFill>
                       <a:srgbClr val="000000"/>
                     </a:solidFill>
@@ -10482,7 +11582,7 @@
               </a:ln>
               <a:extLst>
                 <a:ext uri="{91240B29-F687-4f45-9708-019B960494DF}">
-                  <a14:hiddenLine xmlns:a14="http://schemas.microsoft.com/office/drawing/2010/main" xmlns="" w="9525">
+                  <a14:hiddenLine xmlns="" xmlns:a14="http://schemas.microsoft.com/office/drawing/2010/main" w="9525">
                     <a:solidFill>
                       <a:srgbClr val="000000"/>
                     </a:solidFill>
@@ -10572,7 +11672,7 @@
               </a:ln>
               <a:extLst>
                 <a:ext uri="{91240B29-F687-4f45-9708-019B960494DF}">
-                  <a14:hiddenLine xmlns:a14="http://schemas.microsoft.com/office/drawing/2010/main" xmlns="" w="9525">
+                  <a14:hiddenLine xmlns="" xmlns:a14="http://schemas.microsoft.com/office/drawing/2010/main" w="9525">
                     <a:solidFill>
                       <a:srgbClr val="000000"/>
                     </a:solidFill>
@@ -10637,7 +11737,7 @@
               </a:ln>
               <a:extLst>
                 <a:ext uri="{91240B29-F687-4f45-9708-019B960494DF}">
-                  <a14:hiddenLine xmlns:a14="http://schemas.microsoft.com/office/drawing/2010/main" xmlns="" w="9525">
+                  <a14:hiddenLine xmlns="" xmlns:a14="http://schemas.microsoft.com/office/drawing/2010/main" w="9525">
                     <a:solidFill>
                       <a:srgbClr val="000000"/>
                     </a:solidFill>
@@ -10699,7 +11799,7 @@
               </a:ln>
               <a:extLst>
                 <a:ext uri="{91240B29-F687-4f45-9708-019B960494DF}">
-                  <a14:hiddenLine xmlns:a14="http://schemas.microsoft.com/office/drawing/2010/main" xmlns="" w="9525">
+                  <a14:hiddenLine xmlns="" xmlns:a14="http://schemas.microsoft.com/office/drawing/2010/main" w="9525">
                     <a:solidFill>
                       <a:srgbClr val="000000"/>
                     </a:solidFill>
@@ -10789,7 +11889,7 @@
               </a:ln>
               <a:extLst>
                 <a:ext uri="{91240B29-F687-4f45-9708-019B960494DF}">
-                  <a14:hiddenLine xmlns:a14="http://schemas.microsoft.com/office/drawing/2010/main" xmlns="" w="9525">
+                  <a14:hiddenLine xmlns="" xmlns:a14="http://schemas.microsoft.com/office/drawing/2010/main" w="9525">
                     <a:solidFill>
                       <a:srgbClr val="000000"/>
                     </a:solidFill>
@@ -10879,7 +11979,7 @@
               </a:ln>
               <a:extLst>
                 <a:ext uri="{91240B29-F687-4f45-9708-019B960494DF}">
-                  <a14:hiddenLine xmlns:a14="http://schemas.microsoft.com/office/drawing/2010/main" xmlns="" w="9525">
+                  <a14:hiddenLine xmlns="" xmlns:a14="http://schemas.microsoft.com/office/drawing/2010/main" w="9525">
                     <a:solidFill>
                       <a:srgbClr val="000000"/>
                     </a:solidFill>
@@ -10944,7 +12044,7 @@
               </a:ln>
               <a:extLst>
                 <a:ext uri="{91240B29-F687-4f45-9708-019B960494DF}">
-                  <a14:hiddenLine xmlns:a14="http://schemas.microsoft.com/office/drawing/2010/main" xmlns="" w="9525">
+                  <a14:hiddenLine xmlns="" xmlns:a14="http://schemas.microsoft.com/office/drawing/2010/main" w="9525">
                     <a:solidFill>
                       <a:srgbClr val="000000"/>
                     </a:solidFill>
@@ -11064,7 +12164,7 @@
               </a:ln>
               <a:extLst>
                 <a:ext uri="{91240B29-F687-4f45-9708-019B960494DF}">
-                  <a14:hiddenLine xmlns:a14="http://schemas.microsoft.com/office/drawing/2010/main" xmlns="" w="9525">
+                  <a14:hiddenLine xmlns="" xmlns:a14="http://schemas.microsoft.com/office/drawing/2010/main" w="9525">
                     <a:solidFill>
                       <a:srgbClr val="000000"/>
                     </a:solidFill>
@@ -11162,7 +12262,7 @@
               </a:ln>
               <a:extLst>
                 <a:ext uri="{91240B29-F687-4f45-9708-019B960494DF}">
-                  <a14:hiddenLine xmlns:a14="http://schemas.microsoft.com/office/drawing/2010/main" xmlns="" w="9525">
+                  <a14:hiddenLine xmlns="" xmlns:a14="http://schemas.microsoft.com/office/drawing/2010/main" w="9525">
                     <a:solidFill>
                       <a:srgbClr val="000000"/>
                     </a:solidFill>
@@ -11277,7 +12377,7 @@
               </a:ln>
               <a:extLst>
                 <a:ext uri="{91240B29-F687-4f45-9708-019B960494DF}">
-                  <a14:hiddenLine xmlns:a14="http://schemas.microsoft.com/office/drawing/2010/main" xmlns="" w="9525">
+                  <a14:hiddenLine xmlns="" xmlns:a14="http://schemas.microsoft.com/office/drawing/2010/main" w="9525">
                     <a:solidFill>
                       <a:srgbClr val="000000"/>
                     </a:solidFill>
@@ -11367,7 +12467,7 @@
               </a:ln>
               <a:extLst>
                 <a:ext uri="{91240B29-F687-4f45-9708-019B960494DF}">
-                  <a14:hiddenLine xmlns:a14="http://schemas.microsoft.com/office/drawing/2010/main" xmlns="" w="9525">
+                  <a14:hiddenLine xmlns="" xmlns:a14="http://schemas.microsoft.com/office/drawing/2010/main" w="9525">
                     <a:solidFill>
                       <a:srgbClr val="000000"/>
                     </a:solidFill>
@@ -11432,7 +12532,7 @@
               </a:ln>
               <a:extLst>
                 <a:ext uri="{91240B29-F687-4f45-9708-019B960494DF}">
-                  <a14:hiddenLine xmlns:a14="http://schemas.microsoft.com/office/drawing/2010/main" xmlns="" w="9525">
+                  <a14:hiddenLine xmlns="" xmlns:a14="http://schemas.microsoft.com/office/drawing/2010/main" w="9525">
                     <a:solidFill>
                       <a:srgbClr val="000000"/>
                     </a:solidFill>
@@ -11522,7 +12622,7 @@
               </a:ln>
               <a:extLst>
                 <a:ext uri="{91240B29-F687-4f45-9708-019B960494DF}">
-                  <a14:hiddenLine xmlns:a14="http://schemas.microsoft.com/office/drawing/2010/main" xmlns="" w="9525">
+                  <a14:hiddenLine xmlns="" xmlns:a14="http://schemas.microsoft.com/office/drawing/2010/main" w="9525">
                     <a:solidFill>
                       <a:srgbClr val="000000"/>
                     </a:solidFill>
@@ -11590,7 +12690,7 @@
               </a:ln>
               <a:extLst>
                 <a:ext uri="{91240B29-F687-4f45-9708-019B960494DF}">
-                  <a14:hiddenLine xmlns:a14="http://schemas.microsoft.com/office/drawing/2010/main" xmlns="" w="9525">
+                  <a14:hiddenLine xmlns="" xmlns:a14="http://schemas.microsoft.com/office/drawing/2010/main" w="9525">
                     <a:solidFill>
                       <a:srgbClr val="000000"/>
                     </a:solidFill>
@@ -11680,7 +12780,7 @@
               </a:ln>
               <a:extLst>
                 <a:ext uri="{91240B29-F687-4f45-9708-019B960494DF}">
-                  <a14:hiddenLine xmlns:a14="http://schemas.microsoft.com/office/drawing/2010/main" xmlns="" w="9525">
+                  <a14:hiddenLine xmlns="" xmlns:a14="http://schemas.microsoft.com/office/drawing/2010/main" w="9525">
                     <a:solidFill>
                       <a:srgbClr val="000000"/>
                     </a:solidFill>
@@ -11748,7 +12848,7 @@
               </a:ln>
               <a:extLst>
                 <a:ext uri="{91240B29-F687-4f45-9708-019B960494DF}">
-                  <a14:hiddenLine xmlns:a14="http://schemas.microsoft.com/office/drawing/2010/main" xmlns="" w="9525">
+                  <a14:hiddenLine xmlns="" xmlns:a14="http://schemas.microsoft.com/office/drawing/2010/main" w="9525">
                     <a:solidFill>
                       <a:srgbClr val="000000"/>
                     </a:solidFill>
@@ -11838,7 +12938,7 @@
               </a:ln>
               <a:extLst>
                 <a:ext uri="{91240B29-F687-4f45-9708-019B960494DF}">
-                  <a14:hiddenLine xmlns:a14="http://schemas.microsoft.com/office/drawing/2010/main" xmlns="" w="9525">
+                  <a14:hiddenLine xmlns="" xmlns:a14="http://schemas.microsoft.com/office/drawing/2010/main" w="9525">
                     <a:solidFill>
                       <a:srgbClr val="000000"/>
                     </a:solidFill>
@@ -11872,7 +12972,7 @@
               </a:ln>
               <a:extLst>
                 <a:ext uri="{91240B29-F687-4f45-9708-019B960494DF}">
-                  <a14:hiddenLine xmlns:a14="http://schemas.microsoft.com/office/drawing/2010/main" xmlns="" w="9525">
+                  <a14:hiddenLine xmlns="" xmlns:a14="http://schemas.microsoft.com/office/drawing/2010/main" w="9525">
                     <a:solidFill>
                       <a:srgbClr val="000000"/>
                     </a:solidFill>
@@ -12012,7 +13112,7 @@
           <a:p>
             <a:fld id="{35330BE0-FB1A-4096-8BD0-5EA84602E5DD}" type="datetimeFigureOut">
               <a:rPr lang="de-AT" smtClean="0"/>
-              <a:t>05.11.2018</a:t>
+              <a:t>06.11.2018</a:t>
             </a:fld>
             <a:endParaRPr lang="de-AT"/>
           </a:p>
@@ -12660,7 +13760,7 @@
             </a:ln>
             <a:extLst>
               <a:ext uri="{91240B29-F687-4f45-9708-019B960494DF}">
-                <a14:hiddenLine xmlns="" xmlns:a16="http://schemas.microsoft.com/office/drawing/2014/main" xmlns:p14="http://schemas.microsoft.com/office/powerpoint/2010/main" xmlns:a14="http://schemas.microsoft.com/office/drawing/2010/main" w="9525">
+                <a14:hiddenLine xmlns:a14="http://schemas.microsoft.com/office/drawing/2010/main" xmlns:p14="http://schemas.microsoft.com/office/powerpoint/2010/main" xmlns:a16="http://schemas.microsoft.com/office/drawing/2014/main" xmlns="" w="9525">
                   <a:solidFill>
                     <a:srgbClr val="000000"/>
                   </a:solidFill>
@@ -12765,7 +13865,7 @@
             </a:ln>
             <a:extLst>
               <a:ext uri="{91240B29-F687-4f45-9708-019B960494DF}">
-                <a14:hiddenLine xmlns="" xmlns:a16="http://schemas.microsoft.com/office/drawing/2014/main" xmlns:p14="http://schemas.microsoft.com/office/powerpoint/2010/main" xmlns:a14="http://schemas.microsoft.com/office/drawing/2010/main" w="9525">
+                <a14:hiddenLine xmlns:a14="http://schemas.microsoft.com/office/drawing/2010/main" xmlns:p14="http://schemas.microsoft.com/office/powerpoint/2010/main" xmlns:a16="http://schemas.microsoft.com/office/drawing/2014/main" xmlns="" w="9525">
                   <a:solidFill>
                     <a:srgbClr val="000000"/>
                   </a:solidFill>
@@ -12870,7 +13970,7 @@
             </a:ln>
             <a:extLst>
               <a:ext uri="{91240B29-F687-4f45-9708-019B960494DF}">
-                <a14:hiddenLine xmlns="" xmlns:a16="http://schemas.microsoft.com/office/drawing/2014/main" xmlns:p14="http://schemas.microsoft.com/office/powerpoint/2010/main" xmlns:a14="http://schemas.microsoft.com/office/drawing/2010/main" w="9525">
+                <a14:hiddenLine xmlns:a14="http://schemas.microsoft.com/office/drawing/2010/main" xmlns:p14="http://schemas.microsoft.com/office/powerpoint/2010/main" xmlns:a16="http://schemas.microsoft.com/office/drawing/2014/main" xmlns="" w="9525">
                   <a:solidFill>
                     <a:srgbClr val="000000"/>
                   </a:solidFill>
@@ -12919,7 +14019,7 @@
             </a:ln>
             <a:extLst>
               <a:ext uri="{91240B29-F687-4f45-9708-019B960494DF}">
-                <a14:hiddenLine xmlns="" xmlns:a16="http://schemas.microsoft.com/office/drawing/2014/main" xmlns:p14="http://schemas.microsoft.com/office/powerpoint/2010/main" xmlns:a14="http://schemas.microsoft.com/office/drawing/2010/main" w="9525">
+                <a14:hiddenLine xmlns:a14="http://schemas.microsoft.com/office/drawing/2010/main" xmlns:p14="http://schemas.microsoft.com/office/powerpoint/2010/main" xmlns:a16="http://schemas.microsoft.com/office/drawing/2014/main" xmlns="" w="9525">
                   <a:solidFill>
                     <a:srgbClr val="000000"/>
                   </a:solidFill>
@@ -13024,7 +14124,7 @@
             </a:ln>
             <a:extLst>
               <a:ext uri="{91240B29-F687-4f45-9708-019B960494DF}">
-                <a14:hiddenLine xmlns="" xmlns:a16="http://schemas.microsoft.com/office/drawing/2014/main" xmlns:p14="http://schemas.microsoft.com/office/powerpoint/2010/main" xmlns:a14="http://schemas.microsoft.com/office/drawing/2010/main" w="9525">
+                <a14:hiddenLine xmlns:a14="http://schemas.microsoft.com/office/drawing/2010/main" xmlns:p14="http://schemas.microsoft.com/office/powerpoint/2010/main" xmlns:a16="http://schemas.microsoft.com/office/drawing/2014/main" xmlns="" w="9525">
                   <a:solidFill>
                     <a:srgbClr val="000000"/>
                   </a:solidFill>
@@ -13101,7 +14201,7 @@
             </a:ln>
             <a:extLst>
               <a:ext uri="{91240B29-F687-4f45-9708-019B960494DF}">
-                <a14:hiddenLine xmlns="" xmlns:a16="http://schemas.microsoft.com/office/drawing/2014/main" xmlns:p14="http://schemas.microsoft.com/office/powerpoint/2010/main" xmlns:a14="http://schemas.microsoft.com/office/drawing/2010/main" w="9525">
+                <a14:hiddenLine xmlns:a14="http://schemas.microsoft.com/office/drawing/2010/main" xmlns:p14="http://schemas.microsoft.com/office/powerpoint/2010/main" xmlns:a16="http://schemas.microsoft.com/office/drawing/2014/main" xmlns="" w="9525">
                   <a:solidFill>
                     <a:srgbClr val="000000"/>
                   </a:solidFill>
@@ -13178,7 +14278,7 @@
             </a:ln>
             <a:extLst>
               <a:ext uri="{91240B29-F687-4f45-9708-019B960494DF}">
-                <a14:hiddenLine xmlns="" xmlns:a16="http://schemas.microsoft.com/office/drawing/2014/main" xmlns:p14="http://schemas.microsoft.com/office/powerpoint/2010/main" xmlns:a14="http://schemas.microsoft.com/office/drawing/2010/main" w="9525">
+                <a14:hiddenLine xmlns:a14="http://schemas.microsoft.com/office/drawing/2010/main" xmlns:p14="http://schemas.microsoft.com/office/powerpoint/2010/main" xmlns:a16="http://schemas.microsoft.com/office/drawing/2014/main" xmlns="" w="9525">
                   <a:solidFill>
                     <a:srgbClr val="000000"/>
                   </a:solidFill>
@@ -13283,7 +14383,7 @@
             </a:ln>
             <a:extLst>
               <a:ext uri="{91240B29-F687-4f45-9708-019B960494DF}">
-                <a14:hiddenLine xmlns="" xmlns:a16="http://schemas.microsoft.com/office/drawing/2014/main" xmlns:p14="http://schemas.microsoft.com/office/powerpoint/2010/main" xmlns:a14="http://schemas.microsoft.com/office/drawing/2010/main" w="9525">
+                <a14:hiddenLine xmlns:a14="http://schemas.microsoft.com/office/drawing/2010/main" xmlns:p14="http://schemas.microsoft.com/office/powerpoint/2010/main" xmlns:a16="http://schemas.microsoft.com/office/drawing/2014/main" xmlns="" w="9525">
                   <a:solidFill>
                     <a:srgbClr val="000000"/>
                   </a:solidFill>
@@ -13360,7 +14460,7 @@
             </a:ln>
             <a:extLst>
               <a:ext uri="{91240B29-F687-4f45-9708-019B960494DF}">
-                <a14:hiddenLine xmlns="" xmlns:a16="http://schemas.microsoft.com/office/drawing/2014/main" xmlns:p14="http://schemas.microsoft.com/office/powerpoint/2010/main" xmlns:a14="http://schemas.microsoft.com/office/drawing/2010/main" w="9525">
+                <a14:hiddenLine xmlns:a14="http://schemas.microsoft.com/office/drawing/2010/main" xmlns:p14="http://schemas.microsoft.com/office/powerpoint/2010/main" xmlns:a16="http://schemas.microsoft.com/office/drawing/2014/main" xmlns="" w="9525">
                   <a:solidFill>
                     <a:srgbClr val="000000"/>
                   </a:solidFill>
@@ -13437,7 +14537,7 @@
             </a:ln>
             <a:extLst>
               <a:ext uri="{91240B29-F687-4f45-9708-019B960494DF}">
-                <a14:hiddenLine xmlns="" xmlns:a16="http://schemas.microsoft.com/office/drawing/2014/main" xmlns:p14="http://schemas.microsoft.com/office/powerpoint/2010/main" xmlns:a14="http://schemas.microsoft.com/office/drawing/2010/main" w="9525">
+                <a14:hiddenLine xmlns:a14="http://schemas.microsoft.com/office/drawing/2010/main" xmlns:p14="http://schemas.microsoft.com/office/powerpoint/2010/main" xmlns:a16="http://schemas.microsoft.com/office/drawing/2014/main" xmlns="" w="9525">
                   <a:solidFill>
                     <a:srgbClr val="000000"/>
                   </a:solidFill>
@@ -13542,7 +14642,7 @@
             </a:ln>
             <a:extLst>
               <a:ext uri="{91240B29-F687-4f45-9708-019B960494DF}">
-                <a14:hiddenLine xmlns="" xmlns:a16="http://schemas.microsoft.com/office/drawing/2014/main" xmlns:p14="http://schemas.microsoft.com/office/powerpoint/2010/main" xmlns:a14="http://schemas.microsoft.com/office/drawing/2010/main" w="9525">
+                <a14:hiddenLine xmlns:a14="http://schemas.microsoft.com/office/drawing/2010/main" xmlns:p14="http://schemas.microsoft.com/office/powerpoint/2010/main" xmlns:a16="http://schemas.microsoft.com/office/drawing/2014/main" xmlns="" w="9525">
                   <a:solidFill>
                     <a:srgbClr val="000000"/>
                   </a:solidFill>
@@ -13647,7 +14747,7 @@
             </a:ln>
             <a:extLst>
               <a:ext uri="{91240B29-F687-4f45-9708-019B960494DF}">
-                <a14:hiddenLine xmlns="" xmlns:a16="http://schemas.microsoft.com/office/drawing/2014/main" xmlns:p14="http://schemas.microsoft.com/office/powerpoint/2010/main" xmlns:a14="http://schemas.microsoft.com/office/drawing/2010/main" w="9525">
+                <a14:hiddenLine xmlns:a14="http://schemas.microsoft.com/office/drawing/2010/main" xmlns:p14="http://schemas.microsoft.com/office/powerpoint/2010/main" xmlns:a16="http://schemas.microsoft.com/office/drawing/2014/main" xmlns="" w="9525">
                   <a:solidFill>
                     <a:srgbClr val="000000"/>
                   </a:solidFill>
@@ -13724,7 +14824,7 @@
             </a:ln>
             <a:extLst>
               <a:ext uri="{91240B29-F687-4f45-9708-019B960494DF}">
-                <a14:hiddenLine xmlns="" xmlns:a16="http://schemas.microsoft.com/office/drawing/2014/main" xmlns:p14="http://schemas.microsoft.com/office/powerpoint/2010/main" xmlns:a14="http://schemas.microsoft.com/office/drawing/2010/main" w="9525">
+                <a14:hiddenLine xmlns:a14="http://schemas.microsoft.com/office/drawing/2010/main" xmlns:p14="http://schemas.microsoft.com/office/powerpoint/2010/main" xmlns:a16="http://schemas.microsoft.com/office/drawing/2014/main" xmlns="" w="9525">
                   <a:solidFill>
                     <a:srgbClr val="000000"/>
                   </a:solidFill>
@@ -13849,7 +14949,7 @@
             </a:ln>
             <a:extLst>
               <a:ext uri="{91240B29-F687-4f45-9708-019B960494DF}">
-                <a14:hiddenLine xmlns="" xmlns:a16="http://schemas.microsoft.com/office/drawing/2014/main" xmlns:p14="http://schemas.microsoft.com/office/powerpoint/2010/main" xmlns:a14="http://schemas.microsoft.com/office/drawing/2010/main" w="9525">
+                <a14:hiddenLine xmlns:a14="http://schemas.microsoft.com/office/drawing/2010/main" xmlns:p14="http://schemas.microsoft.com/office/powerpoint/2010/main" xmlns:a16="http://schemas.microsoft.com/office/drawing/2014/main" xmlns="" w="9525">
                   <a:solidFill>
                     <a:srgbClr val="000000"/>
                   </a:solidFill>
@@ -13926,7 +15026,7 @@
             </a:ln>
             <a:extLst>
               <a:ext uri="{91240B29-F687-4f45-9708-019B960494DF}">
-                <a14:hiddenLine xmlns="" xmlns:a16="http://schemas.microsoft.com/office/drawing/2014/main" xmlns:p14="http://schemas.microsoft.com/office/powerpoint/2010/main" xmlns:a14="http://schemas.microsoft.com/office/drawing/2010/main" w="9525">
+                <a14:hiddenLine xmlns:a14="http://schemas.microsoft.com/office/drawing/2010/main" xmlns:p14="http://schemas.microsoft.com/office/powerpoint/2010/main" xmlns:a16="http://schemas.microsoft.com/office/drawing/2014/main" xmlns="" w="9525">
                   <a:solidFill>
                     <a:srgbClr val="000000"/>
                   </a:solidFill>
@@ -14031,7 +15131,7 @@
             </a:ln>
             <a:extLst>
               <a:ext uri="{91240B29-F687-4f45-9708-019B960494DF}">
-                <a14:hiddenLine xmlns="" xmlns:a16="http://schemas.microsoft.com/office/drawing/2014/main" xmlns:p14="http://schemas.microsoft.com/office/powerpoint/2010/main" xmlns:a14="http://schemas.microsoft.com/office/drawing/2010/main" w="9525">
+                <a14:hiddenLine xmlns:a14="http://schemas.microsoft.com/office/drawing/2010/main" xmlns:p14="http://schemas.microsoft.com/office/powerpoint/2010/main" xmlns:a16="http://schemas.microsoft.com/office/drawing/2014/main" xmlns="" w="9525">
                   <a:solidFill>
                     <a:srgbClr val="000000"/>
                   </a:solidFill>
@@ -14136,7 +15236,7 @@
             </a:ln>
             <a:extLst>
               <a:ext uri="{91240B29-F687-4f45-9708-019B960494DF}">
-                <a14:hiddenLine xmlns="" xmlns:a16="http://schemas.microsoft.com/office/drawing/2014/main" xmlns:p14="http://schemas.microsoft.com/office/powerpoint/2010/main" xmlns:a14="http://schemas.microsoft.com/office/drawing/2010/main" w="9525">
+                <a14:hiddenLine xmlns:a14="http://schemas.microsoft.com/office/drawing/2010/main" xmlns:p14="http://schemas.microsoft.com/office/powerpoint/2010/main" xmlns:a16="http://schemas.microsoft.com/office/drawing/2014/main" xmlns="" w="9525">
                   <a:solidFill>
                     <a:srgbClr val="000000"/>
                   </a:solidFill>
@@ -14213,7 +15313,7 @@
             </a:ln>
             <a:extLst>
               <a:ext uri="{91240B29-F687-4f45-9708-019B960494DF}">
-                <a14:hiddenLine xmlns="" xmlns:a16="http://schemas.microsoft.com/office/drawing/2014/main" xmlns:p14="http://schemas.microsoft.com/office/powerpoint/2010/main" xmlns:a14="http://schemas.microsoft.com/office/drawing/2010/main" w="9525">
+                <a14:hiddenLine xmlns:a14="http://schemas.microsoft.com/office/drawing/2010/main" xmlns:p14="http://schemas.microsoft.com/office/powerpoint/2010/main" xmlns:a16="http://schemas.microsoft.com/office/drawing/2014/main" xmlns="" w="9525">
                   <a:solidFill>
                     <a:srgbClr val="000000"/>
                   </a:solidFill>
@@ -14318,7 +15418,7 @@
             </a:ln>
             <a:extLst>
               <a:ext uri="{91240B29-F687-4f45-9708-019B960494DF}">
-                <a14:hiddenLine xmlns="" xmlns:a16="http://schemas.microsoft.com/office/drawing/2014/main" xmlns:p14="http://schemas.microsoft.com/office/powerpoint/2010/main" xmlns:a14="http://schemas.microsoft.com/office/drawing/2010/main" w="9525">
+                <a14:hiddenLine xmlns:a14="http://schemas.microsoft.com/office/drawing/2010/main" xmlns:p14="http://schemas.microsoft.com/office/powerpoint/2010/main" xmlns:a16="http://schemas.microsoft.com/office/drawing/2014/main" xmlns="" w="9525">
                   <a:solidFill>
                     <a:srgbClr val="000000"/>
                   </a:solidFill>
@@ -14423,7 +15523,7 @@
             </a:ln>
             <a:extLst>
               <a:ext uri="{91240B29-F687-4f45-9708-019B960494DF}">
-                <a14:hiddenLine xmlns="" xmlns:a16="http://schemas.microsoft.com/office/drawing/2014/main" xmlns:p14="http://schemas.microsoft.com/office/powerpoint/2010/main" xmlns:a14="http://schemas.microsoft.com/office/drawing/2010/main" w="9525">
+                <a14:hiddenLine xmlns:a14="http://schemas.microsoft.com/office/drawing/2010/main" xmlns:p14="http://schemas.microsoft.com/office/powerpoint/2010/main" xmlns:a16="http://schemas.microsoft.com/office/drawing/2014/main" xmlns="" w="9525">
                   <a:solidFill>
                     <a:srgbClr val="000000"/>
                   </a:solidFill>
@@ -14494,7 +15594,7 @@
             </a:ln>
             <a:extLst>
               <a:ext uri="{91240B29-F687-4f45-9708-019B960494DF}">
-                <a14:hiddenLine xmlns="" xmlns:a16="http://schemas.microsoft.com/office/drawing/2014/main" xmlns:p14="http://schemas.microsoft.com/office/powerpoint/2010/main" xmlns:a14="http://schemas.microsoft.com/office/drawing/2010/main" w="9525">
+                <a14:hiddenLine xmlns:a14="http://schemas.microsoft.com/office/drawing/2010/main" xmlns:p14="http://schemas.microsoft.com/office/powerpoint/2010/main" xmlns:a16="http://schemas.microsoft.com/office/drawing/2014/main" xmlns="" w="9525">
                   <a:solidFill>
                     <a:srgbClr val="000000"/>
                   </a:solidFill>
@@ -14599,7 +15699,7 @@
             </a:ln>
             <a:extLst>
               <a:ext uri="{91240B29-F687-4f45-9708-019B960494DF}">
-                <a14:hiddenLine xmlns="" xmlns:a16="http://schemas.microsoft.com/office/drawing/2014/main" xmlns:p14="http://schemas.microsoft.com/office/powerpoint/2010/main" xmlns:a14="http://schemas.microsoft.com/office/drawing/2010/main" w="9525">
+                <a14:hiddenLine xmlns:a14="http://schemas.microsoft.com/office/drawing/2010/main" xmlns:p14="http://schemas.microsoft.com/office/powerpoint/2010/main" xmlns:a16="http://schemas.microsoft.com/office/drawing/2014/main" xmlns="" w="9525">
                   <a:solidFill>
                     <a:srgbClr val="000000"/>
                   </a:solidFill>
@@ -14670,7 +15770,7 @@
             </a:ln>
             <a:extLst>
               <a:ext uri="{91240B29-F687-4f45-9708-019B960494DF}">
-                <a14:hiddenLine xmlns="" xmlns:a16="http://schemas.microsoft.com/office/drawing/2014/main" xmlns:p14="http://schemas.microsoft.com/office/powerpoint/2010/main" xmlns:a14="http://schemas.microsoft.com/office/drawing/2010/main" w="9525">
+                <a14:hiddenLine xmlns:a14="http://schemas.microsoft.com/office/drawing/2010/main" xmlns:p14="http://schemas.microsoft.com/office/powerpoint/2010/main" xmlns:a16="http://schemas.microsoft.com/office/drawing/2014/main" xmlns="" w="9525">
                   <a:solidFill>
                     <a:srgbClr val="000000"/>
                   </a:solidFill>
@@ -14775,7 +15875,7 @@
             </a:ln>
             <a:extLst>
               <a:ext uri="{91240B29-F687-4f45-9708-019B960494DF}">
-                <a14:hiddenLine xmlns="" xmlns:a16="http://schemas.microsoft.com/office/drawing/2014/main" xmlns:p14="http://schemas.microsoft.com/office/powerpoint/2010/main" xmlns:a14="http://schemas.microsoft.com/office/drawing/2010/main" w="9525">
+                <a14:hiddenLine xmlns:a14="http://schemas.microsoft.com/office/drawing/2010/main" xmlns:p14="http://schemas.microsoft.com/office/powerpoint/2010/main" xmlns:a16="http://schemas.microsoft.com/office/drawing/2014/main" xmlns="" w="9525">
                   <a:solidFill>
                     <a:srgbClr val="000000"/>
                   </a:solidFill>
@@ -14858,7 +15958,7 @@
             </a:ln>
             <a:extLst>
               <a:ext uri="{91240B29-F687-4f45-9708-019B960494DF}">
-                <a14:hiddenLine xmlns="" xmlns:a16="http://schemas.microsoft.com/office/drawing/2014/main" xmlns:p14="http://schemas.microsoft.com/office/powerpoint/2010/main" xmlns:a14="http://schemas.microsoft.com/office/drawing/2010/main" w="9525">
+                <a14:hiddenLine xmlns:a14="http://schemas.microsoft.com/office/drawing/2010/main" xmlns:p14="http://schemas.microsoft.com/office/powerpoint/2010/main" xmlns:a16="http://schemas.microsoft.com/office/drawing/2014/main" xmlns="" w="9525">
                   <a:solidFill>
                     <a:srgbClr val="000000"/>
                   </a:solidFill>
@@ -14963,7 +16063,7 @@
             </a:ln>
             <a:extLst>
               <a:ext uri="{91240B29-F687-4f45-9708-019B960494DF}">
-                <a14:hiddenLine xmlns="" xmlns:a16="http://schemas.microsoft.com/office/drawing/2014/main" xmlns:p14="http://schemas.microsoft.com/office/powerpoint/2010/main" xmlns:a14="http://schemas.microsoft.com/office/drawing/2010/main" w="9525">
+                <a14:hiddenLine xmlns:a14="http://schemas.microsoft.com/office/drawing/2010/main" xmlns:p14="http://schemas.microsoft.com/office/powerpoint/2010/main" xmlns:a16="http://schemas.microsoft.com/office/drawing/2014/main" xmlns="" w="9525">
                   <a:solidFill>
                     <a:srgbClr val="000000"/>
                   </a:solidFill>
@@ -15046,7 +16146,7 @@
             </a:ln>
             <a:extLst>
               <a:ext uri="{91240B29-F687-4f45-9708-019B960494DF}">
-                <a14:hiddenLine xmlns="" xmlns:a16="http://schemas.microsoft.com/office/drawing/2014/main" xmlns:p14="http://schemas.microsoft.com/office/powerpoint/2010/main" xmlns:a14="http://schemas.microsoft.com/office/drawing/2010/main" w="9525">
+                <a14:hiddenLine xmlns:a14="http://schemas.microsoft.com/office/drawing/2010/main" xmlns:p14="http://schemas.microsoft.com/office/powerpoint/2010/main" xmlns:a16="http://schemas.microsoft.com/office/drawing/2014/main" xmlns="" w="9525">
                   <a:solidFill>
                     <a:srgbClr val="000000"/>
                   </a:solidFill>
@@ -15151,7 +16251,7 @@
             </a:ln>
             <a:extLst>
               <a:ext uri="{91240B29-F687-4f45-9708-019B960494DF}">
-                <a14:hiddenLine xmlns="" xmlns:a16="http://schemas.microsoft.com/office/drawing/2014/main" xmlns:p14="http://schemas.microsoft.com/office/powerpoint/2010/main" xmlns:a14="http://schemas.microsoft.com/office/drawing/2010/main" w="9525">
+                <a14:hiddenLine xmlns:a14="http://schemas.microsoft.com/office/drawing/2010/main" xmlns:p14="http://schemas.microsoft.com/office/powerpoint/2010/main" xmlns:a16="http://schemas.microsoft.com/office/drawing/2014/main" xmlns="" w="9525">
                   <a:solidFill>
                     <a:srgbClr val="000000"/>
                   </a:solidFill>
@@ -15200,7 +16300,7 @@
             </a:ln>
             <a:extLst>
               <a:ext uri="{91240B29-F687-4f45-9708-019B960494DF}">
-                <a14:hiddenLine xmlns="" xmlns:a16="http://schemas.microsoft.com/office/drawing/2014/main" xmlns:p14="http://schemas.microsoft.com/office/powerpoint/2010/main" xmlns:a14="http://schemas.microsoft.com/office/drawing/2010/main" w="9525">
+                <a14:hiddenLine xmlns:a14="http://schemas.microsoft.com/office/drawing/2010/main" xmlns:p14="http://schemas.microsoft.com/office/powerpoint/2010/main" xmlns:a16="http://schemas.microsoft.com/office/drawing/2014/main" xmlns="" w="9525">
                   <a:solidFill>
                     <a:srgbClr val="000000"/>
                   </a:solidFill>
@@ -15305,7 +16405,7 @@
             </a:ln>
             <a:extLst>
               <a:ext uri="{91240B29-F687-4f45-9708-019B960494DF}">
-                <a14:hiddenLine xmlns="" xmlns:a16="http://schemas.microsoft.com/office/drawing/2014/main" xmlns:p14="http://schemas.microsoft.com/office/powerpoint/2010/main" xmlns:a14="http://schemas.microsoft.com/office/drawing/2010/main" w="9525">
+                <a14:hiddenLine xmlns:a14="http://schemas.microsoft.com/office/drawing/2010/main" xmlns:p14="http://schemas.microsoft.com/office/powerpoint/2010/main" xmlns:a16="http://schemas.microsoft.com/office/drawing/2014/main" xmlns="" w="9525">
                   <a:solidFill>
                     <a:srgbClr val="000000"/>
                   </a:solidFill>
@@ -15382,7 +16482,7 @@
             </a:ln>
             <a:extLst>
               <a:ext uri="{91240B29-F687-4f45-9708-019B960494DF}">
-                <a14:hiddenLine xmlns="" xmlns:a16="http://schemas.microsoft.com/office/drawing/2014/main" xmlns:p14="http://schemas.microsoft.com/office/powerpoint/2010/main" xmlns:a14="http://schemas.microsoft.com/office/drawing/2010/main" w="9525">
+                <a14:hiddenLine xmlns:a14="http://schemas.microsoft.com/office/drawing/2010/main" xmlns:p14="http://schemas.microsoft.com/office/powerpoint/2010/main" xmlns:a16="http://schemas.microsoft.com/office/drawing/2014/main" xmlns="" w="9525">
                   <a:solidFill>
                     <a:srgbClr val="000000"/>
                   </a:solidFill>
@@ -15459,7 +16559,7 @@
             </a:ln>
             <a:extLst>
               <a:ext uri="{91240B29-F687-4f45-9708-019B960494DF}">
-                <a14:hiddenLine xmlns="" xmlns:a16="http://schemas.microsoft.com/office/drawing/2014/main" xmlns:p14="http://schemas.microsoft.com/office/powerpoint/2010/main" xmlns:a14="http://schemas.microsoft.com/office/drawing/2010/main" w="9525">
+                <a14:hiddenLine xmlns:a14="http://schemas.microsoft.com/office/drawing/2010/main" xmlns:p14="http://schemas.microsoft.com/office/powerpoint/2010/main" xmlns:a16="http://schemas.microsoft.com/office/drawing/2014/main" xmlns="" w="9525">
                   <a:solidFill>
                     <a:srgbClr val="000000"/>
                   </a:solidFill>
@@ -15564,7 +16664,7 @@
             </a:ln>
             <a:extLst>
               <a:ext uri="{91240B29-F687-4f45-9708-019B960494DF}">
-                <a14:hiddenLine xmlns="" xmlns:a16="http://schemas.microsoft.com/office/drawing/2014/main" xmlns:p14="http://schemas.microsoft.com/office/powerpoint/2010/main" xmlns:a14="http://schemas.microsoft.com/office/drawing/2010/main" w="9525">
+                <a14:hiddenLine xmlns:a14="http://schemas.microsoft.com/office/drawing/2010/main" xmlns:p14="http://schemas.microsoft.com/office/powerpoint/2010/main" xmlns:a16="http://schemas.microsoft.com/office/drawing/2014/main" xmlns="" w="9525">
                   <a:solidFill>
                     <a:srgbClr val="000000"/>
                   </a:solidFill>
@@ -15647,7 +16747,7 @@
             </a:ln>
             <a:extLst>
               <a:ext uri="{91240B29-F687-4f45-9708-019B960494DF}">
-                <a14:hiddenLine xmlns="" xmlns:a16="http://schemas.microsoft.com/office/drawing/2014/main" xmlns:p14="http://schemas.microsoft.com/office/powerpoint/2010/main" xmlns:a14="http://schemas.microsoft.com/office/drawing/2010/main" w="9525">
+                <a14:hiddenLine xmlns:a14="http://schemas.microsoft.com/office/drawing/2010/main" xmlns:p14="http://schemas.microsoft.com/office/powerpoint/2010/main" xmlns:a16="http://schemas.microsoft.com/office/drawing/2014/main" xmlns="" w="9525">
                   <a:solidFill>
                     <a:srgbClr val="000000"/>
                   </a:solidFill>
@@ -15724,7 +16824,7 @@
             </a:ln>
             <a:extLst>
               <a:ext uri="{91240B29-F687-4f45-9708-019B960494DF}">
-                <a14:hiddenLine xmlns="" xmlns:a16="http://schemas.microsoft.com/office/drawing/2014/main" xmlns:p14="http://schemas.microsoft.com/office/powerpoint/2010/main" xmlns:a14="http://schemas.microsoft.com/office/drawing/2010/main" w="9525">
+                <a14:hiddenLine xmlns:a14="http://schemas.microsoft.com/office/drawing/2010/main" xmlns:p14="http://schemas.microsoft.com/office/powerpoint/2010/main" xmlns:a16="http://schemas.microsoft.com/office/drawing/2014/main" xmlns="" w="9525">
                   <a:solidFill>
                     <a:srgbClr val="000000"/>
                   </a:solidFill>
@@ -15829,7 +16929,7 @@
             </a:ln>
             <a:extLst>
               <a:ext uri="{91240B29-F687-4f45-9708-019B960494DF}">
-                <a14:hiddenLine xmlns="" xmlns:a16="http://schemas.microsoft.com/office/drawing/2014/main" xmlns:p14="http://schemas.microsoft.com/office/powerpoint/2010/main" xmlns:a14="http://schemas.microsoft.com/office/drawing/2010/main" w="9525">
+                <a14:hiddenLine xmlns:a14="http://schemas.microsoft.com/office/drawing/2010/main" xmlns:p14="http://schemas.microsoft.com/office/powerpoint/2010/main" xmlns:a16="http://schemas.microsoft.com/office/drawing/2014/main" xmlns="" w="9525">
                   <a:solidFill>
                     <a:srgbClr val="000000"/>
                   </a:solidFill>
@@ -15906,7 +17006,7 @@
             </a:ln>
             <a:extLst>
               <a:ext uri="{91240B29-F687-4f45-9708-019B960494DF}">
-                <a14:hiddenLine xmlns="" xmlns:a16="http://schemas.microsoft.com/office/drawing/2014/main" xmlns:p14="http://schemas.microsoft.com/office/powerpoint/2010/main" xmlns:a14="http://schemas.microsoft.com/office/drawing/2010/main" w="9525">
+                <a14:hiddenLine xmlns:a14="http://schemas.microsoft.com/office/drawing/2010/main" xmlns:p14="http://schemas.microsoft.com/office/powerpoint/2010/main" xmlns:a16="http://schemas.microsoft.com/office/drawing/2014/main" xmlns="" w="9525">
                   <a:solidFill>
                     <a:srgbClr val="000000"/>
                   </a:solidFill>
@@ -16011,7 +17111,7 @@
             </a:ln>
             <a:extLst>
               <a:ext uri="{91240B29-F687-4f45-9708-019B960494DF}">
-                <a14:hiddenLine xmlns="" xmlns:a16="http://schemas.microsoft.com/office/drawing/2014/main" xmlns:p14="http://schemas.microsoft.com/office/powerpoint/2010/main" xmlns:a14="http://schemas.microsoft.com/office/drawing/2010/main" w="9525">
+                <a14:hiddenLine xmlns:a14="http://schemas.microsoft.com/office/drawing/2010/main" xmlns:p14="http://schemas.microsoft.com/office/powerpoint/2010/main" xmlns:a16="http://schemas.microsoft.com/office/drawing/2014/main" xmlns="" w="9525">
                   <a:solidFill>
                     <a:srgbClr val="000000"/>
                   </a:solidFill>
@@ -16088,7 +17188,7 @@
             </a:ln>
             <a:extLst>
               <a:ext uri="{91240B29-F687-4f45-9708-019B960494DF}">
-                <a14:hiddenLine xmlns="" xmlns:a16="http://schemas.microsoft.com/office/drawing/2014/main" xmlns:p14="http://schemas.microsoft.com/office/powerpoint/2010/main" xmlns:a14="http://schemas.microsoft.com/office/drawing/2010/main" w="9525">
+                <a14:hiddenLine xmlns:a14="http://schemas.microsoft.com/office/drawing/2010/main" xmlns:p14="http://schemas.microsoft.com/office/powerpoint/2010/main" xmlns:a16="http://schemas.microsoft.com/office/drawing/2014/main" xmlns="" w="9525">
                   <a:solidFill>
                     <a:srgbClr val="000000"/>
                   </a:solidFill>
@@ -16193,7 +17293,7 @@
             </a:ln>
             <a:extLst>
               <a:ext uri="{91240B29-F687-4f45-9708-019B960494DF}">
-                <a14:hiddenLine xmlns="" xmlns:a16="http://schemas.microsoft.com/office/drawing/2014/main" xmlns:p14="http://schemas.microsoft.com/office/powerpoint/2010/main" xmlns:a14="http://schemas.microsoft.com/office/drawing/2010/main" w="9525">
+                <a14:hiddenLine xmlns:a14="http://schemas.microsoft.com/office/drawing/2010/main" xmlns:p14="http://schemas.microsoft.com/office/powerpoint/2010/main" xmlns:a16="http://schemas.microsoft.com/office/drawing/2014/main" xmlns="" w="9525">
                   <a:solidFill>
                     <a:srgbClr val="000000"/>
                   </a:solidFill>
@@ -16242,7 +17342,7 @@
             </a:ln>
             <a:extLst>
               <a:ext uri="{91240B29-F687-4f45-9708-019B960494DF}">
-                <a14:hiddenLine xmlns="" xmlns:a16="http://schemas.microsoft.com/office/drawing/2014/main" xmlns:p14="http://schemas.microsoft.com/office/powerpoint/2010/main" xmlns:a14="http://schemas.microsoft.com/office/drawing/2010/main" w="9525">
+                <a14:hiddenLine xmlns:a14="http://schemas.microsoft.com/office/drawing/2010/main" xmlns:p14="http://schemas.microsoft.com/office/powerpoint/2010/main" xmlns:a16="http://schemas.microsoft.com/office/drawing/2014/main" xmlns="" w="9525">
                   <a:solidFill>
                     <a:srgbClr val="000000"/>
                   </a:solidFill>
@@ -16322,7 +17422,7 @@
             </a:ln>
             <a:extLst>
               <a:ext uri="{91240B29-F687-4f45-9708-019B960494DF}">
-                <a14:hiddenLine xmlns="" xmlns:a16="http://schemas.microsoft.com/office/drawing/2014/main" xmlns:p14="http://schemas.microsoft.com/office/powerpoint/2010/main" xmlns:a14="http://schemas.microsoft.com/office/drawing/2010/main" w="9525">
+                <a14:hiddenLine xmlns:a14="http://schemas.microsoft.com/office/drawing/2010/main" xmlns:p14="http://schemas.microsoft.com/office/powerpoint/2010/main" xmlns:a16="http://schemas.microsoft.com/office/drawing/2014/main" xmlns="" w="9525">
                   <a:solidFill>
                     <a:srgbClr val="000000"/>
                   </a:solidFill>
@@ -16427,7 +17527,7 @@
             </a:ln>
             <a:extLst>
               <a:ext uri="{91240B29-F687-4f45-9708-019B960494DF}">
-                <a14:hiddenLine xmlns="" xmlns:a16="http://schemas.microsoft.com/office/drawing/2014/main" xmlns:p14="http://schemas.microsoft.com/office/powerpoint/2010/main" xmlns:a14="http://schemas.microsoft.com/office/drawing/2010/main" w="9525">
+                <a14:hiddenLine xmlns:a14="http://schemas.microsoft.com/office/drawing/2010/main" xmlns:p14="http://schemas.microsoft.com/office/powerpoint/2010/main" xmlns:a16="http://schemas.microsoft.com/office/drawing/2014/main" xmlns="" w="9525">
                   <a:solidFill>
                     <a:srgbClr val="000000"/>
                   </a:solidFill>
@@ -16504,7 +17604,7 @@
             </a:ln>
             <a:extLst>
               <a:ext uri="{91240B29-F687-4f45-9708-019B960494DF}">
-                <a14:hiddenLine xmlns="" xmlns:a16="http://schemas.microsoft.com/office/drawing/2014/main" xmlns:p14="http://schemas.microsoft.com/office/powerpoint/2010/main" xmlns:a14="http://schemas.microsoft.com/office/drawing/2010/main" w="9525">
+                <a14:hiddenLine xmlns:a14="http://schemas.microsoft.com/office/drawing/2010/main" xmlns:p14="http://schemas.microsoft.com/office/powerpoint/2010/main" xmlns:a16="http://schemas.microsoft.com/office/drawing/2014/main" xmlns="" w="9525">
                   <a:solidFill>
                     <a:srgbClr val="000000"/>
                   </a:solidFill>
@@ -16609,7 +17709,7 @@
             </a:ln>
             <a:extLst>
               <a:ext uri="{91240B29-F687-4f45-9708-019B960494DF}">
-                <a14:hiddenLine xmlns="" xmlns:a16="http://schemas.microsoft.com/office/drawing/2014/main" xmlns:p14="http://schemas.microsoft.com/office/powerpoint/2010/main" xmlns:a14="http://schemas.microsoft.com/office/drawing/2010/main" w="9525">
+                <a14:hiddenLine xmlns:a14="http://schemas.microsoft.com/office/drawing/2010/main" xmlns:p14="http://schemas.microsoft.com/office/powerpoint/2010/main" xmlns:a16="http://schemas.microsoft.com/office/drawing/2014/main" xmlns="" w="9525">
                   <a:solidFill>
                     <a:srgbClr val="000000"/>
                   </a:solidFill>
@@ -16714,7 +17814,7 @@
             </a:ln>
             <a:extLst>
               <a:ext uri="{91240B29-F687-4f45-9708-019B960494DF}">
-                <a14:hiddenLine xmlns="" xmlns:a16="http://schemas.microsoft.com/office/drawing/2014/main" xmlns:p14="http://schemas.microsoft.com/office/powerpoint/2010/main" xmlns:a14="http://schemas.microsoft.com/office/drawing/2010/main" w="9525">
+                <a14:hiddenLine xmlns:a14="http://schemas.microsoft.com/office/drawing/2010/main" xmlns:p14="http://schemas.microsoft.com/office/powerpoint/2010/main" xmlns:a16="http://schemas.microsoft.com/office/drawing/2014/main" xmlns="" w="9525">
                   <a:solidFill>
                     <a:srgbClr val="000000"/>
                   </a:solidFill>
@@ -16794,7 +17894,7 @@
             </a:ln>
             <a:extLst>
               <a:ext uri="{91240B29-F687-4f45-9708-019B960494DF}">
-                <a14:hiddenLine xmlns="" xmlns:a16="http://schemas.microsoft.com/office/drawing/2014/main" xmlns:p14="http://schemas.microsoft.com/office/powerpoint/2010/main" xmlns:a14="http://schemas.microsoft.com/office/drawing/2010/main" w="9525">
+                <a14:hiddenLine xmlns:a14="http://schemas.microsoft.com/office/drawing/2010/main" xmlns:p14="http://schemas.microsoft.com/office/powerpoint/2010/main" xmlns:a16="http://schemas.microsoft.com/office/drawing/2014/main" xmlns="" w="9525">
                   <a:solidFill>
                     <a:srgbClr val="000000"/>
                   </a:solidFill>
@@ -16871,7 +17971,7 @@
             </a:ln>
             <a:extLst>
               <a:ext uri="{91240B29-F687-4f45-9708-019B960494DF}">
-                <a14:hiddenLine xmlns="" xmlns:a16="http://schemas.microsoft.com/office/drawing/2014/main" xmlns:p14="http://schemas.microsoft.com/office/powerpoint/2010/main" xmlns:a14="http://schemas.microsoft.com/office/drawing/2010/main" w="9525">
+                <a14:hiddenLine xmlns:a14="http://schemas.microsoft.com/office/drawing/2010/main" xmlns:p14="http://schemas.microsoft.com/office/powerpoint/2010/main" xmlns:a16="http://schemas.microsoft.com/office/drawing/2014/main" xmlns="" w="9525">
                   <a:solidFill>
                     <a:srgbClr val="000000"/>
                   </a:solidFill>
@@ -16976,7 +18076,7 @@
             </a:ln>
             <a:extLst>
               <a:ext uri="{91240B29-F687-4f45-9708-019B960494DF}">
-                <a14:hiddenLine xmlns="" xmlns:a16="http://schemas.microsoft.com/office/drawing/2014/main" xmlns:p14="http://schemas.microsoft.com/office/powerpoint/2010/main" xmlns:a14="http://schemas.microsoft.com/office/drawing/2010/main" w="9525">
+                <a14:hiddenLine xmlns:a14="http://schemas.microsoft.com/office/drawing/2010/main" xmlns:p14="http://schemas.microsoft.com/office/powerpoint/2010/main" xmlns:a16="http://schemas.microsoft.com/office/drawing/2014/main" xmlns="" w="9525">
                   <a:solidFill>
                     <a:srgbClr val="000000"/>
                   </a:solidFill>
@@ -17081,7 +18181,7 @@
             </a:ln>
             <a:extLst>
               <a:ext uri="{91240B29-F687-4f45-9708-019B960494DF}">
-                <a14:hiddenLine xmlns="" xmlns:a16="http://schemas.microsoft.com/office/drawing/2014/main" xmlns:p14="http://schemas.microsoft.com/office/powerpoint/2010/main" xmlns:a14="http://schemas.microsoft.com/office/drawing/2010/main" w="9525">
+                <a14:hiddenLine xmlns:a14="http://schemas.microsoft.com/office/drawing/2010/main" xmlns:p14="http://schemas.microsoft.com/office/powerpoint/2010/main" xmlns:a16="http://schemas.microsoft.com/office/drawing/2014/main" xmlns="" w="9525">
                   <a:solidFill>
                     <a:srgbClr val="000000"/>
                   </a:solidFill>
@@ -17158,7 +18258,7 @@
             </a:ln>
             <a:extLst>
               <a:ext uri="{91240B29-F687-4f45-9708-019B960494DF}">
-                <a14:hiddenLine xmlns="" xmlns:a16="http://schemas.microsoft.com/office/drawing/2014/main" xmlns:p14="http://schemas.microsoft.com/office/powerpoint/2010/main" xmlns:a14="http://schemas.microsoft.com/office/drawing/2010/main" w="9525">
+                <a14:hiddenLine xmlns:a14="http://schemas.microsoft.com/office/drawing/2010/main" xmlns:p14="http://schemas.microsoft.com/office/powerpoint/2010/main" xmlns:a16="http://schemas.microsoft.com/office/drawing/2014/main" xmlns="" w="9525">
                   <a:solidFill>
                     <a:srgbClr val="000000"/>
                   </a:solidFill>
@@ -17293,7 +18393,7 @@
             </a:ln>
             <a:extLst>
               <a:ext uri="{91240B29-F687-4f45-9708-019B960494DF}">
-                <a14:hiddenLine xmlns="" xmlns:a16="http://schemas.microsoft.com/office/drawing/2014/main" xmlns:p14="http://schemas.microsoft.com/office/powerpoint/2010/main" xmlns:a14="http://schemas.microsoft.com/office/drawing/2010/main" w="9525">
+                <a14:hiddenLine xmlns:a14="http://schemas.microsoft.com/office/drawing/2010/main" xmlns:p14="http://schemas.microsoft.com/office/powerpoint/2010/main" xmlns:a16="http://schemas.microsoft.com/office/drawing/2014/main" xmlns="" w="9525">
                   <a:solidFill>
                     <a:srgbClr val="000000"/>
                   </a:solidFill>
@@ -17376,7 +18476,7 @@
             </a:ln>
             <a:extLst>
               <a:ext uri="{91240B29-F687-4f45-9708-019B960494DF}">
-                <a14:hiddenLine xmlns="" xmlns:a16="http://schemas.microsoft.com/office/drawing/2014/main" xmlns:p14="http://schemas.microsoft.com/office/powerpoint/2010/main" xmlns:a14="http://schemas.microsoft.com/office/drawing/2010/main" w="9525">
+                <a14:hiddenLine xmlns:a14="http://schemas.microsoft.com/office/drawing/2010/main" xmlns:p14="http://schemas.microsoft.com/office/powerpoint/2010/main" xmlns:a16="http://schemas.microsoft.com/office/drawing/2014/main" xmlns="" w="9525">
                   <a:solidFill>
                     <a:srgbClr val="000000"/>
                   </a:solidFill>
@@ -17481,7 +18581,7 @@
             </a:ln>
             <a:extLst>
               <a:ext uri="{91240B29-F687-4f45-9708-019B960494DF}">
-                <a14:hiddenLine xmlns="" xmlns:a16="http://schemas.microsoft.com/office/drawing/2014/main" xmlns:p14="http://schemas.microsoft.com/office/powerpoint/2010/main" xmlns:a14="http://schemas.microsoft.com/office/drawing/2010/main" w="9525">
+                <a14:hiddenLine xmlns:a14="http://schemas.microsoft.com/office/drawing/2010/main" xmlns:p14="http://schemas.microsoft.com/office/powerpoint/2010/main" xmlns:a16="http://schemas.microsoft.com/office/drawing/2014/main" xmlns="" w="9525">
                   <a:solidFill>
                     <a:srgbClr val="000000"/>
                   </a:solidFill>
@@ -17547,10 +18647,15 @@
           </a:xfrm>
         </p:spPr>
         <p:txBody>
-          <a:bodyPr/>
+          <a:bodyPr>
+            <a:normAutofit/>
+          </a:bodyPr>
           <a:lstStyle/>
           <a:p>
-            <a:endParaRPr lang="de-AT" dirty="0"/>
+            <a:r>
+              <a:rPr lang="de-AT" dirty="0"/>
+              <a:t>Allgemeines</a:t>
+            </a:r>
           </a:p>
         </p:txBody>
       </p:sp>
@@ -17580,6 +18685,32 @@
           <a:bodyPr/>
           <a:lstStyle/>
           <a:p>
+            <a:r>
+              <a:rPr lang="de-AT" dirty="0"/>
+              <a:t>Befehle werden abgekapselt</a:t>
+            </a:r>
+          </a:p>
+          <a:p>
+            <a:r>
+              <a:rPr lang="de-AT" dirty="0"/>
+              <a:t>Ausführender und Empfänger sind entkoppelt</a:t>
+            </a:r>
+          </a:p>
+          <a:p>
+            <a:r>
+              <a:rPr lang="de-AT" dirty="0"/>
+              <a:t>Schnell recht unübersichtlich</a:t>
+            </a:r>
+          </a:p>
+          <a:p>
+            <a:r>
+              <a:rPr lang="de-AT" dirty="0"/>
+              <a:t>Ähnlichkeiten mit Java </a:t>
+            </a:r>
+            <a:r>
+              <a:rPr lang="de-AT" dirty="0" err="1"/>
+              <a:t>Runnable</a:t>
+            </a:r>
             <a:endParaRPr lang="de-AT" dirty="0"/>
           </a:p>
         </p:txBody>
@@ -17588,6 +18719,1353 @@
     <p:extLst>
       <p:ext uri="{BB962C8B-B14F-4D97-AF65-F5344CB8AC3E}">
         <p14:creationId xmlns:p14="http://schemas.microsoft.com/office/powerpoint/2010/main" val="123546624"/>
+      </p:ext>
+    </p:extLst>
+  </p:cSld>
+  <p:clrMapOvr>
+    <a:masterClrMapping/>
+  </p:clrMapOvr>
+</p:sld>
+</file>
+
+<file path=ppt/slides/slide3.xml><?xml version="1.0" encoding="utf-8"?>
+<p:sld xmlns:a="http://schemas.openxmlformats.org/drawingml/2006/main" xmlns:r="http://schemas.openxmlformats.org/officeDocument/2006/relationships" xmlns:p="http://schemas.openxmlformats.org/presentationml/2006/main">
+  <p:cSld>
+    <p:spTree>
+      <p:nvGrpSpPr>
+        <p:cNvPr id="1" name=""/>
+        <p:cNvGrpSpPr/>
+        <p:nvPr/>
+      </p:nvGrpSpPr>
+      <p:grpSpPr>
+        <a:xfrm>
+          <a:off x="0" y="0"/>
+          <a:ext cx="0" cy="0"/>
+          <a:chOff x="0" y="0"/>
+          <a:chExt cx="0" cy="0"/>
+        </a:xfrm>
+      </p:grpSpPr>
+      <p:sp>
+        <p:nvSpPr>
+          <p:cNvPr id="2" name="Titel 1">
+            <a:extLst>
+              <a:ext uri="{FF2B5EF4-FFF2-40B4-BE49-F238E27FC236}">
+                <a16:creationId xmlns:a16="http://schemas.microsoft.com/office/drawing/2014/main" id="{6A2E2546-DB16-4275-885E-7E7ED02E9B25}"/>
+              </a:ext>
+            </a:extLst>
+          </p:cNvPr>
+          <p:cNvSpPr>
+            <a:spLocks noGrp="1"/>
+          </p:cNvSpPr>
+          <p:nvPr>
+            <p:ph type="title"/>
+          </p:nvPr>
+        </p:nvSpPr>
+        <p:spPr>
+          <a:xfrm>
+            <a:off x="1141413" y="618518"/>
+            <a:ext cx="9905998" cy="1059362"/>
+          </a:xfrm>
+        </p:spPr>
+        <p:txBody>
+          <a:bodyPr>
+            <a:normAutofit/>
+          </a:bodyPr>
+          <a:lstStyle/>
+          <a:p>
+            <a:r>
+              <a:rPr lang="de-AT"/>
+              <a:t>Allgemeines</a:t>
+            </a:r>
+            <a:endParaRPr lang="de-AT" dirty="0"/>
+          </a:p>
+        </p:txBody>
+      </p:sp>
+      <p:pic>
+        <p:nvPicPr>
+          <p:cNvPr id="8" name="Inhaltsplatzhalter 7">
+            <a:extLst>
+              <a:ext uri="{FF2B5EF4-FFF2-40B4-BE49-F238E27FC236}">
+                <a16:creationId xmlns:a16="http://schemas.microsoft.com/office/drawing/2014/main" id="{D837808A-3BE0-49B3-8F35-312BD1CD43BF}"/>
+              </a:ext>
+            </a:extLst>
+          </p:cNvPr>
+          <p:cNvPicPr>
+            <a:picLocks noGrp="1" noChangeAspect="1"/>
+          </p:cNvPicPr>
+          <p:nvPr>
+            <p:ph idx="1"/>
+          </p:nvPr>
+        </p:nvPicPr>
+        <p:blipFill>
+          <a:blip r:embed="rId2"/>
+          <a:stretch>
+            <a:fillRect/>
+          </a:stretch>
+        </p:blipFill>
+        <p:spPr>
+          <a:xfrm>
+            <a:off x="3046412" y="1974940"/>
+            <a:ext cx="6096000" cy="3419475"/>
+          </a:xfrm>
+          <a:prstGeom prst="rect">
+            <a:avLst/>
+          </a:prstGeom>
+        </p:spPr>
+      </p:pic>
+    </p:spTree>
+    <p:extLst>
+      <p:ext uri="{BB962C8B-B14F-4D97-AF65-F5344CB8AC3E}">
+        <p14:creationId xmlns:p14="http://schemas.microsoft.com/office/powerpoint/2010/main" val="923706505"/>
+      </p:ext>
+    </p:extLst>
+  </p:cSld>
+  <p:clrMapOvr>
+    <a:masterClrMapping/>
+  </p:clrMapOvr>
+</p:sld>
+</file>
+
+<file path=ppt/slides/slide4.xml><?xml version="1.0" encoding="utf-8"?>
+<p:sld xmlns:a="http://schemas.openxmlformats.org/drawingml/2006/main" xmlns:r="http://schemas.openxmlformats.org/officeDocument/2006/relationships" xmlns:p="http://schemas.openxmlformats.org/presentationml/2006/main">
+  <p:cSld>
+    <p:spTree>
+      <p:nvGrpSpPr>
+        <p:cNvPr id="1" name=""/>
+        <p:cNvGrpSpPr/>
+        <p:nvPr/>
+      </p:nvGrpSpPr>
+      <p:grpSpPr>
+        <a:xfrm>
+          <a:off x="0" y="0"/>
+          <a:ext cx="0" cy="0"/>
+          <a:chOff x="0" y="0"/>
+          <a:chExt cx="0" cy="0"/>
+        </a:xfrm>
+      </p:grpSpPr>
+      <p:sp>
+        <p:nvSpPr>
+          <p:cNvPr id="2" name="Titel 1">
+            <a:extLst>
+              <a:ext uri="{FF2B5EF4-FFF2-40B4-BE49-F238E27FC236}">
+                <a16:creationId xmlns:a16="http://schemas.microsoft.com/office/drawing/2014/main" id="{BDB3DF2C-E988-42B4-B77A-2C049F28F435}"/>
+              </a:ext>
+            </a:extLst>
+          </p:cNvPr>
+          <p:cNvSpPr>
+            <a:spLocks noGrp="1"/>
+          </p:cNvSpPr>
+          <p:nvPr>
+            <p:ph type="title"/>
+          </p:nvPr>
+        </p:nvSpPr>
+        <p:spPr/>
+        <p:txBody>
+          <a:bodyPr/>
+          <a:lstStyle/>
+          <a:p>
+            <a:r>
+              <a:rPr lang="de-AT" dirty="0"/>
+              <a:t>UML</a:t>
+            </a:r>
+          </a:p>
+        </p:txBody>
+      </p:sp>
+      <p:pic>
+        <p:nvPicPr>
+          <p:cNvPr id="1026" name="Picture 2" descr="https://upload.wikimedia.org/wikipedia/commons/thumb/2/27/Command_pattern_de.svg/652px-Command_pattern_de.svg.png">
+            <a:extLst>
+              <a:ext uri="{FF2B5EF4-FFF2-40B4-BE49-F238E27FC236}">
+                <a16:creationId xmlns:a16="http://schemas.microsoft.com/office/drawing/2014/main" id="{0D973BE4-4BC2-4498-83C3-535D83F47BB0}"/>
+              </a:ext>
+            </a:extLst>
+          </p:cNvPr>
+          <p:cNvPicPr>
+            <a:picLocks noGrp="1" noChangeAspect="1" noChangeArrowheads="1"/>
+          </p:cNvPicPr>
+          <p:nvPr>
+            <p:ph idx="1"/>
+          </p:nvPr>
+        </p:nvPicPr>
+        <p:blipFill>
+          <a:blip r:embed="rId3">
+            <a:extLst>
+              <a:ext uri="{28A0092B-C50C-407E-A947-70E740481C1C}">
+                <a14:useLocalDpi xmlns:a14="http://schemas.microsoft.com/office/drawing/2010/main" val="0"/>
+              </a:ext>
+            </a:extLst>
+          </a:blip>
+          <a:srcRect/>
+          <a:stretch>
+            <a:fillRect/>
+          </a:stretch>
+        </p:blipFill>
+        <p:spPr bwMode="auto">
+          <a:xfrm>
+            <a:off x="2210260" y="2201297"/>
+            <a:ext cx="7771479" cy="2455406"/>
+          </a:xfrm>
+          <a:prstGeom prst="rect">
+            <a:avLst/>
+          </a:prstGeom>
+          <a:noFill/>
+          <a:extLst>
+            <a:ext uri="{909E8E84-426E-40DD-AFC4-6F175D3DCCD1}">
+              <a14:hiddenFill xmlns:a14="http://schemas.microsoft.com/office/drawing/2010/main">
+                <a:solidFill>
+                  <a:srgbClr val="FFFFFF"/>
+                </a:solidFill>
+              </a14:hiddenFill>
+            </a:ext>
+          </a:extLst>
+        </p:spPr>
+      </p:pic>
+    </p:spTree>
+    <p:extLst>
+      <p:ext uri="{BB962C8B-B14F-4D97-AF65-F5344CB8AC3E}">
+        <p14:creationId xmlns:p14="http://schemas.microsoft.com/office/powerpoint/2010/main" val="3656473372"/>
+      </p:ext>
+    </p:extLst>
+  </p:cSld>
+  <p:clrMapOvr>
+    <a:masterClrMapping/>
+  </p:clrMapOvr>
+</p:sld>
+</file>
+
+<file path=ppt/slides/slide5.xml><?xml version="1.0" encoding="utf-8"?>
+<p:sld xmlns:a="http://schemas.openxmlformats.org/drawingml/2006/main" xmlns:r="http://schemas.openxmlformats.org/officeDocument/2006/relationships" xmlns:p="http://schemas.openxmlformats.org/presentationml/2006/main">
+  <p:cSld>
+    <p:spTree>
+      <p:nvGrpSpPr>
+        <p:cNvPr id="1" name=""/>
+        <p:cNvGrpSpPr/>
+        <p:nvPr/>
+      </p:nvGrpSpPr>
+      <p:grpSpPr>
+        <a:xfrm>
+          <a:off x="0" y="0"/>
+          <a:ext cx="0" cy="0"/>
+          <a:chOff x="0" y="0"/>
+          <a:chExt cx="0" cy="0"/>
+        </a:xfrm>
+      </p:grpSpPr>
+      <p:sp>
+        <p:nvSpPr>
+          <p:cNvPr id="2" name="Titel 1">
+            <a:extLst>
+              <a:ext uri="{FF2B5EF4-FFF2-40B4-BE49-F238E27FC236}">
+                <a16:creationId xmlns:a16="http://schemas.microsoft.com/office/drawing/2014/main" id="{BDB3DF2C-E988-42B4-B77A-2C049F28F435}"/>
+              </a:ext>
+            </a:extLst>
+          </p:cNvPr>
+          <p:cNvSpPr>
+            <a:spLocks noGrp="1"/>
+          </p:cNvSpPr>
+          <p:nvPr>
+            <p:ph type="title"/>
+          </p:nvPr>
+        </p:nvSpPr>
+        <p:spPr/>
+        <p:txBody>
+          <a:bodyPr/>
+          <a:lstStyle/>
+          <a:p>
+            <a:endParaRPr lang="de-AT" dirty="0"/>
+          </a:p>
+        </p:txBody>
+      </p:sp>
+      <p:pic>
+        <p:nvPicPr>
+          <p:cNvPr id="6" name="Inhaltsplatzhalter 5">
+            <a:extLst>
+              <a:ext uri="{FF2B5EF4-FFF2-40B4-BE49-F238E27FC236}">
+                <a16:creationId xmlns:a16="http://schemas.microsoft.com/office/drawing/2014/main" id="{F7BB6945-7715-4B9E-A3D5-E75B6AC614F3}"/>
+              </a:ext>
+            </a:extLst>
+          </p:cNvPr>
+          <p:cNvPicPr>
+            <a:picLocks noGrp="1" noChangeAspect="1"/>
+          </p:cNvPicPr>
+          <p:nvPr>
+            <p:ph idx="1"/>
+          </p:nvPr>
+        </p:nvPicPr>
+        <p:blipFill>
+          <a:blip r:embed="rId3"/>
+          <a:stretch>
+            <a:fillRect/>
+          </a:stretch>
+        </p:blipFill>
+        <p:spPr>
+          <a:xfrm>
+            <a:off x="1141413" y="2368178"/>
+            <a:ext cx="7150663" cy="2787029"/>
+          </a:xfrm>
+          <a:prstGeom prst="rect">
+            <a:avLst/>
+          </a:prstGeom>
+        </p:spPr>
+      </p:pic>
+    </p:spTree>
+    <p:extLst>
+      <p:ext uri="{BB962C8B-B14F-4D97-AF65-F5344CB8AC3E}">
+        <p14:creationId xmlns:p14="http://schemas.microsoft.com/office/powerpoint/2010/main" val="2589120409"/>
+      </p:ext>
+    </p:extLst>
+  </p:cSld>
+  <p:clrMapOvr>
+    <a:masterClrMapping/>
+  </p:clrMapOvr>
+</p:sld>
+</file>
+
+<file path=ppt/slides/slide6.xml><?xml version="1.0" encoding="utf-8"?>
+<p:sld xmlns:a="http://schemas.openxmlformats.org/drawingml/2006/main" xmlns:r="http://schemas.openxmlformats.org/officeDocument/2006/relationships" xmlns:p="http://schemas.openxmlformats.org/presentationml/2006/main">
+  <p:cSld>
+    <p:spTree>
+      <p:nvGrpSpPr>
+        <p:cNvPr id="1" name=""/>
+        <p:cNvGrpSpPr/>
+        <p:nvPr/>
+      </p:nvGrpSpPr>
+      <p:grpSpPr>
+        <a:xfrm>
+          <a:off x="0" y="0"/>
+          <a:ext cx="0" cy="0"/>
+          <a:chOff x="0" y="0"/>
+          <a:chExt cx="0" cy="0"/>
+        </a:xfrm>
+      </p:grpSpPr>
+      <p:sp>
+        <p:nvSpPr>
+          <p:cNvPr id="2" name="Titel 1">
+            <a:extLst>
+              <a:ext uri="{FF2B5EF4-FFF2-40B4-BE49-F238E27FC236}">
+                <a16:creationId xmlns:a16="http://schemas.microsoft.com/office/drawing/2014/main" id="{08482FD8-4E47-453C-8A52-64AEE8100A83}"/>
+              </a:ext>
+            </a:extLst>
+          </p:cNvPr>
+          <p:cNvSpPr>
+            <a:spLocks noGrp="1"/>
+          </p:cNvSpPr>
+          <p:nvPr>
+            <p:ph type="title"/>
+          </p:nvPr>
+        </p:nvSpPr>
+        <p:spPr>
+          <a:xfrm>
+            <a:off x="1141413" y="618518"/>
+            <a:ext cx="9905998" cy="1478570"/>
+          </a:xfrm>
+        </p:spPr>
+        <p:txBody>
+          <a:bodyPr/>
+          <a:lstStyle/>
+          <a:p>
+            <a:endParaRPr lang="de-AT" dirty="0"/>
+          </a:p>
+        </p:txBody>
+      </p:sp>
+      <p:sp>
+        <p:nvSpPr>
+          <p:cNvPr id="4" name="Rectangle 1">
+            <a:extLst>
+              <a:ext uri="{FF2B5EF4-FFF2-40B4-BE49-F238E27FC236}">
+                <a16:creationId xmlns:a16="http://schemas.microsoft.com/office/drawing/2014/main" id="{CBA6CA1F-6054-472B-A88E-AD65CFFDE51F}"/>
+              </a:ext>
+            </a:extLst>
+          </p:cNvPr>
+          <p:cNvSpPr>
+            <a:spLocks noGrp="1" noChangeArrowheads="1"/>
+          </p:cNvSpPr>
+          <p:nvPr>
+            <p:ph idx="1"/>
+          </p:nvPr>
+        </p:nvSpPr>
+        <p:spPr bwMode="auto">
+          <a:xfrm>
+            <a:off x="690000" y="2931698"/>
+            <a:ext cx="4472309" cy="2092881"/>
+          </a:xfrm>
+          <a:prstGeom prst="rect">
+            <a:avLst/>
+          </a:prstGeom>
+          <a:solidFill>
+            <a:srgbClr val="2B2B2B"/>
+          </a:solidFill>
+          <a:ln>
+            <a:noFill/>
+          </a:ln>
+          <a:effectLst/>
+          <a:extLst>
+            <a:ext uri="{91240B29-F687-4F45-9708-019B960494DF}">
+              <a14:hiddenLine xmlns:a14="http://schemas.microsoft.com/office/drawing/2010/main" w="9525">
+                <a:solidFill>
+                  <a:schemeClr val="tx1"/>
+                </a:solidFill>
+                <a:miter lim="800000"/>
+                <a:headEnd/>
+                <a:tailEnd/>
+              </a14:hiddenLine>
+            </a:ext>
+            <a:ext uri="{AF507438-7753-43E0-B8FC-AC1667EBCBE1}">
+              <a14:hiddenEffects xmlns:a14="http://schemas.microsoft.com/office/drawing/2010/main">
+                <a:effectLst>
+                  <a:outerShdw dist="35921" dir="2700000" algn="ctr" rotWithShape="0">
+                    <a:schemeClr val="bg2"/>
+                  </a:outerShdw>
+                </a:effectLst>
+              </a14:hiddenEffects>
+            </a:ext>
+          </a:extLst>
+        </p:spPr>
+        <p:txBody>
+          <a:bodyPr vert="horz" wrap="square" lIns="91440" tIns="45720" rIns="91440" bIns="45720" numCol="1" anchor="ctr" anchorCtr="0" compatLnSpc="1">
+            <a:prstTxWarp prst="textNoShape">
+              <a:avLst/>
+            </a:prstTxWarp>
+            <a:spAutoFit/>
+          </a:bodyPr>
+          <a:lstStyle/>
+          <a:p>
+            <a:pPr marL="0" marR="0" lvl="0" indent="0" algn="l" defTabSz="914400" rtl="0" eaLnBrk="0" fontAlgn="base" latinLnBrk="0" hangingPunct="0">
+              <a:lnSpc>
+                <a:spcPct val="100000"/>
+              </a:lnSpc>
+              <a:spcBef>
+                <a:spcPct val="0"/>
+              </a:spcBef>
+              <a:spcAft>
+                <a:spcPct val="0"/>
+              </a:spcAft>
+              <a:buClrTx/>
+              <a:buSzTx/>
+              <a:buFontTx/>
+              <a:buNone/>
+              <a:tabLst/>
+            </a:pPr>
+            <a:r>
+              <a:rPr kumimoji="0" lang="de-DE" altLang="de-DE" sz="1000" b="0" i="0" u="none" strike="noStrike" cap="none" normalizeH="0" baseline="0" dirty="0" err="1">
+                <a:ln>
+                  <a:noFill/>
+                </a:ln>
+                <a:solidFill>
+                  <a:srgbClr val="CC7832"/>
+                </a:solidFill>
+                <a:effectLst/>
+                <a:latin typeface="Courier New" panose="02070309020205020404" pitchFamily="49" charset="0"/>
+                <a:cs typeface="Courier New" panose="02070309020205020404" pitchFamily="49" charset="0"/>
+              </a:rPr>
+              <a:t>package</a:t>
+            </a:r>
+            <a:r>
+              <a:rPr kumimoji="0" lang="de-DE" altLang="de-DE" sz="1000" b="0" i="0" u="none" strike="noStrike" cap="none" normalizeH="0" baseline="0" dirty="0">
+                <a:ln>
+                  <a:noFill/>
+                </a:ln>
+                <a:solidFill>
+                  <a:srgbClr val="CC7832"/>
+                </a:solidFill>
+                <a:effectLst/>
+                <a:latin typeface="Courier New" panose="02070309020205020404" pitchFamily="49" charset="0"/>
+                <a:cs typeface="Courier New" panose="02070309020205020404" pitchFamily="49" charset="0"/>
+              </a:rPr>
+              <a:t> </a:t>
+            </a:r>
+            <a:r>
+              <a:rPr kumimoji="0" lang="de-DE" altLang="de-DE" sz="1000" b="0" i="0" u="none" strike="noStrike" cap="none" normalizeH="0" baseline="0" dirty="0">
+                <a:ln>
+                  <a:noFill/>
+                </a:ln>
+                <a:solidFill>
+                  <a:srgbClr val="A9B7C6"/>
+                </a:solidFill>
+                <a:effectLst/>
+                <a:latin typeface="Courier New" panose="02070309020205020404" pitchFamily="49" charset="0"/>
+                <a:cs typeface="Courier New" panose="02070309020205020404" pitchFamily="49" charset="0"/>
+              </a:rPr>
+              <a:t>Befehl</a:t>
+            </a:r>
+            <a:r>
+              <a:rPr kumimoji="0" lang="de-DE" altLang="de-DE" sz="1000" b="0" i="0" u="none" strike="noStrike" cap="none" normalizeH="0" baseline="0" dirty="0">
+                <a:ln>
+                  <a:noFill/>
+                </a:ln>
+                <a:solidFill>
+                  <a:srgbClr val="CC7832"/>
+                </a:solidFill>
+                <a:effectLst/>
+                <a:latin typeface="Courier New" panose="02070309020205020404" pitchFamily="49" charset="0"/>
+                <a:cs typeface="Courier New" panose="02070309020205020404" pitchFamily="49" charset="0"/>
+              </a:rPr>
+              <a:t>;</a:t>
+            </a:r>
+            <a:br>
+              <a:rPr kumimoji="0" lang="de-DE" altLang="de-DE" sz="1000" b="0" i="0" u="none" strike="noStrike" cap="none" normalizeH="0" baseline="0" dirty="0">
+                <a:ln>
+                  <a:noFill/>
+                </a:ln>
+                <a:solidFill>
+                  <a:srgbClr val="CC7832"/>
+                </a:solidFill>
+                <a:effectLst/>
+                <a:latin typeface="Courier New" panose="02070309020205020404" pitchFamily="49" charset="0"/>
+                <a:cs typeface="Courier New" panose="02070309020205020404" pitchFamily="49" charset="0"/>
+              </a:rPr>
+            </a:br>
+            <a:r>
+              <a:rPr kumimoji="0" lang="de-DE" altLang="de-DE" sz="1000" b="0" i="0" u="none" strike="noStrike" cap="none" normalizeH="0" baseline="0" dirty="0">
+                <a:ln>
+                  <a:noFill/>
+                </a:ln>
+                <a:solidFill>
+                  <a:srgbClr val="808080"/>
+                </a:solidFill>
+                <a:effectLst/>
+                <a:latin typeface="Courier New" panose="02070309020205020404" pitchFamily="49" charset="0"/>
+                <a:cs typeface="Courier New" panose="02070309020205020404" pitchFamily="49" charset="0"/>
+              </a:rPr>
+              <a:t>/*</a:t>
+            </a:r>
+            <a:br>
+              <a:rPr kumimoji="0" lang="de-DE" altLang="de-DE" sz="1000" b="0" i="0" u="none" strike="noStrike" cap="none" normalizeH="0" baseline="0" dirty="0">
+                <a:ln>
+                  <a:noFill/>
+                </a:ln>
+                <a:solidFill>
+                  <a:srgbClr val="808080"/>
+                </a:solidFill>
+                <a:effectLst/>
+                <a:latin typeface="Courier New" panose="02070309020205020404" pitchFamily="49" charset="0"/>
+                <a:cs typeface="Courier New" panose="02070309020205020404" pitchFamily="49" charset="0"/>
+              </a:rPr>
+            </a:br>
+            <a:r>
+              <a:rPr kumimoji="0" lang="de-DE" altLang="de-DE" sz="1000" b="0" i="0" u="none" strike="noStrike" cap="none" normalizeH="0" baseline="0" dirty="0">
+                <a:ln>
+                  <a:noFill/>
+                </a:ln>
+                <a:solidFill>
+                  <a:srgbClr val="808080"/>
+                </a:solidFill>
+                <a:effectLst/>
+                <a:latin typeface="Courier New" panose="02070309020205020404" pitchFamily="49" charset="0"/>
+                <a:cs typeface="Courier New" panose="02070309020205020404" pitchFamily="49" charset="0"/>
+              </a:rPr>
+              <a:t>Interface für die verfügbaren Befehle</a:t>
+            </a:r>
+            <a:br>
+              <a:rPr kumimoji="0" lang="de-DE" altLang="de-DE" sz="1000" b="0" i="0" u="none" strike="noStrike" cap="none" normalizeH="0" baseline="0" dirty="0">
+                <a:ln>
+                  <a:noFill/>
+                </a:ln>
+                <a:solidFill>
+                  <a:srgbClr val="808080"/>
+                </a:solidFill>
+                <a:effectLst/>
+                <a:latin typeface="Courier New" panose="02070309020205020404" pitchFamily="49" charset="0"/>
+                <a:cs typeface="Courier New" panose="02070309020205020404" pitchFamily="49" charset="0"/>
+              </a:rPr>
+            </a:br>
+            <a:r>
+              <a:rPr kumimoji="0" lang="de-DE" altLang="de-DE" sz="1000" b="0" i="0" u="none" strike="noStrike" cap="none" normalizeH="0" baseline="0" dirty="0">
+                <a:ln>
+                  <a:noFill/>
+                </a:ln>
+                <a:solidFill>
+                  <a:srgbClr val="808080"/>
+                </a:solidFill>
+                <a:effectLst/>
+                <a:latin typeface="Courier New" panose="02070309020205020404" pitchFamily="49" charset="0"/>
+                <a:cs typeface="Courier New" panose="02070309020205020404" pitchFamily="49" charset="0"/>
+              </a:rPr>
+              <a:t> */</a:t>
+            </a:r>
+            <a:br>
+              <a:rPr kumimoji="0" lang="de-DE" altLang="de-DE" sz="1000" b="0" i="0" u="none" strike="noStrike" cap="none" normalizeH="0" baseline="0" dirty="0">
+                <a:ln>
+                  <a:noFill/>
+                </a:ln>
+                <a:solidFill>
+                  <a:srgbClr val="808080"/>
+                </a:solidFill>
+                <a:effectLst/>
+                <a:latin typeface="Courier New" panose="02070309020205020404" pitchFamily="49" charset="0"/>
+                <a:cs typeface="Courier New" panose="02070309020205020404" pitchFamily="49" charset="0"/>
+              </a:rPr>
+            </a:br>
+            <a:r>
+              <a:rPr kumimoji="0" lang="de-DE" altLang="de-DE" sz="1000" b="0" i="0" u="none" strike="noStrike" cap="none" normalizeH="0" baseline="0" dirty="0" err="1">
+                <a:ln>
+                  <a:noFill/>
+                </a:ln>
+                <a:solidFill>
+                  <a:srgbClr val="CC7832"/>
+                </a:solidFill>
+                <a:effectLst/>
+                <a:latin typeface="Courier New" panose="02070309020205020404" pitchFamily="49" charset="0"/>
+                <a:cs typeface="Courier New" panose="02070309020205020404" pitchFamily="49" charset="0"/>
+              </a:rPr>
+              <a:t>import</a:t>
+            </a:r>
+            <a:r>
+              <a:rPr kumimoji="0" lang="de-DE" altLang="de-DE" sz="1000" b="0" i="0" u="none" strike="noStrike" cap="none" normalizeH="0" baseline="0" dirty="0">
+                <a:ln>
+                  <a:noFill/>
+                </a:ln>
+                <a:solidFill>
+                  <a:srgbClr val="CC7832"/>
+                </a:solidFill>
+                <a:effectLst/>
+                <a:latin typeface="Courier New" panose="02070309020205020404" pitchFamily="49" charset="0"/>
+                <a:cs typeface="Courier New" panose="02070309020205020404" pitchFamily="49" charset="0"/>
+              </a:rPr>
+              <a:t> </a:t>
+            </a:r>
+            <a:r>
+              <a:rPr kumimoji="0" lang="de-DE" altLang="de-DE" sz="1000" b="0" i="0" u="none" strike="noStrike" cap="none" normalizeH="0" baseline="0" dirty="0" err="1">
+                <a:ln>
+                  <a:noFill/>
+                </a:ln>
+                <a:solidFill>
+                  <a:srgbClr val="A9B7C6"/>
+                </a:solidFill>
+                <a:effectLst/>
+                <a:latin typeface="Courier New" panose="02070309020205020404" pitchFamily="49" charset="0"/>
+                <a:cs typeface="Courier New" panose="02070309020205020404" pitchFamily="49" charset="0"/>
+              </a:rPr>
+              <a:t>javafx.collections.ObservableList</a:t>
+            </a:r>
+            <a:r>
+              <a:rPr kumimoji="0" lang="de-DE" altLang="de-DE" sz="1000" b="0" i="0" u="none" strike="noStrike" cap="none" normalizeH="0" baseline="0" dirty="0">
+                <a:ln>
+                  <a:noFill/>
+                </a:ln>
+                <a:solidFill>
+                  <a:srgbClr val="CC7832"/>
+                </a:solidFill>
+                <a:effectLst/>
+                <a:latin typeface="Courier New" panose="02070309020205020404" pitchFamily="49" charset="0"/>
+                <a:cs typeface="Courier New" panose="02070309020205020404" pitchFamily="49" charset="0"/>
+              </a:rPr>
+              <a:t>;</a:t>
+            </a:r>
+            <a:br>
+              <a:rPr kumimoji="0" lang="de-DE" altLang="de-DE" sz="1000" b="0" i="0" u="none" strike="noStrike" cap="none" normalizeH="0" baseline="0" dirty="0">
+                <a:ln>
+                  <a:noFill/>
+                </a:ln>
+                <a:solidFill>
+                  <a:srgbClr val="CC7832"/>
+                </a:solidFill>
+                <a:effectLst/>
+                <a:latin typeface="Courier New" panose="02070309020205020404" pitchFamily="49" charset="0"/>
+                <a:cs typeface="Courier New" panose="02070309020205020404" pitchFamily="49" charset="0"/>
+              </a:rPr>
+            </a:br>
+            <a:r>
+              <a:rPr kumimoji="0" lang="de-DE" altLang="de-DE" sz="1000" b="0" i="0" u="none" strike="noStrike" cap="none" normalizeH="0" baseline="0" dirty="0" err="1">
+                <a:ln>
+                  <a:noFill/>
+                </a:ln>
+                <a:solidFill>
+                  <a:srgbClr val="CC7832"/>
+                </a:solidFill>
+                <a:effectLst/>
+                <a:latin typeface="Courier New" panose="02070309020205020404" pitchFamily="49" charset="0"/>
+                <a:cs typeface="Courier New" panose="02070309020205020404" pitchFamily="49" charset="0"/>
+              </a:rPr>
+              <a:t>import</a:t>
+            </a:r>
+            <a:r>
+              <a:rPr kumimoji="0" lang="de-DE" altLang="de-DE" sz="1000" b="0" i="0" u="none" strike="noStrike" cap="none" normalizeH="0" baseline="0" dirty="0">
+                <a:ln>
+                  <a:noFill/>
+                </a:ln>
+                <a:solidFill>
+                  <a:srgbClr val="CC7832"/>
+                </a:solidFill>
+                <a:effectLst/>
+                <a:latin typeface="Courier New" panose="02070309020205020404" pitchFamily="49" charset="0"/>
+                <a:cs typeface="Courier New" panose="02070309020205020404" pitchFamily="49" charset="0"/>
+              </a:rPr>
+              <a:t> </a:t>
+            </a:r>
+            <a:r>
+              <a:rPr kumimoji="0" lang="de-DE" altLang="de-DE" sz="1000" b="0" i="0" u="none" strike="noStrike" cap="none" normalizeH="0" baseline="0" dirty="0" err="1">
+                <a:ln>
+                  <a:noFill/>
+                </a:ln>
+                <a:solidFill>
+                  <a:srgbClr val="A9B7C6"/>
+                </a:solidFill>
+                <a:effectLst/>
+                <a:latin typeface="Courier New" panose="02070309020205020404" pitchFamily="49" charset="0"/>
+                <a:cs typeface="Courier New" panose="02070309020205020404" pitchFamily="49" charset="0"/>
+              </a:rPr>
+              <a:t>sample.Rechnung</a:t>
+            </a:r>
+            <a:r>
+              <a:rPr kumimoji="0" lang="de-DE" altLang="de-DE" sz="1000" b="0" i="0" u="none" strike="noStrike" cap="none" normalizeH="0" baseline="0" dirty="0">
+                <a:ln>
+                  <a:noFill/>
+                </a:ln>
+                <a:solidFill>
+                  <a:srgbClr val="CC7832"/>
+                </a:solidFill>
+                <a:effectLst/>
+                <a:latin typeface="Courier New" panose="02070309020205020404" pitchFamily="49" charset="0"/>
+                <a:cs typeface="Courier New" panose="02070309020205020404" pitchFamily="49" charset="0"/>
+              </a:rPr>
+              <a:t>;</a:t>
+            </a:r>
+            <a:br>
+              <a:rPr kumimoji="0" lang="de-DE" altLang="de-DE" sz="1000" b="0" i="0" u="none" strike="noStrike" cap="none" normalizeH="0" baseline="0" dirty="0">
+                <a:ln>
+                  <a:noFill/>
+                </a:ln>
+                <a:solidFill>
+                  <a:srgbClr val="CC7832"/>
+                </a:solidFill>
+                <a:effectLst/>
+                <a:latin typeface="Courier New" panose="02070309020205020404" pitchFamily="49" charset="0"/>
+                <a:cs typeface="Courier New" panose="02070309020205020404" pitchFamily="49" charset="0"/>
+              </a:rPr>
+            </a:br>
+            <a:br>
+              <a:rPr kumimoji="0" lang="de-DE" altLang="de-DE" sz="1000" b="0" i="0" u="none" strike="noStrike" cap="none" normalizeH="0" baseline="0" dirty="0">
+                <a:ln>
+                  <a:noFill/>
+                </a:ln>
+                <a:solidFill>
+                  <a:srgbClr val="CC7832"/>
+                </a:solidFill>
+                <a:effectLst/>
+                <a:latin typeface="Courier New" panose="02070309020205020404" pitchFamily="49" charset="0"/>
+                <a:cs typeface="Courier New" panose="02070309020205020404" pitchFamily="49" charset="0"/>
+              </a:rPr>
+            </a:br>
+            <a:r>
+              <a:rPr kumimoji="0" lang="de-DE" altLang="de-DE" sz="1000" b="0" i="0" u="none" strike="noStrike" cap="none" normalizeH="0" baseline="0" dirty="0" err="1">
+                <a:ln>
+                  <a:noFill/>
+                </a:ln>
+                <a:solidFill>
+                  <a:srgbClr val="CC7832"/>
+                </a:solidFill>
+                <a:effectLst/>
+                <a:latin typeface="Courier New" panose="02070309020205020404" pitchFamily="49" charset="0"/>
+                <a:cs typeface="Courier New" panose="02070309020205020404" pitchFamily="49" charset="0"/>
+              </a:rPr>
+              <a:t>public</a:t>
+            </a:r>
+            <a:r>
+              <a:rPr kumimoji="0" lang="de-DE" altLang="de-DE" sz="1000" b="0" i="0" u="none" strike="noStrike" cap="none" normalizeH="0" baseline="0" dirty="0">
+                <a:ln>
+                  <a:noFill/>
+                </a:ln>
+                <a:solidFill>
+                  <a:srgbClr val="CC7832"/>
+                </a:solidFill>
+                <a:effectLst/>
+                <a:latin typeface="Courier New" panose="02070309020205020404" pitchFamily="49" charset="0"/>
+                <a:cs typeface="Courier New" panose="02070309020205020404" pitchFamily="49" charset="0"/>
+              </a:rPr>
+              <a:t> interface </a:t>
+            </a:r>
+            <a:r>
+              <a:rPr kumimoji="0" lang="de-DE" altLang="de-DE" sz="1000" b="0" i="0" u="none" strike="noStrike" cap="none" normalizeH="0" baseline="0" dirty="0" err="1">
+                <a:ln>
+                  <a:noFill/>
+                </a:ln>
+                <a:solidFill>
+                  <a:srgbClr val="A9B7C6"/>
+                </a:solidFill>
+                <a:effectLst/>
+                <a:latin typeface="Courier New" panose="02070309020205020404" pitchFamily="49" charset="0"/>
+                <a:cs typeface="Courier New" panose="02070309020205020404" pitchFamily="49" charset="0"/>
+              </a:rPr>
+              <a:t>RechnungBefehl</a:t>
+            </a:r>
+            <a:r>
+              <a:rPr kumimoji="0" lang="de-DE" altLang="de-DE" sz="1000" b="0" i="0" u="none" strike="noStrike" cap="none" normalizeH="0" baseline="0" dirty="0">
+                <a:ln>
+                  <a:noFill/>
+                </a:ln>
+                <a:solidFill>
+                  <a:srgbClr val="A9B7C6"/>
+                </a:solidFill>
+                <a:effectLst/>
+                <a:latin typeface="Courier New" panose="02070309020205020404" pitchFamily="49" charset="0"/>
+                <a:cs typeface="Courier New" panose="02070309020205020404" pitchFamily="49" charset="0"/>
+              </a:rPr>
+              <a:t> </a:t>
+            </a:r>
+            <a:r>
+              <a:rPr kumimoji="0" lang="de-DE" altLang="de-DE" sz="1000" b="0" i="0" u="none" strike="noStrike" cap="none" normalizeH="0" baseline="0" dirty="0" err="1">
+                <a:ln>
+                  <a:noFill/>
+                </a:ln>
+                <a:solidFill>
+                  <a:srgbClr val="CC7832"/>
+                </a:solidFill>
+                <a:effectLst/>
+                <a:latin typeface="Courier New" panose="02070309020205020404" pitchFamily="49" charset="0"/>
+                <a:cs typeface="Courier New" panose="02070309020205020404" pitchFamily="49" charset="0"/>
+              </a:rPr>
+              <a:t>extends</a:t>
+            </a:r>
+            <a:r>
+              <a:rPr kumimoji="0" lang="de-DE" altLang="de-DE" sz="1000" b="0" i="0" u="none" strike="noStrike" cap="none" normalizeH="0" baseline="0" dirty="0">
+                <a:ln>
+                  <a:noFill/>
+                </a:ln>
+                <a:solidFill>
+                  <a:srgbClr val="CC7832"/>
+                </a:solidFill>
+                <a:effectLst/>
+                <a:latin typeface="Courier New" panose="02070309020205020404" pitchFamily="49" charset="0"/>
+                <a:cs typeface="Courier New" panose="02070309020205020404" pitchFamily="49" charset="0"/>
+              </a:rPr>
+              <a:t> </a:t>
+            </a:r>
+            <a:r>
+              <a:rPr kumimoji="0" lang="de-DE" altLang="de-DE" sz="1000" b="0" i="0" u="none" strike="noStrike" cap="none" normalizeH="0" baseline="0" dirty="0" err="1">
+                <a:ln>
+                  <a:noFill/>
+                </a:ln>
+                <a:solidFill>
+                  <a:srgbClr val="A9B7C6"/>
+                </a:solidFill>
+                <a:effectLst/>
+                <a:latin typeface="Courier New" panose="02070309020205020404" pitchFamily="49" charset="0"/>
+                <a:cs typeface="Courier New" panose="02070309020205020404" pitchFamily="49" charset="0"/>
+              </a:rPr>
+              <a:t>OberBefehl</a:t>
+            </a:r>
+            <a:r>
+              <a:rPr kumimoji="0" lang="de-DE" altLang="de-DE" sz="1000" b="0" i="0" u="none" strike="noStrike" cap="none" normalizeH="0" baseline="0" dirty="0">
+                <a:ln>
+                  <a:noFill/>
+                </a:ln>
+                <a:solidFill>
+                  <a:srgbClr val="A9B7C6"/>
+                </a:solidFill>
+                <a:effectLst/>
+                <a:latin typeface="Courier New" panose="02070309020205020404" pitchFamily="49" charset="0"/>
+                <a:cs typeface="Courier New" panose="02070309020205020404" pitchFamily="49" charset="0"/>
+              </a:rPr>
+              <a:t>{</a:t>
+            </a:r>
+            <a:br>
+              <a:rPr kumimoji="0" lang="de-DE" altLang="de-DE" sz="1000" b="0" i="0" u="none" strike="noStrike" cap="none" normalizeH="0" baseline="0" dirty="0">
+                <a:ln>
+                  <a:noFill/>
+                </a:ln>
+                <a:solidFill>
+                  <a:srgbClr val="A9B7C6"/>
+                </a:solidFill>
+                <a:effectLst/>
+                <a:latin typeface="Courier New" panose="02070309020205020404" pitchFamily="49" charset="0"/>
+                <a:cs typeface="Courier New" panose="02070309020205020404" pitchFamily="49" charset="0"/>
+              </a:rPr>
+            </a:br>
+            <a:r>
+              <a:rPr kumimoji="0" lang="de-DE" altLang="de-DE" sz="1000" b="0" i="0" u="none" strike="noStrike" cap="none" normalizeH="0" baseline="0" dirty="0">
+                <a:ln>
+                  <a:noFill/>
+                </a:ln>
+                <a:solidFill>
+                  <a:srgbClr val="A9B7C6"/>
+                </a:solidFill>
+                <a:effectLst/>
+                <a:latin typeface="Courier New" panose="02070309020205020404" pitchFamily="49" charset="0"/>
+                <a:cs typeface="Courier New" panose="02070309020205020404" pitchFamily="49" charset="0"/>
+              </a:rPr>
+              <a:t>    </a:t>
+            </a:r>
+            <a:r>
+              <a:rPr kumimoji="0" lang="de-DE" altLang="de-DE" sz="1000" b="0" i="0" u="none" strike="noStrike" cap="none" normalizeH="0" baseline="0" dirty="0" err="1">
+                <a:ln>
+                  <a:noFill/>
+                </a:ln>
+                <a:solidFill>
+                  <a:srgbClr val="A9B7C6"/>
+                </a:solidFill>
+                <a:effectLst/>
+                <a:latin typeface="Courier New" panose="02070309020205020404" pitchFamily="49" charset="0"/>
+                <a:cs typeface="Courier New" panose="02070309020205020404" pitchFamily="49" charset="0"/>
+              </a:rPr>
+              <a:t>ObservableList</a:t>
+            </a:r>
+            <a:r>
+              <a:rPr kumimoji="0" lang="de-DE" altLang="de-DE" sz="1000" b="0" i="0" u="none" strike="noStrike" cap="none" normalizeH="0" baseline="0" dirty="0">
+                <a:ln>
+                  <a:noFill/>
+                </a:ln>
+                <a:solidFill>
+                  <a:srgbClr val="A9B7C6"/>
+                </a:solidFill>
+                <a:effectLst/>
+                <a:latin typeface="Courier New" panose="02070309020205020404" pitchFamily="49" charset="0"/>
+                <a:cs typeface="Courier New" panose="02070309020205020404" pitchFamily="49" charset="0"/>
+              </a:rPr>
+              <a:t>&lt;Rechnung&gt; </a:t>
+            </a:r>
+            <a:r>
+              <a:rPr kumimoji="0" lang="de-DE" altLang="de-DE" sz="1000" b="0" i="0" u="none" strike="noStrike" cap="none" normalizeH="0" baseline="0" dirty="0" err="1">
+                <a:ln>
+                  <a:noFill/>
+                </a:ln>
+                <a:solidFill>
+                  <a:srgbClr val="FFC66D"/>
+                </a:solidFill>
+                <a:effectLst/>
+                <a:latin typeface="Courier New" panose="02070309020205020404" pitchFamily="49" charset="0"/>
+                <a:cs typeface="Courier New" panose="02070309020205020404" pitchFamily="49" charset="0"/>
+              </a:rPr>
+              <a:t>Rechnungerstellen</a:t>
+            </a:r>
+            <a:r>
+              <a:rPr kumimoji="0" lang="de-DE" altLang="de-DE" sz="1000" b="0" i="0" u="none" strike="noStrike" cap="none" normalizeH="0" baseline="0" dirty="0">
+                <a:ln>
+                  <a:noFill/>
+                </a:ln>
+                <a:solidFill>
+                  <a:srgbClr val="A9B7C6"/>
+                </a:solidFill>
+                <a:effectLst/>
+                <a:latin typeface="Courier New" panose="02070309020205020404" pitchFamily="49" charset="0"/>
+                <a:cs typeface="Courier New" panose="02070309020205020404" pitchFamily="49" charset="0"/>
+              </a:rPr>
+              <a:t>(String tisch)</a:t>
+            </a:r>
+            <a:r>
+              <a:rPr kumimoji="0" lang="de-DE" altLang="de-DE" sz="1000" b="0" i="0" u="none" strike="noStrike" cap="none" normalizeH="0" baseline="0" dirty="0">
+                <a:ln>
+                  <a:noFill/>
+                </a:ln>
+                <a:solidFill>
+                  <a:srgbClr val="CC7832"/>
+                </a:solidFill>
+                <a:effectLst/>
+                <a:latin typeface="Courier New" panose="02070309020205020404" pitchFamily="49" charset="0"/>
+                <a:cs typeface="Courier New" panose="02070309020205020404" pitchFamily="49" charset="0"/>
+              </a:rPr>
+              <a:t>;</a:t>
+            </a:r>
+            <a:br>
+              <a:rPr kumimoji="0" lang="de-DE" altLang="de-DE" sz="1000" b="0" i="0" u="none" strike="noStrike" cap="none" normalizeH="0" baseline="0" dirty="0">
+                <a:ln>
+                  <a:noFill/>
+                </a:ln>
+                <a:solidFill>
+                  <a:srgbClr val="CC7832"/>
+                </a:solidFill>
+                <a:effectLst/>
+                <a:latin typeface="Courier New" panose="02070309020205020404" pitchFamily="49" charset="0"/>
+                <a:cs typeface="Courier New" panose="02070309020205020404" pitchFamily="49" charset="0"/>
+              </a:rPr>
+            </a:br>
+            <a:br>
+              <a:rPr kumimoji="0" lang="de-DE" altLang="de-DE" sz="1000" b="0" i="0" u="none" strike="noStrike" cap="none" normalizeH="0" baseline="0" dirty="0">
+                <a:ln>
+                  <a:noFill/>
+                </a:ln>
+                <a:solidFill>
+                  <a:srgbClr val="CC7832"/>
+                </a:solidFill>
+                <a:effectLst/>
+                <a:latin typeface="Courier New" panose="02070309020205020404" pitchFamily="49" charset="0"/>
+                <a:cs typeface="Courier New" panose="02070309020205020404" pitchFamily="49" charset="0"/>
+              </a:rPr>
+            </a:br>
+            <a:br>
+              <a:rPr kumimoji="0" lang="de-DE" altLang="de-DE" sz="1000" b="0" i="0" u="none" strike="noStrike" cap="none" normalizeH="0" baseline="0" dirty="0">
+                <a:ln>
+                  <a:noFill/>
+                </a:ln>
+                <a:solidFill>
+                  <a:srgbClr val="CC7832"/>
+                </a:solidFill>
+                <a:effectLst/>
+                <a:latin typeface="Courier New" panose="02070309020205020404" pitchFamily="49" charset="0"/>
+                <a:cs typeface="Courier New" panose="02070309020205020404" pitchFamily="49" charset="0"/>
+              </a:rPr>
+            </a:br>
+            <a:r>
+              <a:rPr kumimoji="0" lang="de-DE" altLang="de-DE" sz="1000" b="0" i="0" u="none" strike="noStrike" cap="none" normalizeH="0" baseline="0" dirty="0">
+                <a:ln>
+                  <a:noFill/>
+                </a:ln>
+                <a:solidFill>
+                  <a:srgbClr val="A9B7C6"/>
+                </a:solidFill>
+                <a:effectLst/>
+                <a:latin typeface="Courier New" panose="02070309020205020404" pitchFamily="49" charset="0"/>
+                <a:cs typeface="Courier New" panose="02070309020205020404" pitchFamily="49" charset="0"/>
+              </a:rPr>
+              <a:t>}</a:t>
+            </a:r>
+            <a:endParaRPr kumimoji="0" lang="de-DE" altLang="de-DE" sz="1800" b="0" i="0" u="none" strike="noStrike" cap="none" normalizeH="0" baseline="0" dirty="0">
+              <a:ln>
+                <a:noFill/>
+              </a:ln>
+              <a:solidFill>
+                <a:schemeClr val="tx1"/>
+              </a:solidFill>
+              <a:effectLst/>
+              <a:latin typeface="Arial" panose="020B0604020202020204" pitchFamily="34" charset="0"/>
+            </a:endParaRPr>
+          </a:p>
+        </p:txBody>
+      </p:sp>
+      <p:pic>
+        <p:nvPicPr>
+          <p:cNvPr id="6" name="Grafik 5">
+            <a:extLst>
+              <a:ext uri="{FF2B5EF4-FFF2-40B4-BE49-F238E27FC236}">
+                <a16:creationId xmlns:a16="http://schemas.microsoft.com/office/drawing/2014/main" id="{54F27801-B08E-47CA-A9AC-66DD834C356D}"/>
+              </a:ext>
+            </a:extLst>
+          </p:cNvPr>
+          <p:cNvPicPr>
+            <a:picLocks noChangeAspect="1"/>
+          </p:cNvPicPr>
+          <p:nvPr/>
+        </p:nvPicPr>
+        <p:blipFill>
+          <a:blip r:embed="rId2"/>
+          <a:stretch>
+            <a:fillRect/>
+          </a:stretch>
+        </p:blipFill>
+        <p:spPr>
+          <a:xfrm>
+            <a:off x="5162309" y="2097088"/>
+            <a:ext cx="6392571" cy="4108109"/>
+          </a:xfrm>
+          <a:prstGeom prst="rect">
+            <a:avLst/>
+          </a:prstGeom>
+        </p:spPr>
+      </p:pic>
+    </p:spTree>
+    <p:extLst>
+      <p:ext uri="{BB962C8B-B14F-4D97-AF65-F5344CB8AC3E}">
+        <p14:creationId xmlns:p14="http://schemas.microsoft.com/office/powerpoint/2010/main" val="492142012"/>
+      </p:ext>
+    </p:extLst>
+  </p:cSld>
+  <p:clrMapOvr>
+    <a:masterClrMapping/>
+  </p:clrMapOvr>
+</p:sld>
+</file>
+
+<file path=ppt/slides/slide7.xml><?xml version="1.0" encoding="utf-8"?>
+<p:sld xmlns:a="http://schemas.openxmlformats.org/drawingml/2006/main" xmlns:r="http://schemas.openxmlformats.org/officeDocument/2006/relationships" xmlns:p="http://schemas.openxmlformats.org/presentationml/2006/main">
+  <p:cSld>
+    <p:spTree>
+      <p:nvGrpSpPr>
+        <p:cNvPr id="1" name=""/>
+        <p:cNvGrpSpPr/>
+        <p:nvPr/>
+      </p:nvGrpSpPr>
+      <p:grpSpPr>
+        <a:xfrm>
+          <a:off x="0" y="0"/>
+          <a:ext cx="0" cy="0"/>
+          <a:chOff x="0" y="0"/>
+          <a:chExt cx="0" cy="0"/>
+        </a:xfrm>
+      </p:grpSpPr>
+      <p:sp>
+        <p:nvSpPr>
+          <p:cNvPr id="2" name="Titel 1">
+            <a:extLst>
+              <a:ext uri="{FF2B5EF4-FFF2-40B4-BE49-F238E27FC236}">
+                <a16:creationId xmlns:a16="http://schemas.microsoft.com/office/drawing/2014/main" id="{ACA56477-36A7-4C81-8C7D-D82963B0E373}"/>
+              </a:ext>
+            </a:extLst>
+          </p:cNvPr>
+          <p:cNvSpPr>
+            <a:spLocks noGrp="1"/>
+          </p:cNvSpPr>
+          <p:nvPr>
+            <p:ph type="title"/>
+          </p:nvPr>
+        </p:nvSpPr>
+        <p:spPr/>
+        <p:txBody>
+          <a:bodyPr/>
+          <a:lstStyle/>
+          <a:p>
+            <a:endParaRPr lang="de-AT" dirty="0"/>
+          </a:p>
+        </p:txBody>
+      </p:sp>
+      <p:pic>
+        <p:nvPicPr>
+          <p:cNvPr id="4" name="Inhaltsplatzhalter 3">
+            <a:extLst>
+              <a:ext uri="{FF2B5EF4-FFF2-40B4-BE49-F238E27FC236}">
+                <a16:creationId xmlns:a16="http://schemas.microsoft.com/office/drawing/2014/main" id="{CB998DD4-783F-450E-A619-907B2183DE14}"/>
+              </a:ext>
+            </a:extLst>
+          </p:cNvPr>
+          <p:cNvPicPr>
+            <a:picLocks noGrp="1" noChangeAspect="1"/>
+          </p:cNvPicPr>
+          <p:nvPr>
+            <p:ph idx="1"/>
+          </p:nvPr>
+        </p:nvPicPr>
+        <p:blipFill>
+          <a:blip r:embed="rId2"/>
+          <a:stretch>
+            <a:fillRect/>
+          </a:stretch>
+        </p:blipFill>
+        <p:spPr>
+          <a:xfrm>
+            <a:off x="763720" y="2199190"/>
+            <a:ext cx="10661383" cy="3858228"/>
+          </a:xfrm>
+          <a:prstGeom prst="rect">
+            <a:avLst/>
+          </a:prstGeom>
+        </p:spPr>
+      </p:pic>
+    </p:spTree>
+    <p:extLst>
+      <p:ext uri="{BB962C8B-B14F-4D97-AF65-F5344CB8AC3E}">
+        <p14:creationId xmlns:p14="http://schemas.microsoft.com/office/powerpoint/2010/main" val="3101050968"/>
+      </p:ext>
+    </p:extLst>
+  </p:cSld>
+  <p:clrMapOvr>
+    <a:masterClrMapping/>
+  </p:clrMapOvr>
+</p:sld>
+</file>
+
+<file path=ppt/slides/slide8.xml><?xml version="1.0" encoding="utf-8"?>
+<p:sld xmlns:a="http://schemas.openxmlformats.org/drawingml/2006/main" xmlns:r="http://schemas.openxmlformats.org/officeDocument/2006/relationships" xmlns:p="http://schemas.openxmlformats.org/presentationml/2006/main">
+  <p:cSld>
+    <p:bg>
+      <p:bgPr>
+        <a:blipFill>
+          <a:blip r:embed="rId2">
+            <a:duotone>
+              <a:schemeClr val="bg2">
+                <a:shade val="88000"/>
+                <a:hueMod val="106000"/>
+                <a:satMod val="140000"/>
+                <a:lumMod val="54000"/>
+              </a:schemeClr>
+              <a:schemeClr val="bg2">
+                <a:tint val="98000"/>
+                <a:hueMod val="90000"/>
+                <a:satMod val="150000"/>
+                <a:lumMod val="160000"/>
+              </a:schemeClr>
+            </a:duotone>
+            <a:extLst/>
+          </a:blip>
+          <a:stretch/>
+        </a:blipFill>
+        <a:effectLst/>
+      </p:bgPr>
+    </p:bg>
+    <p:spTree>
+      <p:nvGrpSpPr>
+        <p:cNvPr id="1" name=""/>
+        <p:cNvGrpSpPr/>
+        <p:nvPr/>
+      </p:nvGrpSpPr>
+      <p:grpSpPr>
+        <a:xfrm>
+          <a:off x="0" y="0"/>
+          <a:ext cx="0" cy="0"/>
+          <a:chOff x="0" y="0"/>
+          <a:chExt cx="0" cy="0"/>
+        </a:xfrm>
+      </p:grpSpPr>
+      <p:sp>
+        <p:nvSpPr>
+          <p:cNvPr id="20" name="Rectangle 7">
+            <a:extLst>
+              <a:ext uri="{FF2B5EF4-FFF2-40B4-BE49-F238E27FC236}">
+                <a16:creationId xmlns:a16="http://schemas.microsoft.com/office/drawing/2014/main" id="{C068D0EE-C6C8-484A-AFB7-3602BA27F8CD}"/>
+              </a:ext>
+              <a:ext uri="{C183D7F6-B498-43B3-948B-1728B52AA6E4}">
+                <adec:decorative xmlns:adec="http://schemas.microsoft.com/office/drawing/2017/decorative" val="1"/>
+              </a:ext>
+            </a:extLst>
+          </p:cNvPr>
+          <p:cNvSpPr>
+            <a:spLocks noGrp="1" noRot="1" noChangeAspect="1" noMove="1" noResize="1" noEditPoints="1" noAdjustHandles="1" noChangeArrowheads="1" noChangeShapeType="1" noTextEdit="1"/>
+          </p:cNvSpPr>
+          <p:nvPr>
+            <p:extLst>
+              <p:ext uri="{386F3935-93C4-4BCD-93E2-E3B085C9AB24}">
+                <p16:designElem xmlns:p16="http://schemas.microsoft.com/office/powerpoint/2015/main" val="1"/>
+              </p:ext>
+            </p:extLst>
+          </p:nvPr>
+        </p:nvSpPr>
+        <p:spPr>
+          <a:xfrm>
+            <a:off x="0" y="0"/>
+            <a:ext cx="12192000" cy="6858000"/>
+          </a:xfrm>
+          <a:prstGeom prst="rect">
+            <a:avLst/>
+          </a:prstGeom>
+          <a:solidFill>
+            <a:schemeClr val="bg2"/>
+          </a:solidFill>
+          <a:ln>
+            <a:noFill/>
+          </a:ln>
+        </p:spPr>
+        <p:style>
+          <a:lnRef idx="2">
+            <a:schemeClr val="accent1">
+              <a:shade val="50000"/>
+            </a:schemeClr>
+          </a:lnRef>
+          <a:fillRef idx="1">
+            <a:schemeClr val="accent1"/>
+          </a:fillRef>
+          <a:effectRef idx="0">
+            <a:schemeClr val="accent1"/>
+          </a:effectRef>
+          <a:fontRef idx="minor">
+            <a:schemeClr val="lt1"/>
+          </a:fontRef>
+        </p:style>
+        <p:txBody>
+          <a:bodyPr rtlCol="0" anchor="ctr"/>
+          <a:lstStyle/>
+          <a:p>
+            <a:pPr algn="ctr"/>
+            <a:endParaRPr lang="en-US"/>
+          </a:p>
+        </p:txBody>
+      </p:sp>
+      <p:sp>
+        <p:nvSpPr>
+          <p:cNvPr id="21" name="Rectangle 9">
+            <a:extLst>
+              <a:ext uri="{FF2B5EF4-FFF2-40B4-BE49-F238E27FC236}">
+                <a16:creationId xmlns:a16="http://schemas.microsoft.com/office/drawing/2014/main" id="{DDE5FB8C-CC3F-4C24-BF4F-1B5999DE6851}"/>
+              </a:ext>
+              <a:ext uri="{C183D7F6-B498-43B3-948B-1728B52AA6E4}">
+                <adec:decorative xmlns:adec="http://schemas.microsoft.com/office/drawing/2017/decorative" val="1"/>
+              </a:ext>
+            </a:extLst>
+          </p:cNvPr>
+          <p:cNvSpPr>
+            <a:spLocks noGrp="1" noRot="1" noChangeAspect="1" noMove="1" noResize="1" noEditPoints="1" noAdjustHandles="1" noChangeArrowheads="1" noChangeShapeType="1" noTextEdit="1"/>
+          </p:cNvSpPr>
+          <p:nvPr>
+            <p:extLst>
+              <p:ext uri="{386F3935-93C4-4BCD-93E2-E3B085C9AB24}">
+                <p16:designElem xmlns:p16="http://schemas.microsoft.com/office/powerpoint/2015/main" val="1"/>
+              </p:ext>
+            </p:extLst>
+          </p:nvPr>
+        </p:nvSpPr>
+        <p:spPr>
+          <a:xfrm>
+            <a:off x="477012" y="480060"/>
+            <a:ext cx="11237976" cy="5897880"/>
+          </a:xfrm>
+          <a:prstGeom prst="rect">
+            <a:avLst/>
+          </a:prstGeom>
+          <a:solidFill>
+            <a:srgbClr val="FFFFFF"/>
+          </a:solidFill>
+          <a:ln w="9525">
+            <a:noFill/>
+          </a:ln>
+          <a:effectLst>
+            <a:outerShdw blurRad="63500" dist="17780" dir="5400000" algn="t" rotWithShape="0">
+              <a:prstClr val="black">
+                <a:alpha val="43000"/>
+              </a:prstClr>
+            </a:outerShdw>
+          </a:effectLst>
+        </p:spPr>
+        <p:style>
+          <a:lnRef idx="2">
+            <a:schemeClr val="accent1">
+              <a:shade val="50000"/>
+            </a:schemeClr>
+          </a:lnRef>
+          <a:fillRef idx="1">
+            <a:schemeClr val="accent1"/>
+          </a:fillRef>
+          <a:effectRef idx="0">
+            <a:schemeClr val="accent1"/>
+          </a:effectRef>
+          <a:fontRef idx="minor">
+            <a:schemeClr val="lt1"/>
+          </a:fontRef>
+        </p:style>
+        <p:txBody>
+          <a:bodyPr rtlCol="0" anchor="ctr"/>
+          <a:lstStyle/>
+          <a:p>
+            <a:pPr algn="ctr"/>
+            <a:endParaRPr lang="en-US"/>
+          </a:p>
+        </p:txBody>
+      </p:sp>
+      <p:pic>
+        <p:nvPicPr>
+          <p:cNvPr id="3" name="Grafik 2">
+            <a:extLst>
+              <a:ext uri="{FF2B5EF4-FFF2-40B4-BE49-F238E27FC236}">
+                <a16:creationId xmlns:a16="http://schemas.microsoft.com/office/drawing/2014/main" id="{A1CB767C-88D0-4200-9869-2A152BF44EB7}"/>
+              </a:ext>
+            </a:extLst>
+          </p:cNvPr>
+          <p:cNvPicPr>
+            <a:picLocks noChangeAspect="1"/>
+          </p:cNvPicPr>
+          <p:nvPr/>
+        </p:nvPicPr>
+        <p:blipFill>
+          <a:blip r:embed="rId3">
+            <a:extLst>
+              <a:ext uri="{28A0092B-C50C-407E-A947-70E740481C1C}">
+                <a14:useLocalDpi xmlns:a14="http://schemas.microsoft.com/office/drawing/2010/main" val="0"/>
+              </a:ext>
+            </a:extLst>
+          </a:blip>
+          <a:stretch>
+            <a:fillRect/>
+          </a:stretch>
+        </p:blipFill>
+        <p:spPr>
+          <a:xfrm>
+            <a:off x="487902" y="888871"/>
+            <a:ext cx="11227086" cy="5080257"/>
+          </a:xfrm>
+          <a:prstGeom prst="rect">
+            <a:avLst/>
+          </a:prstGeom>
+        </p:spPr>
+      </p:pic>
+    </p:spTree>
+    <p:extLst>
+      <p:ext uri="{BB962C8B-B14F-4D97-AF65-F5344CB8AC3E}">
+        <p14:creationId xmlns:p14="http://schemas.microsoft.com/office/powerpoint/2010/main" val="1257787263"/>
       </p:ext>
     </p:extLst>
   </p:cSld>
@@ -17846,4 +20324,299 @@
     </a:ext>
   </a:extLst>
 </a:theme>
+</file>
+
+<file path=ppt/theme/theme2.xml><?xml version="1.0" encoding="utf-8"?>
+<a:theme xmlns:a="http://schemas.openxmlformats.org/drawingml/2006/main" name="Office">
+  <a:themeElements>
+    <a:clrScheme name="Office">
+      <a:dk1>
+        <a:sysClr val="windowText" lastClr="000000"/>
+      </a:dk1>
+      <a:lt1>
+        <a:sysClr val="window" lastClr="FFFFFF"/>
+      </a:lt1>
+      <a:dk2>
+        <a:srgbClr val="44546A"/>
+      </a:dk2>
+      <a:lt2>
+        <a:srgbClr val="E7E6E6"/>
+      </a:lt2>
+      <a:accent1>
+        <a:srgbClr val="4472C4"/>
+      </a:accent1>
+      <a:accent2>
+        <a:srgbClr val="ED7D31"/>
+      </a:accent2>
+      <a:accent3>
+        <a:srgbClr val="A5A5A5"/>
+      </a:accent3>
+      <a:accent4>
+        <a:srgbClr val="FFC000"/>
+      </a:accent4>
+      <a:accent5>
+        <a:srgbClr val="5B9BD5"/>
+      </a:accent5>
+      <a:accent6>
+        <a:srgbClr val="70AD47"/>
+      </a:accent6>
+      <a:hlink>
+        <a:srgbClr val="0563C1"/>
+      </a:hlink>
+      <a:folHlink>
+        <a:srgbClr val="954F72"/>
+      </a:folHlink>
+    </a:clrScheme>
+    <a:fontScheme name="Office">
+      <a:majorFont>
+        <a:latin typeface="Calibri Light" panose="020F0302020204030204"/>
+        <a:ea typeface=""/>
+        <a:cs typeface=""/>
+        <a:font script="Jpan" typeface="游ゴシック Light"/>
+        <a:font script="Hang" typeface="맑은 고딕"/>
+        <a:font script="Hans" typeface="等线 Light"/>
+        <a:font script="Hant" typeface="新細明體"/>
+        <a:font script="Arab" typeface="Times New Roman"/>
+        <a:font script="Hebr" typeface="Times New Roman"/>
+        <a:font script="Thai" typeface="Angsana New"/>
+        <a:font script="Ethi" typeface="Nyala"/>
+        <a:font script="Beng" typeface="Vrinda"/>
+        <a:font script="Gujr" typeface="Shruti"/>
+        <a:font script="Khmr" typeface="MoolBoran"/>
+        <a:font script="Knda" typeface="Tunga"/>
+        <a:font script="Guru" typeface="Raavi"/>
+        <a:font script="Cans" typeface="Euphemia"/>
+        <a:font script="Cher" typeface="Plantagenet Cherokee"/>
+        <a:font script="Yiii" typeface="Microsoft Yi Baiti"/>
+        <a:font script="Tibt" typeface="Microsoft Himalaya"/>
+        <a:font script="Thaa" typeface="MV Boli"/>
+        <a:font script="Deva" typeface="Mangal"/>
+        <a:font script="Telu" typeface="Gautami"/>
+        <a:font script="Taml" typeface="Latha"/>
+        <a:font script="Syrc" typeface="Estrangelo Edessa"/>
+        <a:font script="Orya" typeface="Kalinga"/>
+        <a:font script="Mlym" typeface="Kartika"/>
+        <a:font script="Laoo" typeface="DokChampa"/>
+        <a:font script="Sinh" typeface="Iskoola Pota"/>
+        <a:font script="Mong" typeface="Mongolian Baiti"/>
+        <a:font script="Viet" typeface="Times New Roman"/>
+        <a:font script="Uigh" typeface="Microsoft Uighur"/>
+        <a:font script="Geor" typeface="Sylfaen"/>
+        <a:font script="Armn" typeface="Arial"/>
+        <a:font script="Bugi" typeface="Leelawadee UI"/>
+        <a:font script="Bopo" typeface="Microsoft JhengHei"/>
+        <a:font script="Java" typeface="Javanese Text"/>
+        <a:font script="Lisu" typeface="Segoe UI"/>
+        <a:font script="Mymr" typeface="Myanmar Text"/>
+        <a:font script="Nkoo" typeface="Ebrima"/>
+        <a:font script="Olck" typeface="Nirmala UI"/>
+        <a:font script="Osma" typeface="Ebrima"/>
+        <a:font script="Phag" typeface="Phagspa"/>
+        <a:font script="Syrn" typeface="Estrangelo Edessa"/>
+        <a:font script="Syrj" typeface="Estrangelo Edessa"/>
+        <a:font script="Syre" typeface="Estrangelo Edessa"/>
+        <a:font script="Sora" typeface="Nirmala UI"/>
+        <a:font script="Tale" typeface="Microsoft Tai Le"/>
+        <a:font script="Talu" typeface="Microsoft New Tai Lue"/>
+        <a:font script="Tfng" typeface="Ebrima"/>
+      </a:majorFont>
+      <a:minorFont>
+        <a:latin typeface="Calibri" panose="020F0502020204030204"/>
+        <a:ea typeface=""/>
+        <a:cs typeface=""/>
+        <a:font script="Jpan" typeface="游ゴシック"/>
+        <a:font script="Hang" typeface="맑은 고딕"/>
+        <a:font script="Hans" typeface="等线"/>
+        <a:font script="Hant" typeface="新細明體"/>
+        <a:font script="Arab" typeface="Arial"/>
+        <a:font script="Hebr" typeface="Arial"/>
+        <a:font script="Thai" typeface="Cordia New"/>
+        <a:font script="Ethi" typeface="Nyala"/>
+        <a:font script="Beng" typeface="Vrinda"/>
+        <a:font script="Gujr" typeface="Shruti"/>
+        <a:font script="Khmr" typeface="DaunPenh"/>
+        <a:font script="Knda" typeface="Tunga"/>
+        <a:font script="Guru" typeface="Raavi"/>
+        <a:font script="Cans" typeface="Euphemia"/>
+        <a:font script="Cher" typeface="Plantagenet Cherokee"/>
+        <a:font script="Yiii" typeface="Microsoft Yi Baiti"/>
+        <a:font script="Tibt" typeface="Microsoft Himalaya"/>
+        <a:font script="Thaa" typeface="MV Boli"/>
+        <a:font script="Deva" typeface="Mangal"/>
+        <a:font script="Telu" typeface="Gautami"/>
+        <a:font script="Taml" typeface="Latha"/>
+        <a:font script="Syrc" typeface="Estrangelo Edessa"/>
+        <a:font script="Orya" typeface="Kalinga"/>
+        <a:font script="Mlym" typeface="Kartika"/>
+        <a:font script="Laoo" typeface="DokChampa"/>
+        <a:font script="Sinh" typeface="Iskoola Pota"/>
+        <a:font script="Mong" typeface="Mongolian Baiti"/>
+        <a:font script="Viet" typeface="Arial"/>
+        <a:font script="Uigh" typeface="Microsoft Uighur"/>
+        <a:font script="Geor" typeface="Sylfaen"/>
+        <a:font script="Armn" typeface="Arial"/>
+        <a:font script="Bugi" typeface="Leelawadee UI"/>
+        <a:font script="Bopo" typeface="Microsoft JhengHei"/>
+        <a:font script="Java" typeface="Javanese Text"/>
+        <a:font script="Lisu" typeface="Segoe UI"/>
+        <a:font script="Mymr" typeface="Myanmar Text"/>
+        <a:font script="Nkoo" typeface="Ebrima"/>
+        <a:font script="Olck" typeface="Nirmala UI"/>
+        <a:font script="Osma" typeface="Ebrima"/>
+        <a:font script="Phag" typeface="Phagspa"/>
+        <a:font script="Syrn" typeface="Estrangelo Edessa"/>
+        <a:font script="Syrj" typeface="Estrangelo Edessa"/>
+        <a:font script="Syre" typeface="Estrangelo Edessa"/>
+        <a:font script="Sora" typeface="Nirmala UI"/>
+        <a:font script="Tale" typeface="Microsoft Tai Le"/>
+        <a:font script="Talu" typeface="Microsoft New Tai Lue"/>
+        <a:font script="Tfng" typeface="Ebrima"/>
+      </a:minorFont>
+    </a:fontScheme>
+    <a:fmtScheme name="Office">
+      <a:fillStyleLst>
+        <a:solidFill>
+          <a:schemeClr val="phClr"/>
+        </a:solidFill>
+        <a:gradFill rotWithShape="1">
+          <a:gsLst>
+            <a:gs pos="0">
+              <a:schemeClr val="phClr">
+                <a:lumMod val="110000"/>
+                <a:satMod val="105000"/>
+                <a:tint val="67000"/>
+              </a:schemeClr>
+            </a:gs>
+            <a:gs pos="50000">
+              <a:schemeClr val="phClr">
+                <a:lumMod val="105000"/>
+                <a:satMod val="103000"/>
+                <a:tint val="73000"/>
+              </a:schemeClr>
+            </a:gs>
+            <a:gs pos="100000">
+              <a:schemeClr val="phClr">
+                <a:lumMod val="105000"/>
+                <a:satMod val="109000"/>
+                <a:tint val="81000"/>
+              </a:schemeClr>
+            </a:gs>
+          </a:gsLst>
+          <a:lin ang="5400000" scaled="0"/>
+        </a:gradFill>
+        <a:gradFill rotWithShape="1">
+          <a:gsLst>
+            <a:gs pos="0">
+              <a:schemeClr val="phClr">
+                <a:satMod val="103000"/>
+                <a:lumMod val="102000"/>
+                <a:tint val="94000"/>
+              </a:schemeClr>
+            </a:gs>
+            <a:gs pos="50000">
+              <a:schemeClr val="phClr">
+                <a:satMod val="110000"/>
+                <a:lumMod val="100000"/>
+                <a:shade val="100000"/>
+              </a:schemeClr>
+            </a:gs>
+            <a:gs pos="100000">
+              <a:schemeClr val="phClr">
+                <a:lumMod val="99000"/>
+                <a:satMod val="120000"/>
+                <a:shade val="78000"/>
+              </a:schemeClr>
+            </a:gs>
+          </a:gsLst>
+          <a:lin ang="5400000" scaled="0"/>
+        </a:gradFill>
+      </a:fillStyleLst>
+      <a:lnStyleLst>
+        <a:ln w="6350" cap="flat" cmpd="sng" algn="ctr">
+          <a:solidFill>
+            <a:schemeClr val="phClr"/>
+          </a:solidFill>
+          <a:prstDash val="solid"/>
+          <a:miter lim="800000"/>
+        </a:ln>
+        <a:ln w="12700" cap="flat" cmpd="sng" algn="ctr">
+          <a:solidFill>
+            <a:schemeClr val="phClr"/>
+          </a:solidFill>
+          <a:prstDash val="solid"/>
+          <a:miter lim="800000"/>
+        </a:ln>
+        <a:ln w="19050" cap="flat" cmpd="sng" algn="ctr">
+          <a:solidFill>
+            <a:schemeClr val="phClr"/>
+          </a:solidFill>
+          <a:prstDash val="solid"/>
+          <a:miter lim="800000"/>
+        </a:ln>
+      </a:lnStyleLst>
+      <a:effectStyleLst>
+        <a:effectStyle>
+          <a:effectLst/>
+        </a:effectStyle>
+        <a:effectStyle>
+          <a:effectLst/>
+        </a:effectStyle>
+        <a:effectStyle>
+          <a:effectLst>
+            <a:outerShdw blurRad="57150" dist="19050" dir="5400000" algn="ctr" rotWithShape="0">
+              <a:srgbClr val="000000">
+                <a:alpha val="63000"/>
+              </a:srgbClr>
+            </a:outerShdw>
+          </a:effectLst>
+        </a:effectStyle>
+      </a:effectStyleLst>
+      <a:bgFillStyleLst>
+        <a:solidFill>
+          <a:schemeClr val="phClr"/>
+        </a:solidFill>
+        <a:solidFill>
+          <a:schemeClr val="phClr">
+            <a:tint val="95000"/>
+            <a:satMod val="170000"/>
+          </a:schemeClr>
+        </a:solidFill>
+        <a:gradFill rotWithShape="1">
+          <a:gsLst>
+            <a:gs pos="0">
+              <a:schemeClr val="phClr">
+                <a:tint val="93000"/>
+                <a:satMod val="150000"/>
+                <a:shade val="98000"/>
+                <a:lumMod val="102000"/>
+              </a:schemeClr>
+            </a:gs>
+            <a:gs pos="50000">
+              <a:schemeClr val="phClr">
+                <a:tint val="98000"/>
+                <a:satMod val="130000"/>
+                <a:shade val="90000"/>
+                <a:lumMod val="103000"/>
+              </a:schemeClr>
+            </a:gs>
+            <a:gs pos="100000">
+              <a:schemeClr val="phClr">
+                <a:shade val="63000"/>
+                <a:satMod val="120000"/>
+              </a:schemeClr>
+            </a:gs>
+          </a:gsLst>
+          <a:lin ang="5400000" scaled="0"/>
+        </a:gradFill>
+      </a:bgFillStyleLst>
+    </a:fmtScheme>
+  </a:themeElements>
+  <a:objectDefaults/>
+  <a:extraClrSchemeLst/>
+  <a:extLst>
+    <a:ext uri="{05A4C25C-085E-4340-85A3-A5531E510DB2}">
+      <thm15:themeFamily xmlns:thm15="http://schemas.microsoft.com/office/thememl/2012/main" name="Office Theme" id="{62F939B6-93AF-4DB8-9C6B-D6C7DFDC589F}" vid="{4A3C46E8-61CC-4603-A589-7422A47A8E4A}"/>
+    </a:ext>
+  </a:extLst>
+</a:theme>
 </file>
--- a/Praesentation/command.pptx
+++ b/Praesentation/command.pptx
@@ -10,8 +10,8 @@
   <p:sldIdLst>
     <p:sldId id="256" r:id="rId2"/>
     <p:sldId id="257" r:id="rId3"/>
-    <p:sldId id="261" r:id="rId4"/>
-    <p:sldId id="258" r:id="rId5"/>
+    <p:sldId id="258" r:id="rId4"/>
+    <p:sldId id="261" r:id="rId5"/>
     <p:sldId id="262" r:id="rId6"/>
     <p:sldId id="259" r:id="rId7"/>
     <p:sldId id="260" r:id="rId8"/>
@@ -1105,7 +1105,7 @@
           <a:p>
             <a:fld id="{3E71053D-E0BB-48A3-A693-A35E6FB12952}" type="slidenum">
               <a:rPr lang="de-AT" smtClean="0"/>
-              <a:t>4</a:t>
+              <a:t>3</a:t>
             </a:fld>
             <a:endParaRPr lang="de-AT"/>
           </a:p>
@@ -1258,7 +1258,7 @@
           <a:noFill/>
           <a:extLst>
             <a:ext uri="{909E8E84-426E-40dd-AFC4-6F175D3DCCD1}">
-              <a14:hiddenFill xmlns="" xmlns:a14="http://schemas.microsoft.com/office/drawing/2010/main">
+              <a14:hiddenFill xmlns:a14="http://schemas.microsoft.com/office/drawing/2010/main" xmlns="">
                 <a:solidFill>
                   <a:srgbClr val="FFFFFF"/>
                 </a:solidFill>
@@ -1318,7 +1318,7 @@
             </a:ln>
             <a:extLst>
               <a:ext uri="{91240B29-F687-4f45-9708-019B960494DF}">
-                <a14:hiddenLine xmlns="" xmlns:a14="http://schemas.microsoft.com/office/drawing/2010/main" w="9525">
+                <a14:hiddenLine xmlns:a14="http://schemas.microsoft.com/office/drawing/2010/main" xmlns="" w="9525">
                   <a:solidFill>
                     <a:srgbClr val="000000"/>
                   </a:solidFill>
@@ -1408,7 +1408,7 @@
             </a:ln>
             <a:extLst>
               <a:ext uri="{91240B29-F687-4f45-9708-019B960494DF}">
-                <a14:hiddenLine xmlns="" xmlns:a14="http://schemas.microsoft.com/office/drawing/2010/main" w="9525">
+                <a14:hiddenLine xmlns:a14="http://schemas.microsoft.com/office/drawing/2010/main" xmlns="" w="9525">
                   <a:solidFill>
                     <a:srgbClr val="000000"/>
                   </a:solidFill>
@@ -1498,7 +1498,7 @@
             </a:ln>
             <a:extLst>
               <a:ext uri="{91240B29-F687-4f45-9708-019B960494DF}">
-                <a14:hiddenLine xmlns="" xmlns:a14="http://schemas.microsoft.com/office/drawing/2010/main" w="9525">
+                <a14:hiddenLine xmlns:a14="http://schemas.microsoft.com/office/drawing/2010/main" xmlns="" w="9525">
                   <a:solidFill>
                     <a:srgbClr val="000000"/>
                   </a:solidFill>
@@ -1532,7 +1532,7 @@
             </a:ln>
             <a:extLst>
               <a:ext uri="{91240B29-F687-4f45-9708-019B960494DF}">
-                <a14:hiddenLine xmlns="" xmlns:a14="http://schemas.microsoft.com/office/drawing/2010/main" w="9525">
+                <a14:hiddenLine xmlns:a14="http://schemas.microsoft.com/office/drawing/2010/main" xmlns="" w="9525">
                   <a:solidFill>
                     <a:srgbClr val="000000"/>
                   </a:solidFill>
@@ -1622,7 +1622,7 @@
             </a:ln>
             <a:extLst>
               <a:ext uri="{91240B29-F687-4f45-9708-019B960494DF}">
-                <a14:hiddenLine xmlns="" xmlns:a14="http://schemas.microsoft.com/office/drawing/2010/main" w="9525">
+                <a14:hiddenLine xmlns:a14="http://schemas.microsoft.com/office/drawing/2010/main" xmlns="" w="9525">
                   <a:solidFill>
                     <a:srgbClr val="000000"/>
                   </a:solidFill>
@@ -1684,7 +1684,7 @@
             </a:ln>
             <a:extLst>
               <a:ext uri="{91240B29-F687-4f45-9708-019B960494DF}">
-                <a14:hiddenLine xmlns="" xmlns:a14="http://schemas.microsoft.com/office/drawing/2010/main" w="9525">
+                <a14:hiddenLine xmlns:a14="http://schemas.microsoft.com/office/drawing/2010/main" xmlns="" w="9525">
                   <a:solidFill>
                     <a:srgbClr val="000000"/>
                   </a:solidFill>
@@ -1746,7 +1746,7 @@
             </a:ln>
             <a:extLst>
               <a:ext uri="{91240B29-F687-4f45-9708-019B960494DF}">
-                <a14:hiddenLine xmlns="" xmlns:a14="http://schemas.microsoft.com/office/drawing/2010/main" w="9525">
+                <a14:hiddenLine xmlns:a14="http://schemas.microsoft.com/office/drawing/2010/main" xmlns="" w="9525">
                   <a:solidFill>
                     <a:srgbClr val="000000"/>
                   </a:solidFill>
@@ -1836,7 +1836,7 @@
             </a:ln>
             <a:extLst>
               <a:ext uri="{91240B29-F687-4f45-9708-019B960494DF}">
-                <a14:hiddenLine xmlns="" xmlns:a14="http://schemas.microsoft.com/office/drawing/2010/main" w="9525">
+                <a14:hiddenLine xmlns:a14="http://schemas.microsoft.com/office/drawing/2010/main" xmlns="" w="9525">
                   <a:solidFill>
                     <a:srgbClr val="000000"/>
                   </a:solidFill>
@@ -1898,7 +1898,7 @@
             </a:ln>
             <a:extLst>
               <a:ext uri="{91240B29-F687-4f45-9708-019B960494DF}">
-                <a14:hiddenLine xmlns="" xmlns:a14="http://schemas.microsoft.com/office/drawing/2010/main" w="9525">
+                <a14:hiddenLine xmlns:a14="http://schemas.microsoft.com/office/drawing/2010/main" xmlns="" w="9525">
                   <a:solidFill>
                     <a:srgbClr val="000000"/>
                   </a:solidFill>
@@ -1960,7 +1960,7 @@
             </a:ln>
             <a:extLst>
               <a:ext uri="{91240B29-F687-4f45-9708-019B960494DF}">
-                <a14:hiddenLine xmlns="" xmlns:a14="http://schemas.microsoft.com/office/drawing/2010/main" w="9525">
+                <a14:hiddenLine xmlns:a14="http://schemas.microsoft.com/office/drawing/2010/main" xmlns="" w="9525">
                   <a:solidFill>
                     <a:srgbClr val="000000"/>
                   </a:solidFill>
@@ -2050,7 +2050,7 @@
             </a:ln>
             <a:extLst>
               <a:ext uri="{91240B29-F687-4f45-9708-019B960494DF}">
-                <a14:hiddenLine xmlns="" xmlns:a14="http://schemas.microsoft.com/office/drawing/2010/main" w="9525">
+                <a14:hiddenLine xmlns:a14="http://schemas.microsoft.com/office/drawing/2010/main" xmlns="" w="9525">
                   <a:solidFill>
                     <a:srgbClr val="000000"/>
                   </a:solidFill>
@@ -2140,7 +2140,7 @@
             </a:ln>
             <a:extLst>
               <a:ext uri="{91240B29-F687-4f45-9708-019B960494DF}">
-                <a14:hiddenLine xmlns="" xmlns:a14="http://schemas.microsoft.com/office/drawing/2010/main" w="9525">
+                <a14:hiddenLine xmlns:a14="http://schemas.microsoft.com/office/drawing/2010/main" xmlns="" w="9525">
                   <a:solidFill>
                     <a:srgbClr val="000000"/>
                   </a:solidFill>
@@ -2202,7 +2202,7 @@
             </a:ln>
             <a:extLst>
               <a:ext uri="{91240B29-F687-4f45-9708-019B960494DF}">
-                <a14:hiddenLine xmlns="" xmlns:a14="http://schemas.microsoft.com/office/drawing/2010/main" w="9525">
+                <a14:hiddenLine xmlns:a14="http://schemas.microsoft.com/office/drawing/2010/main" xmlns="" w="9525">
                   <a:solidFill>
                     <a:srgbClr val="000000"/>
                   </a:solidFill>
@@ -2312,7 +2312,7 @@
             </a:ln>
             <a:extLst>
               <a:ext uri="{91240B29-F687-4f45-9708-019B960494DF}">
-                <a14:hiddenLine xmlns="" xmlns:a14="http://schemas.microsoft.com/office/drawing/2010/main" w="9525">
+                <a14:hiddenLine xmlns:a14="http://schemas.microsoft.com/office/drawing/2010/main" xmlns="" w="9525">
                   <a:solidFill>
                     <a:srgbClr val="000000"/>
                   </a:solidFill>
@@ -2374,7 +2374,7 @@
             </a:ln>
             <a:extLst>
               <a:ext uri="{91240B29-F687-4f45-9708-019B960494DF}">
-                <a14:hiddenLine xmlns="" xmlns:a14="http://schemas.microsoft.com/office/drawing/2010/main" w="9525">
+                <a14:hiddenLine xmlns:a14="http://schemas.microsoft.com/office/drawing/2010/main" xmlns="" w="9525">
                   <a:solidFill>
                     <a:srgbClr val="000000"/>
                   </a:solidFill>
@@ -2464,7 +2464,7 @@
             </a:ln>
             <a:extLst>
               <a:ext uri="{91240B29-F687-4f45-9708-019B960494DF}">
-                <a14:hiddenLine xmlns="" xmlns:a14="http://schemas.microsoft.com/office/drawing/2010/main" w="9525">
+                <a14:hiddenLine xmlns:a14="http://schemas.microsoft.com/office/drawing/2010/main" xmlns="" w="9525">
                   <a:solidFill>
                     <a:srgbClr val="000000"/>
                   </a:solidFill>
@@ -2554,7 +2554,7 @@
             </a:ln>
             <a:extLst>
               <a:ext uri="{91240B29-F687-4f45-9708-019B960494DF}">
-                <a14:hiddenLine xmlns="" xmlns:a14="http://schemas.microsoft.com/office/drawing/2010/main" w="9525">
+                <a14:hiddenLine xmlns:a14="http://schemas.microsoft.com/office/drawing/2010/main" xmlns="" w="9525">
                   <a:solidFill>
                     <a:srgbClr val="000000"/>
                   </a:solidFill>
@@ -2616,7 +2616,7 @@
             </a:ln>
             <a:extLst>
               <a:ext uri="{91240B29-F687-4f45-9708-019B960494DF}">
-                <a14:hiddenLine xmlns="" xmlns:a14="http://schemas.microsoft.com/office/drawing/2010/main" w="9525">
+                <a14:hiddenLine xmlns:a14="http://schemas.microsoft.com/office/drawing/2010/main" xmlns="" w="9525">
                   <a:solidFill>
                     <a:srgbClr val="000000"/>
                   </a:solidFill>
@@ -2706,7 +2706,7 @@
             </a:ln>
             <a:extLst>
               <a:ext uri="{91240B29-F687-4f45-9708-019B960494DF}">
-                <a14:hiddenLine xmlns="" xmlns:a14="http://schemas.microsoft.com/office/drawing/2010/main" w="9525">
+                <a14:hiddenLine xmlns:a14="http://schemas.microsoft.com/office/drawing/2010/main" xmlns="" w="9525">
                   <a:solidFill>
                     <a:srgbClr val="000000"/>
                   </a:solidFill>
@@ -2796,7 +2796,7 @@
             </a:ln>
             <a:extLst>
               <a:ext uri="{91240B29-F687-4f45-9708-019B960494DF}">
-                <a14:hiddenLine xmlns="" xmlns:a14="http://schemas.microsoft.com/office/drawing/2010/main" w="9525">
+                <a14:hiddenLine xmlns:a14="http://schemas.microsoft.com/office/drawing/2010/main" xmlns="" w="9525">
                   <a:solidFill>
                     <a:srgbClr val="000000"/>
                   </a:solidFill>
@@ -2852,7 +2852,7 @@
             </a:ln>
             <a:extLst>
               <a:ext uri="{91240B29-F687-4f45-9708-019B960494DF}">
-                <a14:hiddenLine xmlns="" xmlns:a14="http://schemas.microsoft.com/office/drawing/2010/main" w="9525">
+                <a14:hiddenLine xmlns:a14="http://schemas.microsoft.com/office/drawing/2010/main" xmlns="" w="9525">
                   <a:solidFill>
                     <a:srgbClr val="000000"/>
                   </a:solidFill>
@@ -2942,7 +2942,7 @@
             </a:ln>
             <a:extLst>
               <a:ext uri="{91240B29-F687-4f45-9708-019B960494DF}">
-                <a14:hiddenLine xmlns="" xmlns:a14="http://schemas.microsoft.com/office/drawing/2010/main" w="9525">
+                <a14:hiddenLine xmlns:a14="http://schemas.microsoft.com/office/drawing/2010/main" xmlns="" w="9525">
                   <a:solidFill>
                     <a:srgbClr val="000000"/>
                   </a:solidFill>
@@ -2998,7 +2998,7 @@
             </a:ln>
             <a:extLst>
               <a:ext uri="{91240B29-F687-4f45-9708-019B960494DF}">
-                <a14:hiddenLine xmlns="" xmlns:a14="http://schemas.microsoft.com/office/drawing/2010/main" w="9525">
+                <a14:hiddenLine xmlns:a14="http://schemas.microsoft.com/office/drawing/2010/main" xmlns="" w="9525">
                   <a:solidFill>
                     <a:srgbClr val="000000"/>
                   </a:solidFill>
@@ -3088,7 +3088,7 @@
             </a:ln>
             <a:extLst>
               <a:ext uri="{91240B29-F687-4f45-9708-019B960494DF}">
-                <a14:hiddenLine xmlns="" xmlns:a14="http://schemas.microsoft.com/office/drawing/2010/main" w="9525">
+                <a14:hiddenLine xmlns:a14="http://schemas.microsoft.com/office/drawing/2010/main" xmlns="" w="9525">
                   <a:solidFill>
                     <a:srgbClr val="000000"/>
                   </a:solidFill>
@@ -3156,7 +3156,7 @@
             </a:ln>
             <a:extLst>
               <a:ext uri="{91240B29-F687-4f45-9708-019B960494DF}">
-                <a14:hiddenLine xmlns="" xmlns:a14="http://schemas.microsoft.com/office/drawing/2010/main" w="9525">
+                <a14:hiddenLine xmlns:a14="http://schemas.microsoft.com/office/drawing/2010/main" xmlns="" w="9525">
                   <a:solidFill>
                     <a:srgbClr val="000000"/>
                   </a:solidFill>
@@ -3246,7 +3246,7 @@
             </a:ln>
             <a:extLst>
               <a:ext uri="{91240B29-F687-4f45-9708-019B960494DF}">
-                <a14:hiddenLine xmlns="" xmlns:a14="http://schemas.microsoft.com/office/drawing/2010/main" w="9525">
+                <a14:hiddenLine xmlns:a14="http://schemas.microsoft.com/office/drawing/2010/main" xmlns="" w="9525">
                   <a:solidFill>
                     <a:srgbClr val="000000"/>
                   </a:solidFill>
@@ -3314,7 +3314,7 @@
             </a:ln>
             <a:extLst>
               <a:ext uri="{91240B29-F687-4f45-9708-019B960494DF}">
-                <a14:hiddenLine xmlns="" xmlns:a14="http://schemas.microsoft.com/office/drawing/2010/main" w="9525">
+                <a14:hiddenLine xmlns:a14="http://schemas.microsoft.com/office/drawing/2010/main" xmlns="" w="9525">
                   <a:solidFill>
                     <a:srgbClr val="000000"/>
                   </a:solidFill>
@@ -3404,7 +3404,7 @@
             </a:ln>
             <a:extLst>
               <a:ext uri="{91240B29-F687-4f45-9708-019B960494DF}">
-                <a14:hiddenLine xmlns="" xmlns:a14="http://schemas.microsoft.com/office/drawing/2010/main" w="9525">
+                <a14:hiddenLine xmlns:a14="http://schemas.microsoft.com/office/drawing/2010/main" xmlns="" w="9525">
                   <a:solidFill>
                     <a:srgbClr val="000000"/>
                   </a:solidFill>
@@ -3438,7 +3438,7 @@
             </a:ln>
             <a:extLst>
               <a:ext uri="{91240B29-F687-4f45-9708-019B960494DF}">
-                <a14:hiddenLine xmlns="" xmlns:a14="http://schemas.microsoft.com/office/drawing/2010/main" w="9525">
+                <a14:hiddenLine xmlns:a14="http://schemas.microsoft.com/office/drawing/2010/main" xmlns="" w="9525">
                   <a:solidFill>
                     <a:srgbClr val="000000"/>
                   </a:solidFill>
@@ -3528,7 +3528,7 @@
             </a:ln>
             <a:extLst>
               <a:ext uri="{91240B29-F687-4f45-9708-019B960494DF}">
-                <a14:hiddenLine xmlns="" xmlns:a14="http://schemas.microsoft.com/office/drawing/2010/main" w="9525">
+                <a14:hiddenLine xmlns:a14="http://schemas.microsoft.com/office/drawing/2010/main" xmlns="" w="9525">
                   <a:solidFill>
                     <a:srgbClr val="000000"/>
                   </a:solidFill>
@@ -3590,7 +3590,7 @@
             </a:ln>
             <a:extLst>
               <a:ext uri="{91240B29-F687-4f45-9708-019B960494DF}">
-                <a14:hiddenLine xmlns="" xmlns:a14="http://schemas.microsoft.com/office/drawing/2010/main" w="9525">
+                <a14:hiddenLine xmlns:a14="http://schemas.microsoft.com/office/drawing/2010/main" xmlns="" w="9525">
                   <a:solidFill>
                     <a:srgbClr val="000000"/>
                   </a:solidFill>
@@ -3652,7 +3652,7 @@
             </a:ln>
             <a:extLst>
               <a:ext uri="{91240B29-F687-4f45-9708-019B960494DF}">
-                <a14:hiddenLine xmlns="" xmlns:a14="http://schemas.microsoft.com/office/drawing/2010/main" w="9525">
+                <a14:hiddenLine xmlns:a14="http://schemas.microsoft.com/office/drawing/2010/main" xmlns="" w="9525">
                   <a:solidFill>
                     <a:srgbClr val="000000"/>
                   </a:solidFill>
@@ -3742,7 +3742,7 @@
             </a:ln>
             <a:extLst>
               <a:ext uri="{91240B29-F687-4f45-9708-019B960494DF}">
-                <a14:hiddenLine xmlns="" xmlns:a14="http://schemas.microsoft.com/office/drawing/2010/main" w="9525">
+                <a14:hiddenLine xmlns:a14="http://schemas.microsoft.com/office/drawing/2010/main" xmlns="" w="9525">
                   <a:solidFill>
                     <a:srgbClr val="000000"/>
                   </a:solidFill>
@@ -3810,7 +3810,7 @@
             </a:ln>
             <a:extLst>
               <a:ext uri="{91240B29-F687-4f45-9708-019B960494DF}">
-                <a14:hiddenLine xmlns="" xmlns:a14="http://schemas.microsoft.com/office/drawing/2010/main" w="9525">
+                <a14:hiddenLine xmlns:a14="http://schemas.microsoft.com/office/drawing/2010/main" xmlns="" w="9525">
                   <a:solidFill>
                     <a:srgbClr val="000000"/>
                   </a:solidFill>
@@ -3872,7 +3872,7 @@
             </a:ln>
             <a:extLst>
               <a:ext uri="{91240B29-F687-4f45-9708-019B960494DF}">
-                <a14:hiddenLine xmlns="" xmlns:a14="http://schemas.microsoft.com/office/drawing/2010/main" w="9525">
+                <a14:hiddenLine xmlns:a14="http://schemas.microsoft.com/office/drawing/2010/main" xmlns="" w="9525">
                   <a:solidFill>
                     <a:srgbClr val="000000"/>
                   </a:solidFill>
@@ -3962,7 +3962,7 @@
             </a:ln>
             <a:extLst>
               <a:ext uri="{91240B29-F687-4f45-9708-019B960494DF}">
-                <a14:hiddenLine xmlns="" xmlns:a14="http://schemas.microsoft.com/office/drawing/2010/main" w="9525">
+                <a14:hiddenLine xmlns:a14="http://schemas.microsoft.com/office/drawing/2010/main" xmlns="" w="9525">
                   <a:solidFill>
                     <a:srgbClr val="000000"/>
                   </a:solidFill>
@@ -4024,7 +4024,7 @@
             </a:ln>
             <a:extLst>
               <a:ext uri="{91240B29-F687-4f45-9708-019B960494DF}">
-                <a14:hiddenLine xmlns="" xmlns:a14="http://schemas.microsoft.com/office/drawing/2010/main" w="9525">
+                <a14:hiddenLine xmlns:a14="http://schemas.microsoft.com/office/drawing/2010/main" xmlns="" w="9525">
                   <a:solidFill>
                     <a:srgbClr val="000000"/>
                   </a:solidFill>
@@ -4114,7 +4114,7 @@
             </a:ln>
             <a:extLst>
               <a:ext uri="{91240B29-F687-4f45-9708-019B960494DF}">
-                <a14:hiddenLine xmlns="" xmlns:a14="http://schemas.microsoft.com/office/drawing/2010/main" w="9525">
+                <a14:hiddenLine xmlns:a14="http://schemas.microsoft.com/office/drawing/2010/main" xmlns="" w="9525">
                   <a:solidFill>
                     <a:srgbClr val="000000"/>
                   </a:solidFill>
@@ -4176,7 +4176,7 @@
             </a:ln>
             <a:extLst>
               <a:ext uri="{91240B29-F687-4f45-9708-019B960494DF}">
-                <a14:hiddenLine xmlns="" xmlns:a14="http://schemas.microsoft.com/office/drawing/2010/main" w="9525">
+                <a14:hiddenLine xmlns:a14="http://schemas.microsoft.com/office/drawing/2010/main" xmlns="" w="9525">
                   <a:solidFill>
                     <a:srgbClr val="000000"/>
                   </a:solidFill>
@@ -4266,7 +4266,7 @@
             </a:ln>
             <a:extLst>
               <a:ext uri="{91240B29-F687-4f45-9708-019B960494DF}">
-                <a14:hiddenLine xmlns="" xmlns:a14="http://schemas.microsoft.com/office/drawing/2010/main" w="9525">
+                <a14:hiddenLine xmlns:a14="http://schemas.microsoft.com/office/drawing/2010/main" xmlns="" w="9525">
                   <a:solidFill>
                     <a:srgbClr val="000000"/>
                   </a:solidFill>
@@ -4300,7 +4300,7 @@
             </a:ln>
             <a:extLst>
               <a:ext uri="{91240B29-F687-4f45-9708-019B960494DF}">
-                <a14:hiddenLine xmlns="" xmlns:a14="http://schemas.microsoft.com/office/drawing/2010/main" w="9525">
+                <a14:hiddenLine xmlns:a14="http://schemas.microsoft.com/office/drawing/2010/main" xmlns="" w="9525">
                   <a:solidFill>
                     <a:srgbClr val="000000"/>
                   </a:solidFill>
@@ -4365,7 +4365,7 @@
             </a:ln>
             <a:extLst>
               <a:ext uri="{91240B29-F687-4f45-9708-019B960494DF}">
-                <a14:hiddenLine xmlns="" xmlns:a14="http://schemas.microsoft.com/office/drawing/2010/main" w="9525">
+                <a14:hiddenLine xmlns:a14="http://schemas.microsoft.com/office/drawing/2010/main" xmlns="" w="9525">
                   <a:solidFill>
                     <a:srgbClr val="000000"/>
                   </a:solidFill>
@@ -4455,7 +4455,7 @@
             </a:ln>
             <a:extLst>
               <a:ext uri="{91240B29-F687-4f45-9708-019B960494DF}">
-                <a14:hiddenLine xmlns="" xmlns:a14="http://schemas.microsoft.com/office/drawing/2010/main" w="9525">
+                <a14:hiddenLine xmlns:a14="http://schemas.microsoft.com/office/drawing/2010/main" xmlns="" w="9525">
                   <a:solidFill>
                     <a:srgbClr val="000000"/>
                   </a:solidFill>
@@ -4517,7 +4517,7 @@
             </a:ln>
             <a:extLst>
               <a:ext uri="{91240B29-F687-4f45-9708-019B960494DF}">
-                <a14:hiddenLine xmlns="" xmlns:a14="http://schemas.microsoft.com/office/drawing/2010/main" w="9525">
+                <a14:hiddenLine xmlns:a14="http://schemas.microsoft.com/office/drawing/2010/main" xmlns="" w="9525">
                   <a:solidFill>
                     <a:srgbClr val="000000"/>
                   </a:solidFill>
@@ -4607,7 +4607,7 @@
             </a:ln>
             <a:extLst>
               <a:ext uri="{91240B29-F687-4f45-9708-019B960494DF}">
-                <a14:hiddenLine xmlns="" xmlns:a14="http://schemas.microsoft.com/office/drawing/2010/main" w="9525">
+                <a14:hiddenLine xmlns:a14="http://schemas.microsoft.com/office/drawing/2010/main" xmlns="" w="9525">
                   <a:solidFill>
                     <a:srgbClr val="000000"/>
                   </a:solidFill>
@@ -4697,7 +4697,7 @@
             </a:ln>
             <a:extLst>
               <a:ext uri="{91240B29-F687-4f45-9708-019B960494DF}">
-                <a14:hiddenLine xmlns="" xmlns:a14="http://schemas.microsoft.com/office/drawing/2010/main" w="9525">
+                <a14:hiddenLine xmlns:a14="http://schemas.microsoft.com/office/drawing/2010/main" xmlns="" w="9525">
                   <a:solidFill>
                     <a:srgbClr val="000000"/>
                   </a:solidFill>
@@ -4762,7 +4762,7 @@
             </a:ln>
             <a:extLst>
               <a:ext uri="{91240B29-F687-4f45-9708-019B960494DF}">
-                <a14:hiddenLine xmlns="" xmlns:a14="http://schemas.microsoft.com/office/drawing/2010/main" w="9525">
+                <a14:hiddenLine xmlns:a14="http://schemas.microsoft.com/office/drawing/2010/main" xmlns="" w="9525">
                   <a:solidFill>
                     <a:srgbClr val="000000"/>
                   </a:solidFill>
@@ -4824,7 +4824,7 @@
             </a:ln>
             <a:extLst>
               <a:ext uri="{91240B29-F687-4f45-9708-019B960494DF}">
-                <a14:hiddenLine xmlns="" xmlns:a14="http://schemas.microsoft.com/office/drawing/2010/main" w="9525">
+                <a14:hiddenLine xmlns:a14="http://schemas.microsoft.com/office/drawing/2010/main" xmlns="" w="9525">
                   <a:solidFill>
                     <a:srgbClr val="000000"/>
                   </a:solidFill>
@@ -4914,7 +4914,7 @@
             </a:ln>
             <a:extLst>
               <a:ext uri="{91240B29-F687-4f45-9708-019B960494DF}">
-                <a14:hiddenLine xmlns="" xmlns:a14="http://schemas.microsoft.com/office/drawing/2010/main" w="9525">
+                <a14:hiddenLine xmlns:a14="http://schemas.microsoft.com/office/drawing/2010/main" xmlns="" w="9525">
                   <a:solidFill>
                     <a:srgbClr val="000000"/>
                   </a:solidFill>
@@ -5004,7 +5004,7 @@
             </a:ln>
             <a:extLst>
               <a:ext uri="{91240B29-F687-4f45-9708-019B960494DF}">
-                <a14:hiddenLine xmlns="" xmlns:a14="http://schemas.microsoft.com/office/drawing/2010/main" w="9525">
+                <a14:hiddenLine xmlns:a14="http://schemas.microsoft.com/office/drawing/2010/main" xmlns="" w="9525">
                   <a:solidFill>
                     <a:srgbClr val="000000"/>
                   </a:solidFill>
@@ -5066,7 +5066,7 @@
             </a:ln>
             <a:extLst>
               <a:ext uri="{91240B29-F687-4f45-9708-019B960494DF}">
-                <a14:hiddenLine xmlns="" xmlns:a14="http://schemas.microsoft.com/office/drawing/2010/main" w="9525">
+                <a14:hiddenLine xmlns:a14="http://schemas.microsoft.com/office/drawing/2010/main" xmlns="" w="9525">
                   <a:solidFill>
                     <a:srgbClr val="000000"/>
                   </a:solidFill>
@@ -5186,7 +5186,7 @@
             </a:ln>
             <a:extLst>
               <a:ext uri="{91240B29-F687-4f45-9708-019B960494DF}">
-                <a14:hiddenLine xmlns="" xmlns:a14="http://schemas.microsoft.com/office/drawing/2010/main" w="9525">
+                <a14:hiddenLine xmlns:a14="http://schemas.microsoft.com/office/drawing/2010/main" xmlns="" w="9525">
                   <a:solidFill>
                     <a:srgbClr val="000000"/>
                   </a:solidFill>
@@ -5254,7 +5254,7 @@
             </a:ln>
             <a:extLst>
               <a:ext uri="{91240B29-F687-4f45-9708-019B960494DF}">
-                <a14:hiddenLine xmlns="" xmlns:a14="http://schemas.microsoft.com/office/drawing/2010/main" w="9525">
+                <a14:hiddenLine xmlns:a14="http://schemas.microsoft.com/office/drawing/2010/main" xmlns="" w="9525">
                   <a:solidFill>
                     <a:srgbClr val="000000"/>
                   </a:solidFill>
@@ -5344,7 +5344,7 @@
             </a:ln>
             <a:extLst>
               <a:ext uri="{91240B29-F687-4f45-9708-019B960494DF}">
-                <a14:hiddenLine xmlns="" xmlns:a14="http://schemas.microsoft.com/office/drawing/2010/main" w="9525">
+                <a14:hiddenLine xmlns:a14="http://schemas.microsoft.com/office/drawing/2010/main" xmlns="" w="9525">
                   <a:solidFill>
                     <a:srgbClr val="000000"/>
                   </a:solidFill>
@@ -10151,7 +10151,7 @@
           <a:noFill/>
           <a:extLst>
             <a:ext uri="{909E8E84-426E-40dd-AFC4-6F175D3DCCD1}">
-              <a14:hiddenFill xmlns="" xmlns:a14="http://schemas.microsoft.com/office/drawing/2010/main">
+              <a14:hiddenFill xmlns:a14="http://schemas.microsoft.com/office/drawing/2010/main" xmlns="">
                 <a:solidFill>
                   <a:srgbClr val="FFFFFF"/>
                 </a:solidFill>
@@ -10225,7 +10225,7 @@
               </a:ln>
               <a:extLst>
                 <a:ext uri="{91240B29-F687-4f45-9708-019B960494DF}">
-                  <a14:hiddenLine xmlns="" xmlns:a14="http://schemas.microsoft.com/office/drawing/2010/main" w="9525">
+                  <a14:hiddenLine xmlns:a14="http://schemas.microsoft.com/office/drawing/2010/main" xmlns="" w="9525">
                     <a:solidFill>
                       <a:srgbClr val="000000"/>
                     </a:solidFill>
@@ -10315,7 +10315,7 @@
               </a:ln>
               <a:extLst>
                 <a:ext uri="{91240B29-F687-4f45-9708-019B960494DF}">
-                  <a14:hiddenLine xmlns="" xmlns:a14="http://schemas.microsoft.com/office/drawing/2010/main" w="9525">
+                  <a14:hiddenLine xmlns:a14="http://schemas.microsoft.com/office/drawing/2010/main" xmlns="" w="9525">
                     <a:solidFill>
                       <a:srgbClr val="000000"/>
                     </a:solidFill>
@@ -10405,7 +10405,7 @@
               </a:ln>
               <a:extLst>
                 <a:ext uri="{91240B29-F687-4f45-9708-019B960494DF}">
-                  <a14:hiddenLine xmlns="" xmlns:a14="http://schemas.microsoft.com/office/drawing/2010/main" w="9525">
+                  <a14:hiddenLine xmlns:a14="http://schemas.microsoft.com/office/drawing/2010/main" xmlns="" w="9525">
                     <a:solidFill>
                       <a:srgbClr val="000000"/>
                     </a:solidFill>
@@ -10467,7 +10467,7 @@
               </a:ln>
               <a:extLst>
                 <a:ext uri="{91240B29-F687-4f45-9708-019B960494DF}">
-                  <a14:hiddenLine xmlns="" xmlns:a14="http://schemas.microsoft.com/office/drawing/2010/main" w="9525">
+                  <a14:hiddenLine xmlns:a14="http://schemas.microsoft.com/office/drawing/2010/main" xmlns="" w="9525">
                     <a:solidFill>
                       <a:srgbClr val="000000"/>
                     </a:solidFill>
@@ -10557,7 +10557,7 @@
               </a:ln>
               <a:extLst>
                 <a:ext uri="{91240B29-F687-4f45-9708-019B960494DF}">
-                  <a14:hiddenLine xmlns="" xmlns:a14="http://schemas.microsoft.com/office/drawing/2010/main" w="9525">
+                  <a14:hiddenLine xmlns:a14="http://schemas.microsoft.com/office/drawing/2010/main" xmlns="" w="9525">
                     <a:solidFill>
                       <a:srgbClr val="000000"/>
                     </a:solidFill>
@@ -10619,7 +10619,7 @@
               </a:ln>
               <a:extLst>
                 <a:ext uri="{91240B29-F687-4f45-9708-019B960494DF}">
-                  <a14:hiddenLine xmlns="" xmlns:a14="http://schemas.microsoft.com/office/drawing/2010/main" w="9525">
+                  <a14:hiddenLine xmlns:a14="http://schemas.microsoft.com/office/drawing/2010/main" xmlns="" w="9525">
                     <a:solidFill>
                       <a:srgbClr val="000000"/>
                     </a:solidFill>
@@ -10681,7 +10681,7 @@
               </a:ln>
               <a:extLst>
                 <a:ext uri="{91240B29-F687-4f45-9708-019B960494DF}">
-                  <a14:hiddenLine xmlns="" xmlns:a14="http://schemas.microsoft.com/office/drawing/2010/main" w="9525">
+                  <a14:hiddenLine xmlns:a14="http://schemas.microsoft.com/office/drawing/2010/main" xmlns="" w="9525">
                     <a:solidFill>
                       <a:srgbClr val="000000"/>
                     </a:solidFill>
@@ -10771,7 +10771,7 @@
               </a:ln>
               <a:extLst>
                 <a:ext uri="{91240B29-F687-4f45-9708-019B960494DF}">
-                  <a14:hiddenLine xmlns="" xmlns:a14="http://schemas.microsoft.com/office/drawing/2010/main" w="9525">
+                  <a14:hiddenLine xmlns:a14="http://schemas.microsoft.com/office/drawing/2010/main" xmlns="" w="9525">
                     <a:solidFill>
                       <a:srgbClr val="000000"/>
                     </a:solidFill>
@@ -10861,7 +10861,7 @@
               </a:ln>
               <a:extLst>
                 <a:ext uri="{91240B29-F687-4f45-9708-019B960494DF}">
-                  <a14:hiddenLine xmlns="" xmlns:a14="http://schemas.microsoft.com/office/drawing/2010/main" w="9525">
+                  <a14:hiddenLine xmlns:a14="http://schemas.microsoft.com/office/drawing/2010/main" xmlns="" w="9525">
                     <a:solidFill>
                       <a:srgbClr val="000000"/>
                     </a:solidFill>
@@ -10923,7 +10923,7 @@
               </a:ln>
               <a:extLst>
                 <a:ext uri="{91240B29-F687-4f45-9708-019B960494DF}">
-                  <a14:hiddenLine xmlns="" xmlns:a14="http://schemas.microsoft.com/office/drawing/2010/main" w="9525">
+                  <a14:hiddenLine xmlns:a14="http://schemas.microsoft.com/office/drawing/2010/main" xmlns="" w="9525">
                     <a:solidFill>
                       <a:srgbClr val="000000"/>
                     </a:solidFill>
@@ -11033,7 +11033,7 @@
               </a:ln>
               <a:extLst>
                 <a:ext uri="{91240B29-F687-4f45-9708-019B960494DF}">
-                  <a14:hiddenLine xmlns="" xmlns:a14="http://schemas.microsoft.com/office/drawing/2010/main" w="9525">
+                  <a14:hiddenLine xmlns:a14="http://schemas.microsoft.com/office/drawing/2010/main" xmlns="" w="9525">
                     <a:solidFill>
                       <a:srgbClr val="000000"/>
                     </a:solidFill>
@@ -11117,7 +11117,7 @@
               </a:ln>
               <a:extLst>
                 <a:ext uri="{91240B29-F687-4f45-9708-019B960494DF}">
-                  <a14:hiddenLine xmlns="" xmlns:a14="http://schemas.microsoft.com/office/drawing/2010/main" w="9525">
+                  <a14:hiddenLine xmlns:a14="http://schemas.microsoft.com/office/drawing/2010/main" xmlns="" w="9525">
                     <a:solidFill>
                       <a:srgbClr val="000000"/>
                     </a:solidFill>
@@ -11179,7 +11179,7 @@
               </a:ln>
               <a:extLst>
                 <a:ext uri="{91240B29-F687-4f45-9708-019B960494DF}">
-                  <a14:hiddenLine xmlns="" xmlns:a14="http://schemas.microsoft.com/office/drawing/2010/main" w="9525">
+                  <a14:hiddenLine xmlns:a14="http://schemas.microsoft.com/office/drawing/2010/main" xmlns="" w="9525">
                     <a:solidFill>
                       <a:srgbClr val="000000"/>
                     </a:solidFill>
@@ -11241,7 +11241,7 @@
               </a:ln>
               <a:extLst>
                 <a:ext uri="{91240B29-F687-4f45-9708-019B960494DF}">
-                  <a14:hiddenLine xmlns="" xmlns:a14="http://schemas.microsoft.com/office/drawing/2010/main" w="9525">
+                  <a14:hiddenLine xmlns:a14="http://schemas.microsoft.com/office/drawing/2010/main" xmlns="" w="9525">
                     <a:solidFill>
                       <a:srgbClr val="000000"/>
                     </a:solidFill>
@@ -11331,7 +11331,7 @@
               </a:ln>
               <a:extLst>
                 <a:ext uri="{91240B29-F687-4f45-9708-019B960494DF}">
-                  <a14:hiddenLine xmlns="" xmlns:a14="http://schemas.microsoft.com/office/drawing/2010/main" w="9525">
+                  <a14:hiddenLine xmlns:a14="http://schemas.microsoft.com/office/drawing/2010/main" xmlns="" w="9525">
                     <a:solidFill>
                       <a:srgbClr val="000000"/>
                     </a:solidFill>
@@ -11365,7 +11365,7 @@
               </a:ln>
               <a:extLst>
                 <a:ext uri="{91240B29-F687-4f45-9708-019B960494DF}">
-                  <a14:hiddenLine xmlns="" xmlns:a14="http://schemas.microsoft.com/office/drawing/2010/main" w="9525">
+                  <a14:hiddenLine xmlns:a14="http://schemas.microsoft.com/office/drawing/2010/main" xmlns="" w="9525">
                     <a:solidFill>
                       <a:srgbClr val="000000"/>
                     </a:solidFill>
@@ -11430,7 +11430,7 @@
               </a:ln>
               <a:extLst>
                 <a:ext uri="{91240B29-F687-4f45-9708-019B960494DF}">
-                  <a14:hiddenLine xmlns="" xmlns:a14="http://schemas.microsoft.com/office/drawing/2010/main" w="9525">
+                  <a14:hiddenLine xmlns:a14="http://schemas.microsoft.com/office/drawing/2010/main" xmlns="" w="9525">
                     <a:solidFill>
                       <a:srgbClr val="000000"/>
                     </a:solidFill>
@@ -11520,7 +11520,7 @@
               </a:ln>
               <a:extLst>
                 <a:ext uri="{91240B29-F687-4f45-9708-019B960494DF}">
-                  <a14:hiddenLine xmlns="" xmlns:a14="http://schemas.microsoft.com/office/drawing/2010/main" w="9525">
+                  <a14:hiddenLine xmlns:a14="http://schemas.microsoft.com/office/drawing/2010/main" xmlns="" w="9525">
                     <a:solidFill>
                       <a:srgbClr val="000000"/>
                     </a:solidFill>
@@ -11582,7 +11582,7 @@
               </a:ln>
               <a:extLst>
                 <a:ext uri="{91240B29-F687-4f45-9708-019B960494DF}">
-                  <a14:hiddenLine xmlns="" xmlns:a14="http://schemas.microsoft.com/office/drawing/2010/main" w="9525">
+                  <a14:hiddenLine xmlns:a14="http://schemas.microsoft.com/office/drawing/2010/main" xmlns="" w="9525">
                     <a:solidFill>
                       <a:srgbClr val="000000"/>
                     </a:solidFill>
@@ -11672,7 +11672,7 @@
               </a:ln>
               <a:extLst>
                 <a:ext uri="{91240B29-F687-4f45-9708-019B960494DF}">
-                  <a14:hiddenLine xmlns="" xmlns:a14="http://schemas.microsoft.com/office/drawing/2010/main" w="9525">
+                  <a14:hiddenLine xmlns:a14="http://schemas.microsoft.com/office/drawing/2010/main" xmlns="" w="9525">
                     <a:solidFill>
                       <a:srgbClr val="000000"/>
                     </a:solidFill>
@@ -11737,7 +11737,7 @@
               </a:ln>
               <a:extLst>
                 <a:ext uri="{91240B29-F687-4f45-9708-019B960494DF}">
-                  <a14:hiddenLine xmlns="" xmlns:a14="http://schemas.microsoft.com/office/drawing/2010/main" w="9525">
+                  <a14:hiddenLine xmlns:a14="http://schemas.microsoft.com/office/drawing/2010/main" xmlns="" w="9525">
                     <a:solidFill>
                       <a:srgbClr val="000000"/>
                     </a:solidFill>
@@ -11799,7 +11799,7 @@
               </a:ln>
               <a:extLst>
                 <a:ext uri="{91240B29-F687-4f45-9708-019B960494DF}">
-                  <a14:hiddenLine xmlns="" xmlns:a14="http://schemas.microsoft.com/office/drawing/2010/main" w="9525">
+                  <a14:hiddenLine xmlns:a14="http://schemas.microsoft.com/office/drawing/2010/main" xmlns="" w="9525">
                     <a:solidFill>
                       <a:srgbClr val="000000"/>
                     </a:solidFill>
@@ -11889,7 +11889,7 @@
               </a:ln>
               <a:extLst>
                 <a:ext uri="{91240B29-F687-4f45-9708-019B960494DF}">
-                  <a14:hiddenLine xmlns="" xmlns:a14="http://schemas.microsoft.com/office/drawing/2010/main" w="9525">
+                  <a14:hiddenLine xmlns:a14="http://schemas.microsoft.com/office/drawing/2010/main" xmlns="" w="9525">
                     <a:solidFill>
                       <a:srgbClr val="000000"/>
                     </a:solidFill>
@@ -11979,7 +11979,7 @@
               </a:ln>
               <a:extLst>
                 <a:ext uri="{91240B29-F687-4f45-9708-019B960494DF}">
-                  <a14:hiddenLine xmlns="" xmlns:a14="http://schemas.microsoft.com/office/drawing/2010/main" w="9525">
+                  <a14:hiddenLine xmlns:a14="http://schemas.microsoft.com/office/drawing/2010/main" xmlns="" w="9525">
                     <a:solidFill>
                       <a:srgbClr val="000000"/>
                     </a:solidFill>
@@ -12044,7 +12044,7 @@
               </a:ln>
               <a:extLst>
                 <a:ext uri="{91240B29-F687-4f45-9708-019B960494DF}">
-                  <a14:hiddenLine xmlns="" xmlns:a14="http://schemas.microsoft.com/office/drawing/2010/main" w="9525">
+                  <a14:hiddenLine xmlns:a14="http://schemas.microsoft.com/office/drawing/2010/main" xmlns="" w="9525">
                     <a:solidFill>
                       <a:srgbClr val="000000"/>
                     </a:solidFill>
@@ -12164,7 +12164,7 @@
               </a:ln>
               <a:extLst>
                 <a:ext uri="{91240B29-F687-4f45-9708-019B960494DF}">
-                  <a14:hiddenLine xmlns="" xmlns:a14="http://schemas.microsoft.com/office/drawing/2010/main" w="9525">
+                  <a14:hiddenLine xmlns:a14="http://schemas.microsoft.com/office/drawing/2010/main" xmlns="" w="9525">
                     <a:solidFill>
                       <a:srgbClr val="000000"/>
                     </a:solidFill>
@@ -12262,7 +12262,7 @@
               </a:ln>
               <a:extLst>
                 <a:ext uri="{91240B29-F687-4f45-9708-019B960494DF}">
-                  <a14:hiddenLine xmlns="" xmlns:a14="http://schemas.microsoft.com/office/drawing/2010/main" w="9525">
+                  <a14:hiddenLine xmlns:a14="http://schemas.microsoft.com/office/drawing/2010/main" xmlns="" w="9525">
                     <a:solidFill>
                       <a:srgbClr val="000000"/>
                     </a:solidFill>
@@ -12377,7 +12377,7 @@
               </a:ln>
               <a:extLst>
                 <a:ext uri="{91240B29-F687-4f45-9708-019B960494DF}">
-                  <a14:hiddenLine xmlns="" xmlns:a14="http://schemas.microsoft.com/office/drawing/2010/main" w="9525">
+                  <a14:hiddenLine xmlns:a14="http://schemas.microsoft.com/office/drawing/2010/main" xmlns="" w="9525">
                     <a:solidFill>
                       <a:srgbClr val="000000"/>
                     </a:solidFill>
@@ -12467,7 +12467,7 @@
               </a:ln>
               <a:extLst>
                 <a:ext uri="{91240B29-F687-4f45-9708-019B960494DF}">
-                  <a14:hiddenLine xmlns="" xmlns:a14="http://schemas.microsoft.com/office/drawing/2010/main" w="9525">
+                  <a14:hiddenLine xmlns:a14="http://schemas.microsoft.com/office/drawing/2010/main" xmlns="" w="9525">
                     <a:solidFill>
                       <a:srgbClr val="000000"/>
                     </a:solidFill>
@@ -12532,7 +12532,7 @@
               </a:ln>
               <a:extLst>
                 <a:ext uri="{91240B29-F687-4f45-9708-019B960494DF}">
-                  <a14:hiddenLine xmlns="" xmlns:a14="http://schemas.microsoft.com/office/drawing/2010/main" w="9525">
+                  <a14:hiddenLine xmlns:a14="http://schemas.microsoft.com/office/drawing/2010/main" xmlns="" w="9525">
                     <a:solidFill>
                       <a:srgbClr val="000000"/>
                     </a:solidFill>
@@ -12622,7 +12622,7 @@
               </a:ln>
               <a:extLst>
                 <a:ext uri="{91240B29-F687-4f45-9708-019B960494DF}">
-                  <a14:hiddenLine xmlns="" xmlns:a14="http://schemas.microsoft.com/office/drawing/2010/main" w="9525">
+                  <a14:hiddenLine xmlns:a14="http://schemas.microsoft.com/office/drawing/2010/main" xmlns="" w="9525">
                     <a:solidFill>
                       <a:srgbClr val="000000"/>
                     </a:solidFill>
@@ -12690,7 +12690,7 @@
               </a:ln>
               <a:extLst>
                 <a:ext uri="{91240B29-F687-4f45-9708-019B960494DF}">
-                  <a14:hiddenLine xmlns="" xmlns:a14="http://schemas.microsoft.com/office/drawing/2010/main" w="9525">
+                  <a14:hiddenLine xmlns:a14="http://schemas.microsoft.com/office/drawing/2010/main" xmlns="" w="9525">
                     <a:solidFill>
                       <a:srgbClr val="000000"/>
                     </a:solidFill>
@@ -12780,7 +12780,7 @@
               </a:ln>
               <a:extLst>
                 <a:ext uri="{91240B29-F687-4f45-9708-019B960494DF}">
-                  <a14:hiddenLine xmlns="" xmlns:a14="http://schemas.microsoft.com/office/drawing/2010/main" w="9525">
+                  <a14:hiddenLine xmlns:a14="http://schemas.microsoft.com/office/drawing/2010/main" xmlns="" w="9525">
                     <a:solidFill>
                       <a:srgbClr val="000000"/>
                     </a:solidFill>
@@ -12848,7 +12848,7 @@
               </a:ln>
               <a:extLst>
                 <a:ext uri="{91240B29-F687-4f45-9708-019B960494DF}">
-                  <a14:hiddenLine xmlns="" xmlns:a14="http://schemas.microsoft.com/office/drawing/2010/main" w="9525">
+                  <a14:hiddenLine xmlns:a14="http://schemas.microsoft.com/office/drawing/2010/main" xmlns="" w="9525">
                     <a:solidFill>
                       <a:srgbClr val="000000"/>
                     </a:solidFill>
@@ -12938,7 +12938,7 @@
               </a:ln>
               <a:extLst>
                 <a:ext uri="{91240B29-F687-4f45-9708-019B960494DF}">
-                  <a14:hiddenLine xmlns="" xmlns:a14="http://schemas.microsoft.com/office/drawing/2010/main" w="9525">
+                  <a14:hiddenLine xmlns:a14="http://schemas.microsoft.com/office/drawing/2010/main" xmlns="" w="9525">
                     <a:solidFill>
                       <a:srgbClr val="000000"/>
                     </a:solidFill>
@@ -12972,7 +12972,7 @@
               </a:ln>
               <a:extLst>
                 <a:ext uri="{91240B29-F687-4f45-9708-019B960494DF}">
-                  <a14:hiddenLine xmlns="" xmlns:a14="http://schemas.microsoft.com/office/drawing/2010/main" w="9525">
+                  <a14:hiddenLine xmlns:a14="http://schemas.microsoft.com/office/drawing/2010/main" xmlns="" w="9525">
                     <a:solidFill>
                       <a:srgbClr val="000000"/>
                     </a:solidFill>
@@ -13760,7 +13760,7 @@
             </a:ln>
             <a:extLst>
               <a:ext uri="{91240B29-F687-4f45-9708-019B960494DF}">
-                <a14:hiddenLine xmlns:a14="http://schemas.microsoft.com/office/drawing/2010/main" xmlns:p14="http://schemas.microsoft.com/office/powerpoint/2010/main" xmlns:a16="http://schemas.microsoft.com/office/drawing/2014/main" xmlns="" w="9525">
+                <a14:hiddenLine xmlns="" xmlns:a16="http://schemas.microsoft.com/office/drawing/2014/main" xmlns:p14="http://schemas.microsoft.com/office/powerpoint/2010/main" xmlns:a14="http://schemas.microsoft.com/office/drawing/2010/main" w="9525">
                   <a:solidFill>
                     <a:srgbClr val="000000"/>
                   </a:solidFill>
@@ -13865,7 +13865,7 @@
             </a:ln>
             <a:extLst>
               <a:ext uri="{91240B29-F687-4f45-9708-019B960494DF}">
-                <a14:hiddenLine xmlns:a14="http://schemas.microsoft.com/office/drawing/2010/main" xmlns:p14="http://schemas.microsoft.com/office/powerpoint/2010/main" xmlns:a16="http://schemas.microsoft.com/office/drawing/2014/main" xmlns="" w="9525">
+                <a14:hiddenLine xmlns="" xmlns:a16="http://schemas.microsoft.com/office/drawing/2014/main" xmlns:p14="http://schemas.microsoft.com/office/powerpoint/2010/main" xmlns:a14="http://schemas.microsoft.com/office/drawing/2010/main" w="9525">
                   <a:solidFill>
                     <a:srgbClr val="000000"/>
                   </a:solidFill>
@@ -13970,7 +13970,7 @@
             </a:ln>
             <a:extLst>
               <a:ext uri="{91240B29-F687-4f45-9708-019B960494DF}">
-                <a14:hiddenLine xmlns:a14="http://schemas.microsoft.com/office/drawing/2010/main" xmlns:p14="http://schemas.microsoft.com/office/powerpoint/2010/main" xmlns:a16="http://schemas.microsoft.com/office/drawing/2014/main" xmlns="" w="9525">
+                <a14:hiddenLine xmlns="" xmlns:a16="http://schemas.microsoft.com/office/drawing/2014/main" xmlns:p14="http://schemas.microsoft.com/office/powerpoint/2010/main" xmlns:a14="http://schemas.microsoft.com/office/drawing/2010/main" w="9525">
                   <a:solidFill>
                     <a:srgbClr val="000000"/>
                   </a:solidFill>
@@ -14019,7 +14019,7 @@
             </a:ln>
             <a:extLst>
               <a:ext uri="{91240B29-F687-4f45-9708-019B960494DF}">
-                <a14:hiddenLine xmlns:a14="http://schemas.microsoft.com/office/drawing/2010/main" xmlns:p14="http://schemas.microsoft.com/office/powerpoint/2010/main" xmlns:a16="http://schemas.microsoft.com/office/drawing/2014/main" xmlns="" w="9525">
+                <a14:hiddenLine xmlns="" xmlns:a16="http://schemas.microsoft.com/office/drawing/2014/main" xmlns:p14="http://schemas.microsoft.com/office/powerpoint/2010/main" xmlns:a14="http://schemas.microsoft.com/office/drawing/2010/main" w="9525">
                   <a:solidFill>
                     <a:srgbClr val="000000"/>
                   </a:solidFill>
@@ -14124,7 +14124,7 @@
             </a:ln>
             <a:extLst>
               <a:ext uri="{91240B29-F687-4f45-9708-019B960494DF}">
-                <a14:hiddenLine xmlns:a14="http://schemas.microsoft.com/office/drawing/2010/main" xmlns:p14="http://schemas.microsoft.com/office/powerpoint/2010/main" xmlns:a16="http://schemas.microsoft.com/office/drawing/2014/main" xmlns="" w="9525">
+                <a14:hiddenLine xmlns="" xmlns:a16="http://schemas.microsoft.com/office/drawing/2014/main" xmlns:p14="http://schemas.microsoft.com/office/powerpoint/2010/main" xmlns:a14="http://schemas.microsoft.com/office/drawing/2010/main" w="9525">
                   <a:solidFill>
                     <a:srgbClr val="000000"/>
                   </a:solidFill>
@@ -14201,7 +14201,7 @@
             </a:ln>
             <a:extLst>
               <a:ext uri="{91240B29-F687-4f45-9708-019B960494DF}">
-                <a14:hiddenLine xmlns:a14="http://schemas.microsoft.com/office/drawing/2010/main" xmlns:p14="http://schemas.microsoft.com/office/powerpoint/2010/main" xmlns:a16="http://schemas.microsoft.com/office/drawing/2014/main" xmlns="" w="9525">
+                <a14:hiddenLine xmlns="" xmlns:a16="http://schemas.microsoft.com/office/drawing/2014/main" xmlns:p14="http://schemas.microsoft.com/office/powerpoint/2010/main" xmlns:a14="http://schemas.microsoft.com/office/drawing/2010/main" w="9525">
                   <a:solidFill>
                     <a:srgbClr val="000000"/>
                   </a:solidFill>
@@ -14278,7 +14278,7 @@
             </a:ln>
             <a:extLst>
               <a:ext uri="{91240B29-F687-4f45-9708-019B960494DF}">
-                <a14:hiddenLine xmlns:a14="http://schemas.microsoft.com/office/drawing/2010/main" xmlns:p14="http://schemas.microsoft.com/office/powerpoint/2010/main" xmlns:a16="http://schemas.microsoft.com/office/drawing/2014/main" xmlns="" w="9525">
+                <a14:hiddenLine xmlns="" xmlns:a16="http://schemas.microsoft.com/office/drawing/2014/main" xmlns:p14="http://schemas.microsoft.com/office/powerpoint/2010/main" xmlns:a14="http://schemas.microsoft.com/office/drawing/2010/main" w="9525">
                   <a:solidFill>
                     <a:srgbClr val="000000"/>
                   </a:solidFill>
@@ -14383,7 +14383,7 @@
             </a:ln>
             <a:extLst>
               <a:ext uri="{91240B29-F687-4f45-9708-019B960494DF}">
-                <a14:hiddenLine xmlns:a14="http://schemas.microsoft.com/office/drawing/2010/main" xmlns:p14="http://schemas.microsoft.com/office/powerpoint/2010/main" xmlns:a16="http://schemas.microsoft.com/office/drawing/2014/main" xmlns="" w="9525">
+                <a14:hiddenLine xmlns="" xmlns:a16="http://schemas.microsoft.com/office/drawing/2014/main" xmlns:p14="http://schemas.microsoft.com/office/powerpoint/2010/main" xmlns:a14="http://schemas.microsoft.com/office/drawing/2010/main" w="9525">
                   <a:solidFill>
                     <a:srgbClr val="000000"/>
                   </a:solidFill>
@@ -14460,7 +14460,7 @@
             </a:ln>
             <a:extLst>
               <a:ext uri="{91240B29-F687-4f45-9708-019B960494DF}">
-                <a14:hiddenLine xmlns:a14="http://schemas.microsoft.com/office/drawing/2010/main" xmlns:p14="http://schemas.microsoft.com/office/powerpoint/2010/main" xmlns:a16="http://schemas.microsoft.com/office/drawing/2014/main" xmlns="" w="9525">
+                <a14:hiddenLine xmlns="" xmlns:a16="http://schemas.microsoft.com/office/drawing/2014/main" xmlns:p14="http://schemas.microsoft.com/office/powerpoint/2010/main" xmlns:a14="http://schemas.microsoft.com/office/drawing/2010/main" w="9525">
                   <a:solidFill>
                     <a:srgbClr val="000000"/>
                   </a:solidFill>
@@ -14537,7 +14537,7 @@
             </a:ln>
             <a:extLst>
               <a:ext uri="{91240B29-F687-4f45-9708-019B960494DF}">
-                <a14:hiddenLine xmlns:a14="http://schemas.microsoft.com/office/drawing/2010/main" xmlns:p14="http://schemas.microsoft.com/office/powerpoint/2010/main" xmlns:a16="http://schemas.microsoft.com/office/drawing/2014/main" xmlns="" w="9525">
+                <a14:hiddenLine xmlns="" xmlns:a16="http://schemas.microsoft.com/office/drawing/2014/main" xmlns:p14="http://schemas.microsoft.com/office/powerpoint/2010/main" xmlns:a14="http://schemas.microsoft.com/office/drawing/2010/main" w="9525">
                   <a:solidFill>
                     <a:srgbClr val="000000"/>
                   </a:solidFill>
@@ -14642,7 +14642,7 @@
             </a:ln>
             <a:extLst>
               <a:ext uri="{91240B29-F687-4f45-9708-019B960494DF}">
-                <a14:hiddenLine xmlns:a14="http://schemas.microsoft.com/office/drawing/2010/main" xmlns:p14="http://schemas.microsoft.com/office/powerpoint/2010/main" xmlns:a16="http://schemas.microsoft.com/office/drawing/2014/main" xmlns="" w="9525">
+                <a14:hiddenLine xmlns="" xmlns:a16="http://schemas.microsoft.com/office/drawing/2014/main" xmlns:p14="http://schemas.microsoft.com/office/powerpoint/2010/main" xmlns:a14="http://schemas.microsoft.com/office/drawing/2010/main" w="9525">
                   <a:solidFill>
                     <a:srgbClr val="000000"/>
                   </a:solidFill>
@@ -14747,7 +14747,7 @@
             </a:ln>
             <a:extLst>
               <a:ext uri="{91240B29-F687-4f45-9708-019B960494DF}">
-                <a14:hiddenLine xmlns:a14="http://schemas.microsoft.com/office/drawing/2010/main" xmlns:p14="http://schemas.microsoft.com/office/powerpoint/2010/main" xmlns:a16="http://schemas.microsoft.com/office/drawing/2014/main" xmlns="" w="9525">
+                <a14:hiddenLine xmlns="" xmlns:a16="http://schemas.microsoft.com/office/drawing/2014/main" xmlns:p14="http://schemas.microsoft.com/office/powerpoint/2010/main" xmlns:a14="http://schemas.microsoft.com/office/drawing/2010/main" w="9525">
                   <a:solidFill>
                     <a:srgbClr val="000000"/>
                   </a:solidFill>
@@ -14824,7 +14824,7 @@
             </a:ln>
             <a:extLst>
               <a:ext uri="{91240B29-F687-4f45-9708-019B960494DF}">
-                <a14:hiddenLine xmlns:a14="http://schemas.microsoft.com/office/drawing/2010/main" xmlns:p14="http://schemas.microsoft.com/office/powerpoint/2010/main" xmlns:a16="http://schemas.microsoft.com/office/drawing/2014/main" xmlns="" w="9525">
+                <a14:hiddenLine xmlns="" xmlns:a16="http://schemas.microsoft.com/office/drawing/2014/main" xmlns:p14="http://schemas.microsoft.com/office/powerpoint/2010/main" xmlns:a14="http://schemas.microsoft.com/office/drawing/2010/main" w="9525">
                   <a:solidFill>
                     <a:srgbClr val="000000"/>
                   </a:solidFill>
@@ -14949,7 +14949,7 @@
             </a:ln>
             <a:extLst>
               <a:ext uri="{91240B29-F687-4f45-9708-019B960494DF}">
-                <a14:hiddenLine xmlns:a14="http://schemas.microsoft.com/office/drawing/2010/main" xmlns:p14="http://schemas.microsoft.com/office/powerpoint/2010/main" xmlns:a16="http://schemas.microsoft.com/office/drawing/2014/main" xmlns="" w="9525">
+                <a14:hiddenLine xmlns="" xmlns:a16="http://schemas.microsoft.com/office/drawing/2014/main" xmlns:p14="http://schemas.microsoft.com/office/powerpoint/2010/main" xmlns:a14="http://schemas.microsoft.com/office/drawing/2010/main" w="9525">
                   <a:solidFill>
                     <a:srgbClr val="000000"/>
                   </a:solidFill>
@@ -15026,7 +15026,7 @@
             </a:ln>
             <a:extLst>
               <a:ext uri="{91240B29-F687-4f45-9708-019B960494DF}">
-                <a14:hiddenLine xmlns:a14="http://schemas.microsoft.com/office/drawing/2010/main" xmlns:p14="http://schemas.microsoft.com/office/powerpoint/2010/main" xmlns:a16="http://schemas.microsoft.com/office/drawing/2014/main" xmlns="" w="9525">
+                <a14:hiddenLine xmlns="" xmlns:a16="http://schemas.microsoft.com/office/drawing/2014/main" xmlns:p14="http://schemas.microsoft.com/office/powerpoint/2010/main" xmlns:a14="http://schemas.microsoft.com/office/drawing/2010/main" w="9525">
                   <a:solidFill>
                     <a:srgbClr val="000000"/>
                   </a:solidFill>
@@ -15131,7 +15131,7 @@
             </a:ln>
             <a:extLst>
               <a:ext uri="{91240B29-F687-4f45-9708-019B960494DF}">
-                <a14:hiddenLine xmlns:a14="http://schemas.microsoft.com/office/drawing/2010/main" xmlns:p14="http://schemas.microsoft.com/office/powerpoint/2010/main" xmlns:a16="http://schemas.microsoft.com/office/drawing/2014/main" xmlns="" w="9525">
+                <a14:hiddenLine xmlns="" xmlns:a16="http://schemas.microsoft.com/office/drawing/2014/main" xmlns:p14="http://schemas.microsoft.com/office/powerpoint/2010/main" xmlns:a14="http://schemas.microsoft.com/office/drawing/2010/main" w="9525">
                   <a:solidFill>
                     <a:srgbClr val="000000"/>
                   </a:solidFill>
@@ -15236,7 +15236,7 @@
             </a:ln>
             <a:extLst>
               <a:ext uri="{91240B29-F687-4f45-9708-019B960494DF}">
-                <a14:hiddenLine xmlns:a14="http://schemas.microsoft.com/office/drawing/2010/main" xmlns:p14="http://schemas.microsoft.com/office/powerpoint/2010/main" xmlns:a16="http://schemas.microsoft.com/office/drawing/2014/main" xmlns="" w="9525">
+                <a14:hiddenLine xmlns="" xmlns:a16="http://schemas.microsoft.com/office/drawing/2014/main" xmlns:p14="http://schemas.microsoft.com/office/powerpoint/2010/main" xmlns:a14="http://schemas.microsoft.com/office/drawing/2010/main" w="9525">
                   <a:solidFill>
                     <a:srgbClr val="000000"/>
                   </a:solidFill>
@@ -15313,7 +15313,7 @@
             </a:ln>
             <a:extLst>
               <a:ext uri="{91240B29-F687-4f45-9708-019B960494DF}">
-                <a14:hiddenLine xmlns:a14="http://schemas.microsoft.com/office/drawing/2010/main" xmlns:p14="http://schemas.microsoft.com/office/powerpoint/2010/main" xmlns:a16="http://schemas.microsoft.com/office/drawing/2014/main" xmlns="" w="9525">
+                <a14:hiddenLine xmlns="" xmlns:a16="http://schemas.microsoft.com/office/drawing/2014/main" xmlns:p14="http://schemas.microsoft.com/office/powerpoint/2010/main" xmlns:a14="http://schemas.microsoft.com/office/drawing/2010/main" w="9525">
                   <a:solidFill>
                     <a:srgbClr val="000000"/>
                   </a:solidFill>
@@ -15418,7 +15418,7 @@
             </a:ln>
             <a:extLst>
               <a:ext uri="{91240B29-F687-4f45-9708-019B960494DF}">
-                <a14:hiddenLine xmlns:a14="http://schemas.microsoft.com/office/drawing/2010/main" xmlns:p14="http://schemas.microsoft.com/office/powerpoint/2010/main" xmlns:a16="http://schemas.microsoft.com/office/drawing/2014/main" xmlns="" w="9525">
+                <a14:hiddenLine xmlns="" xmlns:a16="http://schemas.microsoft.com/office/drawing/2014/main" xmlns:p14="http://schemas.microsoft.com/office/powerpoint/2010/main" xmlns:a14="http://schemas.microsoft.com/office/drawing/2010/main" w="9525">
                   <a:solidFill>
                     <a:srgbClr val="000000"/>
                   </a:solidFill>
@@ -15523,7 +15523,7 @@
             </a:ln>
             <a:extLst>
               <a:ext uri="{91240B29-F687-4f45-9708-019B960494DF}">
-                <a14:hiddenLine xmlns:a14="http://schemas.microsoft.com/office/drawing/2010/main" xmlns:p14="http://schemas.microsoft.com/office/powerpoint/2010/main" xmlns:a16="http://schemas.microsoft.com/office/drawing/2014/main" xmlns="" w="9525">
+                <a14:hiddenLine xmlns="" xmlns:a16="http://schemas.microsoft.com/office/drawing/2014/main" xmlns:p14="http://schemas.microsoft.com/office/powerpoint/2010/main" xmlns:a14="http://schemas.microsoft.com/office/drawing/2010/main" w="9525">
                   <a:solidFill>
                     <a:srgbClr val="000000"/>
                   </a:solidFill>
@@ -15594,7 +15594,7 @@
             </a:ln>
             <a:extLst>
               <a:ext uri="{91240B29-F687-4f45-9708-019B960494DF}">
-                <a14:hiddenLine xmlns:a14="http://schemas.microsoft.com/office/drawing/2010/main" xmlns:p14="http://schemas.microsoft.com/office/powerpoint/2010/main" xmlns:a16="http://schemas.microsoft.com/office/drawing/2014/main" xmlns="" w="9525">
+                <a14:hiddenLine xmlns="" xmlns:a16="http://schemas.microsoft.com/office/drawing/2014/main" xmlns:p14="http://schemas.microsoft.com/office/powerpoint/2010/main" xmlns:a14="http://schemas.microsoft.com/office/drawing/2010/main" w="9525">
                   <a:solidFill>
                     <a:srgbClr val="000000"/>
                   </a:solidFill>
@@ -15699,7 +15699,7 @@
             </a:ln>
             <a:extLst>
               <a:ext uri="{91240B29-F687-4f45-9708-019B960494DF}">
-                <a14:hiddenLine xmlns:a14="http://schemas.microsoft.com/office/drawing/2010/main" xmlns:p14="http://schemas.microsoft.com/office/powerpoint/2010/main" xmlns:a16="http://schemas.microsoft.com/office/drawing/2014/main" xmlns="" w="9525">
+                <a14:hiddenLine xmlns="" xmlns:a16="http://schemas.microsoft.com/office/drawing/2014/main" xmlns:p14="http://schemas.microsoft.com/office/powerpoint/2010/main" xmlns:a14="http://schemas.microsoft.com/office/drawing/2010/main" w="9525">
                   <a:solidFill>
                     <a:srgbClr val="000000"/>
                   </a:solidFill>
@@ -15770,7 +15770,7 @@
             </a:ln>
             <a:extLst>
               <a:ext uri="{91240B29-F687-4f45-9708-019B960494DF}">
-                <a14:hiddenLine xmlns:a14="http://schemas.microsoft.com/office/drawing/2010/main" xmlns:p14="http://schemas.microsoft.com/office/powerpoint/2010/main" xmlns:a16="http://schemas.microsoft.com/office/drawing/2014/main" xmlns="" w="9525">
+                <a14:hiddenLine xmlns="" xmlns:a16="http://schemas.microsoft.com/office/drawing/2014/main" xmlns:p14="http://schemas.microsoft.com/office/powerpoint/2010/main" xmlns:a14="http://schemas.microsoft.com/office/drawing/2010/main" w="9525">
                   <a:solidFill>
                     <a:srgbClr val="000000"/>
                   </a:solidFill>
@@ -15875,7 +15875,7 @@
             </a:ln>
             <a:extLst>
               <a:ext uri="{91240B29-F687-4f45-9708-019B960494DF}">
-                <a14:hiddenLine xmlns:a14="http://schemas.microsoft.com/office/drawing/2010/main" xmlns:p14="http://schemas.microsoft.com/office/powerpoint/2010/main" xmlns:a16="http://schemas.microsoft.com/office/drawing/2014/main" xmlns="" w="9525">
+                <a14:hiddenLine xmlns="" xmlns:a16="http://schemas.microsoft.com/office/drawing/2014/main" xmlns:p14="http://schemas.microsoft.com/office/powerpoint/2010/main" xmlns:a14="http://schemas.microsoft.com/office/drawing/2010/main" w="9525">
                   <a:solidFill>
                     <a:srgbClr val="000000"/>
                   </a:solidFill>
@@ -15958,7 +15958,7 @@
             </a:ln>
             <a:extLst>
               <a:ext uri="{91240B29-F687-4f45-9708-019B960494DF}">
-                <a14:hiddenLine xmlns:a14="http://schemas.microsoft.com/office/drawing/2010/main" xmlns:p14="http://schemas.microsoft.com/office/powerpoint/2010/main" xmlns:a16="http://schemas.microsoft.com/office/drawing/2014/main" xmlns="" w="9525">
+                <a14:hiddenLine xmlns="" xmlns:a16="http://schemas.microsoft.com/office/drawing/2014/main" xmlns:p14="http://schemas.microsoft.com/office/powerpoint/2010/main" xmlns:a14="http://schemas.microsoft.com/office/drawing/2010/main" w="9525">
                   <a:solidFill>
                     <a:srgbClr val="000000"/>
                   </a:solidFill>
@@ -16063,7 +16063,7 @@
             </a:ln>
             <a:extLst>
               <a:ext uri="{91240B29-F687-4f45-9708-019B960494DF}">
-                <a14:hiddenLine xmlns:a14="http://schemas.microsoft.com/office/drawing/2010/main" xmlns:p14="http://schemas.microsoft.com/office/powerpoint/2010/main" xmlns:a16="http://schemas.microsoft.com/office/drawing/2014/main" xmlns="" w="9525">
+                <a14:hiddenLine xmlns="" xmlns:a16="http://schemas.microsoft.com/office/drawing/2014/main" xmlns:p14="http://schemas.microsoft.com/office/powerpoint/2010/main" xmlns:a14="http://schemas.microsoft.com/office/drawing/2010/main" w="9525">
                   <a:solidFill>
                     <a:srgbClr val="000000"/>
                   </a:solidFill>
@@ -16146,7 +16146,7 @@
             </a:ln>
             <a:extLst>
               <a:ext uri="{91240B29-F687-4f45-9708-019B960494DF}">
-                <a14:hiddenLine xmlns:a14="http://schemas.microsoft.com/office/drawing/2010/main" xmlns:p14="http://schemas.microsoft.com/office/powerpoint/2010/main" xmlns:a16="http://schemas.microsoft.com/office/drawing/2014/main" xmlns="" w="9525">
+                <a14:hiddenLine xmlns="" xmlns:a16="http://schemas.microsoft.com/office/drawing/2014/main" xmlns:p14="http://schemas.microsoft.com/office/powerpoint/2010/main" xmlns:a14="http://schemas.microsoft.com/office/drawing/2010/main" w="9525">
                   <a:solidFill>
                     <a:srgbClr val="000000"/>
                   </a:solidFill>
@@ -16251,7 +16251,7 @@
             </a:ln>
             <a:extLst>
               <a:ext uri="{91240B29-F687-4f45-9708-019B960494DF}">
-                <a14:hiddenLine xmlns:a14="http://schemas.microsoft.com/office/drawing/2010/main" xmlns:p14="http://schemas.microsoft.com/office/powerpoint/2010/main" xmlns:a16="http://schemas.microsoft.com/office/drawing/2014/main" xmlns="" w="9525">
+                <a14:hiddenLine xmlns="" xmlns:a16="http://schemas.microsoft.com/office/drawing/2014/main" xmlns:p14="http://schemas.microsoft.com/office/powerpoint/2010/main" xmlns:a14="http://schemas.microsoft.com/office/drawing/2010/main" w="9525">
                   <a:solidFill>
                     <a:srgbClr val="000000"/>
                   </a:solidFill>
@@ -16300,7 +16300,7 @@
             </a:ln>
             <a:extLst>
               <a:ext uri="{91240B29-F687-4f45-9708-019B960494DF}">
-                <a14:hiddenLine xmlns:a14="http://schemas.microsoft.com/office/drawing/2010/main" xmlns:p14="http://schemas.microsoft.com/office/powerpoint/2010/main" xmlns:a16="http://schemas.microsoft.com/office/drawing/2014/main" xmlns="" w="9525">
+                <a14:hiddenLine xmlns="" xmlns:a16="http://schemas.microsoft.com/office/drawing/2014/main" xmlns:p14="http://schemas.microsoft.com/office/powerpoint/2010/main" xmlns:a14="http://schemas.microsoft.com/office/drawing/2010/main" w="9525">
                   <a:solidFill>
                     <a:srgbClr val="000000"/>
                   </a:solidFill>
@@ -16405,7 +16405,7 @@
             </a:ln>
             <a:extLst>
               <a:ext uri="{91240B29-F687-4f45-9708-019B960494DF}">
-                <a14:hiddenLine xmlns:a14="http://schemas.microsoft.com/office/drawing/2010/main" xmlns:p14="http://schemas.microsoft.com/office/powerpoint/2010/main" xmlns:a16="http://schemas.microsoft.com/office/drawing/2014/main" xmlns="" w="9525">
+                <a14:hiddenLine xmlns="" xmlns:a16="http://schemas.microsoft.com/office/drawing/2014/main" xmlns:p14="http://schemas.microsoft.com/office/powerpoint/2010/main" xmlns:a14="http://schemas.microsoft.com/office/drawing/2010/main" w="9525">
                   <a:solidFill>
                     <a:srgbClr val="000000"/>
                   </a:solidFill>
@@ -16482,7 +16482,7 @@
             </a:ln>
             <a:extLst>
               <a:ext uri="{91240B29-F687-4f45-9708-019B960494DF}">
-                <a14:hiddenLine xmlns:a14="http://schemas.microsoft.com/office/drawing/2010/main" xmlns:p14="http://schemas.microsoft.com/office/powerpoint/2010/main" xmlns:a16="http://schemas.microsoft.com/office/drawing/2014/main" xmlns="" w="9525">
+                <a14:hiddenLine xmlns="" xmlns:a16="http://schemas.microsoft.com/office/drawing/2014/main" xmlns:p14="http://schemas.microsoft.com/office/powerpoint/2010/main" xmlns:a14="http://schemas.microsoft.com/office/drawing/2010/main" w="9525">
                   <a:solidFill>
                     <a:srgbClr val="000000"/>
                   </a:solidFill>
@@ -16559,7 +16559,7 @@
             </a:ln>
             <a:extLst>
               <a:ext uri="{91240B29-F687-4f45-9708-019B960494DF}">
-                <a14:hiddenLine xmlns:a14="http://schemas.microsoft.com/office/drawing/2010/main" xmlns:p14="http://schemas.microsoft.com/office/powerpoint/2010/main" xmlns:a16="http://schemas.microsoft.com/office/drawing/2014/main" xmlns="" w="9525">
+                <a14:hiddenLine xmlns="" xmlns:a16="http://schemas.microsoft.com/office/drawing/2014/main" xmlns:p14="http://schemas.microsoft.com/office/powerpoint/2010/main" xmlns:a14="http://schemas.microsoft.com/office/drawing/2010/main" w="9525">
                   <a:solidFill>
                     <a:srgbClr val="000000"/>
                   </a:solidFill>
@@ -16664,7 +16664,7 @@
             </a:ln>
             <a:extLst>
               <a:ext uri="{91240B29-F687-4f45-9708-019B960494DF}">
-                <a14:hiddenLine xmlns:a14="http://schemas.microsoft.com/office/drawing/2010/main" xmlns:p14="http://schemas.microsoft.com/office/powerpoint/2010/main" xmlns:a16="http://schemas.microsoft.com/office/drawing/2014/main" xmlns="" w="9525">
+                <a14:hiddenLine xmlns="" xmlns:a16="http://schemas.microsoft.com/office/drawing/2014/main" xmlns:p14="http://schemas.microsoft.com/office/powerpoint/2010/main" xmlns:a14="http://schemas.microsoft.com/office/drawing/2010/main" w="9525">
                   <a:solidFill>
                     <a:srgbClr val="000000"/>
                   </a:solidFill>
@@ -16747,7 +16747,7 @@
             </a:ln>
             <a:extLst>
               <a:ext uri="{91240B29-F687-4f45-9708-019B960494DF}">
-                <a14:hiddenLine xmlns:a14="http://schemas.microsoft.com/office/drawing/2010/main" xmlns:p14="http://schemas.microsoft.com/office/powerpoint/2010/main" xmlns:a16="http://schemas.microsoft.com/office/drawing/2014/main" xmlns="" w="9525">
+                <a14:hiddenLine xmlns="" xmlns:a16="http://schemas.microsoft.com/office/drawing/2014/main" xmlns:p14="http://schemas.microsoft.com/office/powerpoint/2010/main" xmlns:a14="http://schemas.microsoft.com/office/drawing/2010/main" w="9525">
                   <a:solidFill>
                     <a:srgbClr val="000000"/>
                   </a:solidFill>
@@ -16824,7 +16824,7 @@
             </a:ln>
             <a:extLst>
               <a:ext uri="{91240B29-F687-4f45-9708-019B960494DF}">
-                <a14:hiddenLine xmlns:a14="http://schemas.microsoft.com/office/drawing/2010/main" xmlns:p14="http://schemas.microsoft.com/office/powerpoint/2010/main" xmlns:a16="http://schemas.microsoft.com/office/drawing/2014/main" xmlns="" w="9525">
+                <a14:hiddenLine xmlns="" xmlns:a16="http://schemas.microsoft.com/office/drawing/2014/main" xmlns:p14="http://schemas.microsoft.com/office/powerpoint/2010/main" xmlns:a14="http://schemas.microsoft.com/office/drawing/2010/main" w="9525">
                   <a:solidFill>
                     <a:srgbClr val="000000"/>
                   </a:solidFill>
@@ -16929,7 +16929,7 @@
             </a:ln>
             <a:extLst>
               <a:ext uri="{91240B29-F687-4f45-9708-019B960494DF}">
-                <a14:hiddenLine xmlns:a14="http://schemas.microsoft.com/office/drawing/2010/main" xmlns:p14="http://schemas.microsoft.com/office/powerpoint/2010/main" xmlns:a16="http://schemas.microsoft.com/office/drawing/2014/main" xmlns="" w="9525">
+                <a14:hiddenLine xmlns="" xmlns:a16="http://schemas.microsoft.com/office/drawing/2014/main" xmlns:p14="http://schemas.microsoft.com/office/powerpoint/2010/main" xmlns:a14="http://schemas.microsoft.com/office/drawing/2010/main" w="9525">
                   <a:solidFill>
                     <a:srgbClr val="000000"/>
                   </a:solidFill>
@@ -17006,7 +17006,7 @@
             </a:ln>
             <a:extLst>
               <a:ext uri="{91240B29-F687-4f45-9708-019B960494DF}">
-                <a14:hiddenLine xmlns:a14="http://schemas.microsoft.com/office/drawing/2010/main" xmlns:p14="http://schemas.microsoft.com/office/powerpoint/2010/main" xmlns:a16="http://schemas.microsoft.com/office/drawing/2014/main" xmlns="" w="9525">
+                <a14:hiddenLine xmlns="" xmlns:a16="http://schemas.microsoft.com/office/drawing/2014/main" xmlns:p14="http://schemas.microsoft.com/office/powerpoint/2010/main" xmlns:a14="http://schemas.microsoft.com/office/drawing/2010/main" w="9525">
                   <a:solidFill>
                     <a:srgbClr val="000000"/>
                   </a:solidFill>
@@ -17111,7 +17111,7 @@
             </a:ln>
             <a:extLst>
               <a:ext uri="{91240B29-F687-4f45-9708-019B960494DF}">
-                <a14:hiddenLine xmlns:a14="http://schemas.microsoft.com/office/drawing/2010/main" xmlns:p14="http://schemas.microsoft.com/office/powerpoint/2010/main" xmlns:a16="http://schemas.microsoft.com/office/drawing/2014/main" xmlns="" w="9525">
+                <a14:hiddenLine xmlns="" xmlns:a16="http://schemas.microsoft.com/office/drawing/2014/main" xmlns:p14="http://schemas.microsoft.com/office/powerpoint/2010/main" xmlns:a14="http://schemas.microsoft.com/office/drawing/2010/main" w="9525">
                   <a:solidFill>
                     <a:srgbClr val="000000"/>
                   </a:solidFill>
@@ -17188,7 +17188,7 @@
             </a:ln>
             <a:extLst>
               <a:ext uri="{91240B29-F687-4f45-9708-019B960494DF}">
-                <a14:hiddenLine xmlns:a14="http://schemas.microsoft.com/office/drawing/2010/main" xmlns:p14="http://schemas.microsoft.com/office/powerpoint/2010/main" xmlns:a16="http://schemas.microsoft.com/office/drawing/2014/main" xmlns="" w="9525">
+                <a14:hiddenLine xmlns="" xmlns:a16="http://schemas.microsoft.com/office/drawing/2014/main" xmlns:p14="http://schemas.microsoft.com/office/powerpoint/2010/main" xmlns:a14="http://schemas.microsoft.com/office/drawing/2010/main" w="9525">
                   <a:solidFill>
                     <a:srgbClr val="000000"/>
                   </a:solidFill>
@@ -17293,7 +17293,7 @@
             </a:ln>
             <a:extLst>
               <a:ext uri="{91240B29-F687-4f45-9708-019B960494DF}">
-                <a14:hiddenLine xmlns:a14="http://schemas.microsoft.com/office/drawing/2010/main" xmlns:p14="http://schemas.microsoft.com/office/powerpoint/2010/main" xmlns:a16="http://schemas.microsoft.com/office/drawing/2014/main" xmlns="" w="9525">
+                <a14:hiddenLine xmlns="" xmlns:a16="http://schemas.microsoft.com/office/drawing/2014/main" xmlns:p14="http://schemas.microsoft.com/office/powerpoint/2010/main" xmlns:a14="http://schemas.microsoft.com/office/drawing/2010/main" w="9525">
                   <a:solidFill>
                     <a:srgbClr val="000000"/>
                   </a:solidFill>
@@ -17342,7 +17342,7 @@
             </a:ln>
             <a:extLst>
               <a:ext uri="{91240B29-F687-4f45-9708-019B960494DF}">
-                <a14:hiddenLine xmlns:a14="http://schemas.microsoft.com/office/drawing/2010/main" xmlns:p14="http://schemas.microsoft.com/office/powerpoint/2010/main" xmlns:a16="http://schemas.microsoft.com/office/drawing/2014/main" xmlns="" w="9525">
+                <a14:hiddenLine xmlns="" xmlns:a16="http://schemas.microsoft.com/office/drawing/2014/main" xmlns:p14="http://schemas.microsoft.com/office/powerpoint/2010/main" xmlns:a14="http://schemas.microsoft.com/office/drawing/2010/main" w="9525">
                   <a:solidFill>
                     <a:srgbClr val="000000"/>
                   </a:solidFill>
@@ -17422,7 +17422,7 @@
             </a:ln>
             <a:extLst>
               <a:ext uri="{91240B29-F687-4f45-9708-019B960494DF}">
-                <a14:hiddenLine xmlns:a14="http://schemas.microsoft.com/office/drawing/2010/main" xmlns:p14="http://schemas.microsoft.com/office/powerpoint/2010/main" xmlns:a16="http://schemas.microsoft.com/office/drawing/2014/main" xmlns="" w="9525">
+                <a14:hiddenLine xmlns="" xmlns:a16="http://schemas.microsoft.com/office/drawing/2014/main" xmlns:p14="http://schemas.microsoft.com/office/powerpoint/2010/main" xmlns:a14="http://schemas.microsoft.com/office/drawing/2010/main" w="9525">
                   <a:solidFill>
                     <a:srgbClr val="000000"/>
                   </a:solidFill>
@@ -17527,7 +17527,7 @@
             </a:ln>
             <a:extLst>
               <a:ext uri="{91240B29-F687-4f45-9708-019B960494DF}">
-                <a14:hiddenLine xmlns:a14="http://schemas.microsoft.com/office/drawing/2010/main" xmlns:p14="http://schemas.microsoft.com/office/powerpoint/2010/main" xmlns:a16="http://schemas.microsoft.com/office/drawing/2014/main" xmlns="" w="9525">
+                <a14:hiddenLine xmlns="" xmlns:a16="http://schemas.microsoft.com/office/drawing/2014/main" xmlns:p14="http://schemas.microsoft.com/office/powerpoint/2010/main" xmlns:a14="http://schemas.microsoft.com/office/drawing/2010/main" w="9525">
                   <a:solidFill>
                     <a:srgbClr val="000000"/>
                   </a:solidFill>
@@ -17604,7 +17604,7 @@
             </a:ln>
             <a:extLst>
               <a:ext uri="{91240B29-F687-4f45-9708-019B960494DF}">
-                <a14:hiddenLine xmlns:a14="http://schemas.microsoft.com/office/drawing/2010/main" xmlns:p14="http://schemas.microsoft.com/office/powerpoint/2010/main" xmlns:a16="http://schemas.microsoft.com/office/drawing/2014/main" xmlns="" w="9525">
+                <a14:hiddenLine xmlns="" xmlns:a16="http://schemas.microsoft.com/office/drawing/2014/main" xmlns:p14="http://schemas.microsoft.com/office/powerpoint/2010/main" xmlns:a14="http://schemas.microsoft.com/office/drawing/2010/main" w="9525">
                   <a:solidFill>
                     <a:srgbClr val="000000"/>
                   </a:solidFill>
@@ -17709,7 +17709,7 @@
             </a:ln>
             <a:extLst>
               <a:ext uri="{91240B29-F687-4f45-9708-019B960494DF}">
-                <a14:hiddenLine xmlns:a14="http://schemas.microsoft.com/office/drawing/2010/main" xmlns:p14="http://schemas.microsoft.com/office/powerpoint/2010/main" xmlns:a16="http://schemas.microsoft.com/office/drawing/2014/main" xmlns="" w="9525">
+                <a14:hiddenLine xmlns="" xmlns:a16="http://schemas.microsoft.com/office/drawing/2014/main" xmlns:p14="http://schemas.microsoft.com/office/powerpoint/2010/main" xmlns:a14="http://schemas.microsoft.com/office/drawing/2010/main" w="9525">
                   <a:solidFill>
                     <a:srgbClr val="000000"/>
                   </a:solidFill>
@@ -17814,7 +17814,7 @@
             </a:ln>
             <a:extLst>
               <a:ext uri="{91240B29-F687-4f45-9708-019B960494DF}">
-                <a14:hiddenLine xmlns:a14="http://schemas.microsoft.com/office/drawing/2010/main" xmlns:p14="http://schemas.microsoft.com/office/powerpoint/2010/main" xmlns:a16="http://schemas.microsoft.com/office/drawing/2014/main" xmlns="" w="9525">
+                <a14:hiddenLine xmlns="" xmlns:a16="http://schemas.microsoft.com/office/drawing/2014/main" xmlns:p14="http://schemas.microsoft.com/office/powerpoint/2010/main" xmlns:a14="http://schemas.microsoft.com/office/drawing/2010/main" w="9525">
                   <a:solidFill>
                     <a:srgbClr val="000000"/>
                   </a:solidFill>
@@ -17894,7 +17894,7 @@
             </a:ln>
             <a:extLst>
               <a:ext uri="{91240B29-F687-4f45-9708-019B960494DF}">
-                <a14:hiddenLine xmlns:a14="http://schemas.microsoft.com/office/drawing/2010/main" xmlns:p14="http://schemas.microsoft.com/office/powerpoint/2010/main" xmlns:a16="http://schemas.microsoft.com/office/drawing/2014/main" xmlns="" w="9525">
+                <a14:hiddenLine xmlns="" xmlns:a16="http://schemas.microsoft.com/office/drawing/2014/main" xmlns:p14="http://schemas.microsoft.com/office/powerpoint/2010/main" xmlns:a14="http://schemas.microsoft.com/office/drawing/2010/main" w="9525">
                   <a:solidFill>
                     <a:srgbClr val="000000"/>
                   </a:solidFill>
@@ -17971,7 +17971,7 @@
             </a:ln>
             <a:extLst>
               <a:ext uri="{91240B29-F687-4f45-9708-019B960494DF}">
-                <a14:hiddenLine xmlns:a14="http://schemas.microsoft.com/office/drawing/2010/main" xmlns:p14="http://schemas.microsoft.com/office/powerpoint/2010/main" xmlns:a16="http://schemas.microsoft.com/office/drawing/2014/main" xmlns="" w="9525">
+                <a14:hiddenLine xmlns="" xmlns:a16="http://schemas.microsoft.com/office/drawing/2014/main" xmlns:p14="http://schemas.microsoft.com/office/powerpoint/2010/main" xmlns:a14="http://schemas.microsoft.com/office/drawing/2010/main" w="9525">
                   <a:solidFill>
                     <a:srgbClr val="000000"/>
                   </a:solidFill>
@@ -18076,7 +18076,7 @@
             </a:ln>
             <a:extLst>
               <a:ext uri="{91240B29-F687-4f45-9708-019B960494DF}">
-                <a14:hiddenLine xmlns:a14="http://schemas.microsoft.com/office/drawing/2010/main" xmlns:p14="http://schemas.microsoft.com/office/powerpoint/2010/main" xmlns:a16="http://schemas.microsoft.com/office/drawing/2014/main" xmlns="" w="9525">
+                <a14:hiddenLine xmlns="" xmlns:a16="http://schemas.microsoft.com/office/drawing/2014/main" xmlns:p14="http://schemas.microsoft.com/office/powerpoint/2010/main" xmlns:a14="http://schemas.microsoft.com/office/drawing/2010/main" w="9525">
                   <a:solidFill>
                     <a:srgbClr val="000000"/>
                   </a:solidFill>
@@ -18181,7 +18181,7 @@
             </a:ln>
             <a:extLst>
               <a:ext uri="{91240B29-F687-4f45-9708-019B960494DF}">
-                <a14:hiddenLine xmlns:a14="http://schemas.microsoft.com/office/drawing/2010/main" xmlns:p14="http://schemas.microsoft.com/office/powerpoint/2010/main" xmlns:a16="http://schemas.microsoft.com/office/drawing/2014/main" xmlns="" w="9525">
+                <a14:hiddenLine xmlns="" xmlns:a16="http://schemas.microsoft.com/office/drawing/2014/main" xmlns:p14="http://schemas.microsoft.com/office/powerpoint/2010/main" xmlns:a14="http://schemas.microsoft.com/office/drawing/2010/main" w="9525">
                   <a:solidFill>
                     <a:srgbClr val="000000"/>
                   </a:solidFill>
@@ -18258,7 +18258,7 @@
             </a:ln>
             <a:extLst>
               <a:ext uri="{91240B29-F687-4f45-9708-019B960494DF}">
-                <a14:hiddenLine xmlns:a14="http://schemas.microsoft.com/office/drawing/2010/main" xmlns:p14="http://schemas.microsoft.com/office/powerpoint/2010/main" xmlns:a16="http://schemas.microsoft.com/office/drawing/2014/main" xmlns="" w="9525">
+                <a14:hiddenLine xmlns="" xmlns:a16="http://schemas.microsoft.com/office/drawing/2014/main" xmlns:p14="http://schemas.microsoft.com/office/powerpoint/2010/main" xmlns:a14="http://schemas.microsoft.com/office/drawing/2010/main" w="9525">
                   <a:solidFill>
                     <a:srgbClr val="000000"/>
                   </a:solidFill>
@@ -18393,7 +18393,7 @@
             </a:ln>
             <a:extLst>
               <a:ext uri="{91240B29-F687-4f45-9708-019B960494DF}">
-                <a14:hiddenLine xmlns:a14="http://schemas.microsoft.com/office/drawing/2010/main" xmlns:p14="http://schemas.microsoft.com/office/powerpoint/2010/main" xmlns:a16="http://schemas.microsoft.com/office/drawing/2014/main" xmlns="" w="9525">
+                <a14:hiddenLine xmlns="" xmlns:a16="http://schemas.microsoft.com/office/drawing/2014/main" xmlns:p14="http://schemas.microsoft.com/office/powerpoint/2010/main" xmlns:a14="http://schemas.microsoft.com/office/drawing/2010/main" w="9525">
                   <a:solidFill>
                     <a:srgbClr val="000000"/>
                   </a:solidFill>
@@ -18476,7 +18476,7 @@
             </a:ln>
             <a:extLst>
               <a:ext uri="{91240B29-F687-4f45-9708-019B960494DF}">
-                <a14:hiddenLine xmlns:a14="http://schemas.microsoft.com/office/drawing/2010/main" xmlns:p14="http://schemas.microsoft.com/office/powerpoint/2010/main" xmlns:a16="http://schemas.microsoft.com/office/drawing/2014/main" xmlns="" w="9525">
+                <a14:hiddenLine xmlns="" xmlns:a16="http://schemas.microsoft.com/office/drawing/2014/main" xmlns:p14="http://schemas.microsoft.com/office/powerpoint/2010/main" xmlns:a14="http://schemas.microsoft.com/office/drawing/2010/main" w="9525">
                   <a:solidFill>
                     <a:srgbClr val="000000"/>
                   </a:solidFill>
@@ -18581,7 +18581,7 @@
             </a:ln>
             <a:extLst>
               <a:ext uri="{91240B29-F687-4f45-9708-019B960494DF}">
-                <a14:hiddenLine xmlns:a14="http://schemas.microsoft.com/office/drawing/2010/main" xmlns:p14="http://schemas.microsoft.com/office/powerpoint/2010/main" xmlns:a16="http://schemas.microsoft.com/office/drawing/2014/main" xmlns="" w="9525">
+                <a14:hiddenLine xmlns="" xmlns:a16="http://schemas.microsoft.com/office/drawing/2014/main" xmlns:p14="http://schemas.microsoft.com/office/powerpoint/2010/main" xmlns:a14="http://schemas.microsoft.com/office/drawing/2010/main" w="9525">
                   <a:solidFill>
                     <a:srgbClr val="000000"/>
                   </a:solidFill>
@@ -18750,104 +18750,6 @@
           <p:cNvPr id="2" name="Titel 1">
             <a:extLst>
               <a:ext uri="{FF2B5EF4-FFF2-40B4-BE49-F238E27FC236}">
-                <a16:creationId xmlns:a16="http://schemas.microsoft.com/office/drawing/2014/main" id="{6A2E2546-DB16-4275-885E-7E7ED02E9B25}"/>
-              </a:ext>
-            </a:extLst>
-          </p:cNvPr>
-          <p:cNvSpPr>
-            <a:spLocks noGrp="1"/>
-          </p:cNvSpPr>
-          <p:nvPr>
-            <p:ph type="title"/>
-          </p:nvPr>
-        </p:nvSpPr>
-        <p:spPr>
-          <a:xfrm>
-            <a:off x="1141413" y="618518"/>
-            <a:ext cx="9905998" cy="1059362"/>
-          </a:xfrm>
-        </p:spPr>
-        <p:txBody>
-          <a:bodyPr>
-            <a:normAutofit/>
-          </a:bodyPr>
-          <a:lstStyle/>
-          <a:p>
-            <a:r>
-              <a:rPr lang="de-AT"/>
-              <a:t>Allgemeines</a:t>
-            </a:r>
-            <a:endParaRPr lang="de-AT" dirty="0"/>
-          </a:p>
-        </p:txBody>
-      </p:sp>
-      <p:pic>
-        <p:nvPicPr>
-          <p:cNvPr id="8" name="Inhaltsplatzhalter 7">
-            <a:extLst>
-              <a:ext uri="{FF2B5EF4-FFF2-40B4-BE49-F238E27FC236}">
-                <a16:creationId xmlns:a16="http://schemas.microsoft.com/office/drawing/2014/main" id="{D837808A-3BE0-49B3-8F35-312BD1CD43BF}"/>
-              </a:ext>
-            </a:extLst>
-          </p:cNvPr>
-          <p:cNvPicPr>
-            <a:picLocks noGrp="1" noChangeAspect="1"/>
-          </p:cNvPicPr>
-          <p:nvPr>
-            <p:ph idx="1"/>
-          </p:nvPr>
-        </p:nvPicPr>
-        <p:blipFill>
-          <a:blip r:embed="rId2"/>
-          <a:stretch>
-            <a:fillRect/>
-          </a:stretch>
-        </p:blipFill>
-        <p:spPr>
-          <a:xfrm>
-            <a:off x="3046412" y="1974940"/>
-            <a:ext cx="6096000" cy="3419475"/>
-          </a:xfrm>
-          <a:prstGeom prst="rect">
-            <a:avLst/>
-          </a:prstGeom>
-        </p:spPr>
-      </p:pic>
-    </p:spTree>
-    <p:extLst>
-      <p:ext uri="{BB962C8B-B14F-4D97-AF65-F5344CB8AC3E}">
-        <p14:creationId xmlns:p14="http://schemas.microsoft.com/office/powerpoint/2010/main" val="923706505"/>
-      </p:ext>
-    </p:extLst>
-  </p:cSld>
-  <p:clrMapOvr>
-    <a:masterClrMapping/>
-  </p:clrMapOvr>
-</p:sld>
-</file>
-
-<file path=ppt/slides/slide4.xml><?xml version="1.0" encoding="utf-8"?>
-<p:sld xmlns:a="http://schemas.openxmlformats.org/drawingml/2006/main" xmlns:r="http://schemas.openxmlformats.org/officeDocument/2006/relationships" xmlns:p="http://schemas.openxmlformats.org/presentationml/2006/main">
-  <p:cSld>
-    <p:spTree>
-      <p:nvGrpSpPr>
-        <p:cNvPr id="1" name=""/>
-        <p:cNvGrpSpPr/>
-        <p:nvPr/>
-      </p:nvGrpSpPr>
-      <p:grpSpPr>
-        <a:xfrm>
-          <a:off x="0" y="0"/>
-          <a:ext cx="0" cy="0"/>
-          <a:chOff x="0" y="0"/>
-          <a:chExt cx="0" cy="0"/>
-        </a:xfrm>
-      </p:grpSpPr>
-      <p:sp>
-        <p:nvSpPr>
-          <p:cNvPr id="2" name="Titel 1">
-            <a:extLst>
-              <a:ext uri="{FF2B5EF4-FFF2-40B4-BE49-F238E27FC236}">
                 <a16:creationId xmlns:a16="http://schemas.microsoft.com/office/drawing/2014/main" id="{BDB3DF2C-E988-42B4-B77A-2C049F28F435}"/>
               </a:ext>
             </a:extLst>
@@ -18933,6 +18835,108 @@
 </p:sld>
 </file>
 
+<file path=ppt/slides/slide4.xml><?xml version="1.0" encoding="utf-8"?>
+<p:sld xmlns:a="http://schemas.openxmlformats.org/drawingml/2006/main" xmlns:r="http://schemas.openxmlformats.org/officeDocument/2006/relationships" xmlns:p="http://schemas.openxmlformats.org/presentationml/2006/main">
+  <p:cSld>
+    <p:spTree>
+      <p:nvGrpSpPr>
+        <p:cNvPr id="1" name=""/>
+        <p:cNvGrpSpPr/>
+        <p:nvPr/>
+      </p:nvGrpSpPr>
+      <p:grpSpPr>
+        <a:xfrm>
+          <a:off x="0" y="0"/>
+          <a:ext cx="0" cy="0"/>
+          <a:chOff x="0" y="0"/>
+          <a:chExt cx="0" cy="0"/>
+        </a:xfrm>
+      </p:grpSpPr>
+      <p:sp>
+        <p:nvSpPr>
+          <p:cNvPr id="2" name="Titel 1">
+            <a:extLst>
+              <a:ext uri="{FF2B5EF4-FFF2-40B4-BE49-F238E27FC236}">
+                <a16:creationId xmlns:a16="http://schemas.microsoft.com/office/drawing/2014/main" id="{6A2E2546-DB16-4275-885E-7E7ED02E9B25}"/>
+              </a:ext>
+            </a:extLst>
+          </p:cNvPr>
+          <p:cNvSpPr>
+            <a:spLocks noGrp="1"/>
+          </p:cNvSpPr>
+          <p:nvPr>
+            <p:ph type="title"/>
+          </p:nvPr>
+        </p:nvSpPr>
+        <p:spPr>
+          <a:xfrm>
+            <a:off x="1141413" y="618518"/>
+            <a:ext cx="9905998" cy="1059362"/>
+          </a:xfrm>
+        </p:spPr>
+        <p:txBody>
+          <a:bodyPr>
+            <a:normAutofit/>
+          </a:bodyPr>
+          <a:lstStyle/>
+          <a:p>
+            <a:r>
+              <a:rPr lang="de-AT" dirty="0"/>
+              <a:t>UML </a:t>
+            </a:r>
+            <a:r>
+              <a:rPr lang="de-AT" dirty="0" err="1"/>
+              <a:t>RUNnable</a:t>
+            </a:r>
+            <a:endParaRPr lang="de-AT" dirty="0"/>
+          </a:p>
+        </p:txBody>
+      </p:sp>
+      <p:pic>
+        <p:nvPicPr>
+          <p:cNvPr id="8" name="Inhaltsplatzhalter 7">
+            <a:extLst>
+              <a:ext uri="{FF2B5EF4-FFF2-40B4-BE49-F238E27FC236}">
+                <a16:creationId xmlns:a16="http://schemas.microsoft.com/office/drawing/2014/main" id="{D837808A-3BE0-49B3-8F35-312BD1CD43BF}"/>
+              </a:ext>
+            </a:extLst>
+          </p:cNvPr>
+          <p:cNvPicPr>
+            <a:picLocks noGrp="1" noChangeAspect="1"/>
+          </p:cNvPicPr>
+          <p:nvPr>
+            <p:ph idx="1"/>
+          </p:nvPr>
+        </p:nvPicPr>
+        <p:blipFill>
+          <a:blip r:embed="rId2"/>
+          <a:stretch>
+            <a:fillRect/>
+          </a:stretch>
+        </p:blipFill>
+        <p:spPr>
+          <a:xfrm>
+            <a:off x="3046412" y="1974940"/>
+            <a:ext cx="6096000" cy="3419475"/>
+          </a:xfrm>
+          <a:prstGeom prst="rect">
+            <a:avLst/>
+          </a:prstGeom>
+        </p:spPr>
+      </p:pic>
+    </p:spTree>
+    <p:extLst>
+      <p:ext uri="{BB962C8B-B14F-4D97-AF65-F5344CB8AC3E}">
+        <p14:creationId xmlns:p14="http://schemas.microsoft.com/office/powerpoint/2010/main" val="923706505"/>
+      </p:ext>
+    </p:extLst>
+  </p:cSld>
+  <p:clrMapOvr>
+    <a:masterClrMapping/>
+  </p:clrMapOvr>
+</p:sld>
+</file>
+
 <file path=ppt/slides/slide5.xml><?xml version="1.0" encoding="utf-8"?>
 <p:sld xmlns:a="http://schemas.openxmlformats.org/drawingml/2006/main" xmlns:r="http://schemas.openxmlformats.org/officeDocument/2006/relationships" xmlns:p="http://schemas.openxmlformats.org/presentationml/2006/main">
   <p:cSld>
@@ -18971,16 +18975,19 @@
           <a:bodyPr/>
           <a:lstStyle/>
           <a:p>
-            <a:endParaRPr lang="de-AT" dirty="0"/>
+            <a:r>
+              <a:rPr lang="de-AT" dirty="0"/>
+              <a:t>Aufrufer</a:t>
+            </a:r>
           </a:p>
         </p:txBody>
       </p:sp>
       <p:pic>
         <p:nvPicPr>
-          <p:cNvPr id="6" name="Inhaltsplatzhalter 5">
+          <p:cNvPr id="4" name="Inhaltsplatzhalter 3">
             <a:extLst>
               <a:ext uri="{FF2B5EF4-FFF2-40B4-BE49-F238E27FC236}">
-                <a16:creationId xmlns:a16="http://schemas.microsoft.com/office/drawing/2014/main" id="{F7BB6945-7715-4B9E-A3D5-E75B6AC614F3}"/>
+                <a16:creationId xmlns:a16="http://schemas.microsoft.com/office/drawing/2014/main" id="{6DA500EE-99D5-4732-9674-2757982C0B79}"/>
               </a:ext>
             </a:extLst>
           </p:cNvPr>
@@ -18999,8 +19006,8 @@
         </p:blipFill>
         <p:spPr>
           <a:xfrm>
-            <a:off x="1141413" y="2368178"/>
-            <a:ext cx="7150663" cy="2787029"/>
+            <a:off x="2939970" y="2229675"/>
+            <a:ext cx="6097667" cy="3058700"/>
           </a:xfrm>
           <a:prstGeom prst="rect">
             <a:avLst/>
@@ -19063,7 +19070,10 @@
           <a:bodyPr/>
           <a:lstStyle/>
           <a:p>
-            <a:endParaRPr lang="de-AT" dirty="0"/>
+            <a:r>
+              <a:rPr lang="de-AT" dirty="0"/>
+              <a:t>Befehl / Konkreter Befehl</a:t>
+            </a:r>
           </a:p>
         </p:txBody>
       </p:sp>
@@ -19802,7 +19812,10 @@
           <a:bodyPr/>
           <a:lstStyle/>
           <a:p>
-            <a:endParaRPr lang="de-AT" dirty="0"/>
+            <a:r>
+              <a:rPr lang="de-AT" dirty="0"/>
+              <a:t>Empfänger</a:t>
+            </a:r>
           </a:p>
         </p:txBody>
       </p:sp>

--- a/Praesentation/command.pptx
+++ b/Praesentation/command.pptx
@@ -5,7 +5,7 @@
     <p:sldMasterId id="2147483660" r:id="rId1"/>
   </p:sldMasterIdLst>
   <p:notesMasterIdLst>
-    <p:notesMasterId r:id="rId10"/>
+    <p:notesMasterId r:id="rId11"/>
   </p:notesMasterIdLst>
   <p:sldIdLst>
     <p:sldId id="256" r:id="rId2"/>
@@ -15,7 +15,8 @@
     <p:sldId id="262" r:id="rId6"/>
     <p:sldId id="259" r:id="rId7"/>
     <p:sldId id="260" r:id="rId8"/>
-    <p:sldId id="264" r:id="rId9"/>
+    <p:sldId id="265" r:id="rId9"/>
+    <p:sldId id="264" r:id="rId10"/>
   </p:sldIdLst>
   <p:sldSz cx="12192000" cy="6858000"/>
   <p:notesSz cx="6858000" cy="9144000"/>
@@ -204,7 +205,7 @@
           <a:p>
             <a:fld id="{30FEE3E6-266F-4FA1-BD04-D777CA3A4F06}" type="datetimeFigureOut">
               <a:rPr lang="de-AT" smtClean="0"/>
-              <a:t>06.11.2018</a:t>
+              <a:t>07.11.2018</a:t>
             </a:fld>
             <a:endParaRPr lang="de-AT"/>
           </a:p>
@@ -1258,7 +1259,7 @@
           <a:noFill/>
           <a:extLst>
             <a:ext uri="{909E8E84-426E-40dd-AFC4-6F175D3DCCD1}">
-              <a14:hiddenFill xmlns:a14="http://schemas.microsoft.com/office/drawing/2010/main" xmlns="">
+              <a14:hiddenFill xmlns="" xmlns:a14="http://schemas.microsoft.com/office/drawing/2010/main">
                 <a:solidFill>
                   <a:srgbClr val="FFFFFF"/>
                 </a:solidFill>
@@ -1318,7 +1319,7 @@
             </a:ln>
             <a:extLst>
               <a:ext uri="{91240B29-F687-4f45-9708-019B960494DF}">
-                <a14:hiddenLine xmlns:a14="http://schemas.microsoft.com/office/drawing/2010/main" xmlns="" w="9525">
+                <a14:hiddenLine xmlns="" xmlns:a14="http://schemas.microsoft.com/office/drawing/2010/main" w="9525">
                   <a:solidFill>
                     <a:srgbClr val="000000"/>
                   </a:solidFill>
@@ -1408,7 +1409,7 @@
             </a:ln>
             <a:extLst>
               <a:ext uri="{91240B29-F687-4f45-9708-019B960494DF}">
-                <a14:hiddenLine xmlns:a14="http://schemas.microsoft.com/office/drawing/2010/main" xmlns="" w="9525">
+                <a14:hiddenLine xmlns="" xmlns:a14="http://schemas.microsoft.com/office/drawing/2010/main" w="9525">
                   <a:solidFill>
                     <a:srgbClr val="000000"/>
                   </a:solidFill>
@@ -1498,7 +1499,7 @@
             </a:ln>
             <a:extLst>
               <a:ext uri="{91240B29-F687-4f45-9708-019B960494DF}">
-                <a14:hiddenLine xmlns:a14="http://schemas.microsoft.com/office/drawing/2010/main" xmlns="" w="9525">
+                <a14:hiddenLine xmlns="" xmlns:a14="http://schemas.microsoft.com/office/drawing/2010/main" w="9525">
                   <a:solidFill>
                     <a:srgbClr val="000000"/>
                   </a:solidFill>
@@ -1532,7 +1533,7 @@
             </a:ln>
             <a:extLst>
               <a:ext uri="{91240B29-F687-4f45-9708-019B960494DF}">
-                <a14:hiddenLine xmlns:a14="http://schemas.microsoft.com/office/drawing/2010/main" xmlns="" w="9525">
+                <a14:hiddenLine xmlns="" xmlns:a14="http://schemas.microsoft.com/office/drawing/2010/main" w="9525">
                   <a:solidFill>
                     <a:srgbClr val="000000"/>
                   </a:solidFill>
@@ -1622,7 +1623,7 @@
             </a:ln>
             <a:extLst>
               <a:ext uri="{91240B29-F687-4f45-9708-019B960494DF}">
-                <a14:hiddenLine xmlns:a14="http://schemas.microsoft.com/office/drawing/2010/main" xmlns="" w="9525">
+                <a14:hiddenLine xmlns="" xmlns:a14="http://schemas.microsoft.com/office/drawing/2010/main" w="9525">
                   <a:solidFill>
                     <a:srgbClr val="000000"/>
                   </a:solidFill>
@@ -1684,7 +1685,7 @@
             </a:ln>
             <a:extLst>
               <a:ext uri="{91240B29-F687-4f45-9708-019B960494DF}">
-                <a14:hiddenLine xmlns:a14="http://schemas.microsoft.com/office/drawing/2010/main" xmlns="" w="9525">
+                <a14:hiddenLine xmlns="" xmlns:a14="http://schemas.microsoft.com/office/drawing/2010/main" w="9525">
                   <a:solidFill>
                     <a:srgbClr val="000000"/>
                   </a:solidFill>
@@ -1746,7 +1747,7 @@
             </a:ln>
             <a:extLst>
               <a:ext uri="{91240B29-F687-4f45-9708-019B960494DF}">
-                <a14:hiddenLine xmlns:a14="http://schemas.microsoft.com/office/drawing/2010/main" xmlns="" w="9525">
+                <a14:hiddenLine xmlns="" xmlns:a14="http://schemas.microsoft.com/office/drawing/2010/main" w="9525">
                   <a:solidFill>
                     <a:srgbClr val="000000"/>
                   </a:solidFill>
@@ -1836,7 +1837,7 @@
             </a:ln>
             <a:extLst>
               <a:ext uri="{91240B29-F687-4f45-9708-019B960494DF}">
-                <a14:hiddenLine xmlns:a14="http://schemas.microsoft.com/office/drawing/2010/main" xmlns="" w="9525">
+                <a14:hiddenLine xmlns="" xmlns:a14="http://schemas.microsoft.com/office/drawing/2010/main" w="9525">
                   <a:solidFill>
                     <a:srgbClr val="000000"/>
                   </a:solidFill>
@@ -1898,7 +1899,7 @@
             </a:ln>
             <a:extLst>
               <a:ext uri="{91240B29-F687-4f45-9708-019B960494DF}">
-                <a14:hiddenLine xmlns:a14="http://schemas.microsoft.com/office/drawing/2010/main" xmlns="" w="9525">
+                <a14:hiddenLine xmlns="" xmlns:a14="http://schemas.microsoft.com/office/drawing/2010/main" w="9525">
                   <a:solidFill>
                     <a:srgbClr val="000000"/>
                   </a:solidFill>
@@ -1960,7 +1961,7 @@
             </a:ln>
             <a:extLst>
               <a:ext uri="{91240B29-F687-4f45-9708-019B960494DF}">
-                <a14:hiddenLine xmlns:a14="http://schemas.microsoft.com/office/drawing/2010/main" xmlns="" w="9525">
+                <a14:hiddenLine xmlns="" xmlns:a14="http://schemas.microsoft.com/office/drawing/2010/main" w="9525">
                   <a:solidFill>
                     <a:srgbClr val="000000"/>
                   </a:solidFill>
@@ -2050,7 +2051,7 @@
             </a:ln>
             <a:extLst>
               <a:ext uri="{91240B29-F687-4f45-9708-019B960494DF}">
-                <a14:hiddenLine xmlns:a14="http://schemas.microsoft.com/office/drawing/2010/main" xmlns="" w="9525">
+                <a14:hiddenLine xmlns="" xmlns:a14="http://schemas.microsoft.com/office/drawing/2010/main" w="9525">
                   <a:solidFill>
                     <a:srgbClr val="000000"/>
                   </a:solidFill>
@@ -2140,7 +2141,7 @@
             </a:ln>
             <a:extLst>
               <a:ext uri="{91240B29-F687-4f45-9708-019B960494DF}">
-                <a14:hiddenLine xmlns:a14="http://schemas.microsoft.com/office/drawing/2010/main" xmlns="" w="9525">
+                <a14:hiddenLine xmlns="" xmlns:a14="http://schemas.microsoft.com/office/drawing/2010/main" w="9525">
                   <a:solidFill>
                     <a:srgbClr val="000000"/>
                   </a:solidFill>
@@ -2202,7 +2203,7 @@
             </a:ln>
             <a:extLst>
               <a:ext uri="{91240B29-F687-4f45-9708-019B960494DF}">
-                <a14:hiddenLine xmlns:a14="http://schemas.microsoft.com/office/drawing/2010/main" xmlns="" w="9525">
+                <a14:hiddenLine xmlns="" xmlns:a14="http://schemas.microsoft.com/office/drawing/2010/main" w="9525">
                   <a:solidFill>
                     <a:srgbClr val="000000"/>
                   </a:solidFill>
@@ -2312,7 +2313,7 @@
             </a:ln>
             <a:extLst>
               <a:ext uri="{91240B29-F687-4f45-9708-019B960494DF}">
-                <a14:hiddenLine xmlns:a14="http://schemas.microsoft.com/office/drawing/2010/main" xmlns="" w="9525">
+                <a14:hiddenLine xmlns="" xmlns:a14="http://schemas.microsoft.com/office/drawing/2010/main" w="9525">
                   <a:solidFill>
                     <a:srgbClr val="000000"/>
                   </a:solidFill>
@@ -2374,7 +2375,7 @@
             </a:ln>
             <a:extLst>
               <a:ext uri="{91240B29-F687-4f45-9708-019B960494DF}">
-                <a14:hiddenLine xmlns:a14="http://schemas.microsoft.com/office/drawing/2010/main" xmlns="" w="9525">
+                <a14:hiddenLine xmlns="" xmlns:a14="http://schemas.microsoft.com/office/drawing/2010/main" w="9525">
                   <a:solidFill>
                     <a:srgbClr val="000000"/>
                   </a:solidFill>
@@ -2464,7 +2465,7 @@
             </a:ln>
             <a:extLst>
               <a:ext uri="{91240B29-F687-4f45-9708-019B960494DF}">
-                <a14:hiddenLine xmlns:a14="http://schemas.microsoft.com/office/drawing/2010/main" xmlns="" w="9525">
+                <a14:hiddenLine xmlns="" xmlns:a14="http://schemas.microsoft.com/office/drawing/2010/main" w="9525">
                   <a:solidFill>
                     <a:srgbClr val="000000"/>
                   </a:solidFill>
@@ -2554,7 +2555,7 @@
             </a:ln>
             <a:extLst>
               <a:ext uri="{91240B29-F687-4f45-9708-019B960494DF}">
-                <a14:hiddenLine xmlns:a14="http://schemas.microsoft.com/office/drawing/2010/main" xmlns="" w="9525">
+                <a14:hiddenLine xmlns="" xmlns:a14="http://schemas.microsoft.com/office/drawing/2010/main" w="9525">
                   <a:solidFill>
                     <a:srgbClr val="000000"/>
                   </a:solidFill>
@@ -2616,7 +2617,7 @@
             </a:ln>
             <a:extLst>
               <a:ext uri="{91240B29-F687-4f45-9708-019B960494DF}">
-                <a14:hiddenLine xmlns:a14="http://schemas.microsoft.com/office/drawing/2010/main" xmlns="" w="9525">
+                <a14:hiddenLine xmlns="" xmlns:a14="http://schemas.microsoft.com/office/drawing/2010/main" w="9525">
                   <a:solidFill>
                     <a:srgbClr val="000000"/>
                   </a:solidFill>
@@ -2706,7 +2707,7 @@
             </a:ln>
             <a:extLst>
               <a:ext uri="{91240B29-F687-4f45-9708-019B960494DF}">
-                <a14:hiddenLine xmlns:a14="http://schemas.microsoft.com/office/drawing/2010/main" xmlns="" w="9525">
+                <a14:hiddenLine xmlns="" xmlns:a14="http://schemas.microsoft.com/office/drawing/2010/main" w="9525">
                   <a:solidFill>
                     <a:srgbClr val="000000"/>
                   </a:solidFill>
@@ -2796,7 +2797,7 @@
             </a:ln>
             <a:extLst>
               <a:ext uri="{91240B29-F687-4f45-9708-019B960494DF}">
-                <a14:hiddenLine xmlns:a14="http://schemas.microsoft.com/office/drawing/2010/main" xmlns="" w="9525">
+                <a14:hiddenLine xmlns="" xmlns:a14="http://schemas.microsoft.com/office/drawing/2010/main" w="9525">
                   <a:solidFill>
                     <a:srgbClr val="000000"/>
                   </a:solidFill>
@@ -2852,7 +2853,7 @@
             </a:ln>
             <a:extLst>
               <a:ext uri="{91240B29-F687-4f45-9708-019B960494DF}">
-                <a14:hiddenLine xmlns:a14="http://schemas.microsoft.com/office/drawing/2010/main" xmlns="" w="9525">
+                <a14:hiddenLine xmlns="" xmlns:a14="http://schemas.microsoft.com/office/drawing/2010/main" w="9525">
                   <a:solidFill>
                     <a:srgbClr val="000000"/>
                   </a:solidFill>
@@ -2942,7 +2943,7 @@
             </a:ln>
             <a:extLst>
               <a:ext uri="{91240B29-F687-4f45-9708-019B960494DF}">
-                <a14:hiddenLine xmlns:a14="http://schemas.microsoft.com/office/drawing/2010/main" xmlns="" w="9525">
+                <a14:hiddenLine xmlns="" xmlns:a14="http://schemas.microsoft.com/office/drawing/2010/main" w="9525">
                   <a:solidFill>
                     <a:srgbClr val="000000"/>
                   </a:solidFill>
@@ -2998,7 +2999,7 @@
             </a:ln>
             <a:extLst>
               <a:ext uri="{91240B29-F687-4f45-9708-019B960494DF}">
-                <a14:hiddenLine xmlns:a14="http://schemas.microsoft.com/office/drawing/2010/main" xmlns="" w="9525">
+                <a14:hiddenLine xmlns="" xmlns:a14="http://schemas.microsoft.com/office/drawing/2010/main" w="9525">
                   <a:solidFill>
                     <a:srgbClr val="000000"/>
                   </a:solidFill>
@@ -3088,7 +3089,7 @@
             </a:ln>
             <a:extLst>
               <a:ext uri="{91240B29-F687-4f45-9708-019B960494DF}">
-                <a14:hiddenLine xmlns:a14="http://schemas.microsoft.com/office/drawing/2010/main" xmlns="" w="9525">
+                <a14:hiddenLine xmlns="" xmlns:a14="http://schemas.microsoft.com/office/drawing/2010/main" w="9525">
                   <a:solidFill>
                     <a:srgbClr val="000000"/>
                   </a:solidFill>
@@ -3156,7 +3157,7 @@
             </a:ln>
             <a:extLst>
               <a:ext uri="{91240B29-F687-4f45-9708-019B960494DF}">
-                <a14:hiddenLine xmlns:a14="http://schemas.microsoft.com/office/drawing/2010/main" xmlns="" w="9525">
+                <a14:hiddenLine xmlns="" xmlns:a14="http://schemas.microsoft.com/office/drawing/2010/main" w="9525">
                   <a:solidFill>
                     <a:srgbClr val="000000"/>
                   </a:solidFill>
@@ -3246,7 +3247,7 @@
             </a:ln>
             <a:extLst>
               <a:ext uri="{91240B29-F687-4f45-9708-019B960494DF}">
-                <a14:hiddenLine xmlns:a14="http://schemas.microsoft.com/office/drawing/2010/main" xmlns="" w="9525">
+                <a14:hiddenLine xmlns="" xmlns:a14="http://schemas.microsoft.com/office/drawing/2010/main" w="9525">
                   <a:solidFill>
                     <a:srgbClr val="000000"/>
                   </a:solidFill>
@@ -3314,7 +3315,7 @@
             </a:ln>
             <a:extLst>
               <a:ext uri="{91240B29-F687-4f45-9708-019B960494DF}">
-                <a14:hiddenLine xmlns:a14="http://schemas.microsoft.com/office/drawing/2010/main" xmlns="" w="9525">
+                <a14:hiddenLine xmlns="" xmlns:a14="http://schemas.microsoft.com/office/drawing/2010/main" w="9525">
                   <a:solidFill>
                     <a:srgbClr val="000000"/>
                   </a:solidFill>
@@ -3404,7 +3405,7 @@
             </a:ln>
             <a:extLst>
               <a:ext uri="{91240B29-F687-4f45-9708-019B960494DF}">
-                <a14:hiddenLine xmlns:a14="http://schemas.microsoft.com/office/drawing/2010/main" xmlns="" w="9525">
+                <a14:hiddenLine xmlns="" xmlns:a14="http://schemas.microsoft.com/office/drawing/2010/main" w="9525">
                   <a:solidFill>
                     <a:srgbClr val="000000"/>
                   </a:solidFill>
@@ -3438,7 +3439,7 @@
             </a:ln>
             <a:extLst>
               <a:ext uri="{91240B29-F687-4f45-9708-019B960494DF}">
-                <a14:hiddenLine xmlns:a14="http://schemas.microsoft.com/office/drawing/2010/main" xmlns="" w="9525">
+                <a14:hiddenLine xmlns="" xmlns:a14="http://schemas.microsoft.com/office/drawing/2010/main" w="9525">
                   <a:solidFill>
                     <a:srgbClr val="000000"/>
                   </a:solidFill>
@@ -3528,7 +3529,7 @@
             </a:ln>
             <a:extLst>
               <a:ext uri="{91240B29-F687-4f45-9708-019B960494DF}">
-                <a14:hiddenLine xmlns:a14="http://schemas.microsoft.com/office/drawing/2010/main" xmlns="" w="9525">
+                <a14:hiddenLine xmlns="" xmlns:a14="http://schemas.microsoft.com/office/drawing/2010/main" w="9525">
                   <a:solidFill>
                     <a:srgbClr val="000000"/>
                   </a:solidFill>
@@ -3590,7 +3591,7 @@
             </a:ln>
             <a:extLst>
               <a:ext uri="{91240B29-F687-4f45-9708-019B960494DF}">
-                <a14:hiddenLine xmlns:a14="http://schemas.microsoft.com/office/drawing/2010/main" xmlns="" w="9525">
+                <a14:hiddenLine xmlns="" xmlns:a14="http://schemas.microsoft.com/office/drawing/2010/main" w="9525">
                   <a:solidFill>
                     <a:srgbClr val="000000"/>
                   </a:solidFill>
@@ -3652,7 +3653,7 @@
             </a:ln>
             <a:extLst>
               <a:ext uri="{91240B29-F687-4f45-9708-019B960494DF}">
-                <a14:hiddenLine xmlns:a14="http://schemas.microsoft.com/office/drawing/2010/main" xmlns="" w="9525">
+                <a14:hiddenLine xmlns="" xmlns:a14="http://schemas.microsoft.com/office/drawing/2010/main" w="9525">
                   <a:solidFill>
                     <a:srgbClr val="000000"/>
                   </a:solidFill>
@@ -3742,7 +3743,7 @@
             </a:ln>
             <a:extLst>
               <a:ext uri="{91240B29-F687-4f45-9708-019B960494DF}">
-                <a14:hiddenLine xmlns:a14="http://schemas.microsoft.com/office/drawing/2010/main" xmlns="" w="9525">
+                <a14:hiddenLine xmlns="" xmlns:a14="http://schemas.microsoft.com/office/drawing/2010/main" w="9525">
                   <a:solidFill>
                     <a:srgbClr val="000000"/>
                   </a:solidFill>
@@ -3810,7 +3811,7 @@
             </a:ln>
             <a:extLst>
               <a:ext uri="{91240B29-F687-4f45-9708-019B960494DF}">
-                <a14:hiddenLine xmlns:a14="http://schemas.microsoft.com/office/drawing/2010/main" xmlns="" w="9525">
+                <a14:hiddenLine xmlns="" xmlns:a14="http://schemas.microsoft.com/office/drawing/2010/main" w="9525">
                   <a:solidFill>
                     <a:srgbClr val="000000"/>
                   </a:solidFill>
@@ -3872,7 +3873,7 @@
             </a:ln>
             <a:extLst>
               <a:ext uri="{91240B29-F687-4f45-9708-019B960494DF}">
-                <a14:hiddenLine xmlns:a14="http://schemas.microsoft.com/office/drawing/2010/main" xmlns="" w="9525">
+                <a14:hiddenLine xmlns="" xmlns:a14="http://schemas.microsoft.com/office/drawing/2010/main" w="9525">
                   <a:solidFill>
                     <a:srgbClr val="000000"/>
                   </a:solidFill>
@@ -3962,7 +3963,7 @@
             </a:ln>
             <a:extLst>
               <a:ext uri="{91240B29-F687-4f45-9708-019B960494DF}">
-                <a14:hiddenLine xmlns:a14="http://schemas.microsoft.com/office/drawing/2010/main" xmlns="" w="9525">
+                <a14:hiddenLine xmlns="" xmlns:a14="http://schemas.microsoft.com/office/drawing/2010/main" w="9525">
                   <a:solidFill>
                     <a:srgbClr val="000000"/>
                   </a:solidFill>
@@ -4024,7 +4025,7 @@
             </a:ln>
             <a:extLst>
               <a:ext uri="{91240B29-F687-4f45-9708-019B960494DF}">
-                <a14:hiddenLine xmlns:a14="http://schemas.microsoft.com/office/drawing/2010/main" xmlns="" w="9525">
+                <a14:hiddenLine xmlns="" xmlns:a14="http://schemas.microsoft.com/office/drawing/2010/main" w="9525">
                   <a:solidFill>
                     <a:srgbClr val="000000"/>
                   </a:solidFill>
@@ -4114,7 +4115,7 @@
             </a:ln>
             <a:extLst>
               <a:ext uri="{91240B29-F687-4f45-9708-019B960494DF}">
-                <a14:hiddenLine xmlns:a14="http://schemas.microsoft.com/office/drawing/2010/main" xmlns="" w="9525">
+                <a14:hiddenLine xmlns="" xmlns:a14="http://schemas.microsoft.com/office/drawing/2010/main" w="9525">
                   <a:solidFill>
                     <a:srgbClr val="000000"/>
                   </a:solidFill>
@@ -4176,7 +4177,7 @@
             </a:ln>
             <a:extLst>
               <a:ext uri="{91240B29-F687-4f45-9708-019B960494DF}">
-                <a14:hiddenLine xmlns:a14="http://schemas.microsoft.com/office/drawing/2010/main" xmlns="" w="9525">
+                <a14:hiddenLine xmlns="" xmlns:a14="http://schemas.microsoft.com/office/drawing/2010/main" w="9525">
                   <a:solidFill>
                     <a:srgbClr val="000000"/>
                   </a:solidFill>
@@ -4266,7 +4267,7 @@
             </a:ln>
             <a:extLst>
               <a:ext uri="{91240B29-F687-4f45-9708-019B960494DF}">
-                <a14:hiddenLine xmlns:a14="http://schemas.microsoft.com/office/drawing/2010/main" xmlns="" w="9525">
+                <a14:hiddenLine xmlns="" xmlns:a14="http://schemas.microsoft.com/office/drawing/2010/main" w="9525">
                   <a:solidFill>
                     <a:srgbClr val="000000"/>
                   </a:solidFill>
@@ -4300,7 +4301,7 @@
             </a:ln>
             <a:extLst>
               <a:ext uri="{91240B29-F687-4f45-9708-019B960494DF}">
-                <a14:hiddenLine xmlns:a14="http://schemas.microsoft.com/office/drawing/2010/main" xmlns="" w="9525">
+                <a14:hiddenLine xmlns="" xmlns:a14="http://schemas.microsoft.com/office/drawing/2010/main" w="9525">
                   <a:solidFill>
                     <a:srgbClr val="000000"/>
                   </a:solidFill>
@@ -4365,7 +4366,7 @@
             </a:ln>
             <a:extLst>
               <a:ext uri="{91240B29-F687-4f45-9708-019B960494DF}">
-                <a14:hiddenLine xmlns:a14="http://schemas.microsoft.com/office/drawing/2010/main" xmlns="" w="9525">
+                <a14:hiddenLine xmlns="" xmlns:a14="http://schemas.microsoft.com/office/drawing/2010/main" w="9525">
                   <a:solidFill>
                     <a:srgbClr val="000000"/>
                   </a:solidFill>
@@ -4455,7 +4456,7 @@
             </a:ln>
             <a:extLst>
               <a:ext uri="{91240B29-F687-4f45-9708-019B960494DF}">
-                <a14:hiddenLine xmlns:a14="http://schemas.microsoft.com/office/drawing/2010/main" xmlns="" w="9525">
+                <a14:hiddenLine xmlns="" xmlns:a14="http://schemas.microsoft.com/office/drawing/2010/main" w="9525">
                   <a:solidFill>
                     <a:srgbClr val="000000"/>
                   </a:solidFill>
@@ -4517,7 +4518,7 @@
             </a:ln>
             <a:extLst>
               <a:ext uri="{91240B29-F687-4f45-9708-019B960494DF}">
-                <a14:hiddenLine xmlns:a14="http://schemas.microsoft.com/office/drawing/2010/main" xmlns="" w="9525">
+                <a14:hiddenLine xmlns="" xmlns:a14="http://schemas.microsoft.com/office/drawing/2010/main" w="9525">
                   <a:solidFill>
                     <a:srgbClr val="000000"/>
                   </a:solidFill>
@@ -4607,7 +4608,7 @@
             </a:ln>
             <a:extLst>
               <a:ext uri="{91240B29-F687-4f45-9708-019B960494DF}">
-                <a14:hiddenLine xmlns:a14="http://schemas.microsoft.com/office/drawing/2010/main" xmlns="" w="9525">
+                <a14:hiddenLine xmlns="" xmlns:a14="http://schemas.microsoft.com/office/drawing/2010/main" w="9525">
                   <a:solidFill>
                     <a:srgbClr val="000000"/>
                   </a:solidFill>
@@ -4697,7 +4698,7 @@
             </a:ln>
             <a:extLst>
               <a:ext uri="{91240B29-F687-4f45-9708-019B960494DF}">
-                <a14:hiddenLine xmlns:a14="http://schemas.microsoft.com/office/drawing/2010/main" xmlns="" w="9525">
+                <a14:hiddenLine xmlns="" xmlns:a14="http://schemas.microsoft.com/office/drawing/2010/main" w="9525">
                   <a:solidFill>
                     <a:srgbClr val="000000"/>
                   </a:solidFill>
@@ -4762,7 +4763,7 @@
             </a:ln>
             <a:extLst>
               <a:ext uri="{91240B29-F687-4f45-9708-019B960494DF}">
-                <a14:hiddenLine xmlns:a14="http://schemas.microsoft.com/office/drawing/2010/main" xmlns="" w="9525">
+                <a14:hiddenLine xmlns="" xmlns:a14="http://schemas.microsoft.com/office/drawing/2010/main" w="9525">
                   <a:solidFill>
                     <a:srgbClr val="000000"/>
                   </a:solidFill>
@@ -4824,7 +4825,7 @@
             </a:ln>
             <a:extLst>
               <a:ext uri="{91240B29-F687-4f45-9708-019B960494DF}">
-                <a14:hiddenLine xmlns:a14="http://schemas.microsoft.com/office/drawing/2010/main" xmlns="" w="9525">
+                <a14:hiddenLine xmlns="" xmlns:a14="http://schemas.microsoft.com/office/drawing/2010/main" w="9525">
                   <a:solidFill>
                     <a:srgbClr val="000000"/>
                   </a:solidFill>
@@ -4914,7 +4915,7 @@
             </a:ln>
             <a:extLst>
               <a:ext uri="{91240B29-F687-4f45-9708-019B960494DF}">
-                <a14:hiddenLine xmlns:a14="http://schemas.microsoft.com/office/drawing/2010/main" xmlns="" w="9525">
+                <a14:hiddenLine xmlns="" xmlns:a14="http://schemas.microsoft.com/office/drawing/2010/main" w="9525">
                   <a:solidFill>
                     <a:srgbClr val="000000"/>
                   </a:solidFill>
@@ -5004,7 +5005,7 @@
             </a:ln>
             <a:extLst>
               <a:ext uri="{91240B29-F687-4f45-9708-019B960494DF}">
-                <a14:hiddenLine xmlns:a14="http://schemas.microsoft.com/office/drawing/2010/main" xmlns="" w="9525">
+                <a14:hiddenLine xmlns="" xmlns:a14="http://schemas.microsoft.com/office/drawing/2010/main" w="9525">
                   <a:solidFill>
                     <a:srgbClr val="000000"/>
                   </a:solidFill>
@@ -5066,7 +5067,7 @@
             </a:ln>
             <a:extLst>
               <a:ext uri="{91240B29-F687-4f45-9708-019B960494DF}">
-                <a14:hiddenLine xmlns:a14="http://schemas.microsoft.com/office/drawing/2010/main" xmlns="" w="9525">
+                <a14:hiddenLine xmlns="" xmlns:a14="http://schemas.microsoft.com/office/drawing/2010/main" w="9525">
                   <a:solidFill>
                     <a:srgbClr val="000000"/>
                   </a:solidFill>
@@ -5186,7 +5187,7 @@
             </a:ln>
             <a:extLst>
               <a:ext uri="{91240B29-F687-4f45-9708-019B960494DF}">
-                <a14:hiddenLine xmlns:a14="http://schemas.microsoft.com/office/drawing/2010/main" xmlns="" w="9525">
+                <a14:hiddenLine xmlns="" xmlns:a14="http://schemas.microsoft.com/office/drawing/2010/main" w="9525">
                   <a:solidFill>
                     <a:srgbClr val="000000"/>
                   </a:solidFill>
@@ -5254,7 +5255,7 @@
             </a:ln>
             <a:extLst>
               <a:ext uri="{91240B29-F687-4f45-9708-019B960494DF}">
-                <a14:hiddenLine xmlns:a14="http://schemas.microsoft.com/office/drawing/2010/main" xmlns="" w="9525">
+                <a14:hiddenLine xmlns="" xmlns:a14="http://schemas.microsoft.com/office/drawing/2010/main" w="9525">
                   <a:solidFill>
                     <a:srgbClr val="000000"/>
                   </a:solidFill>
@@ -5344,7 +5345,7 @@
             </a:ln>
             <a:extLst>
               <a:ext uri="{91240B29-F687-4f45-9708-019B960494DF}">
-                <a14:hiddenLine xmlns:a14="http://schemas.microsoft.com/office/drawing/2010/main" xmlns="" w="9525">
+                <a14:hiddenLine xmlns="" xmlns:a14="http://schemas.microsoft.com/office/drawing/2010/main" w="9525">
                   <a:solidFill>
                     <a:srgbClr val="000000"/>
                   </a:solidFill>
@@ -5484,7 +5485,7 @@
           <a:p>
             <a:fld id="{35330BE0-FB1A-4096-8BD0-5EA84602E5DD}" type="datetimeFigureOut">
               <a:rPr lang="de-AT" smtClean="0"/>
-              <a:t>06.11.2018</a:t>
+              <a:t>07.11.2018</a:t>
             </a:fld>
             <a:endParaRPr lang="de-AT"/>
           </a:p>
@@ -5751,7 +5752,7 @@
           <a:p>
             <a:fld id="{35330BE0-FB1A-4096-8BD0-5EA84602E5DD}" type="datetimeFigureOut">
               <a:rPr lang="de-AT" smtClean="0"/>
-              <a:t>06.11.2018</a:t>
+              <a:t>07.11.2018</a:t>
             </a:fld>
             <a:endParaRPr lang="de-AT"/>
           </a:p>
@@ -5947,7 +5948,7 @@
           <a:p>
             <a:fld id="{35330BE0-FB1A-4096-8BD0-5EA84602E5DD}" type="datetimeFigureOut">
               <a:rPr lang="de-AT" smtClean="0"/>
-              <a:t>06.11.2018</a:t>
+              <a:t>07.11.2018</a:t>
             </a:fld>
             <a:endParaRPr lang="de-AT"/>
           </a:p>
@@ -6210,7 +6211,7 @@
           <a:p>
             <a:fld id="{35330BE0-FB1A-4096-8BD0-5EA84602E5DD}" type="datetimeFigureOut">
               <a:rPr lang="de-AT" smtClean="0"/>
-              <a:t>06.11.2018</a:t>
+              <a:t>07.11.2018</a:t>
             </a:fld>
             <a:endParaRPr lang="de-AT"/>
           </a:p>
@@ -6644,7 +6645,7 @@
           <a:p>
             <a:fld id="{35330BE0-FB1A-4096-8BD0-5EA84602E5DD}" type="datetimeFigureOut">
               <a:rPr lang="de-AT" smtClean="0"/>
-              <a:t>06.11.2018</a:t>
+              <a:t>07.11.2018</a:t>
             </a:fld>
             <a:endParaRPr lang="de-AT"/>
           </a:p>
@@ -7190,7 +7191,7 @@
           <a:p>
             <a:fld id="{35330BE0-FB1A-4096-8BD0-5EA84602E5DD}" type="datetimeFigureOut">
               <a:rPr lang="de-AT" smtClean="0"/>
-              <a:t>06.11.2018</a:t>
+              <a:t>07.11.2018</a:t>
             </a:fld>
             <a:endParaRPr lang="de-AT"/>
           </a:p>
@@ -7910,7 +7911,7 @@
           <a:p>
             <a:fld id="{35330BE0-FB1A-4096-8BD0-5EA84602E5DD}" type="datetimeFigureOut">
               <a:rPr lang="de-AT" smtClean="0"/>
-              <a:t>06.11.2018</a:t>
+              <a:t>07.11.2018</a:t>
             </a:fld>
             <a:endParaRPr lang="de-AT"/>
           </a:p>
@@ -8080,7 +8081,7 @@
           <a:p>
             <a:fld id="{35330BE0-FB1A-4096-8BD0-5EA84602E5DD}" type="datetimeFigureOut">
               <a:rPr lang="de-AT" smtClean="0"/>
-              <a:t>06.11.2018</a:t>
+              <a:t>07.11.2018</a:t>
             </a:fld>
             <a:endParaRPr lang="de-AT"/>
           </a:p>
@@ -8260,7 +8261,7 @@
           <a:p>
             <a:fld id="{35330BE0-FB1A-4096-8BD0-5EA84602E5DD}" type="datetimeFigureOut">
               <a:rPr lang="de-AT" smtClean="0"/>
-              <a:t>06.11.2018</a:t>
+              <a:t>07.11.2018</a:t>
             </a:fld>
             <a:endParaRPr lang="de-AT"/>
           </a:p>
@@ -8430,7 +8431,7 @@
           <a:p>
             <a:fld id="{35330BE0-FB1A-4096-8BD0-5EA84602E5DD}" type="datetimeFigureOut">
               <a:rPr lang="de-AT" smtClean="0"/>
-              <a:t>06.11.2018</a:t>
+              <a:t>07.11.2018</a:t>
             </a:fld>
             <a:endParaRPr lang="de-AT"/>
           </a:p>
@@ -8680,7 +8681,7 @@
           <a:p>
             <a:fld id="{35330BE0-FB1A-4096-8BD0-5EA84602E5DD}" type="datetimeFigureOut">
               <a:rPr lang="de-AT" smtClean="0"/>
-              <a:t>06.11.2018</a:t>
+              <a:t>07.11.2018</a:t>
             </a:fld>
             <a:endParaRPr lang="de-AT"/>
           </a:p>
@@ -8912,7 +8913,7 @@
           <a:p>
             <a:fld id="{35330BE0-FB1A-4096-8BD0-5EA84602E5DD}" type="datetimeFigureOut">
               <a:rPr lang="de-AT" smtClean="0"/>
-              <a:t>06.11.2018</a:t>
+              <a:t>07.11.2018</a:t>
             </a:fld>
             <a:endParaRPr lang="de-AT"/>
           </a:p>
@@ -9293,7 +9294,7 @@
           <a:p>
             <a:fld id="{35330BE0-FB1A-4096-8BD0-5EA84602E5DD}" type="datetimeFigureOut">
               <a:rPr lang="de-AT" smtClean="0"/>
-              <a:t>06.11.2018</a:t>
+              <a:t>07.11.2018</a:t>
             </a:fld>
             <a:endParaRPr lang="de-AT"/>
           </a:p>
@@ -9411,7 +9412,7 @@
           <a:p>
             <a:fld id="{35330BE0-FB1A-4096-8BD0-5EA84602E5DD}" type="datetimeFigureOut">
               <a:rPr lang="de-AT" smtClean="0"/>
-              <a:t>06.11.2018</a:t>
+              <a:t>07.11.2018</a:t>
             </a:fld>
             <a:endParaRPr lang="de-AT"/>
           </a:p>
@@ -9506,7 +9507,7 @@
           <a:p>
             <a:fld id="{35330BE0-FB1A-4096-8BD0-5EA84602E5DD}" type="datetimeFigureOut">
               <a:rPr lang="de-AT" smtClean="0"/>
-              <a:t>06.11.2018</a:t>
+              <a:t>07.11.2018</a:t>
             </a:fld>
             <a:endParaRPr lang="de-AT"/>
           </a:p>
@@ -9755,7 +9756,7 @@
           <a:p>
             <a:fld id="{35330BE0-FB1A-4096-8BD0-5EA84602E5DD}" type="datetimeFigureOut">
               <a:rPr lang="de-AT" smtClean="0"/>
-              <a:t>06.11.2018</a:t>
+              <a:t>07.11.2018</a:t>
             </a:fld>
             <a:endParaRPr lang="de-AT"/>
           </a:p>
@@ -10035,7 +10036,7 @@
           <a:p>
             <a:fld id="{35330BE0-FB1A-4096-8BD0-5EA84602E5DD}" type="datetimeFigureOut">
               <a:rPr lang="de-AT" smtClean="0"/>
-              <a:t>06.11.2018</a:t>
+              <a:t>07.11.2018</a:t>
             </a:fld>
             <a:endParaRPr lang="de-AT"/>
           </a:p>
@@ -10151,7 +10152,7 @@
           <a:noFill/>
           <a:extLst>
             <a:ext uri="{909E8E84-426E-40dd-AFC4-6F175D3DCCD1}">
-              <a14:hiddenFill xmlns:a14="http://schemas.microsoft.com/office/drawing/2010/main" xmlns="">
+              <a14:hiddenFill xmlns="" xmlns:a14="http://schemas.microsoft.com/office/drawing/2010/main">
                 <a:solidFill>
                   <a:srgbClr val="FFFFFF"/>
                 </a:solidFill>
@@ -10225,7 +10226,7 @@
               </a:ln>
               <a:extLst>
                 <a:ext uri="{91240B29-F687-4f45-9708-019B960494DF}">
-                  <a14:hiddenLine xmlns:a14="http://schemas.microsoft.com/office/drawing/2010/main" xmlns="" w="9525">
+                  <a14:hiddenLine xmlns="" xmlns:a14="http://schemas.microsoft.com/office/drawing/2010/main" w="9525">
                     <a:solidFill>
                       <a:srgbClr val="000000"/>
                     </a:solidFill>
@@ -10315,7 +10316,7 @@
               </a:ln>
               <a:extLst>
                 <a:ext uri="{91240B29-F687-4f45-9708-019B960494DF}">
-                  <a14:hiddenLine xmlns:a14="http://schemas.microsoft.com/office/drawing/2010/main" xmlns="" w="9525">
+                  <a14:hiddenLine xmlns="" xmlns:a14="http://schemas.microsoft.com/office/drawing/2010/main" w="9525">
                     <a:solidFill>
                       <a:srgbClr val="000000"/>
                     </a:solidFill>
@@ -10405,7 +10406,7 @@
               </a:ln>
               <a:extLst>
                 <a:ext uri="{91240B29-F687-4f45-9708-019B960494DF}">
-                  <a14:hiddenLine xmlns:a14="http://schemas.microsoft.com/office/drawing/2010/main" xmlns="" w="9525">
+                  <a14:hiddenLine xmlns="" xmlns:a14="http://schemas.microsoft.com/office/drawing/2010/main" w="9525">
                     <a:solidFill>
                       <a:srgbClr val="000000"/>
                     </a:solidFill>
@@ -10467,7 +10468,7 @@
               </a:ln>
               <a:extLst>
                 <a:ext uri="{91240B29-F687-4f45-9708-019B960494DF}">
-                  <a14:hiddenLine xmlns:a14="http://schemas.microsoft.com/office/drawing/2010/main" xmlns="" w="9525">
+                  <a14:hiddenLine xmlns="" xmlns:a14="http://schemas.microsoft.com/office/drawing/2010/main" w="9525">
                     <a:solidFill>
                       <a:srgbClr val="000000"/>
                     </a:solidFill>
@@ -10557,7 +10558,7 @@
               </a:ln>
               <a:extLst>
                 <a:ext uri="{91240B29-F687-4f45-9708-019B960494DF}">
-                  <a14:hiddenLine xmlns:a14="http://schemas.microsoft.com/office/drawing/2010/main" xmlns="" w="9525">
+                  <a14:hiddenLine xmlns="" xmlns:a14="http://schemas.microsoft.com/office/drawing/2010/main" w="9525">
                     <a:solidFill>
                       <a:srgbClr val="000000"/>
                     </a:solidFill>
@@ -10619,7 +10620,7 @@
               </a:ln>
               <a:extLst>
                 <a:ext uri="{91240B29-F687-4f45-9708-019B960494DF}">
-                  <a14:hiddenLine xmlns:a14="http://schemas.microsoft.com/office/drawing/2010/main" xmlns="" w="9525">
+                  <a14:hiddenLine xmlns="" xmlns:a14="http://schemas.microsoft.com/office/drawing/2010/main" w="9525">
                     <a:solidFill>
                       <a:srgbClr val="000000"/>
                     </a:solidFill>
@@ -10681,7 +10682,7 @@
               </a:ln>
               <a:extLst>
                 <a:ext uri="{91240B29-F687-4f45-9708-019B960494DF}">
-                  <a14:hiddenLine xmlns:a14="http://schemas.microsoft.com/office/drawing/2010/main" xmlns="" w="9525">
+                  <a14:hiddenLine xmlns="" xmlns:a14="http://schemas.microsoft.com/office/drawing/2010/main" w="9525">
                     <a:solidFill>
                       <a:srgbClr val="000000"/>
                     </a:solidFill>
@@ -10771,7 +10772,7 @@
               </a:ln>
               <a:extLst>
                 <a:ext uri="{91240B29-F687-4f45-9708-019B960494DF}">
-                  <a14:hiddenLine xmlns:a14="http://schemas.microsoft.com/office/drawing/2010/main" xmlns="" w="9525">
+                  <a14:hiddenLine xmlns="" xmlns:a14="http://schemas.microsoft.com/office/drawing/2010/main" w="9525">
                     <a:solidFill>
                       <a:srgbClr val="000000"/>
                     </a:solidFill>
@@ -10861,7 +10862,7 @@
               </a:ln>
               <a:extLst>
                 <a:ext uri="{91240B29-F687-4f45-9708-019B960494DF}">
-                  <a14:hiddenLine xmlns:a14="http://schemas.microsoft.com/office/drawing/2010/main" xmlns="" w="9525">
+                  <a14:hiddenLine xmlns="" xmlns:a14="http://schemas.microsoft.com/office/drawing/2010/main" w="9525">
                     <a:solidFill>
                       <a:srgbClr val="000000"/>
                     </a:solidFill>
@@ -10923,7 +10924,7 @@
               </a:ln>
               <a:extLst>
                 <a:ext uri="{91240B29-F687-4f45-9708-019B960494DF}">
-                  <a14:hiddenLine xmlns:a14="http://schemas.microsoft.com/office/drawing/2010/main" xmlns="" w="9525">
+                  <a14:hiddenLine xmlns="" xmlns:a14="http://schemas.microsoft.com/office/drawing/2010/main" w="9525">
                     <a:solidFill>
                       <a:srgbClr val="000000"/>
                     </a:solidFill>
@@ -11033,7 +11034,7 @@
               </a:ln>
               <a:extLst>
                 <a:ext uri="{91240B29-F687-4f45-9708-019B960494DF}">
-                  <a14:hiddenLine xmlns:a14="http://schemas.microsoft.com/office/drawing/2010/main" xmlns="" w="9525">
+                  <a14:hiddenLine xmlns="" xmlns:a14="http://schemas.microsoft.com/office/drawing/2010/main" w="9525">
                     <a:solidFill>
                       <a:srgbClr val="000000"/>
                     </a:solidFill>
@@ -11117,7 +11118,7 @@
               </a:ln>
               <a:extLst>
                 <a:ext uri="{91240B29-F687-4f45-9708-019B960494DF}">
-                  <a14:hiddenLine xmlns:a14="http://schemas.microsoft.com/office/drawing/2010/main" xmlns="" w="9525">
+                  <a14:hiddenLine xmlns="" xmlns:a14="http://schemas.microsoft.com/office/drawing/2010/main" w="9525">
                     <a:solidFill>
                       <a:srgbClr val="000000"/>
                     </a:solidFill>
@@ -11179,7 +11180,7 @@
               </a:ln>
               <a:extLst>
                 <a:ext uri="{91240B29-F687-4f45-9708-019B960494DF}">
-                  <a14:hiddenLine xmlns:a14="http://schemas.microsoft.com/office/drawing/2010/main" xmlns="" w="9525">
+                  <a14:hiddenLine xmlns="" xmlns:a14="http://schemas.microsoft.com/office/drawing/2010/main" w="9525">
                     <a:solidFill>
                       <a:srgbClr val="000000"/>
                     </a:solidFill>
@@ -11241,7 +11242,7 @@
               </a:ln>
               <a:extLst>
                 <a:ext uri="{91240B29-F687-4f45-9708-019B960494DF}">
-                  <a14:hiddenLine xmlns:a14="http://schemas.microsoft.com/office/drawing/2010/main" xmlns="" w="9525">
+                  <a14:hiddenLine xmlns="" xmlns:a14="http://schemas.microsoft.com/office/drawing/2010/main" w="9525">
                     <a:solidFill>
                       <a:srgbClr val="000000"/>
                     </a:solidFill>
@@ -11331,7 +11332,7 @@
               </a:ln>
               <a:extLst>
                 <a:ext uri="{91240B29-F687-4f45-9708-019B960494DF}">
-                  <a14:hiddenLine xmlns:a14="http://schemas.microsoft.com/office/drawing/2010/main" xmlns="" w="9525">
+                  <a14:hiddenLine xmlns="" xmlns:a14="http://schemas.microsoft.com/office/drawing/2010/main" w="9525">
                     <a:solidFill>
                       <a:srgbClr val="000000"/>
                     </a:solidFill>
@@ -11365,7 +11366,7 @@
               </a:ln>
               <a:extLst>
                 <a:ext uri="{91240B29-F687-4f45-9708-019B960494DF}">
-                  <a14:hiddenLine xmlns:a14="http://schemas.microsoft.com/office/drawing/2010/main" xmlns="" w="9525">
+                  <a14:hiddenLine xmlns="" xmlns:a14="http://schemas.microsoft.com/office/drawing/2010/main" w="9525">
                     <a:solidFill>
                       <a:srgbClr val="000000"/>
                     </a:solidFill>
@@ -11430,7 +11431,7 @@
               </a:ln>
               <a:extLst>
                 <a:ext uri="{91240B29-F687-4f45-9708-019B960494DF}">
-                  <a14:hiddenLine xmlns:a14="http://schemas.microsoft.com/office/drawing/2010/main" xmlns="" w="9525">
+                  <a14:hiddenLine xmlns="" xmlns:a14="http://schemas.microsoft.com/office/drawing/2010/main" w="9525">
                     <a:solidFill>
                       <a:srgbClr val="000000"/>
                     </a:solidFill>
@@ -11520,7 +11521,7 @@
               </a:ln>
               <a:extLst>
                 <a:ext uri="{91240B29-F687-4f45-9708-019B960494DF}">
-                  <a14:hiddenLine xmlns:a14="http://schemas.microsoft.com/office/drawing/2010/main" xmlns="" w="9525">
+                  <a14:hiddenLine xmlns="" xmlns:a14="http://schemas.microsoft.com/office/drawing/2010/main" w="9525">
                     <a:solidFill>
                       <a:srgbClr val="000000"/>
                     </a:solidFill>
@@ -11582,7 +11583,7 @@
               </a:ln>
               <a:extLst>
                 <a:ext uri="{91240B29-F687-4f45-9708-019B960494DF}">
-                  <a14:hiddenLine xmlns:a14="http://schemas.microsoft.com/office/drawing/2010/main" xmlns="" w="9525">
+                  <a14:hiddenLine xmlns="" xmlns:a14="http://schemas.microsoft.com/office/drawing/2010/main" w="9525">
                     <a:solidFill>
                       <a:srgbClr val="000000"/>
                     </a:solidFill>
@@ -11672,7 +11673,7 @@
               </a:ln>
               <a:extLst>
                 <a:ext uri="{91240B29-F687-4f45-9708-019B960494DF}">
-                  <a14:hiddenLine xmlns:a14="http://schemas.microsoft.com/office/drawing/2010/main" xmlns="" w="9525">
+                  <a14:hiddenLine xmlns="" xmlns:a14="http://schemas.microsoft.com/office/drawing/2010/main" w="9525">
                     <a:solidFill>
                       <a:srgbClr val="000000"/>
                     </a:solidFill>
@@ -11737,7 +11738,7 @@
               </a:ln>
               <a:extLst>
                 <a:ext uri="{91240B29-F687-4f45-9708-019B960494DF}">
-                  <a14:hiddenLine xmlns:a14="http://schemas.microsoft.com/office/drawing/2010/main" xmlns="" w="9525">
+                  <a14:hiddenLine xmlns="" xmlns:a14="http://schemas.microsoft.com/office/drawing/2010/main" w="9525">
                     <a:solidFill>
                       <a:srgbClr val="000000"/>
                     </a:solidFill>
@@ -11799,7 +11800,7 @@
               </a:ln>
               <a:extLst>
                 <a:ext uri="{91240B29-F687-4f45-9708-019B960494DF}">
-                  <a14:hiddenLine xmlns:a14="http://schemas.microsoft.com/office/drawing/2010/main" xmlns="" w="9525">
+                  <a14:hiddenLine xmlns="" xmlns:a14="http://schemas.microsoft.com/office/drawing/2010/main" w="9525">
                     <a:solidFill>
                       <a:srgbClr val="000000"/>
                     </a:solidFill>
@@ -11889,7 +11890,7 @@
               </a:ln>
               <a:extLst>
                 <a:ext uri="{91240B29-F687-4f45-9708-019B960494DF}">
-                  <a14:hiddenLine xmlns:a14="http://schemas.microsoft.com/office/drawing/2010/main" xmlns="" w="9525">
+                  <a14:hiddenLine xmlns="" xmlns:a14="http://schemas.microsoft.com/office/drawing/2010/main" w="9525">
                     <a:solidFill>
                       <a:srgbClr val="000000"/>
                     </a:solidFill>
@@ -11979,7 +11980,7 @@
               </a:ln>
               <a:extLst>
                 <a:ext uri="{91240B29-F687-4f45-9708-019B960494DF}">
-                  <a14:hiddenLine xmlns:a14="http://schemas.microsoft.com/office/drawing/2010/main" xmlns="" w="9525">
+                  <a14:hiddenLine xmlns="" xmlns:a14="http://schemas.microsoft.com/office/drawing/2010/main" w="9525">
                     <a:solidFill>
                       <a:srgbClr val="000000"/>
                     </a:solidFill>
@@ -12044,7 +12045,7 @@
               </a:ln>
               <a:extLst>
                 <a:ext uri="{91240B29-F687-4f45-9708-019B960494DF}">
-                  <a14:hiddenLine xmlns:a14="http://schemas.microsoft.com/office/drawing/2010/main" xmlns="" w="9525">
+                  <a14:hiddenLine xmlns="" xmlns:a14="http://schemas.microsoft.com/office/drawing/2010/main" w="9525">
                     <a:solidFill>
                       <a:srgbClr val="000000"/>
                     </a:solidFill>
@@ -12164,7 +12165,7 @@
               </a:ln>
               <a:extLst>
                 <a:ext uri="{91240B29-F687-4f45-9708-019B960494DF}">
-                  <a14:hiddenLine xmlns:a14="http://schemas.microsoft.com/office/drawing/2010/main" xmlns="" w="9525">
+                  <a14:hiddenLine xmlns="" xmlns:a14="http://schemas.microsoft.com/office/drawing/2010/main" w="9525">
                     <a:solidFill>
                       <a:srgbClr val="000000"/>
                     </a:solidFill>
@@ -12262,7 +12263,7 @@
               </a:ln>
               <a:extLst>
                 <a:ext uri="{91240B29-F687-4f45-9708-019B960494DF}">
-                  <a14:hiddenLine xmlns:a14="http://schemas.microsoft.com/office/drawing/2010/main" xmlns="" w="9525">
+                  <a14:hiddenLine xmlns="" xmlns:a14="http://schemas.microsoft.com/office/drawing/2010/main" w="9525">
                     <a:solidFill>
                       <a:srgbClr val="000000"/>
                     </a:solidFill>
@@ -12377,7 +12378,7 @@
               </a:ln>
               <a:extLst>
                 <a:ext uri="{91240B29-F687-4f45-9708-019B960494DF}">
-                  <a14:hiddenLine xmlns:a14="http://schemas.microsoft.com/office/drawing/2010/main" xmlns="" w="9525">
+                  <a14:hiddenLine xmlns="" xmlns:a14="http://schemas.microsoft.com/office/drawing/2010/main" w="9525">
                     <a:solidFill>
                       <a:srgbClr val="000000"/>
                     </a:solidFill>
@@ -12467,7 +12468,7 @@
               </a:ln>
               <a:extLst>
                 <a:ext uri="{91240B29-F687-4f45-9708-019B960494DF}">
-                  <a14:hiddenLine xmlns:a14="http://schemas.microsoft.com/office/drawing/2010/main" xmlns="" w="9525">
+                  <a14:hiddenLine xmlns="" xmlns:a14="http://schemas.microsoft.com/office/drawing/2010/main" w="9525">
                     <a:solidFill>
                       <a:srgbClr val="000000"/>
                     </a:solidFill>
@@ -12532,7 +12533,7 @@
               </a:ln>
               <a:extLst>
                 <a:ext uri="{91240B29-F687-4f45-9708-019B960494DF}">
-                  <a14:hiddenLine xmlns:a14="http://schemas.microsoft.com/office/drawing/2010/main" xmlns="" w="9525">
+                  <a14:hiddenLine xmlns="" xmlns:a14="http://schemas.microsoft.com/office/drawing/2010/main" w="9525">
                     <a:solidFill>
                       <a:srgbClr val="000000"/>
                     </a:solidFill>
@@ -12622,7 +12623,7 @@
               </a:ln>
               <a:extLst>
                 <a:ext uri="{91240B29-F687-4f45-9708-019B960494DF}">
-                  <a14:hiddenLine xmlns:a14="http://schemas.microsoft.com/office/drawing/2010/main" xmlns="" w="9525">
+                  <a14:hiddenLine xmlns="" xmlns:a14="http://schemas.microsoft.com/office/drawing/2010/main" w="9525">
                     <a:solidFill>
                       <a:srgbClr val="000000"/>
                     </a:solidFill>
@@ -12690,7 +12691,7 @@
               </a:ln>
               <a:extLst>
                 <a:ext uri="{91240B29-F687-4f45-9708-019B960494DF}">
-                  <a14:hiddenLine xmlns:a14="http://schemas.microsoft.com/office/drawing/2010/main" xmlns="" w="9525">
+                  <a14:hiddenLine xmlns="" xmlns:a14="http://schemas.microsoft.com/office/drawing/2010/main" w="9525">
                     <a:solidFill>
                       <a:srgbClr val="000000"/>
                     </a:solidFill>
@@ -12780,7 +12781,7 @@
               </a:ln>
               <a:extLst>
                 <a:ext uri="{91240B29-F687-4f45-9708-019B960494DF}">
-                  <a14:hiddenLine xmlns:a14="http://schemas.microsoft.com/office/drawing/2010/main" xmlns="" w="9525">
+                  <a14:hiddenLine xmlns="" xmlns:a14="http://schemas.microsoft.com/office/drawing/2010/main" w="9525">
                     <a:solidFill>
                       <a:srgbClr val="000000"/>
                     </a:solidFill>
@@ -12848,7 +12849,7 @@
               </a:ln>
               <a:extLst>
                 <a:ext uri="{91240B29-F687-4f45-9708-019B960494DF}">
-                  <a14:hiddenLine xmlns:a14="http://schemas.microsoft.com/office/drawing/2010/main" xmlns="" w="9525">
+                  <a14:hiddenLine xmlns="" xmlns:a14="http://schemas.microsoft.com/office/drawing/2010/main" w="9525">
                     <a:solidFill>
                       <a:srgbClr val="000000"/>
                     </a:solidFill>
@@ -12938,7 +12939,7 @@
               </a:ln>
               <a:extLst>
                 <a:ext uri="{91240B29-F687-4f45-9708-019B960494DF}">
-                  <a14:hiddenLine xmlns:a14="http://schemas.microsoft.com/office/drawing/2010/main" xmlns="" w="9525">
+                  <a14:hiddenLine xmlns="" xmlns:a14="http://schemas.microsoft.com/office/drawing/2010/main" w="9525">
                     <a:solidFill>
                       <a:srgbClr val="000000"/>
                     </a:solidFill>
@@ -12972,7 +12973,7 @@
               </a:ln>
               <a:extLst>
                 <a:ext uri="{91240B29-F687-4f45-9708-019B960494DF}">
-                  <a14:hiddenLine xmlns:a14="http://schemas.microsoft.com/office/drawing/2010/main" xmlns="" w="9525">
+                  <a14:hiddenLine xmlns="" xmlns:a14="http://schemas.microsoft.com/office/drawing/2010/main" w="9525">
                     <a:solidFill>
                       <a:srgbClr val="000000"/>
                     </a:solidFill>
@@ -13112,7 +13113,7 @@
           <a:p>
             <a:fld id="{35330BE0-FB1A-4096-8BD0-5EA84602E5DD}" type="datetimeFigureOut">
               <a:rPr lang="de-AT" smtClean="0"/>
-              <a:t>06.11.2018</a:t>
+              <a:t>07.11.2018</a:t>
             </a:fld>
             <a:endParaRPr lang="de-AT"/>
           </a:p>
@@ -13760,7 +13761,7 @@
             </a:ln>
             <a:extLst>
               <a:ext uri="{91240B29-F687-4f45-9708-019B960494DF}">
-                <a14:hiddenLine xmlns="" xmlns:a16="http://schemas.microsoft.com/office/drawing/2014/main" xmlns:p14="http://schemas.microsoft.com/office/powerpoint/2010/main" xmlns:a14="http://schemas.microsoft.com/office/drawing/2010/main" w="9525">
+                <a14:hiddenLine xmlns:a14="http://schemas.microsoft.com/office/drawing/2010/main" xmlns:p14="http://schemas.microsoft.com/office/powerpoint/2010/main" xmlns:a16="http://schemas.microsoft.com/office/drawing/2014/main" xmlns="" w="9525">
                   <a:solidFill>
                     <a:srgbClr val="000000"/>
                   </a:solidFill>
@@ -13865,7 +13866,7 @@
             </a:ln>
             <a:extLst>
               <a:ext uri="{91240B29-F687-4f45-9708-019B960494DF}">
-                <a14:hiddenLine xmlns="" xmlns:a16="http://schemas.microsoft.com/office/drawing/2014/main" xmlns:p14="http://schemas.microsoft.com/office/powerpoint/2010/main" xmlns:a14="http://schemas.microsoft.com/office/drawing/2010/main" w="9525">
+                <a14:hiddenLine xmlns:a14="http://schemas.microsoft.com/office/drawing/2010/main" xmlns:p14="http://schemas.microsoft.com/office/powerpoint/2010/main" xmlns:a16="http://schemas.microsoft.com/office/drawing/2014/main" xmlns="" w="9525">
                   <a:solidFill>
                     <a:srgbClr val="000000"/>
                   </a:solidFill>
@@ -13970,7 +13971,7 @@
             </a:ln>
             <a:extLst>
               <a:ext uri="{91240B29-F687-4f45-9708-019B960494DF}">
-                <a14:hiddenLine xmlns="" xmlns:a16="http://schemas.microsoft.com/office/drawing/2014/main" xmlns:p14="http://schemas.microsoft.com/office/powerpoint/2010/main" xmlns:a14="http://schemas.microsoft.com/office/drawing/2010/main" w="9525">
+                <a14:hiddenLine xmlns:a14="http://schemas.microsoft.com/office/drawing/2010/main" xmlns:p14="http://schemas.microsoft.com/office/powerpoint/2010/main" xmlns:a16="http://schemas.microsoft.com/office/drawing/2014/main" xmlns="" w="9525">
                   <a:solidFill>
                     <a:srgbClr val="000000"/>
                   </a:solidFill>
@@ -14019,7 +14020,7 @@
             </a:ln>
             <a:extLst>
               <a:ext uri="{91240B29-F687-4f45-9708-019B960494DF}">
-                <a14:hiddenLine xmlns="" xmlns:a16="http://schemas.microsoft.com/office/drawing/2014/main" xmlns:p14="http://schemas.microsoft.com/office/powerpoint/2010/main" xmlns:a14="http://schemas.microsoft.com/office/drawing/2010/main" w="9525">
+                <a14:hiddenLine xmlns:a14="http://schemas.microsoft.com/office/drawing/2010/main" xmlns:p14="http://schemas.microsoft.com/office/powerpoint/2010/main" xmlns:a16="http://schemas.microsoft.com/office/drawing/2014/main" xmlns="" w="9525">
                   <a:solidFill>
                     <a:srgbClr val="000000"/>
                   </a:solidFill>
@@ -14124,7 +14125,7 @@
             </a:ln>
             <a:extLst>
               <a:ext uri="{91240B29-F687-4f45-9708-019B960494DF}">
-                <a14:hiddenLine xmlns="" xmlns:a16="http://schemas.microsoft.com/office/drawing/2014/main" xmlns:p14="http://schemas.microsoft.com/office/powerpoint/2010/main" xmlns:a14="http://schemas.microsoft.com/office/drawing/2010/main" w="9525">
+                <a14:hiddenLine xmlns:a14="http://schemas.microsoft.com/office/drawing/2010/main" xmlns:p14="http://schemas.microsoft.com/office/powerpoint/2010/main" xmlns:a16="http://schemas.microsoft.com/office/drawing/2014/main" xmlns="" w="9525">
                   <a:solidFill>
                     <a:srgbClr val="000000"/>
                   </a:solidFill>
@@ -14201,7 +14202,7 @@
             </a:ln>
             <a:extLst>
               <a:ext uri="{91240B29-F687-4f45-9708-019B960494DF}">
-                <a14:hiddenLine xmlns="" xmlns:a16="http://schemas.microsoft.com/office/drawing/2014/main" xmlns:p14="http://schemas.microsoft.com/office/powerpoint/2010/main" xmlns:a14="http://schemas.microsoft.com/office/drawing/2010/main" w="9525">
+                <a14:hiddenLine xmlns:a14="http://schemas.microsoft.com/office/drawing/2010/main" xmlns:p14="http://schemas.microsoft.com/office/powerpoint/2010/main" xmlns:a16="http://schemas.microsoft.com/office/drawing/2014/main" xmlns="" w="9525">
                   <a:solidFill>
                     <a:srgbClr val="000000"/>
                   </a:solidFill>
@@ -14278,7 +14279,7 @@
             </a:ln>
             <a:extLst>
               <a:ext uri="{91240B29-F687-4f45-9708-019B960494DF}">
-                <a14:hiddenLine xmlns="" xmlns:a16="http://schemas.microsoft.com/office/drawing/2014/main" xmlns:p14="http://schemas.microsoft.com/office/powerpoint/2010/main" xmlns:a14="http://schemas.microsoft.com/office/drawing/2010/main" w="9525">
+                <a14:hiddenLine xmlns:a14="http://schemas.microsoft.com/office/drawing/2010/main" xmlns:p14="http://schemas.microsoft.com/office/powerpoint/2010/main" xmlns:a16="http://schemas.microsoft.com/office/drawing/2014/main" xmlns="" w="9525">
                   <a:solidFill>
                     <a:srgbClr val="000000"/>
                   </a:solidFill>
@@ -14383,7 +14384,7 @@
             </a:ln>
             <a:extLst>
               <a:ext uri="{91240B29-F687-4f45-9708-019B960494DF}">
-                <a14:hiddenLine xmlns="" xmlns:a16="http://schemas.microsoft.com/office/drawing/2014/main" xmlns:p14="http://schemas.microsoft.com/office/powerpoint/2010/main" xmlns:a14="http://schemas.microsoft.com/office/drawing/2010/main" w="9525">
+                <a14:hiddenLine xmlns:a14="http://schemas.microsoft.com/office/drawing/2010/main" xmlns:p14="http://schemas.microsoft.com/office/powerpoint/2010/main" xmlns:a16="http://schemas.microsoft.com/office/drawing/2014/main" xmlns="" w="9525">
                   <a:solidFill>
                     <a:srgbClr val="000000"/>
                   </a:solidFill>
@@ -14460,7 +14461,7 @@
             </a:ln>
             <a:extLst>
               <a:ext uri="{91240B29-F687-4f45-9708-019B960494DF}">
-                <a14:hiddenLine xmlns="" xmlns:a16="http://schemas.microsoft.com/office/drawing/2014/main" xmlns:p14="http://schemas.microsoft.com/office/powerpoint/2010/main" xmlns:a14="http://schemas.microsoft.com/office/drawing/2010/main" w="9525">
+                <a14:hiddenLine xmlns:a14="http://schemas.microsoft.com/office/drawing/2010/main" xmlns:p14="http://schemas.microsoft.com/office/powerpoint/2010/main" xmlns:a16="http://schemas.microsoft.com/office/drawing/2014/main" xmlns="" w="9525">
                   <a:solidFill>
                     <a:srgbClr val="000000"/>
                   </a:solidFill>
@@ -14537,7 +14538,7 @@
             </a:ln>
             <a:extLst>
               <a:ext uri="{91240B29-F687-4f45-9708-019B960494DF}">
-                <a14:hiddenLine xmlns="" xmlns:a16="http://schemas.microsoft.com/office/drawing/2014/main" xmlns:p14="http://schemas.microsoft.com/office/powerpoint/2010/main" xmlns:a14="http://schemas.microsoft.com/office/drawing/2010/main" w="9525">
+                <a14:hiddenLine xmlns:a14="http://schemas.microsoft.com/office/drawing/2010/main" xmlns:p14="http://schemas.microsoft.com/office/powerpoint/2010/main" xmlns:a16="http://schemas.microsoft.com/office/drawing/2014/main" xmlns="" w="9525">
                   <a:solidFill>
                     <a:srgbClr val="000000"/>
                   </a:solidFill>
@@ -14642,7 +14643,7 @@
             </a:ln>
             <a:extLst>
               <a:ext uri="{91240B29-F687-4f45-9708-019B960494DF}">
-                <a14:hiddenLine xmlns="" xmlns:a16="http://schemas.microsoft.com/office/drawing/2014/main" xmlns:p14="http://schemas.microsoft.com/office/powerpoint/2010/main" xmlns:a14="http://schemas.microsoft.com/office/drawing/2010/main" w="9525">
+                <a14:hiddenLine xmlns:a14="http://schemas.microsoft.com/office/drawing/2010/main" xmlns:p14="http://schemas.microsoft.com/office/powerpoint/2010/main" xmlns:a16="http://schemas.microsoft.com/office/drawing/2014/main" xmlns="" w="9525">
                   <a:solidFill>
                     <a:srgbClr val="000000"/>
                   </a:solidFill>
@@ -14747,7 +14748,7 @@
             </a:ln>
             <a:extLst>
               <a:ext uri="{91240B29-F687-4f45-9708-019B960494DF}">
-                <a14:hiddenLine xmlns="" xmlns:a16="http://schemas.microsoft.com/office/drawing/2014/main" xmlns:p14="http://schemas.microsoft.com/office/powerpoint/2010/main" xmlns:a14="http://schemas.microsoft.com/office/drawing/2010/main" w="9525">
+                <a14:hiddenLine xmlns:a14="http://schemas.microsoft.com/office/drawing/2010/main" xmlns:p14="http://schemas.microsoft.com/office/powerpoint/2010/main" xmlns:a16="http://schemas.microsoft.com/office/drawing/2014/main" xmlns="" w="9525">
                   <a:solidFill>
                     <a:srgbClr val="000000"/>
                   </a:solidFill>
@@ -14824,7 +14825,7 @@
             </a:ln>
             <a:extLst>
               <a:ext uri="{91240B29-F687-4f45-9708-019B960494DF}">
-                <a14:hiddenLine xmlns="" xmlns:a16="http://schemas.microsoft.com/office/drawing/2014/main" xmlns:p14="http://schemas.microsoft.com/office/powerpoint/2010/main" xmlns:a14="http://schemas.microsoft.com/office/drawing/2010/main" w="9525">
+                <a14:hiddenLine xmlns:a14="http://schemas.microsoft.com/office/drawing/2010/main" xmlns:p14="http://schemas.microsoft.com/office/powerpoint/2010/main" xmlns:a16="http://schemas.microsoft.com/office/drawing/2014/main" xmlns="" w="9525">
                   <a:solidFill>
                     <a:srgbClr val="000000"/>
                   </a:solidFill>
@@ -14949,7 +14950,7 @@
             </a:ln>
             <a:extLst>
               <a:ext uri="{91240B29-F687-4f45-9708-019B960494DF}">
-                <a14:hiddenLine xmlns="" xmlns:a16="http://schemas.microsoft.com/office/drawing/2014/main" xmlns:p14="http://schemas.microsoft.com/office/powerpoint/2010/main" xmlns:a14="http://schemas.microsoft.com/office/drawing/2010/main" w="9525">
+                <a14:hiddenLine xmlns:a14="http://schemas.microsoft.com/office/drawing/2010/main" xmlns:p14="http://schemas.microsoft.com/office/powerpoint/2010/main" xmlns:a16="http://schemas.microsoft.com/office/drawing/2014/main" xmlns="" w="9525">
                   <a:solidFill>
                     <a:srgbClr val="000000"/>
                   </a:solidFill>
@@ -15026,7 +15027,7 @@
             </a:ln>
             <a:extLst>
               <a:ext uri="{91240B29-F687-4f45-9708-019B960494DF}">
-                <a14:hiddenLine xmlns="" xmlns:a16="http://schemas.microsoft.com/office/drawing/2014/main" xmlns:p14="http://schemas.microsoft.com/office/powerpoint/2010/main" xmlns:a14="http://schemas.microsoft.com/office/drawing/2010/main" w="9525">
+                <a14:hiddenLine xmlns:a14="http://schemas.microsoft.com/office/drawing/2010/main" xmlns:p14="http://schemas.microsoft.com/office/powerpoint/2010/main" xmlns:a16="http://schemas.microsoft.com/office/drawing/2014/main" xmlns="" w="9525">
                   <a:solidFill>
                     <a:srgbClr val="000000"/>
                   </a:solidFill>
@@ -15131,7 +15132,7 @@
             </a:ln>
             <a:extLst>
               <a:ext uri="{91240B29-F687-4f45-9708-019B960494DF}">
-                <a14:hiddenLine xmlns="" xmlns:a16="http://schemas.microsoft.com/office/drawing/2014/main" xmlns:p14="http://schemas.microsoft.com/office/powerpoint/2010/main" xmlns:a14="http://schemas.microsoft.com/office/drawing/2010/main" w="9525">
+                <a14:hiddenLine xmlns:a14="http://schemas.microsoft.com/office/drawing/2010/main" xmlns:p14="http://schemas.microsoft.com/office/powerpoint/2010/main" xmlns:a16="http://schemas.microsoft.com/office/drawing/2014/main" xmlns="" w="9525">
                   <a:solidFill>
                     <a:srgbClr val="000000"/>
                   </a:solidFill>
@@ -15236,7 +15237,7 @@
             </a:ln>
             <a:extLst>
               <a:ext uri="{91240B29-F687-4f45-9708-019B960494DF}">
-                <a14:hiddenLine xmlns="" xmlns:a16="http://schemas.microsoft.com/office/drawing/2014/main" xmlns:p14="http://schemas.microsoft.com/office/powerpoint/2010/main" xmlns:a14="http://schemas.microsoft.com/office/drawing/2010/main" w="9525">
+                <a14:hiddenLine xmlns:a14="http://schemas.microsoft.com/office/drawing/2010/main" xmlns:p14="http://schemas.microsoft.com/office/powerpoint/2010/main" xmlns:a16="http://schemas.microsoft.com/office/drawing/2014/main" xmlns="" w="9525">
                   <a:solidFill>
                     <a:srgbClr val="000000"/>
                   </a:solidFill>
@@ -15313,7 +15314,7 @@
             </a:ln>
             <a:extLst>
               <a:ext uri="{91240B29-F687-4f45-9708-019B960494DF}">
-                <a14:hiddenLine xmlns="" xmlns:a16="http://schemas.microsoft.com/office/drawing/2014/main" xmlns:p14="http://schemas.microsoft.com/office/powerpoint/2010/main" xmlns:a14="http://schemas.microsoft.com/office/drawing/2010/main" w="9525">
+                <a14:hiddenLine xmlns:a14="http://schemas.microsoft.com/office/drawing/2010/main" xmlns:p14="http://schemas.microsoft.com/office/powerpoint/2010/main" xmlns:a16="http://schemas.microsoft.com/office/drawing/2014/main" xmlns="" w="9525">
                   <a:solidFill>
                     <a:srgbClr val="000000"/>
                   </a:solidFill>
@@ -15418,7 +15419,7 @@
             </a:ln>
             <a:extLst>
               <a:ext uri="{91240B29-F687-4f45-9708-019B960494DF}">
-                <a14:hiddenLine xmlns="" xmlns:a16="http://schemas.microsoft.com/office/drawing/2014/main" xmlns:p14="http://schemas.microsoft.com/office/powerpoint/2010/main" xmlns:a14="http://schemas.microsoft.com/office/drawing/2010/main" w="9525">
+                <a14:hiddenLine xmlns:a14="http://schemas.microsoft.com/office/drawing/2010/main" xmlns:p14="http://schemas.microsoft.com/office/powerpoint/2010/main" xmlns:a16="http://schemas.microsoft.com/office/drawing/2014/main" xmlns="" w="9525">
                   <a:solidFill>
                     <a:srgbClr val="000000"/>
                   </a:solidFill>
@@ -15523,7 +15524,7 @@
             </a:ln>
             <a:extLst>
               <a:ext uri="{91240B29-F687-4f45-9708-019B960494DF}">
-                <a14:hiddenLine xmlns="" xmlns:a16="http://schemas.microsoft.com/office/drawing/2014/main" xmlns:p14="http://schemas.microsoft.com/office/powerpoint/2010/main" xmlns:a14="http://schemas.microsoft.com/office/drawing/2010/main" w="9525">
+                <a14:hiddenLine xmlns:a14="http://schemas.microsoft.com/office/drawing/2010/main" xmlns:p14="http://schemas.microsoft.com/office/powerpoint/2010/main" xmlns:a16="http://schemas.microsoft.com/office/drawing/2014/main" xmlns="" w="9525">
                   <a:solidFill>
                     <a:srgbClr val="000000"/>
                   </a:solidFill>
@@ -15594,7 +15595,7 @@
             </a:ln>
             <a:extLst>
               <a:ext uri="{91240B29-F687-4f45-9708-019B960494DF}">
-                <a14:hiddenLine xmlns="" xmlns:a16="http://schemas.microsoft.com/office/drawing/2014/main" xmlns:p14="http://schemas.microsoft.com/office/powerpoint/2010/main" xmlns:a14="http://schemas.microsoft.com/office/drawing/2010/main" w="9525">
+                <a14:hiddenLine xmlns:a14="http://schemas.microsoft.com/office/drawing/2010/main" xmlns:p14="http://schemas.microsoft.com/office/powerpoint/2010/main" xmlns:a16="http://schemas.microsoft.com/office/drawing/2014/main" xmlns="" w="9525">
                   <a:solidFill>
                     <a:srgbClr val="000000"/>
                   </a:solidFill>
@@ -15699,7 +15700,7 @@
             </a:ln>
             <a:extLst>
               <a:ext uri="{91240B29-F687-4f45-9708-019B960494DF}">
-                <a14:hiddenLine xmlns="" xmlns:a16="http://schemas.microsoft.com/office/drawing/2014/main" xmlns:p14="http://schemas.microsoft.com/office/powerpoint/2010/main" xmlns:a14="http://schemas.microsoft.com/office/drawing/2010/main" w="9525">
+                <a14:hiddenLine xmlns:a14="http://schemas.microsoft.com/office/drawing/2010/main" xmlns:p14="http://schemas.microsoft.com/office/powerpoint/2010/main" xmlns:a16="http://schemas.microsoft.com/office/drawing/2014/main" xmlns="" w="9525">
                   <a:solidFill>
                     <a:srgbClr val="000000"/>
                   </a:solidFill>
@@ -15770,7 +15771,7 @@
             </a:ln>
             <a:extLst>
               <a:ext uri="{91240B29-F687-4f45-9708-019B960494DF}">
-                <a14:hiddenLine xmlns="" xmlns:a16="http://schemas.microsoft.com/office/drawing/2014/main" xmlns:p14="http://schemas.microsoft.com/office/powerpoint/2010/main" xmlns:a14="http://schemas.microsoft.com/office/drawing/2010/main" w="9525">
+                <a14:hiddenLine xmlns:a14="http://schemas.microsoft.com/office/drawing/2010/main" xmlns:p14="http://schemas.microsoft.com/office/powerpoint/2010/main" xmlns:a16="http://schemas.microsoft.com/office/drawing/2014/main" xmlns="" w="9525">
                   <a:solidFill>
                     <a:srgbClr val="000000"/>
                   </a:solidFill>
@@ -15875,7 +15876,7 @@
             </a:ln>
             <a:extLst>
               <a:ext uri="{91240B29-F687-4f45-9708-019B960494DF}">
-                <a14:hiddenLine xmlns="" xmlns:a16="http://schemas.microsoft.com/office/drawing/2014/main" xmlns:p14="http://schemas.microsoft.com/office/powerpoint/2010/main" xmlns:a14="http://schemas.microsoft.com/office/drawing/2010/main" w="9525">
+                <a14:hiddenLine xmlns:a14="http://schemas.microsoft.com/office/drawing/2010/main" xmlns:p14="http://schemas.microsoft.com/office/powerpoint/2010/main" xmlns:a16="http://schemas.microsoft.com/office/drawing/2014/main" xmlns="" w="9525">
                   <a:solidFill>
                     <a:srgbClr val="000000"/>
                   </a:solidFill>
@@ -15958,7 +15959,7 @@
             </a:ln>
             <a:extLst>
               <a:ext uri="{91240B29-F687-4f45-9708-019B960494DF}">
-                <a14:hiddenLine xmlns="" xmlns:a16="http://schemas.microsoft.com/office/drawing/2014/main" xmlns:p14="http://schemas.microsoft.com/office/powerpoint/2010/main" xmlns:a14="http://schemas.microsoft.com/office/drawing/2010/main" w="9525">
+                <a14:hiddenLine xmlns:a14="http://schemas.microsoft.com/office/drawing/2010/main" xmlns:p14="http://schemas.microsoft.com/office/powerpoint/2010/main" xmlns:a16="http://schemas.microsoft.com/office/drawing/2014/main" xmlns="" w="9525">
                   <a:solidFill>
                     <a:srgbClr val="000000"/>
                   </a:solidFill>
@@ -16063,7 +16064,7 @@
             </a:ln>
             <a:extLst>
               <a:ext uri="{91240B29-F687-4f45-9708-019B960494DF}">
-                <a14:hiddenLine xmlns="" xmlns:a16="http://schemas.microsoft.com/office/drawing/2014/main" xmlns:p14="http://schemas.microsoft.com/office/powerpoint/2010/main" xmlns:a14="http://schemas.microsoft.com/office/drawing/2010/main" w="9525">
+                <a14:hiddenLine xmlns:a14="http://schemas.microsoft.com/office/drawing/2010/main" xmlns:p14="http://schemas.microsoft.com/office/powerpoint/2010/main" xmlns:a16="http://schemas.microsoft.com/office/drawing/2014/main" xmlns="" w="9525">
                   <a:solidFill>
                     <a:srgbClr val="000000"/>
                   </a:solidFill>
@@ -16146,7 +16147,7 @@
             </a:ln>
             <a:extLst>
               <a:ext uri="{91240B29-F687-4f45-9708-019B960494DF}">
-                <a14:hiddenLine xmlns="" xmlns:a16="http://schemas.microsoft.com/office/drawing/2014/main" xmlns:p14="http://schemas.microsoft.com/office/powerpoint/2010/main" xmlns:a14="http://schemas.microsoft.com/office/drawing/2010/main" w="9525">
+                <a14:hiddenLine xmlns:a14="http://schemas.microsoft.com/office/drawing/2010/main" xmlns:p14="http://schemas.microsoft.com/office/powerpoint/2010/main" xmlns:a16="http://schemas.microsoft.com/office/drawing/2014/main" xmlns="" w="9525">
                   <a:solidFill>
                     <a:srgbClr val="000000"/>
                   </a:solidFill>
@@ -16251,7 +16252,7 @@
             </a:ln>
             <a:extLst>
               <a:ext uri="{91240B29-F687-4f45-9708-019B960494DF}">
-                <a14:hiddenLine xmlns="" xmlns:a16="http://schemas.microsoft.com/office/drawing/2014/main" xmlns:p14="http://schemas.microsoft.com/office/powerpoint/2010/main" xmlns:a14="http://schemas.microsoft.com/office/drawing/2010/main" w="9525">
+                <a14:hiddenLine xmlns:a14="http://schemas.microsoft.com/office/drawing/2010/main" xmlns:p14="http://schemas.microsoft.com/office/powerpoint/2010/main" xmlns:a16="http://schemas.microsoft.com/office/drawing/2014/main" xmlns="" w="9525">
                   <a:solidFill>
                     <a:srgbClr val="000000"/>
                   </a:solidFill>
@@ -16300,7 +16301,7 @@
             </a:ln>
             <a:extLst>
               <a:ext uri="{91240B29-F687-4f45-9708-019B960494DF}">
-                <a14:hiddenLine xmlns="" xmlns:a16="http://schemas.microsoft.com/office/drawing/2014/main" xmlns:p14="http://schemas.microsoft.com/office/powerpoint/2010/main" xmlns:a14="http://schemas.microsoft.com/office/drawing/2010/main" w="9525">
+                <a14:hiddenLine xmlns:a14="http://schemas.microsoft.com/office/drawing/2010/main" xmlns:p14="http://schemas.microsoft.com/office/powerpoint/2010/main" xmlns:a16="http://schemas.microsoft.com/office/drawing/2014/main" xmlns="" w="9525">
                   <a:solidFill>
                     <a:srgbClr val="000000"/>
                   </a:solidFill>
@@ -16405,7 +16406,7 @@
             </a:ln>
             <a:extLst>
               <a:ext uri="{91240B29-F687-4f45-9708-019B960494DF}">
-                <a14:hiddenLine xmlns="" xmlns:a16="http://schemas.microsoft.com/office/drawing/2014/main" xmlns:p14="http://schemas.microsoft.com/office/powerpoint/2010/main" xmlns:a14="http://schemas.microsoft.com/office/drawing/2010/main" w="9525">
+                <a14:hiddenLine xmlns:a14="http://schemas.microsoft.com/office/drawing/2010/main" xmlns:p14="http://schemas.microsoft.com/office/powerpoint/2010/main" xmlns:a16="http://schemas.microsoft.com/office/drawing/2014/main" xmlns="" w="9525">
                   <a:solidFill>
                     <a:srgbClr val="000000"/>
                   </a:solidFill>
@@ -16482,7 +16483,7 @@
             </a:ln>
             <a:extLst>
               <a:ext uri="{91240B29-F687-4f45-9708-019B960494DF}">
-                <a14:hiddenLine xmlns="" xmlns:a16="http://schemas.microsoft.com/office/drawing/2014/main" xmlns:p14="http://schemas.microsoft.com/office/powerpoint/2010/main" xmlns:a14="http://schemas.microsoft.com/office/drawing/2010/main" w="9525">
+                <a14:hiddenLine xmlns:a14="http://schemas.microsoft.com/office/drawing/2010/main" xmlns:p14="http://schemas.microsoft.com/office/powerpoint/2010/main" xmlns:a16="http://schemas.microsoft.com/office/drawing/2014/main" xmlns="" w="9525">
                   <a:solidFill>
                     <a:srgbClr val="000000"/>
                   </a:solidFill>
@@ -16559,7 +16560,7 @@
             </a:ln>
             <a:extLst>
               <a:ext uri="{91240B29-F687-4f45-9708-019B960494DF}">
-                <a14:hiddenLine xmlns="" xmlns:a16="http://schemas.microsoft.com/office/drawing/2014/main" xmlns:p14="http://schemas.microsoft.com/office/powerpoint/2010/main" xmlns:a14="http://schemas.microsoft.com/office/drawing/2010/main" w="9525">
+                <a14:hiddenLine xmlns:a14="http://schemas.microsoft.com/office/drawing/2010/main" xmlns:p14="http://schemas.microsoft.com/office/powerpoint/2010/main" xmlns:a16="http://schemas.microsoft.com/office/drawing/2014/main" xmlns="" w="9525">
                   <a:solidFill>
                     <a:srgbClr val="000000"/>
                   </a:solidFill>
@@ -16664,7 +16665,7 @@
             </a:ln>
             <a:extLst>
               <a:ext uri="{91240B29-F687-4f45-9708-019B960494DF}">
-                <a14:hiddenLine xmlns="" xmlns:a16="http://schemas.microsoft.com/office/drawing/2014/main" xmlns:p14="http://schemas.microsoft.com/office/powerpoint/2010/main" xmlns:a14="http://schemas.microsoft.com/office/drawing/2010/main" w="9525">
+                <a14:hiddenLine xmlns:a14="http://schemas.microsoft.com/office/drawing/2010/main" xmlns:p14="http://schemas.microsoft.com/office/powerpoint/2010/main" xmlns:a16="http://schemas.microsoft.com/office/drawing/2014/main" xmlns="" w="9525">
                   <a:solidFill>
                     <a:srgbClr val="000000"/>
                   </a:solidFill>
@@ -16747,7 +16748,7 @@
             </a:ln>
             <a:extLst>
               <a:ext uri="{91240B29-F687-4f45-9708-019B960494DF}">
-                <a14:hiddenLine xmlns="" xmlns:a16="http://schemas.microsoft.com/office/drawing/2014/main" xmlns:p14="http://schemas.microsoft.com/office/powerpoint/2010/main" xmlns:a14="http://schemas.microsoft.com/office/drawing/2010/main" w="9525">
+                <a14:hiddenLine xmlns:a14="http://schemas.microsoft.com/office/drawing/2010/main" xmlns:p14="http://schemas.microsoft.com/office/powerpoint/2010/main" xmlns:a16="http://schemas.microsoft.com/office/drawing/2014/main" xmlns="" w="9525">
                   <a:solidFill>
                     <a:srgbClr val="000000"/>
                   </a:solidFill>
@@ -16824,7 +16825,7 @@
             </a:ln>
             <a:extLst>
               <a:ext uri="{91240B29-F687-4f45-9708-019B960494DF}">
-                <a14:hiddenLine xmlns="" xmlns:a16="http://schemas.microsoft.com/office/drawing/2014/main" xmlns:p14="http://schemas.microsoft.com/office/powerpoint/2010/main" xmlns:a14="http://schemas.microsoft.com/office/drawing/2010/main" w="9525">
+                <a14:hiddenLine xmlns:a14="http://schemas.microsoft.com/office/drawing/2010/main" xmlns:p14="http://schemas.microsoft.com/office/powerpoint/2010/main" xmlns:a16="http://schemas.microsoft.com/office/drawing/2014/main" xmlns="" w="9525">
                   <a:solidFill>
                     <a:srgbClr val="000000"/>
                   </a:solidFill>
@@ -16929,7 +16930,7 @@
             </a:ln>
             <a:extLst>
               <a:ext uri="{91240B29-F687-4f45-9708-019B960494DF}">
-                <a14:hiddenLine xmlns="" xmlns:a16="http://schemas.microsoft.com/office/drawing/2014/main" xmlns:p14="http://schemas.microsoft.com/office/powerpoint/2010/main" xmlns:a14="http://schemas.microsoft.com/office/drawing/2010/main" w="9525">
+                <a14:hiddenLine xmlns:a14="http://schemas.microsoft.com/office/drawing/2010/main" xmlns:p14="http://schemas.microsoft.com/office/powerpoint/2010/main" xmlns:a16="http://schemas.microsoft.com/office/drawing/2014/main" xmlns="" w="9525">
                   <a:solidFill>
                     <a:srgbClr val="000000"/>
                   </a:solidFill>
@@ -17006,7 +17007,7 @@
             </a:ln>
             <a:extLst>
               <a:ext uri="{91240B29-F687-4f45-9708-019B960494DF}">
-                <a14:hiddenLine xmlns="" xmlns:a16="http://schemas.microsoft.com/office/drawing/2014/main" xmlns:p14="http://schemas.microsoft.com/office/powerpoint/2010/main" xmlns:a14="http://schemas.microsoft.com/office/drawing/2010/main" w="9525">
+                <a14:hiddenLine xmlns:a14="http://schemas.microsoft.com/office/drawing/2010/main" xmlns:p14="http://schemas.microsoft.com/office/powerpoint/2010/main" xmlns:a16="http://schemas.microsoft.com/office/drawing/2014/main" xmlns="" w="9525">
                   <a:solidFill>
                     <a:srgbClr val="000000"/>
                   </a:solidFill>
@@ -17111,7 +17112,7 @@
             </a:ln>
             <a:extLst>
               <a:ext uri="{91240B29-F687-4f45-9708-019B960494DF}">
-                <a14:hiddenLine xmlns="" xmlns:a16="http://schemas.microsoft.com/office/drawing/2014/main" xmlns:p14="http://schemas.microsoft.com/office/powerpoint/2010/main" xmlns:a14="http://schemas.microsoft.com/office/drawing/2010/main" w="9525">
+                <a14:hiddenLine xmlns:a14="http://schemas.microsoft.com/office/drawing/2010/main" xmlns:p14="http://schemas.microsoft.com/office/powerpoint/2010/main" xmlns:a16="http://schemas.microsoft.com/office/drawing/2014/main" xmlns="" w="9525">
                   <a:solidFill>
                     <a:srgbClr val="000000"/>
                   </a:solidFill>
@@ -17188,7 +17189,7 @@
             </a:ln>
             <a:extLst>
               <a:ext uri="{91240B29-F687-4f45-9708-019B960494DF}">
-                <a14:hiddenLine xmlns="" xmlns:a16="http://schemas.microsoft.com/office/drawing/2014/main" xmlns:p14="http://schemas.microsoft.com/office/powerpoint/2010/main" xmlns:a14="http://schemas.microsoft.com/office/drawing/2010/main" w="9525">
+                <a14:hiddenLine xmlns:a14="http://schemas.microsoft.com/office/drawing/2010/main" xmlns:p14="http://schemas.microsoft.com/office/powerpoint/2010/main" xmlns:a16="http://schemas.microsoft.com/office/drawing/2014/main" xmlns="" w="9525">
                   <a:solidFill>
                     <a:srgbClr val="000000"/>
                   </a:solidFill>
@@ -17293,7 +17294,7 @@
             </a:ln>
             <a:extLst>
               <a:ext uri="{91240B29-F687-4f45-9708-019B960494DF}">
-                <a14:hiddenLine xmlns="" xmlns:a16="http://schemas.microsoft.com/office/drawing/2014/main" xmlns:p14="http://schemas.microsoft.com/office/powerpoint/2010/main" xmlns:a14="http://schemas.microsoft.com/office/drawing/2010/main" w="9525">
+                <a14:hiddenLine xmlns:a14="http://schemas.microsoft.com/office/drawing/2010/main" xmlns:p14="http://schemas.microsoft.com/office/powerpoint/2010/main" xmlns:a16="http://schemas.microsoft.com/office/drawing/2014/main" xmlns="" w="9525">
                   <a:solidFill>
                     <a:srgbClr val="000000"/>
                   </a:solidFill>
@@ -17342,7 +17343,7 @@
             </a:ln>
             <a:extLst>
               <a:ext uri="{91240B29-F687-4f45-9708-019B960494DF}">
-                <a14:hiddenLine xmlns="" xmlns:a16="http://schemas.microsoft.com/office/drawing/2014/main" xmlns:p14="http://schemas.microsoft.com/office/powerpoint/2010/main" xmlns:a14="http://schemas.microsoft.com/office/drawing/2010/main" w="9525">
+                <a14:hiddenLine xmlns:a14="http://schemas.microsoft.com/office/drawing/2010/main" xmlns:p14="http://schemas.microsoft.com/office/powerpoint/2010/main" xmlns:a16="http://schemas.microsoft.com/office/drawing/2014/main" xmlns="" w="9525">
                   <a:solidFill>
                     <a:srgbClr val="000000"/>
                   </a:solidFill>
@@ -17422,7 +17423,7 @@
             </a:ln>
             <a:extLst>
               <a:ext uri="{91240B29-F687-4f45-9708-019B960494DF}">
-                <a14:hiddenLine xmlns="" xmlns:a16="http://schemas.microsoft.com/office/drawing/2014/main" xmlns:p14="http://schemas.microsoft.com/office/powerpoint/2010/main" xmlns:a14="http://schemas.microsoft.com/office/drawing/2010/main" w="9525">
+                <a14:hiddenLine xmlns:a14="http://schemas.microsoft.com/office/drawing/2010/main" xmlns:p14="http://schemas.microsoft.com/office/powerpoint/2010/main" xmlns:a16="http://schemas.microsoft.com/office/drawing/2014/main" xmlns="" w="9525">
                   <a:solidFill>
                     <a:srgbClr val="000000"/>
                   </a:solidFill>
@@ -17527,7 +17528,7 @@
             </a:ln>
             <a:extLst>
               <a:ext uri="{91240B29-F687-4f45-9708-019B960494DF}">
-                <a14:hiddenLine xmlns="" xmlns:a16="http://schemas.microsoft.com/office/drawing/2014/main" xmlns:p14="http://schemas.microsoft.com/office/powerpoint/2010/main" xmlns:a14="http://schemas.microsoft.com/office/drawing/2010/main" w="9525">
+                <a14:hiddenLine xmlns:a14="http://schemas.microsoft.com/office/drawing/2010/main" xmlns:p14="http://schemas.microsoft.com/office/powerpoint/2010/main" xmlns:a16="http://schemas.microsoft.com/office/drawing/2014/main" xmlns="" w="9525">
                   <a:solidFill>
                     <a:srgbClr val="000000"/>
                   </a:solidFill>
@@ -17604,7 +17605,7 @@
             </a:ln>
             <a:extLst>
               <a:ext uri="{91240B29-F687-4f45-9708-019B960494DF}">
-                <a14:hiddenLine xmlns="" xmlns:a16="http://schemas.microsoft.com/office/drawing/2014/main" xmlns:p14="http://schemas.microsoft.com/office/powerpoint/2010/main" xmlns:a14="http://schemas.microsoft.com/office/drawing/2010/main" w="9525">
+                <a14:hiddenLine xmlns:a14="http://schemas.microsoft.com/office/drawing/2010/main" xmlns:p14="http://schemas.microsoft.com/office/powerpoint/2010/main" xmlns:a16="http://schemas.microsoft.com/office/drawing/2014/main" xmlns="" w="9525">
                   <a:solidFill>
                     <a:srgbClr val="000000"/>
                   </a:solidFill>
@@ -17709,7 +17710,7 @@
             </a:ln>
             <a:extLst>
               <a:ext uri="{91240B29-F687-4f45-9708-019B960494DF}">
-                <a14:hiddenLine xmlns="" xmlns:a16="http://schemas.microsoft.com/office/drawing/2014/main" xmlns:p14="http://schemas.microsoft.com/office/powerpoint/2010/main" xmlns:a14="http://schemas.microsoft.com/office/drawing/2010/main" w="9525">
+                <a14:hiddenLine xmlns:a14="http://schemas.microsoft.com/office/drawing/2010/main" xmlns:p14="http://schemas.microsoft.com/office/powerpoint/2010/main" xmlns:a16="http://schemas.microsoft.com/office/drawing/2014/main" xmlns="" w="9525">
                   <a:solidFill>
                     <a:srgbClr val="000000"/>
                   </a:solidFill>
@@ -17814,7 +17815,7 @@
             </a:ln>
             <a:extLst>
               <a:ext uri="{91240B29-F687-4f45-9708-019B960494DF}">
-                <a14:hiddenLine xmlns="" xmlns:a16="http://schemas.microsoft.com/office/drawing/2014/main" xmlns:p14="http://schemas.microsoft.com/office/powerpoint/2010/main" xmlns:a14="http://schemas.microsoft.com/office/drawing/2010/main" w="9525">
+                <a14:hiddenLine xmlns:a14="http://schemas.microsoft.com/office/drawing/2010/main" xmlns:p14="http://schemas.microsoft.com/office/powerpoint/2010/main" xmlns:a16="http://schemas.microsoft.com/office/drawing/2014/main" xmlns="" w="9525">
                   <a:solidFill>
                     <a:srgbClr val="000000"/>
                   </a:solidFill>
@@ -17894,7 +17895,7 @@
             </a:ln>
             <a:extLst>
               <a:ext uri="{91240B29-F687-4f45-9708-019B960494DF}">
-                <a14:hiddenLine xmlns="" xmlns:a16="http://schemas.microsoft.com/office/drawing/2014/main" xmlns:p14="http://schemas.microsoft.com/office/powerpoint/2010/main" xmlns:a14="http://schemas.microsoft.com/office/drawing/2010/main" w="9525">
+                <a14:hiddenLine xmlns:a14="http://schemas.microsoft.com/office/drawing/2010/main" xmlns:p14="http://schemas.microsoft.com/office/powerpoint/2010/main" xmlns:a16="http://schemas.microsoft.com/office/drawing/2014/main" xmlns="" w="9525">
                   <a:solidFill>
                     <a:srgbClr val="000000"/>
                   </a:solidFill>
@@ -17971,7 +17972,7 @@
             </a:ln>
             <a:extLst>
               <a:ext uri="{91240B29-F687-4f45-9708-019B960494DF}">
-                <a14:hiddenLine xmlns="" xmlns:a16="http://schemas.microsoft.com/office/drawing/2014/main" xmlns:p14="http://schemas.microsoft.com/office/powerpoint/2010/main" xmlns:a14="http://schemas.microsoft.com/office/drawing/2010/main" w="9525">
+                <a14:hiddenLine xmlns:a14="http://schemas.microsoft.com/office/drawing/2010/main" xmlns:p14="http://schemas.microsoft.com/office/powerpoint/2010/main" xmlns:a16="http://schemas.microsoft.com/office/drawing/2014/main" xmlns="" w="9525">
                   <a:solidFill>
                     <a:srgbClr val="000000"/>
                   </a:solidFill>
@@ -18076,7 +18077,7 @@
             </a:ln>
             <a:extLst>
               <a:ext uri="{91240B29-F687-4f45-9708-019B960494DF}">
-                <a14:hiddenLine xmlns="" xmlns:a16="http://schemas.microsoft.com/office/drawing/2014/main" xmlns:p14="http://schemas.microsoft.com/office/powerpoint/2010/main" xmlns:a14="http://schemas.microsoft.com/office/drawing/2010/main" w="9525">
+                <a14:hiddenLine xmlns:a14="http://schemas.microsoft.com/office/drawing/2010/main" xmlns:p14="http://schemas.microsoft.com/office/powerpoint/2010/main" xmlns:a16="http://schemas.microsoft.com/office/drawing/2014/main" xmlns="" w="9525">
                   <a:solidFill>
                     <a:srgbClr val="000000"/>
                   </a:solidFill>
@@ -18181,7 +18182,7 @@
             </a:ln>
             <a:extLst>
               <a:ext uri="{91240B29-F687-4f45-9708-019B960494DF}">
-                <a14:hiddenLine xmlns="" xmlns:a16="http://schemas.microsoft.com/office/drawing/2014/main" xmlns:p14="http://schemas.microsoft.com/office/powerpoint/2010/main" xmlns:a14="http://schemas.microsoft.com/office/drawing/2010/main" w="9525">
+                <a14:hiddenLine xmlns:a14="http://schemas.microsoft.com/office/drawing/2010/main" xmlns:p14="http://schemas.microsoft.com/office/powerpoint/2010/main" xmlns:a16="http://schemas.microsoft.com/office/drawing/2014/main" xmlns="" w="9525">
                   <a:solidFill>
                     <a:srgbClr val="000000"/>
                   </a:solidFill>
@@ -18258,7 +18259,7 @@
             </a:ln>
             <a:extLst>
               <a:ext uri="{91240B29-F687-4f45-9708-019B960494DF}">
-                <a14:hiddenLine xmlns="" xmlns:a16="http://schemas.microsoft.com/office/drawing/2014/main" xmlns:p14="http://schemas.microsoft.com/office/powerpoint/2010/main" xmlns:a14="http://schemas.microsoft.com/office/drawing/2010/main" w="9525">
+                <a14:hiddenLine xmlns:a14="http://schemas.microsoft.com/office/drawing/2010/main" xmlns:p14="http://schemas.microsoft.com/office/powerpoint/2010/main" xmlns:a16="http://schemas.microsoft.com/office/drawing/2014/main" xmlns="" w="9525">
                   <a:solidFill>
                     <a:srgbClr val="000000"/>
                   </a:solidFill>
@@ -18393,7 +18394,7 @@
             </a:ln>
             <a:extLst>
               <a:ext uri="{91240B29-F687-4f45-9708-019B960494DF}">
-                <a14:hiddenLine xmlns="" xmlns:a16="http://schemas.microsoft.com/office/drawing/2014/main" xmlns:p14="http://schemas.microsoft.com/office/powerpoint/2010/main" xmlns:a14="http://schemas.microsoft.com/office/drawing/2010/main" w="9525">
+                <a14:hiddenLine xmlns:a14="http://schemas.microsoft.com/office/drawing/2010/main" xmlns:p14="http://schemas.microsoft.com/office/powerpoint/2010/main" xmlns:a16="http://schemas.microsoft.com/office/drawing/2014/main" xmlns="" w="9525">
                   <a:solidFill>
                     <a:srgbClr val="000000"/>
                   </a:solidFill>
@@ -18476,7 +18477,7 @@
             </a:ln>
             <a:extLst>
               <a:ext uri="{91240B29-F687-4f45-9708-019B960494DF}">
-                <a14:hiddenLine xmlns="" xmlns:a16="http://schemas.microsoft.com/office/drawing/2014/main" xmlns:p14="http://schemas.microsoft.com/office/powerpoint/2010/main" xmlns:a14="http://schemas.microsoft.com/office/drawing/2010/main" w="9525">
+                <a14:hiddenLine xmlns:a14="http://schemas.microsoft.com/office/drawing/2010/main" xmlns:p14="http://schemas.microsoft.com/office/powerpoint/2010/main" xmlns:a16="http://schemas.microsoft.com/office/drawing/2014/main" xmlns="" w="9525">
                   <a:solidFill>
                     <a:srgbClr val="000000"/>
                   </a:solidFill>
@@ -18581,7 +18582,7 @@
             </a:ln>
             <a:extLst>
               <a:ext uri="{91240B29-F687-4f45-9708-019B960494DF}">
-                <a14:hiddenLine xmlns="" xmlns:a16="http://schemas.microsoft.com/office/drawing/2014/main" xmlns:p14="http://schemas.microsoft.com/office/powerpoint/2010/main" xmlns:a14="http://schemas.microsoft.com/office/drawing/2010/main" w="9525">
+                <a14:hiddenLine xmlns:a14="http://schemas.microsoft.com/office/drawing/2010/main" xmlns:p14="http://schemas.microsoft.com/office/powerpoint/2010/main" xmlns:a16="http://schemas.microsoft.com/office/drawing/2014/main" xmlns="" w="9525">
                   <a:solidFill>
                     <a:srgbClr val="000000"/>
                   </a:solidFill>
@@ -19865,6 +19866,93 @@
 </file>
 
 <file path=ppt/slides/slide8.xml><?xml version="1.0" encoding="utf-8"?>
+<p:sld xmlns:a="http://schemas.openxmlformats.org/drawingml/2006/main" xmlns:r="http://schemas.openxmlformats.org/officeDocument/2006/relationships" xmlns:p="http://schemas.openxmlformats.org/presentationml/2006/main">
+  <p:cSld>
+    <p:spTree>
+      <p:nvGrpSpPr>
+        <p:cNvPr id="1" name=""/>
+        <p:cNvGrpSpPr/>
+        <p:nvPr/>
+      </p:nvGrpSpPr>
+      <p:grpSpPr>
+        <a:xfrm>
+          <a:off x="0" y="0"/>
+          <a:ext cx="0" cy="0"/>
+          <a:chOff x="0" y="0"/>
+          <a:chExt cx="0" cy="0"/>
+        </a:xfrm>
+      </p:grpSpPr>
+      <p:sp>
+        <p:nvSpPr>
+          <p:cNvPr id="2" name="Titel 1">
+            <a:extLst>
+              <a:ext uri="{FF2B5EF4-FFF2-40B4-BE49-F238E27FC236}">
+                <a16:creationId xmlns:a16="http://schemas.microsoft.com/office/drawing/2014/main" id="{6F9B7B07-0390-4BB3-B9E8-1F17C4F83090}"/>
+              </a:ext>
+            </a:extLst>
+          </p:cNvPr>
+          <p:cNvSpPr>
+            <a:spLocks noGrp="1"/>
+          </p:cNvSpPr>
+          <p:nvPr>
+            <p:ph type="title"/>
+          </p:nvPr>
+        </p:nvSpPr>
+        <p:spPr/>
+        <p:txBody>
+          <a:bodyPr/>
+          <a:lstStyle/>
+          <a:p>
+            <a:endParaRPr lang="de-AT"/>
+          </a:p>
+        </p:txBody>
+      </p:sp>
+      <p:pic>
+        <p:nvPicPr>
+          <p:cNvPr id="4" name="Inhaltsplatzhalter 3">
+            <a:extLst>
+              <a:ext uri="{FF2B5EF4-FFF2-40B4-BE49-F238E27FC236}">
+                <a16:creationId xmlns:a16="http://schemas.microsoft.com/office/drawing/2014/main" id="{1A41DE13-13C0-48F1-A5F9-5717330753A1}"/>
+              </a:ext>
+            </a:extLst>
+          </p:cNvPr>
+          <p:cNvPicPr>
+            <a:picLocks noGrp="1" noChangeAspect="1"/>
+          </p:cNvPicPr>
+          <p:nvPr>
+            <p:ph idx="1"/>
+          </p:nvPr>
+        </p:nvPicPr>
+        <p:blipFill>
+          <a:blip r:embed="rId2"/>
+          <a:stretch>
+            <a:fillRect/>
+          </a:stretch>
+        </p:blipFill>
+        <p:spPr>
+          <a:xfrm>
+            <a:off x="1860129" y="2372811"/>
+            <a:ext cx="8471741" cy="2710957"/>
+          </a:xfrm>
+          <a:prstGeom prst="rect">
+            <a:avLst/>
+          </a:prstGeom>
+        </p:spPr>
+      </p:pic>
+    </p:spTree>
+    <p:extLst>
+      <p:ext uri="{BB962C8B-B14F-4D97-AF65-F5344CB8AC3E}">
+        <p14:creationId xmlns:p14="http://schemas.microsoft.com/office/powerpoint/2010/main" val="699233114"/>
+      </p:ext>
+    </p:extLst>
+  </p:cSld>
+  <p:clrMapOvr>
+    <a:masterClrMapping/>
+  </p:clrMapOvr>
+</p:sld>
+</file>
+
+<file path=ppt/slides/slide9.xml><?xml version="1.0" encoding="utf-8"?>
 <p:sld xmlns:a="http://schemas.openxmlformats.org/drawingml/2006/main" xmlns:r="http://schemas.openxmlformats.org/officeDocument/2006/relationships" xmlns:p="http://schemas.openxmlformats.org/presentationml/2006/main">
   <p:cSld>
     <p:bg>

--- a/Praesentation/command.pptx
+++ b/Praesentation/command.pptx
@@ -11,11 +11,11 @@
     <p:sldId id="256" r:id="rId2"/>
     <p:sldId id="257" r:id="rId3"/>
     <p:sldId id="258" r:id="rId4"/>
-    <p:sldId id="261" r:id="rId5"/>
-    <p:sldId id="262" r:id="rId6"/>
-    <p:sldId id="259" r:id="rId7"/>
-    <p:sldId id="260" r:id="rId8"/>
-    <p:sldId id="265" r:id="rId9"/>
+    <p:sldId id="262" r:id="rId5"/>
+    <p:sldId id="259" r:id="rId6"/>
+    <p:sldId id="260" r:id="rId7"/>
+    <p:sldId id="265" r:id="rId8"/>
+    <p:sldId id="261" r:id="rId9"/>
     <p:sldId id="264" r:id="rId10"/>
   </p:sldIdLst>
   <p:sldSz cx="12192000" cy="6858000"/>
@@ -1190,7 +1190,7 @@
           <a:p>
             <a:fld id="{3E71053D-E0BB-48A3-A693-A35E6FB12952}" type="slidenum">
               <a:rPr lang="de-AT" smtClean="0"/>
-              <a:t>5</a:t>
+              <a:t>4</a:t>
             </a:fld>
             <a:endParaRPr lang="de-AT"/>
           </a:p>
@@ -1259,7 +1259,7 @@
           <a:noFill/>
           <a:extLst>
             <a:ext uri="{909E8E84-426E-40dd-AFC4-6F175D3DCCD1}">
-              <a14:hiddenFill xmlns="" xmlns:a14="http://schemas.microsoft.com/office/drawing/2010/main">
+              <a14:hiddenFill xmlns:a14="http://schemas.microsoft.com/office/drawing/2010/main" xmlns="">
                 <a:solidFill>
                   <a:srgbClr val="FFFFFF"/>
                 </a:solidFill>
@@ -1319,7 +1319,7 @@
             </a:ln>
             <a:extLst>
               <a:ext uri="{91240B29-F687-4f45-9708-019B960494DF}">
-                <a14:hiddenLine xmlns="" xmlns:a14="http://schemas.microsoft.com/office/drawing/2010/main" w="9525">
+                <a14:hiddenLine xmlns:a14="http://schemas.microsoft.com/office/drawing/2010/main" xmlns="" w="9525">
                   <a:solidFill>
                     <a:srgbClr val="000000"/>
                   </a:solidFill>
@@ -1409,7 +1409,7 @@
             </a:ln>
             <a:extLst>
               <a:ext uri="{91240B29-F687-4f45-9708-019B960494DF}">
-                <a14:hiddenLine xmlns="" xmlns:a14="http://schemas.microsoft.com/office/drawing/2010/main" w="9525">
+                <a14:hiddenLine xmlns:a14="http://schemas.microsoft.com/office/drawing/2010/main" xmlns="" w="9525">
                   <a:solidFill>
                     <a:srgbClr val="000000"/>
                   </a:solidFill>
@@ -1499,7 +1499,7 @@
             </a:ln>
             <a:extLst>
               <a:ext uri="{91240B29-F687-4f45-9708-019B960494DF}">
-                <a14:hiddenLine xmlns="" xmlns:a14="http://schemas.microsoft.com/office/drawing/2010/main" w="9525">
+                <a14:hiddenLine xmlns:a14="http://schemas.microsoft.com/office/drawing/2010/main" xmlns="" w="9525">
                   <a:solidFill>
                     <a:srgbClr val="000000"/>
                   </a:solidFill>
@@ -1533,7 +1533,7 @@
             </a:ln>
             <a:extLst>
               <a:ext uri="{91240B29-F687-4f45-9708-019B960494DF}">
-                <a14:hiddenLine xmlns="" xmlns:a14="http://schemas.microsoft.com/office/drawing/2010/main" w="9525">
+                <a14:hiddenLine xmlns:a14="http://schemas.microsoft.com/office/drawing/2010/main" xmlns="" w="9525">
                   <a:solidFill>
                     <a:srgbClr val="000000"/>
                   </a:solidFill>
@@ -1623,7 +1623,7 @@
             </a:ln>
             <a:extLst>
               <a:ext uri="{91240B29-F687-4f45-9708-019B960494DF}">
-                <a14:hiddenLine xmlns="" xmlns:a14="http://schemas.microsoft.com/office/drawing/2010/main" w="9525">
+                <a14:hiddenLine xmlns:a14="http://schemas.microsoft.com/office/drawing/2010/main" xmlns="" w="9525">
                   <a:solidFill>
                     <a:srgbClr val="000000"/>
                   </a:solidFill>
@@ -1685,7 +1685,7 @@
             </a:ln>
             <a:extLst>
               <a:ext uri="{91240B29-F687-4f45-9708-019B960494DF}">
-                <a14:hiddenLine xmlns="" xmlns:a14="http://schemas.microsoft.com/office/drawing/2010/main" w="9525">
+                <a14:hiddenLine xmlns:a14="http://schemas.microsoft.com/office/drawing/2010/main" xmlns="" w="9525">
                   <a:solidFill>
                     <a:srgbClr val="000000"/>
                   </a:solidFill>
@@ -1747,7 +1747,7 @@
             </a:ln>
             <a:extLst>
               <a:ext uri="{91240B29-F687-4f45-9708-019B960494DF}">
-                <a14:hiddenLine xmlns="" xmlns:a14="http://schemas.microsoft.com/office/drawing/2010/main" w="9525">
+                <a14:hiddenLine xmlns:a14="http://schemas.microsoft.com/office/drawing/2010/main" xmlns="" w="9525">
                   <a:solidFill>
                     <a:srgbClr val="000000"/>
                   </a:solidFill>
@@ -1837,7 +1837,7 @@
             </a:ln>
             <a:extLst>
               <a:ext uri="{91240B29-F687-4f45-9708-019B960494DF}">
-                <a14:hiddenLine xmlns="" xmlns:a14="http://schemas.microsoft.com/office/drawing/2010/main" w="9525">
+                <a14:hiddenLine xmlns:a14="http://schemas.microsoft.com/office/drawing/2010/main" xmlns="" w="9525">
                   <a:solidFill>
                     <a:srgbClr val="000000"/>
                   </a:solidFill>
@@ -1899,7 +1899,7 @@
             </a:ln>
             <a:extLst>
               <a:ext uri="{91240B29-F687-4f45-9708-019B960494DF}">
-                <a14:hiddenLine xmlns="" xmlns:a14="http://schemas.microsoft.com/office/drawing/2010/main" w="9525">
+                <a14:hiddenLine xmlns:a14="http://schemas.microsoft.com/office/drawing/2010/main" xmlns="" w="9525">
                   <a:solidFill>
                     <a:srgbClr val="000000"/>
                   </a:solidFill>
@@ -1961,7 +1961,7 @@
             </a:ln>
             <a:extLst>
               <a:ext uri="{91240B29-F687-4f45-9708-019B960494DF}">
-                <a14:hiddenLine xmlns="" xmlns:a14="http://schemas.microsoft.com/office/drawing/2010/main" w="9525">
+                <a14:hiddenLine xmlns:a14="http://schemas.microsoft.com/office/drawing/2010/main" xmlns="" w="9525">
                   <a:solidFill>
                     <a:srgbClr val="000000"/>
                   </a:solidFill>
@@ -2051,7 +2051,7 @@
             </a:ln>
             <a:extLst>
               <a:ext uri="{91240B29-F687-4f45-9708-019B960494DF}">
-                <a14:hiddenLine xmlns="" xmlns:a14="http://schemas.microsoft.com/office/drawing/2010/main" w="9525">
+                <a14:hiddenLine xmlns:a14="http://schemas.microsoft.com/office/drawing/2010/main" xmlns="" w="9525">
                   <a:solidFill>
                     <a:srgbClr val="000000"/>
                   </a:solidFill>
@@ -2141,7 +2141,7 @@
             </a:ln>
             <a:extLst>
               <a:ext uri="{91240B29-F687-4f45-9708-019B960494DF}">
-                <a14:hiddenLine xmlns="" xmlns:a14="http://schemas.microsoft.com/office/drawing/2010/main" w="9525">
+                <a14:hiddenLine xmlns:a14="http://schemas.microsoft.com/office/drawing/2010/main" xmlns="" w="9525">
                   <a:solidFill>
                     <a:srgbClr val="000000"/>
                   </a:solidFill>
@@ -2203,7 +2203,7 @@
             </a:ln>
             <a:extLst>
               <a:ext uri="{91240B29-F687-4f45-9708-019B960494DF}">
-                <a14:hiddenLine xmlns="" xmlns:a14="http://schemas.microsoft.com/office/drawing/2010/main" w="9525">
+                <a14:hiddenLine xmlns:a14="http://schemas.microsoft.com/office/drawing/2010/main" xmlns="" w="9525">
                   <a:solidFill>
                     <a:srgbClr val="000000"/>
                   </a:solidFill>
@@ -2313,7 +2313,7 @@
             </a:ln>
             <a:extLst>
               <a:ext uri="{91240B29-F687-4f45-9708-019B960494DF}">
-                <a14:hiddenLine xmlns="" xmlns:a14="http://schemas.microsoft.com/office/drawing/2010/main" w="9525">
+                <a14:hiddenLine xmlns:a14="http://schemas.microsoft.com/office/drawing/2010/main" xmlns="" w="9525">
                   <a:solidFill>
                     <a:srgbClr val="000000"/>
                   </a:solidFill>
@@ -2375,7 +2375,7 @@
             </a:ln>
             <a:extLst>
               <a:ext uri="{91240B29-F687-4f45-9708-019B960494DF}">
-                <a14:hiddenLine xmlns="" xmlns:a14="http://schemas.microsoft.com/office/drawing/2010/main" w="9525">
+                <a14:hiddenLine xmlns:a14="http://schemas.microsoft.com/office/drawing/2010/main" xmlns="" w="9525">
                   <a:solidFill>
                     <a:srgbClr val="000000"/>
                   </a:solidFill>
@@ -2465,7 +2465,7 @@
             </a:ln>
             <a:extLst>
               <a:ext uri="{91240B29-F687-4f45-9708-019B960494DF}">
-                <a14:hiddenLine xmlns="" xmlns:a14="http://schemas.microsoft.com/office/drawing/2010/main" w="9525">
+                <a14:hiddenLine xmlns:a14="http://schemas.microsoft.com/office/drawing/2010/main" xmlns="" w="9525">
                   <a:solidFill>
                     <a:srgbClr val="000000"/>
                   </a:solidFill>
@@ -2555,7 +2555,7 @@
             </a:ln>
             <a:extLst>
               <a:ext uri="{91240B29-F687-4f45-9708-019B960494DF}">
-                <a14:hiddenLine xmlns="" xmlns:a14="http://schemas.microsoft.com/office/drawing/2010/main" w="9525">
+                <a14:hiddenLine xmlns:a14="http://schemas.microsoft.com/office/drawing/2010/main" xmlns="" w="9525">
                   <a:solidFill>
                     <a:srgbClr val="000000"/>
                   </a:solidFill>
@@ -2617,7 +2617,7 @@
             </a:ln>
             <a:extLst>
               <a:ext uri="{91240B29-F687-4f45-9708-019B960494DF}">
-                <a14:hiddenLine xmlns="" xmlns:a14="http://schemas.microsoft.com/office/drawing/2010/main" w="9525">
+                <a14:hiddenLine xmlns:a14="http://schemas.microsoft.com/office/drawing/2010/main" xmlns="" w="9525">
                   <a:solidFill>
                     <a:srgbClr val="000000"/>
                   </a:solidFill>
@@ -2707,7 +2707,7 @@
             </a:ln>
             <a:extLst>
               <a:ext uri="{91240B29-F687-4f45-9708-019B960494DF}">
-                <a14:hiddenLine xmlns="" xmlns:a14="http://schemas.microsoft.com/office/drawing/2010/main" w="9525">
+                <a14:hiddenLine xmlns:a14="http://schemas.microsoft.com/office/drawing/2010/main" xmlns="" w="9525">
                   <a:solidFill>
                     <a:srgbClr val="000000"/>
                   </a:solidFill>
@@ -2797,7 +2797,7 @@
             </a:ln>
             <a:extLst>
               <a:ext uri="{91240B29-F687-4f45-9708-019B960494DF}">
-                <a14:hiddenLine xmlns="" xmlns:a14="http://schemas.microsoft.com/office/drawing/2010/main" w="9525">
+                <a14:hiddenLine xmlns:a14="http://schemas.microsoft.com/office/drawing/2010/main" xmlns="" w="9525">
                   <a:solidFill>
                     <a:srgbClr val="000000"/>
                   </a:solidFill>
@@ -2853,7 +2853,7 @@
             </a:ln>
             <a:extLst>
               <a:ext uri="{91240B29-F687-4f45-9708-019B960494DF}">
-                <a14:hiddenLine xmlns="" xmlns:a14="http://schemas.microsoft.com/office/drawing/2010/main" w="9525">
+                <a14:hiddenLine xmlns:a14="http://schemas.microsoft.com/office/drawing/2010/main" xmlns="" w="9525">
                   <a:solidFill>
                     <a:srgbClr val="000000"/>
                   </a:solidFill>
@@ -2943,7 +2943,7 @@
             </a:ln>
             <a:extLst>
               <a:ext uri="{91240B29-F687-4f45-9708-019B960494DF}">
-                <a14:hiddenLine xmlns="" xmlns:a14="http://schemas.microsoft.com/office/drawing/2010/main" w="9525">
+                <a14:hiddenLine xmlns:a14="http://schemas.microsoft.com/office/drawing/2010/main" xmlns="" w="9525">
                   <a:solidFill>
                     <a:srgbClr val="000000"/>
                   </a:solidFill>
@@ -2999,7 +2999,7 @@
             </a:ln>
             <a:extLst>
               <a:ext uri="{91240B29-F687-4f45-9708-019B960494DF}">
-                <a14:hiddenLine xmlns="" xmlns:a14="http://schemas.microsoft.com/office/drawing/2010/main" w="9525">
+                <a14:hiddenLine xmlns:a14="http://schemas.microsoft.com/office/drawing/2010/main" xmlns="" w="9525">
                   <a:solidFill>
                     <a:srgbClr val="000000"/>
                   </a:solidFill>
@@ -3089,7 +3089,7 @@
             </a:ln>
             <a:extLst>
               <a:ext uri="{91240B29-F687-4f45-9708-019B960494DF}">
-                <a14:hiddenLine xmlns="" xmlns:a14="http://schemas.microsoft.com/office/drawing/2010/main" w="9525">
+                <a14:hiddenLine xmlns:a14="http://schemas.microsoft.com/office/drawing/2010/main" xmlns="" w="9525">
                   <a:solidFill>
                     <a:srgbClr val="000000"/>
                   </a:solidFill>
@@ -3157,7 +3157,7 @@
             </a:ln>
             <a:extLst>
               <a:ext uri="{91240B29-F687-4f45-9708-019B960494DF}">
-                <a14:hiddenLine xmlns="" xmlns:a14="http://schemas.microsoft.com/office/drawing/2010/main" w="9525">
+                <a14:hiddenLine xmlns:a14="http://schemas.microsoft.com/office/drawing/2010/main" xmlns="" w="9525">
                   <a:solidFill>
                     <a:srgbClr val="000000"/>
                   </a:solidFill>
@@ -3247,7 +3247,7 @@
             </a:ln>
             <a:extLst>
               <a:ext uri="{91240B29-F687-4f45-9708-019B960494DF}">
-                <a14:hiddenLine xmlns="" xmlns:a14="http://schemas.microsoft.com/office/drawing/2010/main" w="9525">
+                <a14:hiddenLine xmlns:a14="http://schemas.microsoft.com/office/drawing/2010/main" xmlns="" w="9525">
                   <a:solidFill>
                     <a:srgbClr val="000000"/>
                   </a:solidFill>
@@ -3315,7 +3315,7 @@
             </a:ln>
             <a:extLst>
               <a:ext uri="{91240B29-F687-4f45-9708-019B960494DF}">
-                <a14:hiddenLine xmlns="" xmlns:a14="http://schemas.microsoft.com/office/drawing/2010/main" w="9525">
+                <a14:hiddenLine xmlns:a14="http://schemas.microsoft.com/office/drawing/2010/main" xmlns="" w="9525">
                   <a:solidFill>
                     <a:srgbClr val="000000"/>
                   </a:solidFill>
@@ -3405,7 +3405,7 @@
             </a:ln>
             <a:extLst>
               <a:ext uri="{91240B29-F687-4f45-9708-019B960494DF}">
-                <a14:hiddenLine xmlns="" xmlns:a14="http://schemas.microsoft.com/office/drawing/2010/main" w="9525">
+                <a14:hiddenLine xmlns:a14="http://schemas.microsoft.com/office/drawing/2010/main" xmlns="" w="9525">
                   <a:solidFill>
                     <a:srgbClr val="000000"/>
                   </a:solidFill>
@@ -3439,7 +3439,7 @@
             </a:ln>
             <a:extLst>
               <a:ext uri="{91240B29-F687-4f45-9708-019B960494DF}">
-                <a14:hiddenLine xmlns="" xmlns:a14="http://schemas.microsoft.com/office/drawing/2010/main" w="9525">
+                <a14:hiddenLine xmlns:a14="http://schemas.microsoft.com/office/drawing/2010/main" xmlns="" w="9525">
                   <a:solidFill>
                     <a:srgbClr val="000000"/>
                   </a:solidFill>
@@ -3529,7 +3529,7 @@
             </a:ln>
             <a:extLst>
               <a:ext uri="{91240B29-F687-4f45-9708-019B960494DF}">
-                <a14:hiddenLine xmlns="" xmlns:a14="http://schemas.microsoft.com/office/drawing/2010/main" w="9525">
+                <a14:hiddenLine xmlns:a14="http://schemas.microsoft.com/office/drawing/2010/main" xmlns="" w="9525">
                   <a:solidFill>
                     <a:srgbClr val="000000"/>
                   </a:solidFill>
@@ -3591,7 +3591,7 @@
             </a:ln>
             <a:extLst>
               <a:ext uri="{91240B29-F687-4f45-9708-019B960494DF}">
-                <a14:hiddenLine xmlns="" xmlns:a14="http://schemas.microsoft.com/office/drawing/2010/main" w="9525">
+                <a14:hiddenLine xmlns:a14="http://schemas.microsoft.com/office/drawing/2010/main" xmlns="" w="9525">
                   <a:solidFill>
                     <a:srgbClr val="000000"/>
                   </a:solidFill>
@@ -3653,7 +3653,7 @@
             </a:ln>
             <a:extLst>
               <a:ext uri="{91240B29-F687-4f45-9708-019B960494DF}">
-                <a14:hiddenLine xmlns="" xmlns:a14="http://schemas.microsoft.com/office/drawing/2010/main" w="9525">
+                <a14:hiddenLine xmlns:a14="http://schemas.microsoft.com/office/drawing/2010/main" xmlns="" w="9525">
                   <a:solidFill>
                     <a:srgbClr val="000000"/>
                   </a:solidFill>
@@ -3743,7 +3743,7 @@
             </a:ln>
             <a:extLst>
               <a:ext uri="{91240B29-F687-4f45-9708-019B960494DF}">
-                <a14:hiddenLine xmlns="" xmlns:a14="http://schemas.microsoft.com/office/drawing/2010/main" w="9525">
+                <a14:hiddenLine xmlns:a14="http://schemas.microsoft.com/office/drawing/2010/main" xmlns="" w="9525">
                   <a:solidFill>
                     <a:srgbClr val="000000"/>
                   </a:solidFill>
@@ -3811,7 +3811,7 @@
             </a:ln>
             <a:extLst>
               <a:ext uri="{91240B29-F687-4f45-9708-019B960494DF}">
-                <a14:hiddenLine xmlns="" xmlns:a14="http://schemas.microsoft.com/office/drawing/2010/main" w="9525">
+                <a14:hiddenLine xmlns:a14="http://schemas.microsoft.com/office/drawing/2010/main" xmlns="" w="9525">
                   <a:solidFill>
                     <a:srgbClr val="000000"/>
                   </a:solidFill>
@@ -3873,7 +3873,7 @@
             </a:ln>
             <a:extLst>
               <a:ext uri="{91240B29-F687-4f45-9708-019B960494DF}">
-                <a14:hiddenLine xmlns="" xmlns:a14="http://schemas.microsoft.com/office/drawing/2010/main" w="9525">
+                <a14:hiddenLine xmlns:a14="http://schemas.microsoft.com/office/drawing/2010/main" xmlns="" w="9525">
                   <a:solidFill>
                     <a:srgbClr val="000000"/>
                   </a:solidFill>
@@ -3963,7 +3963,7 @@
             </a:ln>
             <a:extLst>
               <a:ext uri="{91240B29-F687-4f45-9708-019B960494DF}">
-                <a14:hiddenLine xmlns="" xmlns:a14="http://schemas.microsoft.com/office/drawing/2010/main" w="9525">
+                <a14:hiddenLine xmlns:a14="http://schemas.microsoft.com/office/drawing/2010/main" xmlns="" w="9525">
                   <a:solidFill>
                     <a:srgbClr val="000000"/>
                   </a:solidFill>
@@ -4025,7 +4025,7 @@
             </a:ln>
             <a:extLst>
               <a:ext uri="{91240B29-F687-4f45-9708-019B960494DF}">
-                <a14:hiddenLine xmlns="" xmlns:a14="http://schemas.microsoft.com/office/drawing/2010/main" w="9525">
+                <a14:hiddenLine xmlns:a14="http://schemas.microsoft.com/office/drawing/2010/main" xmlns="" w="9525">
                   <a:solidFill>
                     <a:srgbClr val="000000"/>
                   </a:solidFill>
@@ -4115,7 +4115,7 @@
             </a:ln>
             <a:extLst>
               <a:ext uri="{91240B29-F687-4f45-9708-019B960494DF}">
-                <a14:hiddenLine xmlns="" xmlns:a14="http://schemas.microsoft.com/office/drawing/2010/main" w="9525">
+                <a14:hiddenLine xmlns:a14="http://schemas.microsoft.com/office/drawing/2010/main" xmlns="" w="9525">
                   <a:solidFill>
                     <a:srgbClr val="000000"/>
                   </a:solidFill>
@@ -4177,7 +4177,7 @@
             </a:ln>
             <a:extLst>
               <a:ext uri="{91240B29-F687-4f45-9708-019B960494DF}">
-                <a14:hiddenLine xmlns="" xmlns:a14="http://schemas.microsoft.com/office/drawing/2010/main" w="9525">
+                <a14:hiddenLine xmlns:a14="http://schemas.microsoft.com/office/drawing/2010/main" xmlns="" w="9525">
                   <a:solidFill>
                     <a:srgbClr val="000000"/>
                   </a:solidFill>
@@ -4267,7 +4267,7 @@
             </a:ln>
             <a:extLst>
               <a:ext uri="{91240B29-F687-4f45-9708-019B960494DF}">
-                <a14:hiddenLine xmlns="" xmlns:a14="http://schemas.microsoft.com/office/drawing/2010/main" w="9525">
+                <a14:hiddenLine xmlns:a14="http://schemas.microsoft.com/office/drawing/2010/main" xmlns="" w="9525">
                   <a:solidFill>
                     <a:srgbClr val="000000"/>
                   </a:solidFill>
@@ -4301,7 +4301,7 @@
             </a:ln>
             <a:extLst>
               <a:ext uri="{91240B29-F687-4f45-9708-019B960494DF}">
-                <a14:hiddenLine xmlns="" xmlns:a14="http://schemas.microsoft.com/office/drawing/2010/main" w="9525">
+                <a14:hiddenLine xmlns:a14="http://schemas.microsoft.com/office/drawing/2010/main" xmlns="" w="9525">
                   <a:solidFill>
                     <a:srgbClr val="000000"/>
                   </a:solidFill>
@@ -4366,7 +4366,7 @@
             </a:ln>
             <a:extLst>
               <a:ext uri="{91240B29-F687-4f45-9708-019B960494DF}">
-                <a14:hiddenLine xmlns="" xmlns:a14="http://schemas.microsoft.com/office/drawing/2010/main" w="9525">
+                <a14:hiddenLine xmlns:a14="http://schemas.microsoft.com/office/drawing/2010/main" xmlns="" w="9525">
                   <a:solidFill>
                     <a:srgbClr val="000000"/>
                   </a:solidFill>
@@ -4456,7 +4456,7 @@
             </a:ln>
             <a:extLst>
               <a:ext uri="{91240B29-F687-4f45-9708-019B960494DF}">
-                <a14:hiddenLine xmlns="" xmlns:a14="http://schemas.microsoft.com/office/drawing/2010/main" w="9525">
+                <a14:hiddenLine xmlns:a14="http://schemas.microsoft.com/office/drawing/2010/main" xmlns="" w="9525">
                   <a:solidFill>
                     <a:srgbClr val="000000"/>
                   </a:solidFill>
@@ -4518,7 +4518,7 @@
             </a:ln>
             <a:extLst>
               <a:ext uri="{91240B29-F687-4f45-9708-019B960494DF}">
-                <a14:hiddenLine xmlns="" xmlns:a14="http://schemas.microsoft.com/office/drawing/2010/main" w="9525">
+                <a14:hiddenLine xmlns:a14="http://schemas.microsoft.com/office/drawing/2010/main" xmlns="" w="9525">
                   <a:solidFill>
                     <a:srgbClr val="000000"/>
                   </a:solidFill>
@@ -4608,7 +4608,7 @@
             </a:ln>
             <a:extLst>
               <a:ext uri="{91240B29-F687-4f45-9708-019B960494DF}">
-                <a14:hiddenLine xmlns="" xmlns:a14="http://schemas.microsoft.com/office/drawing/2010/main" w="9525">
+                <a14:hiddenLine xmlns:a14="http://schemas.microsoft.com/office/drawing/2010/main" xmlns="" w="9525">
                   <a:solidFill>
                     <a:srgbClr val="000000"/>
                   </a:solidFill>
@@ -4698,7 +4698,7 @@
             </a:ln>
             <a:extLst>
               <a:ext uri="{91240B29-F687-4f45-9708-019B960494DF}">
-                <a14:hiddenLine xmlns="" xmlns:a14="http://schemas.microsoft.com/office/drawing/2010/main" w="9525">
+                <a14:hiddenLine xmlns:a14="http://schemas.microsoft.com/office/drawing/2010/main" xmlns="" w="9525">
                   <a:solidFill>
                     <a:srgbClr val="000000"/>
                   </a:solidFill>
@@ -4763,7 +4763,7 @@
             </a:ln>
             <a:extLst>
               <a:ext uri="{91240B29-F687-4f45-9708-019B960494DF}">
-                <a14:hiddenLine xmlns="" xmlns:a14="http://schemas.microsoft.com/office/drawing/2010/main" w="9525">
+                <a14:hiddenLine xmlns:a14="http://schemas.microsoft.com/office/drawing/2010/main" xmlns="" w="9525">
                   <a:solidFill>
                     <a:srgbClr val="000000"/>
                   </a:solidFill>
@@ -4825,7 +4825,7 @@
             </a:ln>
             <a:extLst>
               <a:ext uri="{91240B29-F687-4f45-9708-019B960494DF}">
-                <a14:hiddenLine xmlns="" xmlns:a14="http://schemas.microsoft.com/office/drawing/2010/main" w="9525">
+                <a14:hiddenLine xmlns:a14="http://schemas.microsoft.com/office/drawing/2010/main" xmlns="" w="9525">
                   <a:solidFill>
                     <a:srgbClr val="000000"/>
                   </a:solidFill>
@@ -4915,7 +4915,7 @@
             </a:ln>
             <a:extLst>
               <a:ext uri="{91240B29-F687-4f45-9708-019B960494DF}">
-                <a14:hiddenLine xmlns="" xmlns:a14="http://schemas.microsoft.com/office/drawing/2010/main" w="9525">
+                <a14:hiddenLine xmlns:a14="http://schemas.microsoft.com/office/drawing/2010/main" xmlns="" w="9525">
                   <a:solidFill>
                     <a:srgbClr val="000000"/>
                   </a:solidFill>
@@ -5005,7 +5005,7 @@
             </a:ln>
             <a:extLst>
               <a:ext uri="{91240B29-F687-4f45-9708-019B960494DF}">
-                <a14:hiddenLine xmlns="" xmlns:a14="http://schemas.microsoft.com/office/drawing/2010/main" w="9525">
+                <a14:hiddenLine xmlns:a14="http://schemas.microsoft.com/office/drawing/2010/main" xmlns="" w="9525">
                   <a:solidFill>
                     <a:srgbClr val="000000"/>
                   </a:solidFill>
@@ -5067,7 +5067,7 @@
             </a:ln>
             <a:extLst>
               <a:ext uri="{91240B29-F687-4f45-9708-019B960494DF}">
-                <a14:hiddenLine xmlns="" xmlns:a14="http://schemas.microsoft.com/office/drawing/2010/main" w="9525">
+                <a14:hiddenLine xmlns:a14="http://schemas.microsoft.com/office/drawing/2010/main" xmlns="" w="9525">
                   <a:solidFill>
                     <a:srgbClr val="000000"/>
                   </a:solidFill>
@@ -5187,7 +5187,7 @@
             </a:ln>
             <a:extLst>
               <a:ext uri="{91240B29-F687-4f45-9708-019B960494DF}">
-                <a14:hiddenLine xmlns="" xmlns:a14="http://schemas.microsoft.com/office/drawing/2010/main" w="9525">
+                <a14:hiddenLine xmlns:a14="http://schemas.microsoft.com/office/drawing/2010/main" xmlns="" w="9525">
                   <a:solidFill>
                     <a:srgbClr val="000000"/>
                   </a:solidFill>
@@ -5255,7 +5255,7 @@
             </a:ln>
             <a:extLst>
               <a:ext uri="{91240B29-F687-4f45-9708-019B960494DF}">
-                <a14:hiddenLine xmlns="" xmlns:a14="http://schemas.microsoft.com/office/drawing/2010/main" w="9525">
+                <a14:hiddenLine xmlns:a14="http://schemas.microsoft.com/office/drawing/2010/main" xmlns="" w="9525">
                   <a:solidFill>
                     <a:srgbClr val="000000"/>
                   </a:solidFill>
@@ -5345,7 +5345,7 @@
             </a:ln>
             <a:extLst>
               <a:ext uri="{91240B29-F687-4f45-9708-019B960494DF}">
-                <a14:hiddenLine xmlns="" xmlns:a14="http://schemas.microsoft.com/office/drawing/2010/main" w="9525">
+                <a14:hiddenLine xmlns:a14="http://schemas.microsoft.com/office/drawing/2010/main" xmlns="" w="9525">
                   <a:solidFill>
                     <a:srgbClr val="000000"/>
                   </a:solidFill>
@@ -10152,7 +10152,7 @@
           <a:noFill/>
           <a:extLst>
             <a:ext uri="{909E8E84-426E-40dd-AFC4-6F175D3DCCD1}">
-              <a14:hiddenFill xmlns="" xmlns:a14="http://schemas.microsoft.com/office/drawing/2010/main">
+              <a14:hiddenFill xmlns:a14="http://schemas.microsoft.com/office/drawing/2010/main" xmlns="">
                 <a:solidFill>
                   <a:srgbClr val="FFFFFF"/>
                 </a:solidFill>
@@ -10226,7 +10226,7 @@
               </a:ln>
               <a:extLst>
                 <a:ext uri="{91240B29-F687-4f45-9708-019B960494DF}">
-                  <a14:hiddenLine xmlns="" xmlns:a14="http://schemas.microsoft.com/office/drawing/2010/main" w="9525">
+                  <a14:hiddenLine xmlns:a14="http://schemas.microsoft.com/office/drawing/2010/main" xmlns="" w="9525">
                     <a:solidFill>
                       <a:srgbClr val="000000"/>
                     </a:solidFill>
@@ -10316,7 +10316,7 @@
               </a:ln>
               <a:extLst>
                 <a:ext uri="{91240B29-F687-4f45-9708-019B960494DF}">
-                  <a14:hiddenLine xmlns="" xmlns:a14="http://schemas.microsoft.com/office/drawing/2010/main" w="9525">
+                  <a14:hiddenLine xmlns:a14="http://schemas.microsoft.com/office/drawing/2010/main" xmlns="" w="9525">
                     <a:solidFill>
                       <a:srgbClr val="000000"/>
                     </a:solidFill>
@@ -10406,7 +10406,7 @@
               </a:ln>
               <a:extLst>
                 <a:ext uri="{91240B29-F687-4f45-9708-019B960494DF}">
-                  <a14:hiddenLine xmlns="" xmlns:a14="http://schemas.microsoft.com/office/drawing/2010/main" w="9525">
+                  <a14:hiddenLine xmlns:a14="http://schemas.microsoft.com/office/drawing/2010/main" xmlns="" w="9525">
                     <a:solidFill>
                       <a:srgbClr val="000000"/>
                     </a:solidFill>
@@ -10468,7 +10468,7 @@
               </a:ln>
               <a:extLst>
                 <a:ext uri="{91240B29-F687-4f45-9708-019B960494DF}">
-                  <a14:hiddenLine xmlns="" xmlns:a14="http://schemas.microsoft.com/office/drawing/2010/main" w="9525">
+                  <a14:hiddenLine xmlns:a14="http://schemas.microsoft.com/office/drawing/2010/main" xmlns="" w="9525">
                     <a:solidFill>
                       <a:srgbClr val="000000"/>
                     </a:solidFill>
@@ -10558,7 +10558,7 @@
               </a:ln>
               <a:extLst>
                 <a:ext uri="{91240B29-F687-4f45-9708-019B960494DF}">
-                  <a14:hiddenLine xmlns="" xmlns:a14="http://schemas.microsoft.com/office/drawing/2010/main" w="9525">
+                  <a14:hiddenLine xmlns:a14="http://schemas.microsoft.com/office/drawing/2010/main" xmlns="" w="9525">
                     <a:solidFill>
                       <a:srgbClr val="000000"/>
                     </a:solidFill>
@@ -10620,7 +10620,7 @@
               </a:ln>
               <a:extLst>
                 <a:ext uri="{91240B29-F687-4f45-9708-019B960494DF}">
-                  <a14:hiddenLine xmlns="" xmlns:a14="http://schemas.microsoft.com/office/drawing/2010/main" w="9525">
+                  <a14:hiddenLine xmlns:a14="http://schemas.microsoft.com/office/drawing/2010/main" xmlns="" w="9525">
                     <a:solidFill>
                       <a:srgbClr val="000000"/>
                     </a:solidFill>
@@ -10682,7 +10682,7 @@
               </a:ln>
               <a:extLst>
                 <a:ext uri="{91240B29-F687-4f45-9708-019B960494DF}">
-                  <a14:hiddenLine xmlns="" xmlns:a14="http://schemas.microsoft.com/office/drawing/2010/main" w="9525">
+                  <a14:hiddenLine xmlns:a14="http://schemas.microsoft.com/office/drawing/2010/main" xmlns="" w="9525">
                     <a:solidFill>
                       <a:srgbClr val="000000"/>
                     </a:solidFill>
@@ -10772,7 +10772,7 @@
               </a:ln>
               <a:extLst>
                 <a:ext uri="{91240B29-F687-4f45-9708-019B960494DF}">
-                  <a14:hiddenLine xmlns="" xmlns:a14="http://schemas.microsoft.com/office/drawing/2010/main" w="9525">
+                  <a14:hiddenLine xmlns:a14="http://schemas.microsoft.com/office/drawing/2010/main" xmlns="" w="9525">
                     <a:solidFill>
                       <a:srgbClr val="000000"/>
                     </a:solidFill>
@@ -10862,7 +10862,7 @@
               </a:ln>
               <a:extLst>
                 <a:ext uri="{91240B29-F687-4f45-9708-019B960494DF}">
-                  <a14:hiddenLine xmlns="" xmlns:a14="http://schemas.microsoft.com/office/drawing/2010/main" w="9525">
+                  <a14:hiddenLine xmlns:a14="http://schemas.microsoft.com/office/drawing/2010/main" xmlns="" w="9525">
                     <a:solidFill>
                       <a:srgbClr val="000000"/>
                     </a:solidFill>
@@ -10924,7 +10924,7 @@
               </a:ln>
               <a:extLst>
                 <a:ext uri="{91240B29-F687-4f45-9708-019B960494DF}">
-                  <a14:hiddenLine xmlns="" xmlns:a14="http://schemas.microsoft.com/office/drawing/2010/main" w="9525">
+                  <a14:hiddenLine xmlns:a14="http://schemas.microsoft.com/office/drawing/2010/main" xmlns="" w="9525">
                     <a:solidFill>
                       <a:srgbClr val="000000"/>
                     </a:solidFill>
@@ -11034,7 +11034,7 @@
               </a:ln>
               <a:extLst>
                 <a:ext uri="{91240B29-F687-4f45-9708-019B960494DF}">
-                  <a14:hiddenLine xmlns="" xmlns:a14="http://schemas.microsoft.com/office/drawing/2010/main" w="9525">
+                  <a14:hiddenLine xmlns:a14="http://schemas.microsoft.com/office/drawing/2010/main" xmlns="" w="9525">
                     <a:solidFill>
                       <a:srgbClr val="000000"/>
                     </a:solidFill>
@@ -11118,7 +11118,7 @@
               </a:ln>
               <a:extLst>
                 <a:ext uri="{91240B29-F687-4f45-9708-019B960494DF}">
-                  <a14:hiddenLine xmlns="" xmlns:a14="http://schemas.microsoft.com/office/drawing/2010/main" w="9525">
+                  <a14:hiddenLine xmlns:a14="http://schemas.microsoft.com/office/drawing/2010/main" xmlns="" w="9525">
                     <a:solidFill>
                       <a:srgbClr val="000000"/>
                     </a:solidFill>
@@ -11180,7 +11180,7 @@
               </a:ln>
               <a:extLst>
                 <a:ext uri="{91240B29-F687-4f45-9708-019B960494DF}">
-                  <a14:hiddenLine xmlns="" xmlns:a14="http://schemas.microsoft.com/office/drawing/2010/main" w="9525">
+                  <a14:hiddenLine xmlns:a14="http://schemas.microsoft.com/office/drawing/2010/main" xmlns="" w="9525">
                     <a:solidFill>
                       <a:srgbClr val="000000"/>
                     </a:solidFill>
@@ -11242,7 +11242,7 @@
               </a:ln>
               <a:extLst>
                 <a:ext uri="{91240B29-F687-4f45-9708-019B960494DF}">
-                  <a14:hiddenLine xmlns="" xmlns:a14="http://schemas.microsoft.com/office/drawing/2010/main" w="9525">
+                  <a14:hiddenLine xmlns:a14="http://schemas.microsoft.com/office/drawing/2010/main" xmlns="" w="9525">
                     <a:solidFill>
                       <a:srgbClr val="000000"/>
                     </a:solidFill>
@@ -11332,7 +11332,7 @@
               </a:ln>
               <a:extLst>
                 <a:ext uri="{91240B29-F687-4f45-9708-019B960494DF}">
-                  <a14:hiddenLine xmlns="" xmlns:a14="http://schemas.microsoft.com/office/drawing/2010/main" w="9525">
+                  <a14:hiddenLine xmlns:a14="http://schemas.microsoft.com/office/drawing/2010/main" xmlns="" w="9525">
                     <a:solidFill>
                       <a:srgbClr val="000000"/>
                     </a:solidFill>
@@ -11366,7 +11366,7 @@
               </a:ln>
               <a:extLst>
                 <a:ext uri="{91240B29-F687-4f45-9708-019B960494DF}">
-                  <a14:hiddenLine xmlns="" xmlns:a14="http://schemas.microsoft.com/office/drawing/2010/main" w="9525">
+                  <a14:hiddenLine xmlns:a14="http://schemas.microsoft.com/office/drawing/2010/main" xmlns="" w="9525">
                     <a:solidFill>
                       <a:srgbClr val="000000"/>
                     </a:solidFill>
@@ -11431,7 +11431,7 @@
               </a:ln>
               <a:extLst>
                 <a:ext uri="{91240B29-F687-4f45-9708-019B960494DF}">
-                  <a14:hiddenLine xmlns="" xmlns:a14="http://schemas.microsoft.com/office/drawing/2010/main" w="9525">
+                  <a14:hiddenLine xmlns:a14="http://schemas.microsoft.com/office/drawing/2010/main" xmlns="" w="9525">
                     <a:solidFill>
                       <a:srgbClr val="000000"/>
                     </a:solidFill>
@@ -11521,7 +11521,7 @@
               </a:ln>
               <a:extLst>
                 <a:ext uri="{91240B29-F687-4f45-9708-019B960494DF}">
-                  <a14:hiddenLine xmlns="" xmlns:a14="http://schemas.microsoft.com/office/drawing/2010/main" w="9525">
+                  <a14:hiddenLine xmlns:a14="http://schemas.microsoft.com/office/drawing/2010/main" xmlns="" w="9525">
                     <a:solidFill>
                       <a:srgbClr val="000000"/>
                     </a:solidFill>
@@ -11583,7 +11583,7 @@
               </a:ln>
               <a:extLst>
                 <a:ext uri="{91240B29-F687-4f45-9708-019B960494DF}">
-                  <a14:hiddenLine xmlns="" xmlns:a14="http://schemas.microsoft.com/office/drawing/2010/main" w="9525">
+                  <a14:hiddenLine xmlns:a14="http://schemas.microsoft.com/office/drawing/2010/main" xmlns="" w="9525">
                     <a:solidFill>
                       <a:srgbClr val="000000"/>
                     </a:solidFill>
@@ -11673,7 +11673,7 @@
               </a:ln>
               <a:extLst>
                 <a:ext uri="{91240B29-F687-4f45-9708-019B960494DF}">
-                  <a14:hiddenLine xmlns="" xmlns:a14="http://schemas.microsoft.com/office/drawing/2010/main" w="9525">
+                  <a14:hiddenLine xmlns:a14="http://schemas.microsoft.com/office/drawing/2010/main" xmlns="" w="9525">
                     <a:solidFill>
                       <a:srgbClr val="000000"/>
                     </a:solidFill>
@@ -11738,7 +11738,7 @@
               </a:ln>
               <a:extLst>
                 <a:ext uri="{91240B29-F687-4f45-9708-019B960494DF}">
-                  <a14:hiddenLine xmlns="" xmlns:a14="http://schemas.microsoft.com/office/drawing/2010/main" w="9525">
+                  <a14:hiddenLine xmlns:a14="http://schemas.microsoft.com/office/drawing/2010/main" xmlns="" w="9525">
                     <a:solidFill>
                       <a:srgbClr val="000000"/>
                     </a:solidFill>
@@ -11800,7 +11800,7 @@
               </a:ln>
               <a:extLst>
                 <a:ext uri="{91240B29-F687-4f45-9708-019B960494DF}">
-                  <a14:hiddenLine xmlns="" xmlns:a14="http://schemas.microsoft.com/office/drawing/2010/main" w="9525">
+                  <a14:hiddenLine xmlns:a14="http://schemas.microsoft.com/office/drawing/2010/main" xmlns="" w="9525">
                     <a:solidFill>
                       <a:srgbClr val="000000"/>
                     </a:solidFill>
@@ -11890,7 +11890,7 @@
               </a:ln>
               <a:extLst>
                 <a:ext uri="{91240B29-F687-4f45-9708-019B960494DF}">
-                  <a14:hiddenLine xmlns="" xmlns:a14="http://schemas.microsoft.com/office/drawing/2010/main" w="9525">
+                  <a14:hiddenLine xmlns:a14="http://schemas.microsoft.com/office/drawing/2010/main" xmlns="" w="9525">
                     <a:solidFill>
                       <a:srgbClr val="000000"/>
                     </a:solidFill>
@@ -11980,7 +11980,7 @@
               </a:ln>
               <a:extLst>
                 <a:ext uri="{91240B29-F687-4f45-9708-019B960494DF}">
-                  <a14:hiddenLine xmlns="" xmlns:a14="http://schemas.microsoft.com/office/drawing/2010/main" w="9525">
+                  <a14:hiddenLine xmlns:a14="http://schemas.microsoft.com/office/drawing/2010/main" xmlns="" w="9525">
                     <a:solidFill>
                       <a:srgbClr val="000000"/>
                     </a:solidFill>
@@ -12045,7 +12045,7 @@
               </a:ln>
               <a:extLst>
                 <a:ext uri="{91240B29-F687-4f45-9708-019B960494DF}">
-                  <a14:hiddenLine xmlns="" xmlns:a14="http://schemas.microsoft.com/office/drawing/2010/main" w="9525">
+                  <a14:hiddenLine xmlns:a14="http://schemas.microsoft.com/office/drawing/2010/main" xmlns="" w="9525">
                     <a:solidFill>
                       <a:srgbClr val="000000"/>
                     </a:solidFill>
@@ -12165,7 +12165,7 @@
               </a:ln>
               <a:extLst>
                 <a:ext uri="{91240B29-F687-4f45-9708-019B960494DF}">
-                  <a14:hiddenLine xmlns="" xmlns:a14="http://schemas.microsoft.com/office/drawing/2010/main" w="9525">
+                  <a14:hiddenLine xmlns:a14="http://schemas.microsoft.com/office/drawing/2010/main" xmlns="" w="9525">
                     <a:solidFill>
                       <a:srgbClr val="000000"/>
                     </a:solidFill>
@@ -12263,7 +12263,7 @@
               </a:ln>
               <a:extLst>
                 <a:ext uri="{91240B29-F687-4f45-9708-019B960494DF}">
-                  <a14:hiddenLine xmlns="" xmlns:a14="http://schemas.microsoft.com/office/drawing/2010/main" w="9525">
+                  <a14:hiddenLine xmlns:a14="http://schemas.microsoft.com/office/drawing/2010/main" xmlns="" w="9525">
                     <a:solidFill>
                       <a:srgbClr val="000000"/>
                     </a:solidFill>
@@ -12378,7 +12378,7 @@
               </a:ln>
               <a:extLst>
                 <a:ext uri="{91240B29-F687-4f45-9708-019B960494DF}">
-                  <a14:hiddenLine xmlns="" xmlns:a14="http://schemas.microsoft.com/office/drawing/2010/main" w="9525">
+                  <a14:hiddenLine xmlns:a14="http://schemas.microsoft.com/office/drawing/2010/main" xmlns="" w="9525">
                     <a:solidFill>
                       <a:srgbClr val="000000"/>
                     </a:solidFill>
@@ -12468,7 +12468,7 @@
               </a:ln>
               <a:extLst>
                 <a:ext uri="{91240B29-F687-4f45-9708-019B960494DF}">
-                  <a14:hiddenLine xmlns="" xmlns:a14="http://schemas.microsoft.com/office/drawing/2010/main" w="9525">
+                  <a14:hiddenLine xmlns:a14="http://schemas.microsoft.com/office/drawing/2010/main" xmlns="" w="9525">
                     <a:solidFill>
                       <a:srgbClr val="000000"/>
                     </a:solidFill>
@@ -12533,7 +12533,7 @@
               </a:ln>
               <a:extLst>
                 <a:ext uri="{91240B29-F687-4f45-9708-019B960494DF}">
-                  <a14:hiddenLine xmlns="" xmlns:a14="http://schemas.microsoft.com/office/drawing/2010/main" w="9525">
+                  <a14:hiddenLine xmlns:a14="http://schemas.microsoft.com/office/drawing/2010/main" xmlns="" w="9525">
                     <a:solidFill>
                       <a:srgbClr val="000000"/>
                     </a:solidFill>
@@ -12623,7 +12623,7 @@
               </a:ln>
               <a:extLst>
                 <a:ext uri="{91240B29-F687-4f45-9708-019B960494DF}">
-                  <a14:hiddenLine xmlns="" xmlns:a14="http://schemas.microsoft.com/office/drawing/2010/main" w="9525">
+                  <a14:hiddenLine xmlns:a14="http://schemas.microsoft.com/office/drawing/2010/main" xmlns="" w="9525">
                     <a:solidFill>
                       <a:srgbClr val="000000"/>
                     </a:solidFill>
@@ -12691,7 +12691,7 @@
               </a:ln>
               <a:extLst>
                 <a:ext uri="{91240B29-F687-4f45-9708-019B960494DF}">
-                  <a14:hiddenLine xmlns="" xmlns:a14="http://schemas.microsoft.com/office/drawing/2010/main" w="9525">
+                  <a14:hiddenLine xmlns:a14="http://schemas.microsoft.com/office/drawing/2010/main" xmlns="" w="9525">
                     <a:solidFill>
                       <a:srgbClr val="000000"/>
                     </a:solidFill>
@@ -12781,7 +12781,7 @@
               </a:ln>
               <a:extLst>
                 <a:ext uri="{91240B29-F687-4f45-9708-019B960494DF}">
-                  <a14:hiddenLine xmlns="" xmlns:a14="http://schemas.microsoft.com/office/drawing/2010/main" w="9525">
+                  <a14:hiddenLine xmlns:a14="http://schemas.microsoft.com/office/drawing/2010/main" xmlns="" w="9525">
                     <a:solidFill>
                       <a:srgbClr val="000000"/>
                     </a:solidFill>
@@ -12849,7 +12849,7 @@
               </a:ln>
               <a:extLst>
                 <a:ext uri="{91240B29-F687-4f45-9708-019B960494DF}">
-                  <a14:hiddenLine xmlns="" xmlns:a14="http://schemas.microsoft.com/office/drawing/2010/main" w="9525">
+                  <a14:hiddenLine xmlns:a14="http://schemas.microsoft.com/office/drawing/2010/main" xmlns="" w="9525">
                     <a:solidFill>
                       <a:srgbClr val="000000"/>
                     </a:solidFill>
@@ -12939,7 +12939,7 @@
               </a:ln>
               <a:extLst>
                 <a:ext uri="{91240B29-F687-4f45-9708-019B960494DF}">
-                  <a14:hiddenLine xmlns="" xmlns:a14="http://schemas.microsoft.com/office/drawing/2010/main" w="9525">
+                  <a14:hiddenLine xmlns:a14="http://schemas.microsoft.com/office/drawing/2010/main" xmlns="" w="9525">
                     <a:solidFill>
                       <a:srgbClr val="000000"/>
                     </a:solidFill>
@@ -12973,7 +12973,7 @@
               </a:ln>
               <a:extLst>
                 <a:ext uri="{91240B29-F687-4f45-9708-019B960494DF}">
-                  <a14:hiddenLine xmlns="" xmlns:a14="http://schemas.microsoft.com/office/drawing/2010/main" w="9525">
+                  <a14:hiddenLine xmlns:a14="http://schemas.microsoft.com/office/drawing/2010/main" xmlns="" w="9525">
                     <a:solidFill>
                       <a:srgbClr val="000000"/>
                     </a:solidFill>
@@ -13761,7 +13761,7 @@
             </a:ln>
             <a:extLst>
               <a:ext uri="{91240B29-F687-4f45-9708-019B960494DF}">
-                <a14:hiddenLine xmlns:a14="http://schemas.microsoft.com/office/drawing/2010/main" xmlns:p14="http://schemas.microsoft.com/office/powerpoint/2010/main" xmlns:a16="http://schemas.microsoft.com/office/drawing/2014/main" xmlns="" w="9525">
+                <a14:hiddenLine xmlns="" xmlns:a16="http://schemas.microsoft.com/office/drawing/2014/main" xmlns:p14="http://schemas.microsoft.com/office/powerpoint/2010/main" xmlns:a14="http://schemas.microsoft.com/office/drawing/2010/main" w="9525">
                   <a:solidFill>
                     <a:srgbClr val="000000"/>
                   </a:solidFill>
@@ -13866,7 +13866,7 @@
             </a:ln>
             <a:extLst>
               <a:ext uri="{91240B29-F687-4f45-9708-019B960494DF}">
-                <a14:hiddenLine xmlns:a14="http://schemas.microsoft.com/office/drawing/2010/main" xmlns:p14="http://schemas.microsoft.com/office/powerpoint/2010/main" xmlns:a16="http://schemas.microsoft.com/office/drawing/2014/main" xmlns="" w="9525">
+                <a14:hiddenLine xmlns="" xmlns:a16="http://schemas.microsoft.com/office/drawing/2014/main" xmlns:p14="http://schemas.microsoft.com/office/powerpoint/2010/main" xmlns:a14="http://schemas.microsoft.com/office/drawing/2010/main" w="9525">
                   <a:solidFill>
                     <a:srgbClr val="000000"/>
                   </a:solidFill>
@@ -13971,7 +13971,7 @@
             </a:ln>
             <a:extLst>
               <a:ext uri="{91240B29-F687-4f45-9708-019B960494DF}">
-                <a14:hiddenLine xmlns:a14="http://schemas.microsoft.com/office/drawing/2010/main" xmlns:p14="http://schemas.microsoft.com/office/powerpoint/2010/main" xmlns:a16="http://schemas.microsoft.com/office/drawing/2014/main" xmlns="" w="9525">
+                <a14:hiddenLine xmlns="" xmlns:a16="http://schemas.microsoft.com/office/drawing/2014/main" xmlns:p14="http://schemas.microsoft.com/office/powerpoint/2010/main" xmlns:a14="http://schemas.microsoft.com/office/drawing/2010/main" w="9525">
                   <a:solidFill>
                     <a:srgbClr val="000000"/>
                   </a:solidFill>
@@ -14020,7 +14020,7 @@
             </a:ln>
             <a:extLst>
               <a:ext uri="{91240B29-F687-4f45-9708-019B960494DF}">
-                <a14:hiddenLine xmlns:a14="http://schemas.microsoft.com/office/drawing/2010/main" xmlns:p14="http://schemas.microsoft.com/office/powerpoint/2010/main" xmlns:a16="http://schemas.microsoft.com/office/drawing/2014/main" xmlns="" w="9525">
+                <a14:hiddenLine xmlns="" xmlns:a16="http://schemas.microsoft.com/office/drawing/2014/main" xmlns:p14="http://schemas.microsoft.com/office/powerpoint/2010/main" xmlns:a14="http://schemas.microsoft.com/office/drawing/2010/main" w="9525">
                   <a:solidFill>
                     <a:srgbClr val="000000"/>
                   </a:solidFill>
@@ -14125,7 +14125,7 @@
             </a:ln>
             <a:extLst>
               <a:ext uri="{91240B29-F687-4f45-9708-019B960494DF}">
-                <a14:hiddenLine xmlns:a14="http://schemas.microsoft.com/office/drawing/2010/main" xmlns:p14="http://schemas.microsoft.com/office/powerpoint/2010/main" xmlns:a16="http://schemas.microsoft.com/office/drawing/2014/main" xmlns="" w="9525">
+                <a14:hiddenLine xmlns="" xmlns:a16="http://schemas.microsoft.com/office/drawing/2014/main" xmlns:p14="http://schemas.microsoft.com/office/powerpoint/2010/main" xmlns:a14="http://schemas.microsoft.com/office/drawing/2010/main" w="9525">
                   <a:solidFill>
                     <a:srgbClr val="000000"/>
                   </a:solidFill>
@@ -14202,7 +14202,7 @@
             </a:ln>
             <a:extLst>
               <a:ext uri="{91240B29-F687-4f45-9708-019B960494DF}">
-                <a14:hiddenLine xmlns:a14="http://schemas.microsoft.com/office/drawing/2010/main" xmlns:p14="http://schemas.microsoft.com/office/powerpoint/2010/main" xmlns:a16="http://schemas.microsoft.com/office/drawing/2014/main" xmlns="" w="9525">
+                <a14:hiddenLine xmlns="" xmlns:a16="http://schemas.microsoft.com/office/drawing/2014/main" xmlns:p14="http://schemas.microsoft.com/office/powerpoint/2010/main" xmlns:a14="http://schemas.microsoft.com/office/drawing/2010/main" w="9525">
                   <a:solidFill>
                     <a:srgbClr val="000000"/>
                   </a:solidFill>
@@ -14279,7 +14279,7 @@
             </a:ln>
             <a:extLst>
               <a:ext uri="{91240B29-F687-4f45-9708-019B960494DF}">
-                <a14:hiddenLine xmlns:a14="http://schemas.microsoft.com/office/drawing/2010/main" xmlns:p14="http://schemas.microsoft.com/office/powerpoint/2010/main" xmlns:a16="http://schemas.microsoft.com/office/drawing/2014/main" xmlns="" w="9525">
+                <a14:hiddenLine xmlns="" xmlns:a16="http://schemas.microsoft.com/office/drawing/2014/main" xmlns:p14="http://schemas.microsoft.com/office/powerpoint/2010/main" xmlns:a14="http://schemas.microsoft.com/office/drawing/2010/main" w="9525">
                   <a:solidFill>
                     <a:srgbClr val="000000"/>
                   </a:solidFill>
@@ -14384,7 +14384,7 @@
             </a:ln>
             <a:extLst>
               <a:ext uri="{91240B29-F687-4f45-9708-019B960494DF}">
-                <a14:hiddenLine xmlns:a14="http://schemas.microsoft.com/office/drawing/2010/main" xmlns:p14="http://schemas.microsoft.com/office/powerpoint/2010/main" xmlns:a16="http://schemas.microsoft.com/office/drawing/2014/main" xmlns="" w="9525">
+                <a14:hiddenLine xmlns="" xmlns:a16="http://schemas.microsoft.com/office/drawing/2014/main" xmlns:p14="http://schemas.microsoft.com/office/powerpoint/2010/main" xmlns:a14="http://schemas.microsoft.com/office/drawing/2010/main" w="9525">
                   <a:solidFill>
                     <a:srgbClr val="000000"/>
                   </a:solidFill>
@@ -14461,7 +14461,7 @@
             </a:ln>
             <a:extLst>
               <a:ext uri="{91240B29-F687-4f45-9708-019B960494DF}">
-                <a14:hiddenLine xmlns:a14="http://schemas.microsoft.com/office/drawing/2010/main" xmlns:p14="http://schemas.microsoft.com/office/powerpoint/2010/main" xmlns:a16="http://schemas.microsoft.com/office/drawing/2014/main" xmlns="" w="9525">
+                <a14:hiddenLine xmlns="" xmlns:a16="http://schemas.microsoft.com/office/drawing/2014/main" xmlns:p14="http://schemas.microsoft.com/office/powerpoint/2010/main" xmlns:a14="http://schemas.microsoft.com/office/drawing/2010/main" w="9525">
                   <a:solidFill>
                     <a:srgbClr val="000000"/>
                   </a:solidFill>
@@ -14538,7 +14538,7 @@
             </a:ln>
             <a:extLst>
               <a:ext uri="{91240B29-F687-4f45-9708-019B960494DF}">
-                <a14:hiddenLine xmlns:a14="http://schemas.microsoft.com/office/drawing/2010/main" xmlns:p14="http://schemas.microsoft.com/office/powerpoint/2010/main" xmlns:a16="http://schemas.microsoft.com/office/drawing/2014/main" xmlns="" w="9525">
+                <a14:hiddenLine xmlns="" xmlns:a16="http://schemas.microsoft.com/office/drawing/2014/main" xmlns:p14="http://schemas.microsoft.com/office/powerpoint/2010/main" xmlns:a14="http://schemas.microsoft.com/office/drawing/2010/main" w="9525">
                   <a:solidFill>
                     <a:srgbClr val="000000"/>
                   </a:solidFill>
@@ -14643,7 +14643,7 @@
             </a:ln>
             <a:extLst>
               <a:ext uri="{91240B29-F687-4f45-9708-019B960494DF}">
-                <a14:hiddenLine xmlns:a14="http://schemas.microsoft.com/office/drawing/2010/main" xmlns:p14="http://schemas.microsoft.com/office/powerpoint/2010/main" xmlns:a16="http://schemas.microsoft.com/office/drawing/2014/main" xmlns="" w="9525">
+                <a14:hiddenLine xmlns="" xmlns:a16="http://schemas.microsoft.com/office/drawing/2014/main" xmlns:p14="http://schemas.microsoft.com/office/powerpoint/2010/main" xmlns:a14="http://schemas.microsoft.com/office/drawing/2010/main" w="9525">
                   <a:solidFill>
                     <a:srgbClr val="000000"/>
                   </a:solidFill>
@@ -14748,7 +14748,7 @@
             </a:ln>
             <a:extLst>
               <a:ext uri="{91240B29-F687-4f45-9708-019B960494DF}">
-                <a14:hiddenLine xmlns:a14="http://schemas.microsoft.com/office/drawing/2010/main" xmlns:p14="http://schemas.microsoft.com/office/powerpoint/2010/main" xmlns:a16="http://schemas.microsoft.com/office/drawing/2014/main" xmlns="" w="9525">
+                <a14:hiddenLine xmlns="" xmlns:a16="http://schemas.microsoft.com/office/drawing/2014/main" xmlns:p14="http://schemas.microsoft.com/office/powerpoint/2010/main" xmlns:a14="http://schemas.microsoft.com/office/drawing/2010/main" w="9525">
                   <a:solidFill>
                     <a:srgbClr val="000000"/>
                   </a:solidFill>
@@ -14825,7 +14825,7 @@
             </a:ln>
             <a:extLst>
               <a:ext uri="{91240B29-F687-4f45-9708-019B960494DF}">
-                <a14:hiddenLine xmlns:a14="http://schemas.microsoft.com/office/drawing/2010/main" xmlns:p14="http://schemas.microsoft.com/office/powerpoint/2010/main" xmlns:a16="http://schemas.microsoft.com/office/drawing/2014/main" xmlns="" w="9525">
+                <a14:hiddenLine xmlns="" xmlns:a16="http://schemas.microsoft.com/office/drawing/2014/main" xmlns:p14="http://schemas.microsoft.com/office/powerpoint/2010/main" xmlns:a14="http://schemas.microsoft.com/office/drawing/2010/main" w="9525">
                   <a:solidFill>
                     <a:srgbClr val="000000"/>
                   </a:solidFill>
@@ -14950,7 +14950,7 @@
             </a:ln>
             <a:extLst>
               <a:ext uri="{91240B29-F687-4f45-9708-019B960494DF}">
-                <a14:hiddenLine xmlns:a14="http://schemas.microsoft.com/office/drawing/2010/main" xmlns:p14="http://schemas.microsoft.com/office/powerpoint/2010/main" xmlns:a16="http://schemas.microsoft.com/office/drawing/2014/main" xmlns="" w="9525">
+                <a14:hiddenLine xmlns="" xmlns:a16="http://schemas.microsoft.com/office/drawing/2014/main" xmlns:p14="http://schemas.microsoft.com/office/powerpoint/2010/main" xmlns:a14="http://schemas.microsoft.com/office/drawing/2010/main" w="9525">
                   <a:solidFill>
                     <a:srgbClr val="000000"/>
                   </a:solidFill>
@@ -15027,7 +15027,7 @@
             </a:ln>
             <a:extLst>
               <a:ext uri="{91240B29-F687-4f45-9708-019B960494DF}">
-                <a14:hiddenLine xmlns:a14="http://schemas.microsoft.com/office/drawing/2010/main" xmlns:p14="http://schemas.microsoft.com/office/powerpoint/2010/main" xmlns:a16="http://schemas.microsoft.com/office/drawing/2014/main" xmlns="" w="9525">
+                <a14:hiddenLine xmlns="" xmlns:a16="http://schemas.microsoft.com/office/drawing/2014/main" xmlns:p14="http://schemas.microsoft.com/office/powerpoint/2010/main" xmlns:a14="http://schemas.microsoft.com/office/drawing/2010/main" w="9525">
                   <a:solidFill>
                     <a:srgbClr val="000000"/>
                   </a:solidFill>
@@ -15132,7 +15132,7 @@
             </a:ln>
             <a:extLst>
               <a:ext uri="{91240B29-F687-4f45-9708-019B960494DF}">
-                <a14:hiddenLine xmlns:a14="http://schemas.microsoft.com/office/drawing/2010/main" xmlns:p14="http://schemas.microsoft.com/office/powerpoint/2010/main" xmlns:a16="http://schemas.microsoft.com/office/drawing/2014/main" xmlns="" w="9525">
+                <a14:hiddenLine xmlns="" xmlns:a16="http://schemas.microsoft.com/office/drawing/2014/main" xmlns:p14="http://schemas.microsoft.com/office/powerpoint/2010/main" xmlns:a14="http://schemas.microsoft.com/office/drawing/2010/main" w="9525">
                   <a:solidFill>
                     <a:srgbClr val="000000"/>
                   </a:solidFill>
@@ -15237,7 +15237,7 @@
             </a:ln>
             <a:extLst>
               <a:ext uri="{91240B29-F687-4f45-9708-019B960494DF}">
-                <a14:hiddenLine xmlns:a14="http://schemas.microsoft.com/office/drawing/2010/main" xmlns:p14="http://schemas.microsoft.com/office/powerpoint/2010/main" xmlns:a16="http://schemas.microsoft.com/office/drawing/2014/main" xmlns="" w="9525">
+                <a14:hiddenLine xmlns="" xmlns:a16="http://schemas.microsoft.com/office/drawing/2014/main" xmlns:p14="http://schemas.microsoft.com/office/powerpoint/2010/main" xmlns:a14="http://schemas.microsoft.com/office/drawing/2010/main" w="9525">
                   <a:solidFill>
                     <a:srgbClr val="000000"/>
                   </a:solidFill>
@@ -15314,7 +15314,7 @@
             </a:ln>
             <a:extLst>
               <a:ext uri="{91240B29-F687-4f45-9708-019B960494DF}">
-                <a14:hiddenLine xmlns:a14="http://schemas.microsoft.com/office/drawing/2010/main" xmlns:p14="http://schemas.microsoft.com/office/powerpoint/2010/main" xmlns:a16="http://schemas.microsoft.com/office/drawing/2014/main" xmlns="" w="9525">
+                <a14:hiddenLine xmlns="" xmlns:a16="http://schemas.microsoft.com/office/drawing/2014/main" xmlns:p14="http://schemas.microsoft.com/office/powerpoint/2010/main" xmlns:a14="http://schemas.microsoft.com/office/drawing/2010/main" w="9525">
                   <a:solidFill>
                     <a:srgbClr val="000000"/>
                   </a:solidFill>
@@ -15419,7 +15419,7 @@
             </a:ln>
             <a:extLst>
               <a:ext uri="{91240B29-F687-4f45-9708-019B960494DF}">
-                <a14:hiddenLine xmlns:a14="http://schemas.microsoft.com/office/drawing/2010/main" xmlns:p14="http://schemas.microsoft.com/office/powerpoint/2010/main" xmlns:a16="http://schemas.microsoft.com/office/drawing/2014/main" xmlns="" w="9525">
+                <a14:hiddenLine xmlns="" xmlns:a16="http://schemas.microsoft.com/office/drawing/2014/main" xmlns:p14="http://schemas.microsoft.com/office/powerpoint/2010/main" xmlns:a14="http://schemas.microsoft.com/office/drawing/2010/main" w="9525">
                   <a:solidFill>
                     <a:srgbClr val="000000"/>
                   </a:solidFill>
@@ -15524,7 +15524,7 @@
             </a:ln>
             <a:extLst>
               <a:ext uri="{91240B29-F687-4f45-9708-019B960494DF}">
-                <a14:hiddenLine xmlns:a14="http://schemas.microsoft.com/office/drawing/2010/main" xmlns:p14="http://schemas.microsoft.com/office/powerpoint/2010/main" xmlns:a16="http://schemas.microsoft.com/office/drawing/2014/main" xmlns="" w="9525">
+                <a14:hiddenLine xmlns="" xmlns:a16="http://schemas.microsoft.com/office/drawing/2014/main" xmlns:p14="http://schemas.microsoft.com/office/powerpoint/2010/main" xmlns:a14="http://schemas.microsoft.com/office/drawing/2010/main" w="9525">
                   <a:solidFill>
                     <a:srgbClr val="000000"/>
                   </a:solidFill>
@@ -15595,7 +15595,7 @@
             </a:ln>
             <a:extLst>
               <a:ext uri="{91240B29-F687-4f45-9708-019B960494DF}">
-                <a14:hiddenLine xmlns:a14="http://schemas.microsoft.com/office/drawing/2010/main" xmlns:p14="http://schemas.microsoft.com/office/powerpoint/2010/main" xmlns:a16="http://schemas.microsoft.com/office/drawing/2014/main" xmlns="" w="9525">
+                <a14:hiddenLine xmlns="" xmlns:a16="http://schemas.microsoft.com/office/drawing/2014/main" xmlns:p14="http://schemas.microsoft.com/office/powerpoint/2010/main" xmlns:a14="http://schemas.microsoft.com/office/drawing/2010/main" w="9525">
                   <a:solidFill>
                     <a:srgbClr val="000000"/>
                   </a:solidFill>
@@ -15700,7 +15700,7 @@
             </a:ln>
             <a:extLst>
               <a:ext uri="{91240B29-F687-4f45-9708-019B960494DF}">
-                <a14:hiddenLine xmlns:a14="http://schemas.microsoft.com/office/drawing/2010/main" xmlns:p14="http://schemas.microsoft.com/office/powerpoint/2010/main" xmlns:a16="http://schemas.microsoft.com/office/drawing/2014/main" xmlns="" w="9525">
+                <a14:hiddenLine xmlns="" xmlns:a16="http://schemas.microsoft.com/office/drawing/2014/main" xmlns:p14="http://schemas.microsoft.com/office/powerpoint/2010/main" xmlns:a14="http://schemas.microsoft.com/office/drawing/2010/main" w="9525">
                   <a:solidFill>
                     <a:srgbClr val="000000"/>
                   </a:solidFill>
@@ -15771,7 +15771,7 @@
             </a:ln>
             <a:extLst>
               <a:ext uri="{91240B29-F687-4f45-9708-019B960494DF}">
-                <a14:hiddenLine xmlns:a14="http://schemas.microsoft.com/office/drawing/2010/main" xmlns:p14="http://schemas.microsoft.com/office/powerpoint/2010/main" xmlns:a16="http://schemas.microsoft.com/office/drawing/2014/main" xmlns="" w="9525">
+                <a14:hiddenLine xmlns="" xmlns:a16="http://schemas.microsoft.com/office/drawing/2014/main" xmlns:p14="http://schemas.microsoft.com/office/powerpoint/2010/main" xmlns:a14="http://schemas.microsoft.com/office/drawing/2010/main" w="9525">
                   <a:solidFill>
                     <a:srgbClr val="000000"/>
                   </a:solidFill>
@@ -15876,7 +15876,7 @@
             </a:ln>
             <a:extLst>
               <a:ext uri="{91240B29-F687-4f45-9708-019B960494DF}">
-                <a14:hiddenLine xmlns:a14="http://schemas.microsoft.com/office/drawing/2010/main" xmlns:p14="http://schemas.microsoft.com/office/powerpoint/2010/main" xmlns:a16="http://schemas.microsoft.com/office/drawing/2014/main" xmlns="" w="9525">
+                <a14:hiddenLine xmlns="" xmlns:a16="http://schemas.microsoft.com/office/drawing/2014/main" xmlns:p14="http://schemas.microsoft.com/office/powerpoint/2010/main" xmlns:a14="http://schemas.microsoft.com/office/drawing/2010/main" w="9525">
                   <a:solidFill>
                     <a:srgbClr val="000000"/>
                   </a:solidFill>
@@ -15959,7 +15959,7 @@
             </a:ln>
             <a:extLst>
               <a:ext uri="{91240B29-F687-4f45-9708-019B960494DF}">
-                <a14:hiddenLine xmlns:a14="http://schemas.microsoft.com/office/drawing/2010/main" xmlns:p14="http://schemas.microsoft.com/office/powerpoint/2010/main" xmlns:a16="http://schemas.microsoft.com/office/drawing/2014/main" xmlns="" w="9525">
+                <a14:hiddenLine xmlns="" xmlns:a16="http://schemas.microsoft.com/office/drawing/2014/main" xmlns:p14="http://schemas.microsoft.com/office/powerpoint/2010/main" xmlns:a14="http://schemas.microsoft.com/office/drawing/2010/main" w="9525">
                   <a:solidFill>
                     <a:srgbClr val="000000"/>
                   </a:solidFill>
@@ -16064,7 +16064,7 @@
             </a:ln>
             <a:extLst>
               <a:ext uri="{91240B29-F687-4f45-9708-019B960494DF}">
-                <a14:hiddenLine xmlns:a14="http://schemas.microsoft.com/office/drawing/2010/main" xmlns:p14="http://schemas.microsoft.com/office/powerpoint/2010/main" xmlns:a16="http://schemas.microsoft.com/office/drawing/2014/main" xmlns="" w="9525">
+                <a14:hiddenLine xmlns="" xmlns:a16="http://schemas.microsoft.com/office/drawing/2014/main" xmlns:p14="http://schemas.microsoft.com/office/powerpoint/2010/main" xmlns:a14="http://schemas.microsoft.com/office/drawing/2010/main" w="9525">
                   <a:solidFill>
                     <a:srgbClr val="000000"/>
                   </a:solidFill>
@@ -16147,7 +16147,7 @@
             </a:ln>
             <a:extLst>
               <a:ext uri="{91240B29-F687-4f45-9708-019B960494DF}">
-                <a14:hiddenLine xmlns:a14="http://schemas.microsoft.com/office/drawing/2010/main" xmlns:p14="http://schemas.microsoft.com/office/powerpoint/2010/main" xmlns:a16="http://schemas.microsoft.com/office/drawing/2014/main" xmlns="" w="9525">
+                <a14:hiddenLine xmlns="" xmlns:a16="http://schemas.microsoft.com/office/drawing/2014/main" xmlns:p14="http://schemas.microsoft.com/office/powerpoint/2010/main" xmlns:a14="http://schemas.microsoft.com/office/drawing/2010/main" w="9525">
                   <a:solidFill>
                     <a:srgbClr val="000000"/>
                   </a:solidFill>
@@ -16252,7 +16252,7 @@
             </a:ln>
             <a:extLst>
               <a:ext uri="{91240B29-F687-4f45-9708-019B960494DF}">
-                <a14:hiddenLine xmlns:a14="http://schemas.microsoft.com/office/drawing/2010/main" xmlns:p14="http://schemas.microsoft.com/office/powerpoint/2010/main" xmlns:a16="http://schemas.microsoft.com/office/drawing/2014/main" xmlns="" w="9525">
+                <a14:hiddenLine xmlns="" xmlns:a16="http://schemas.microsoft.com/office/drawing/2014/main" xmlns:p14="http://schemas.microsoft.com/office/powerpoint/2010/main" xmlns:a14="http://schemas.microsoft.com/office/drawing/2010/main" w="9525">
                   <a:solidFill>
                     <a:srgbClr val="000000"/>
                   </a:solidFill>
@@ -16301,7 +16301,7 @@
             </a:ln>
             <a:extLst>
               <a:ext uri="{91240B29-F687-4f45-9708-019B960494DF}">
-                <a14:hiddenLine xmlns:a14="http://schemas.microsoft.com/office/drawing/2010/main" xmlns:p14="http://schemas.microsoft.com/office/powerpoint/2010/main" xmlns:a16="http://schemas.microsoft.com/office/drawing/2014/main" xmlns="" w="9525">
+                <a14:hiddenLine xmlns="" xmlns:a16="http://schemas.microsoft.com/office/drawing/2014/main" xmlns:p14="http://schemas.microsoft.com/office/powerpoint/2010/main" xmlns:a14="http://schemas.microsoft.com/office/drawing/2010/main" w="9525">
                   <a:solidFill>
                     <a:srgbClr val="000000"/>
                   </a:solidFill>
@@ -16406,7 +16406,7 @@
             </a:ln>
             <a:extLst>
               <a:ext uri="{91240B29-F687-4f45-9708-019B960494DF}">
-                <a14:hiddenLine xmlns:a14="http://schemas.microsoft.com/office/drawing/2010/main" xmlns:p14="http://schemas.microsoft.com/office/powerpoint/2010/main" xmlns:a16="http://schemas.microsoft.com/office/drawing/2014/main" xmlns="" w="9525">
+                <a14:hiddenLine xmlns="" xmlns:a16="http://schemas.microsoft.com/office/drawing/2014/main" xmlns:p14="http://schemas.microsoft.com/office/powerpoint/2010/main" xmlns:a14="http://schemas.microsoft.com/office/drawing/2010/main" w="9525">
                   <a:solidFill>
                     <a:srgbClr val="000000"/>
                   </a:solidFill>
@@ -16483,7 +16483,7 @@
             </a:ln>
             <a:extLst>
               <a:ext uri="{91240B29-F687-4f45-9708-019B960494DF}">
-                <a14:hiddenLine xmlns:a14="http://schemas.microsoft.com/office/drawing/2010/main" xmlns:p14="http://schemas.microsoft.com/office/powerpoint/2010/main" xmlns:a16="http://schemas.microsoft.com/office/drawing/2014/main" xmlns="" w="9525">
+                <a14:hiddenLine xmlns="" xmlns:a16="http://schemas.microsoft.com/office/drawing/2014/main" xmlns:p14="http://schemas.microsoft.com/office/powerpoint/2010/main" xmlns:a14="http://schemas.microsoft.com/office/drawing/2010/main" w="9525">
                   <a:solidFill>
                     <a:srgbClr val="000000"/>
                   </a:solidFill>
@@ -16560,7 +16560,7 @@
             </a:ln>
             <a:extLst>
               <a:ext uri="{91240B29-F687-4f45-9708-019B960494DF}">
-                <a14:hiddenLine xmlns:a14="http://schemas.microsoft.com/office/drawing/2010/main" xmlns:p14="http://schemas.microsoft.com/office/powerpoint/2010/main" xmlns:a16="http://schemas.microsoft.com/office/drawing/2014/main" xmlns="" w="9525">
+                <a14:hiddenLine xmlns="" xmlns:a16="http://schemas.microsoft.com/office/drawing/2014/main" xmlns:p14="http://schemas.microsoft.com/office/powerpoint/2010/main" xmlns:a14="http://schemas.microsoft.com/office/drawing/2010/main" w="9525">
                   <a:solidFill>
                     <a:srgbClr val="000000"/>
                   </a:solidFill>
@@ -16665,7 +16665,7 @@
             </a:ln>
             <a:extLst>
               <a:ext uri="{91240B29-F687-4f45-9708-019B960494DF}">
-                <a14:hiddenLine xmlns:a14="http://schemas.microsoft.com/office/drawing/2010/main" xmlns:p14="http://schemas.microsoft.com/office/powerpoint/2010/main" xmlns:a16="http://schemas.microsoft.com/office/drawing/2014/main" xmlns="" w="9525">
+                <a14:hiddenLine xmlns="" xmlns:a16="http://schemas.microsoft.com/office/drawing/2014/main" xmlns:p14="http://schemas.microsoft.com/office/powerpoint/2010/main" xmlns:a14="http://schemas.microsoft.com/office/drawing/2010/main" w="9525">
                   <a:solidFill>
                     <a:srgbClr val="000000"/>
                   </a:solidFill>
@@ -16748,7 +16748,7 @@
             </a:ln>
             <a:extLst>
               <a:ext uri="{91240B29-F687-4f45-9708-019B960494DF}">
-                <a14:hiddenLine xmlns:a14="http://schemas.microsoft.com/office/drawing/2010/main" xmlns:p14="http://schemas.microsoft.com/office/powerpoint/2010/main" xmlns:a16="http://schemas.microsoft.com/office/drawing/2014/main" xmlns="" w="9525">
+                <a14:hiddenLine xmlns="" xmlns:a16="http://schemas.microsoft.com/office/drawing/2014/main" xmlns:p14="http://schemas.microsoft.com/office/powerpoint/2010/main" xmlns:a14="http://schemas.microsoft.com/office/drawing/2010/main" w="9525">
                   <a:solidFill>
                     <a:srgbClr val="000000"/>
                   </a:solidFill>
@@ -16825,7 +16825,7 @@
             </a:ln>
             <a:extLst>
               <a:ext uri="{91240B29-F687-4f45-9708-019B960494DF}">
-                <a14:hiddenLine xmlns:a14="http://schemas.microsoft.com/office/drawing/2010/main" xmlns:p14="http://schemas.microsoft.com/office/powerpoint/2010/main" xmlns:a16="http://schemas.microsoft.com/office/drawing/2014/main" xmlns="" w="9525">
+                <a14:hiddenLine xmlns="" xmlns:a16="http://schemas.microsoft.com/office/drawing/2014/main" xmlns:p14="http://schemas.microsoft.com/office/powerpoint/2010/main" xmlns:a14="http://schemas.microsoft.com/office/drawing/2010/main" w="9525">
                   <a:solidFill>
                     <a:srgbClr val="000000"/>
                   </a:solidFill>
@@ -16930,7 +16930,7 @@
             </a:ln>
             <a:extLst>
               <a:ext uri="{91240B29-F687-4f45-9708-019B960494DF}">
-                <a14:hiddenLine xmlns:a14="http://schemas.microsoft.com/office/drawing/2010/main" xmlns:p14="http://schemas.microsoft.com/office/powerpoint/2010/main" xmlns:a16="http://schemas.microsoft.com/office/drawing/2014/main" xmlns="" w="9525">
+                <a14:hiddenLine xmlns="" xmlns:a16="http://schemas.microsoft.com/office/drawing/2014/main" xmlns:p14="http://schemas.microsoft.com/office/powerpoint/2010/main" xmlns:a14="http://schemas.microsoft.com/office/drawing/2010/main" w="9525">
                   <a:solidFill>
                     <a:srgbClr val="000000"/>
                   </a:solidFill>
@@ -17007,7 +17007,7 @@
             </a:ln>
             <a:extLst>
               <a:ext uri="{91240B29-F687-4f45-9708-019B960494DF}">
-                <a14:hiddenLine xmlns:a14="http://schemas.microsoft.com/office/drawing/2010/main" xmlns:p14="http://schemas.microsoft.com/office/powerpoint/2010/main" xmlns:a16="http://schemas.microsoft.com/office/drawing/2014/main" xmlns="" w="9525">
+                <a14:hiddenLine xmlns="" xmlns:a16="http://schemas.microsoft.com/office/drawing/2014/main" xmlns:p14="http://schemas.microsoft.com/office/powerpoint/2010/main" xmlns:a14="http://schemas.microsoft.com/office/drawing/2010/main" w="9525">
                   <a:solidFill>
                     <a:srgbClr val="000000"/>
                   </a:solidFill>
@@ -17112,7 +17112,7 @@
             </a:ln>
             <a:extLst>
               <a:ext uri="{91240B29-F687-4f45-9708-019B960494DF}">
-                <a14:hiddenLine xmlns:a14="http://schemas.microsoft.com/office/drawing/2010/main" xmlns:p14="http://schemas.microsoft.com/office/powerpoint/2010/main" xmlns:a16="http://schemas.microsoft.com/office/drawing/2014/main" xmlns="" w="9525">
+                <a14:hiddenLine xmlns="" xmlns:a16="http://schemas.microsoft.com/office/drawing/2014/main" xmlns:p14="http://schemas.microsoft.com/office/powerpoint/2010/main" xmlns:a14="http://schemas.microsoft.com/office/drawing/2010/main" w="9525">
                   <a:solidFill>
                     <a:srgbClr val="000000"/>
                   </a:solidFill>
@@ -17189,7 +17189,7 @@
             </a:ln>
             <a:extLst>
               <a:ext uri="{91240B29-F687-4f45-9708-019B960494DF}">
-                <a14:hiddenLine xmlns:a14="http://schemas.microsoft.com/office/drawing/2010/main" xmlns:p14="http://schemas.microsoft.com/office/powerpoint/2010/main" xmlns:a16="http://schemas.microsoft.com/office/drawing/2014/main" xmlns="" w="9525">
+                <a14:hiddenLine xmlns="" xmlns:a16="http://schemas.microsoft.com/office/drawing/2014/main" xmlns:p14="http://schemas.microsoft.com/office/powerpoint/2010/main" xmlns:a14="http://schemas.microsoft.com/office/drawing/2010/main" w="9525">
                   <a:solidFill>
                     <a:srgbClr val="000000"/>
                   </a:solidFill>
@@ -17294,7 +17294,7 @@
             </a:ln>
             <a:extLst>
               <a:ext uri="{91240B29-F687-4f45-9708-019B960494DF}">
-                <a14:hiddenLine xmlns:a14="http://schemas.microsoft.com/office/drawing/2010/main" xmlns:p14="http://schemas.microsoft.com/office/powerpoint/2010/main" xmlns:a16="http://schemas.microsoft.com/office/drawing/2014/main" xmlns="" w="9525">
+                <a14:hiddenLine xmlns="" xmlns:a16="http://schemas.microsoft.com/office/drawing/2014/main" xmlns:p14="http://schemas.microsoft.com/office/powerpoint/2010/main" xmlns:a14="http://schemas.microsoft.com/office/drawing/2010/main" w="9525">
                   <a:solidFill>
                     <a:srgbClr val="000000"/>
                   </a:solidFill>
@@ -17343,7 +17343,7 @@
             </a:ln>
             <a:extLst>
               <a:ext uri="{91240B29-F687-4f45-9708-019B960494DF}">
-                <a14:hiddenLine xmlns:a14="http://schemas.microsoft.com/office/drawing/2010/main" xmlns:p14="http://schemas.microsoft.com/office/powerpoint/2010/main" xmlns:a16="http://schemas.microsoft.com/office/drawing/2014/main" xmlns="" w="9525">
+                <a14:hiddenLine xmlns="" xmlns:a16="http://schemas.microsoft.com/office/drawing/2014/main" xmlns:p14="http://schemas.microsoft.com/office/powerpoint/2010/main" xmlns:a14="http://schemas.microsoft.com/office/drawing/2010/main" w="9525">
                   <a:solidFill>
                     <a:srgbClr val="000000"/>
                   </a:solidFill>
@@ -17423,7 +17423,7 @@
             </a:ln>
             <a:extLst>
               <a:ext uri="{91240B29-F687-4f45-9708-019B960494DF}">
-                <a14:hiddenLine xmlns:a14="http://schemas.microsoft.com/office/drawing/2010/main" xmlns:p14="http://schemas.microsoft.com/office/powerpoint/2010/main" xmlns:a16="http://schemas.microsoft.com/office/drawing/2014/main" xmlns="" w="9525">
+                <a14:hiddenLine xmlns="" xmlns:a16="http://schemas.microsoft.com/office/drawing/2014/main" xmlns:p14="http://schemas.microsoft.com/office/powerpoint/2010/main" xmlns:a14="http://schemas.microsoft.com/office/drawing/2010/main" w="9525">
                   <a:solidFill>
                     <a:srgbClr val="000000"/>
                   </a:solidFill>
@@ -17528,7 +17528,7 @@
             </a:ln>
             <a:extLst>
               <a:ext uri="{91240B29-F687-4f45-9708-019B960494DF}">
-                <a14:hiddenLine xmlns:a14="http://schemas.microsoft.com/office/drawing/2010/main" xmlns:p14="http://schemas.microsoft.com/office/powerpoint/2010/main" xmlns:a16="http://schemas.microsoft.com/office/drawing/2014/main" xmlns="" w="9525">
+                <a14:hiddenLine xmlns="" xmlns:a16="http://schemas.microsoft.com/office/drawing/2014/main" xmlns:p14="http://schemas.microsoft.com/office/powerpoint/2010/main" xmlns:a14="http://schemas.microsoft.com/office/drawing/2010/main" w="9525">
                   <a:solidFill>
                     <a:srgbClr val="000000"/>
                   </a:solidFill>
@@ -17605,7 +17605,7 @@
             </a:ln>
             <a:extLst>
               <a:ext uri="{91240B29-F687-4f45-9708-019B960494DF}">
-                <a14:hiddenLine xmlns:a14="http://schemas.microsoft.com/office/drawing/2010/main" xmlns:p14="http://schemas.microsoft.com/office/powerpoint/2010/main" xmlns:a16="http://schemas.microsoft.com/office/drawing/2014/main" xmlns="" w="9525">
+                <a14:hiddenLine xmlns="" xmlns:a16="http://schemas.microsoft.com/office/drawing/2014/main" xmlns:p14="http://schemas.microsoft.com/office/powerpoint/2010/main" xmlns:a14="http://schemas.microsoft.com/office/drawing/2010/main" w="9525">
                   <a:solidFill>
                     <a:srgbClr val="000000"/>
                   </a:solidFill>
@@ -17710,7 +17710,7 @@
             </a:ln>
             <a:extLst>
               <a:ext uri="{91240B29-F687-4f45-9708-019B960494DF}">
-                <a14:hiddenLine xmlns:a14="http://schemas.microsoft.com/office/drawing/2010/main" xmlns:p14="http://schemas.microsoft.com/office/powerpoint/2010/main" xmlns:a16="http://schemas.microsoft.com/office/drawing/2014/main" xmlns="" w="9525">
+                <a14:hiddenLine xmlns="" xmlns:a16="http://schemas.microsoft.com/office/drawing/2014/main" xmlns:p14="http://schemas.microsoft.com/office/powerpoint/2010/main" xmlns:a14="http://schemas.microsoft.com/office/drawing/2010/main" w="9525">
                   <a:solidFill>
                     <a:srgbClr val="000000"/>
                   </a:solidFill>
@@ -17815,7 +17815,7 @@
             </a:ln>
             <a:extLst>
               <a:ext uri="{91240B29-F687-4f45-9708-019B960494DF}">
-                <a14:hiddenLine xmlns:a14="http://schemas.microsoft.com/office/drawing/2010/main" xmlns:p14="http://schemas.microsoft.com/office/powerpoint/2010/main" xmlns:a16="http://schemas.microsoft.com/office/drawing/2014/main" xmlns="" w="9525">
+                <a14:hiddenLine xmlns="" xmlns:a16="http://schemas.microsoft.com/office/drawing/2014/main" xmlns:p14="http://schemas.microsoft.com/office/powerpoint/2010/main" xmlns:a14="http://schemas.microsoft.com/office/drawing/2010/main" w="9525">
                   <a:solidFill>
                     <a:srgbClr val="000000"/>
                   </a:solidFill>
@@ -17895,7 +17895,7 @@
             </a:ln>
             <a:extLst>
               <a:ext uri="{91240B29-F687-4f45-9708-019B960494DF}">
-                <a14:hiddenLine xmlns:a14="http://schemas.microsoft.com/office/drawing/2010/main" xmlns:p14="http://schemas.microsoft.com/office/powerpoint/2010/main" xmlns:a16="http://schemas.microsoft.com/office/drawing/2014/main" xmlns="" w="9525">
+                <a14:hiddenLine xmlns="" xmlns:a16="http://schemas.microsoft.com/office/drawing/2014/main" xmlns:p14="http://schemas.microsoft.com/office/powerpoint/2010/main" xmlns:a14="http://schemas.microsoft.com/office/drawing/2010/main" w="9525">
                   <a:solidFill>
                     <a:srgbClr val="000000"/>
                   </a:solidFill>
@@ -17972,7 +17972,7 @@
             </a:ln>
             <a:extLst>
               <a:ext uri="{91240B29-F687-4f45-9708-019B960494DF}">
-                <a14:hiddenLine xmlns:a14="http://schemas.microsoft.com/office/drawing/2010/main" xmlns:p14="http://schemas.microsoft.com/office/powerpoint/2010/main" xmlns:a16="http://schemas.microsoft.com/office/drawing/2014/main" xmlns="" w="9525">
+                <a14:hiddenLine xmlns="" xmlns:a16="http://schemas.microsoft.com/office/drawing/2014/main" xmlns:p14="http://schemas.microsoft.com/office/powerpoint/2010/main" xmlns:a14="http://schemas.microsoft.com/office/drawing/2010/main" w="9525">
                   <a:solidFill>
                     <a:srgbClr val="000000"/>
                   </a:solidFill>
@@ -18077,7 +18077,7 @@
             </a:ln>
             <a:extLst>
               <a:ext uri="{91240B29-F687-4f45-9708-019B960494DF}">
-                <a14:hiddenLine xmlns:a14="http://schemas.microsoft.com/office/drawing/2010/main" xmlns:p14="http://schemas.microsoft.com/office/powerpoint/2010/main" xmlns:a16="http://schemas.microsoft.com/office/drawing/2014/main" xmlns="" w="9525">
+                <a14:hiddenLine xmlns="" xmlns:a16="http://schemas.microsoft.com/office/drawing/2014/main" xmlns:p14="http://schemas.microsoft.com/office/powerpoint/2010/main" xmlns:a14="http://schemas.microsoft.com/office/drawing/2010/main" w="9525">
                   <a:solidFill>
                     <a:srgbClr val="000000"/>
                   </a:solidFill>
@@ -18182,7 +18182,7 @@
             </a:ln>
             <a:extLst>
               <a:ext uri="{91240B29-F687-4f45-9708-019B960494DF}">
-                <a14:hiddenLine xmlns:a14="http://schemas.microsoft.com/office/drawing/2010/main" xmlns:p14="http://schemas.microsoft.com/office/powerpoint/2010/main" xmlns:a16="http://schemas.microsoft.com/office/drawing/2014/main" xmlns="" w="9525">
+                <a14:hiddenLine xmlns="" xmlns:a16="http://schemas.microsoft.com/office/drawing/2014/main" xmlns:p14="http://schemas.microsoft.com/office/powerpoint/2010/main" xmlns:a14="http://schemas.microsoft.com/office/drawing/2010/main" w="9525">
                   <a:solidFill>
                     <a:srgbClr val="000000"/>
                   </a:solidFill>
@@ -18259,7 +18259,7 @@
             </a:ln>
             <a:extLst>
               <a:ext uri="{91240B29-F687-4f45-9708-019B960494DF}">
-                <a14:hiddenLine xmlns:a14="http://schemas.microsoft.com/office/drawing/2010/main" xmlns:p14="http://schemas.microsoft.com/office/powerpoint/2010/main" xmlns:a16="http://schemas.microsoft.com/office/drawing/2014/main" xmlns="" w="9525">
+                <a14:hiddenLine xmlns="" xmlns:a16="http://schemas.microsoft.com/office/drawing/2014/main" xmlns:p14="http://schemas.microsoft.com/office/powerpoint/2010/main" xmlns:a14="http://schemas.microsoft.com/office/drawing/2010/main" w="9525">
                   <a:solidFill>
                     <a:srgbClr val="000000"/>
                   </a:solidFill>
@@ -18394,7 +18394,7 @@
             </a:ln>
             <a:extLst>
               <a:ext uri="{91240B29-F687-4f45-9708-019B960494DF}">
-                <a14:hiddenLine xmlns:a14="http://schemas.microsoft.com/office/drawing/2010/main" xmlns:p14="http://schemas.microsoft.com/office/powerpoint/2010/main" xmlns:a16="http://schemas.microsoft.com/office/drawing/2014/main" xmlns="" w="9525">
+                <a14:hiddenLine xmlns="" xmlns:a16="http://schemas.microsoft.com/office/drawing/2014/main" xmlns:p14="http://schemas.microsoft.com/office/powerpoint/2010/main" xmlns:a14="http://schemas.microsoft.com/office/drawing/2010/main" w="9525">
                   <a:solidFill>
                     <a:srgbClr val="000000"/>
                   </a:solidFill>
@@ -18477,7 +18477,7 @@
             </a:ln>
             <a:extLst>
               <a:ext uri="{91240B29-F687-4f45-9708-019B960494DF}">
-                <a14:hiddenLine xmlns:a14="http://schemas.microsoft.com/office/drawing/2010/main" xmlns:p14="http://schemas.microsoft.com/office/powerpoint/2010/main" xmlns:a16="http://schemas.microsoft.com/office/drawing/2014/main" xmlns="" w="9525">
+                <a14:hiddenLine xmlns="" xmlns:a16="http://schemas.microsoft.com/office/drawing/2014/main" xmlns:p14="http://schemas.microsoft.com/office/powerpoint/2010/main" xmlns:a14="http://schemas.microsoft.com/office/drawing/2010/main" w="9525">
                   <a:solidFill>
                     <a:srgbClr val="000000"/>
                   </a:solidFill>
@@ -18582,7 +18582,7 @@
             </a:ln>
             <a:extLst>
               <a:ext uri="{91240B29-F687-4f45-9708-019B960494DF}">
-                <a14:hiddenLine xmlns:a14="http://schemas.microsoft.com/office/drawing/2010/main" xmlns:p14="http://schemas.microsoft.com/office/powerpoint/2010/main" xmlns:a16="http://schemas.microsoft.com/office/drawing/2014/main" xmlns="" w="9525">
+                <a14:hiddenLine xmlns="" xmlns:a16="http://schemas.microsoft.com/office/drawing/2014/main" xmlns:p14="http://schemas.microsoft.com/office/powerpoint/2010/main" xmlns:a14="http://schemas.microsoft.com/office/drawing/2010/main" w="9525">
                   <a:solidFill>
                     <a:srgbClr val="000000"/>
                   </a:solidFill>
@@ -18858,108 +18858,6 @@
           <p:cNvPr id="2" name="Titel 1">
             <a:extLst>
               <a:ext uri="{FF2B5EF4-FFF2-40B4-BE49-F238E27FC236}">
-                <a16:creationId xmlns:a16="http://schemas.microsoft.com/office/drawing/2014/main" id="{6A2E2546-DB16-4275-885E-7E7ED02E9B25}"/>
-              </a:ext>
-            </a:extLst>
-          </p:cNvPr>
-          <p:cNvSpPr>
-            <a:spLocks noGrp="1"/>
-          </p:cNvSpPr>
-          <p:nvPr>
-            <p:ph type="title"/>
-          </p:nvPr>
-        </p:nvSpPr>
-        <p:spPr>
-          <a:xfrm>
-            <a:off x="1141413" y="618518"/>
-            <a:ext cx="9905998" cy="1059362"/>
-          </a:xfrm>
-        </p:spPr>
-        <p:txBody>
-          <a:bodyPr>
-            <a:normAutofit/>
-          </a:bodyPr>
-          <a:lstStyle/>
-          <a:p>
-            <a:r>
-              <a:rPr lang="de-AT" dirty="0"/>
-              <a:t>UML </a:t>
-            </a:r>
-            <a:r>
-              <a:rPr lang="de-AT" dirty="0" err="1"/>
-              <a:t>RUNnable</a:t>
-            </a:r>
-            <a:endParaRPr lang="de-AT" dirty="0"/>
-          </a:p>
-        </p:txBody>
-      </p:sp>
-      <p:pic>
-        <p:nvPicPr>
-          <p:cNvPr id="8" name="Inhaltsplatzhalter 7">
-            <a:extLst>
-              <a:ext uri="{FF2B5EF4-FFF2-40B4-BE49-F238E27FC236}">
-                <a16:creationId xmlns:a16="http://schemas.microsoft.com/office/drawing/2014/main" id="{D837808A-3BE0-49B3-8F35-312BD1CD43BF}"/>
-              </a:ext>
-            </a:extLst>
-          </p:cNvPr>
-          <p:cNvPicPr>
-            <a:picLocks noGrp="1" noChangeAspect="1"/>
-          </p:cNvPicPr>
-          <p:nvPr>
-            <p:ph idx="1"/>
-          </p:nvPr>
-        </p:nvPicPr>
-        <p:blipFill>
-          <a:blip r:embed="rId2"/>
-          <a:stretch>
-            <a:fillRect/>
-          </a:stretch>
-        </p:blipFill>
-        <p:spPr>
-          <a:xfrm>
-            <a:off x="3046412" y="1974940"/>
-            <a:ext cx="6096000" cy="3419475"/>
-          </a:xfrm>
-          <a:prstGeom prst="rect">
-            <a:avLst/>
-          </a:prstGeom>
-        </p:spPr>
-      </p:pic>
-    </p:spTree>
-    <p:extLst>
-      <p:ext uri="{BB962C8B-B14F-4D97-AF65-F5344CB8AC3E}">
-        <p14:creationId xmlns:p14="http://schemas.microsoft.com/office/powerpoint/2010/main" val="923706505"/>
-      </p:ext>
-    </p:extLst>
-  </p:cSld>
-  <p:clrMapOvr>
-    <a:masterClrMapping/>
-  </p:clrMapOvr>
-</p:sld>
-</file>
-
-<file path=ppt/slides/slide5.xml><?xml version="1.0" encoding="utf-8"?>
-<p:sld xmlns:a="http://schemas.openxmlformats.org/drawingml/2006/main" xmlns:r="http://schemas.openxmlformats.org/officeDocument/2006/relationships" xmlns:p="http://schemas.openxmlformats.org/presentationml/2006/main">
-  <p:cSld>
-    <p:spTree>
-      <p:nvGrpSpPr>
-        <p:cNvPr id="1" name=""/>
-        <p:cNvGrpSpPr/>
-        <p:nvPr/>
-      </p:nvGrpSpPr>
-      <p:grpSpPr>
-        <a:xfrm>
-          <a:off x="0" y="0"/>
-          <a:ext cx="0" cy="0"/>
-          <a:chOff x="0" y="0"/>
-          <a:chExt cx="0" cy="0"/>
-        </a:xfrm>
-      </p:grpSpPr>
-      <p:sp>
-        <p:nvSpPr>
-          <p:cNvPr id="2" name="Titel 1">
-            <a:extLst>
-              <a:ext uri="{FF2B5EF4-FFF2-40B4-BE49-F238E27FC236}">
                 <a16:creationId xmlns:a16="http://schemas.microsoft.com/office/drawing/2014/main" id="{BDB3DF2C-E988-42B4-B77A-2C049F28F435}"/>
               </a:ext>
             </a:extLst>
@@ -19028,7 +18926,7 @@
 </p:sld>
 </file>
 
-<file path=ppt/slides/slide6.xml><?xml version="1.0" encoding="utf-8"?>
+<file path=ppt/slides/slide5.xml><?xml version="1.0" encoding="utf-8"?>
 <p:sld xmlns:a="http://schemas.openxmlformats.org/drawingml/2006/main" xmlns:r="http://schemas.openxmlformats.org/officeDocument/2006/relationships" xmlns:p="http://schemas.openxmlformats.org/presentationml/2006/main">
   <p:cSld>
     <p:spTree>
@@ -19775,7 +19673,7 @@
 </p:sld>
 </file>
 
-<file path=ppt/slides/slide7.xml><?xml version="1.0" encoding="utf-8"?>
+<file path=ppt/slides/slide6.xml><?xml version="1.0" encoding="utf-8"?>
 <p:sld xmlns:a="http://schemas.openxmlformats.org/drawingml/2006/main" xmlns:r="http://schemas.openxmlformats.org/officeDocument/2006/relationships" xmlns:p="http://schemas.openxmlformats.org/presentationml/2006/main">
   <p:cSld>
     <p:spTree>
@@ -19865,7 +19763,7 @@
 </p:sld>
 </file>
 
-<file path=ppt/slides/slide8.xml><?xml version="1.0" encoding="utf-8"?>
+<file path=ppt/slides/slide7.xml><?xml version="1.0" encoding="utf-8"?>
 <p:sld xmlns:a="http://schemas.openxmlformats.org/drawingml/2006/main" xmlns:r="http://schemas.openxmlformats.org/officeDocument/2006/relationships" xmlns:p="http://schemas.openxmlformats.org/presentationml/2006/main">
   <p:cSld>
     <p:spTree>
@@ -19943,6 +19841,138 @@
     <p:extLst>
       <p:ext uri="{BB962C8B-B14F-4D97-AF65-F5344CB8AC3E}">
         <p14:creationId xmlns:p14="http://schemas.microsoft.com/office/powerpoint/2010/main" val="699233114"/>
+      </p:ext>
+    </p:extLst>
+  </p:cSld>
+  <p:clrMapOvr>
+    <a:masterClrMapping/>
+  </p:clrMapOvr>
+</p:sld>
+</file>
+
+<file path=ppt/slides/slide8.xml><?xml version="1.0" encoding="utf-8"?>
+<p:sld xmlns:a="http://schemas.openxmlformats.org/drawingml/2006/main" xmlns:r="http://schemas.openxmlformats.org/officeDocument/2006/relationships" xmlns:p="http://schemas.openxmlformats.org/presentationml/2006/main">
+  <p:cSld>
+    <p:spTree>
+      <p:nvGrpSpPr>
+        <p:cNvPr id="1" name=""/>
+        <p:cNvGrpSpPr/>
+        <p:nvPr/>
+      </p:nvGrpSpPr>
+      <p:grpSpPr>
+        <a:xfrm>
+          <a:off x="0" y="0"/>
+          <a:ext cx="0" cy="0"/>
+          <a:chOff x="0" y="0"/>
+          <a:chExt cx="0" cy="0"/>
+        </a:xfrm>
+      </p:grpSpPr>
+      <p:sp>
+        <p:nvSpPr>
+          <p:cNvPr id="2" name="Titel 1">
+            <a:extLst>
+              <a:ext uri="{FF2B5EF4-FFF2-40B4-BE49-F238E27FC236}">
+                <a16:creationId xmlns:a16="http://schemas.microsoft.com/office/drawing/2014/main" id="{6A2E2546-DB16-4275-885E-7E7ED02E9B25}"/>
+              </a:ext>
+            </a:extLst>
+          </p:cNvPr>
+          <p:cNvSpPr>
+            <a:spLocks noGrp="1"/>
+          </p:cNvSpPr>
+          <p:nvPr>
+            <p:ph type="title"/>
+          </p:nvPr>
+        </p:nvSpPr>
+        <p:spPr>
+          <a:xfrm>
+            <a:off x="1141413" y="618518"/>
+            <a:ext cx="9905998" cy="1059362"/>
+          </a:xfrm>
+        </p:spPr>
+        <p:txBody>
+          <a:bodyPr>
+            <a:normAutofit/>
+          </a:bodyPr>
+          <a:lstStyle/>
+          <a:p>
+            <a:r>
+              <a:rPr lang="de-AT" dirty="0"/>
+              <a:t>UML </a:t>
+            </a:r>
+            <a:r>
+              <a:rPr lang="de-AT" dirty="0" err="1"/>
+              <a:t>RUNnable</a:t>
+            </a:r>
+            <a:endParaRPr lang="de-AT" dirty="0"/>
+          </a:p>
+        </p:txBody>
+      </p:sp>
+      <p:pic>
+        <p:nvPicPr>
+          <p:cNvPr id="8" name="Inhaltsplatzhalter 7">
+            <a:extLst>
+              <a:ext uri="{FF2B5EF4-FFF2-40B4-BE49-F238E27FC236}">
+                <a16:creationId xmlns:a16="http://schemas.microsoft.com/office/drawing/2014/main" id="{D837808A-3BE0-49B3-8F35-312BD1CD43BF}"/>
+              </a:ext>
+            </a:extLst>
+          </p:cNvPr>
+          <p:cNvPicPr>
+            <a:picLocks noGrp="1" noChangeAspect="1"/>
+          </p:cNvPicPr>
+          <p:nvPr>
+            <p:ph idx="1"/>
+          </p:nvPr>
+        </p:nvPicPr>
+        <p:blipFill>
+          <a:blip r:embed="rId2"/>
+          <a:stretch>
+            <a:fillRect/>
+          </a:stretch>
+        </p:blipFill>
+        <p:spPr>
+          <a:xfrm>
+            <a:off x="476832" y="1847618"/>
+            <a:ext cx="6096000" cy="3419475"/>
+          </a:xfrm>
+          <a:prstGeom prst="rect">
+            <a:avLst/>
+          </a:prstGeom>
+        </p:spPr>
+      </p:pic>
+      <p:pic>
+        <p:nvPicPr>
+          <p:cNvPr id="3" name="Grafik 2">
+            <a:extLst>
+              <a:ext uri="{FF2B5EF4-FFF2-40B4-BE49-F238E27FC236}">
+                <a16:creationId xmlns:a16="http://schemas.microsoft.com/office/drawing/2014/main" id="{688655B3-CA0A-4BA1-BB16-89A229A8E230}"/>
+              </a:ext>
+            </a:extLst>
+          </p:cNvPr>
+          <p:cNvPicPr>
+            <a:picLocks noChangeAspect="1"/>
+          </p:cNvPicPr>
+          <p:nvPr/>
+        </p:nvPicPr>
+        <p:blipFill>
+          <a:blip r:embed="rId3"/>
+          <a:stretch>
+            <a:fillRect/>
+          </a:stretch>
+        </p:blipFill>
+        <p:spPr>
+          <a:xfrm>
+            <a:off x="7209843" y="2339532"/>
+            <a:ext cx="4505325" cy="1600200"/>
+          </a:xfrm>
+          <a:prstGeom prst="rect">
+            <a:avLst/>
+          </a:prstGeom>
+        </p:spPr>
+      </p:pic>
+    </p:spTree>
+    <p:extLst>
+      <p:ext uri="{BB962C8B-B14F-4D97-AF65-F5344CB8AC3E}">
+        <p14:creationId xmlns:p14="http://schemas.microsoft.com/office/powerpoint/2010/main" val="923706505"/>
       </p:ext>
     </p:extLst>
   </p:cSld>
